--- a/UZOP - prosirenje - prezentacija.pptx
+++ b/UZOP - prosirenje - prezentacija.pptx
@@ -1,30 +1,30 @@
 
 <file path=ppt/presentation.xml><?xml version="1.0" encoding="utf-8"?>
-<p:presentation xmlns:a="http://schemas.openxmlformats.org/drawingml/2006/main" xmlns:r="http://schemas.openxmlformats.org/officeDocument/2006/relationships" xmlns:p="http://schemas.openxmlformats.org/presentationml/2006/main" xmlns:m="http://schemas.openxmlformats.org/officeDocument/2006/math" xmlns:a14="http://schemas.microsoft.com/office/drawing/2010/main">
+<p:presentation xmlns:a="http://schemas.openxmlformats.org/drawingml/2006/main" xmlns:r="http://schemas.openxmlformats.org/officeDocument/2006/relationships" xmlns:p="http://schemas.openxmlformats.org/presentationml/2006/main">
   <p:sldMasterIdLst>
-    <p:sldMasterId id="2147483648" r:id="rId5"/>
+    <p:sldMasterId id="2147483648" r:id="rId1"/>
   </p:sldMasterIdLst>
   <p:notesMasterIdLst>
-    <p:notesMasterId r:id="rId7"/>
+    <p:notesMasterId r:id="rId19"/>
   </p:notesMasterIdLst>
   <p:sldIdLst>
-    <p:sldId id="256" r:id="rId8"/>
-    <p:sldId id="257" r:id="rId9"/>
-    <p:sldId id="258" r:id="rId10"/>
-    <p:sldId id="259" r:id="rId11"/>
-    <p:sldId id="260" r:id="rId12"/>
-    <p:sldId id="261" r:id="rId13"/>
-    <p:sldId id="262" r:id="rId14"/>
-    <p:sldId id="263" r:id="rId15"/>
-    <p:sldId id="264" r:id="rId16"/>
-    <p:sldId id="265" r:id="rId17"/>
-    <p:sldId id="266" r:id="rId18"/>
-    <p:sldId id="267" r:id="rId19"/>
-    <p:sldId id="268" r:id="rId20"/>
-    <p:sldId id="269" r:id="rId21"/>
-    <p:sldId id="270" r:id="rId22"/>
-    <p:sldId id="271" r:id="rId23"/>
-    <p:sldId id="272" r:id="rId24"/>
+    <p:sldId id="256" r:id="rId2"/>
+    <p:sldId id="257" r:id="rId3"/>
+    <p:sldId id="258" r:id="rId4"/>
+    <p:sldId id="259" r:id="rId5"/>
+    <p:sldId id="260" r:id="rId6"/>
+    <p:sldId id="261" r:id="rId7"/>
+    <p:sldId id="262" r:id="rId8"/>
+    <p:sldId id="263" r:id="rId9"/>
+    <p:sldId id="264" r:id="rId10"/>
+    <p:sldId id="265" r:id="rId11"/>
+    <p:sldId id="266" r:id="rId12"/>
+    <p:sldId id="267" r:id="rId13"/>
+    <p:sldId id="268" r:id="rId14"/>
+    <p:sldId id="269" r:id="rId15"/>
+    <p:sldId id="270" r:id="rId16"/>
+    <p:sldId id="271" r:id="rId17"/>
+    <p:sldId id="272" r:id="rId18"/>
   </p:sldIdLst>
   <p:sldSz cx="24384000" cy="13716000"/>
   <p:notesSz cx="6858000" cy="9144000"/>
@@ -44,7 +44,7 @@
       <a:buFontTx/>
       <a:buNone/>
       <a:tabLst/>
-      <a:defRPr b="0" baseline="0" cap="none" i="0" spc="0" strike="noStrike" sz="1800" u="none" kumimoji="0" normalizeH="0">
+      <a:defRPr kumimoji="0" sz="1800" b="0" i="0" u="none" strike="noStrike" cap="none" spc="0" normalizeH="0" baseline="0">
         <a:ln>
           <a:noFill/>
         </a:ln>
@@ -70,7 +70,7 @@
       <a:buFontTx/>
       <a:buNone/>
       <a:tabLst/>
-      <a:defRPr b="0" baseline="0" cap="none" i="0" spc="0" strike="noStrike" sz="2400" u="none" kumimoji="0" normalizeH="0">
+      <a:defRPr kumimoji="0" sz="2400" b="0" i="0" u="none" strike="noStrike" cap="none" spc="0" normalizeH="0" baseline="0">
         <a:ln>
           <a:noFill/>
         </a:ln>
@@ -100,7 +100,7 @@
       <a:buFontTx/>
       <a:buNone/>
       <a:tabLst/>
-      <a:defRPr b="0" baseline="0" cap="none" i="0" spc="0" strike="noStrike" sz="2400" u="none" kumimoji="0" normalizeH="0">
+      <a:defRPr kumimoji="0" sz="2400" b="0" i="0" u="none" strike="noStrike" cap="none" spc="0" normalizeH="0" baseline="0">
         <a:ln>
           <a:noFill/>
         </a:ln>
@@ -130,7 +130,7 @@
       <a:buFontTx/>
       <a:buNone/>
       <a:tabLst/>
-      <a:defRPr b="0" baseline="0" cap="none" i="0" spc="0" strike="noStrike" sz="2400" u="none" kumimoji="0" normalizeH="0">
+      <a:defRPr kumimoji="0" sz="2400" b="0" i="0" u="none" strike="noStrike" cap="none" spc="0" normalizeH="0" baseline="0">
         <a:ln>
           <a:noFill/>
         </a:ln>
@@ -160,7 +160,7 @@
       <a:buFontTx/>
       <a:buNone/>
       <a:tabLst/>
-      <a:defRPr b="0" baseline="0" cap="none" i="0" spc="0" strike="noStrike" sz="2400" u="none" kumimoji="0" normalizeH="0">
+      <a:defRPr kumimoji="0" sz="2400" b="0" i="0" u="none" strike="noStrike" cap="none" spc="0" normalizeH="0" baseline="0">
         <a:ln>
           <a:noFill/>
         </a:ln>
@@ -190,7 +190,7 @@
       <a:buFontTx/>
       <a:buNone/>
       <a:tabLst/>
-      <a:defRPr b="0" baseline="0" cap="none" i="0" spc="0" strike="noStrike" sz="2400" u="none" kumimoji="0" normalizeH="0">
+      <a:defRPr kumimoji="0" sz="2400" b="0" i="0" u="none" strike="noStrike" cap="none" spc="0" normalizeH="0" baseline="0">
         <a:ln>
           <a:noFill/>
         </a:ln>
@@ -220,7 +220,7 @@
       <a:buFontTx/>
       <a:buNone/>
       <a:tabLst/>
-      <a:defRPr b="0" baseline="0" cap="none" i="0" spc="0" strike="noStrike" sz="2400" u="none" kumimoji="0" normalizeH="0">
+      <a:defRPr kumimoji="0" sz="2400" b="0" i="0" u="none" strike="noStrike" cap="none" spc="0" normalizeH="0" baseline="0">
         <a:ln>
           <a:noFill/>
         </a:ln>
@@ -250,7 +250,7 @@
       <a:buFontTx/>
       <a:buNone/>
       <a:tabLst/>
-      <a:defRPr b="0" baseline="0" cap="none" i="0" spc="0" strike="noStrike" sz="2400" u="none" kumimoji="0" normalizeH="0">
+      <a:defRPr kumimoji="0" sz="2400" b="0" i="0" u="none" strike="noStrike" cap="none" spc="0" normalizeH="0" baseline="0">
         <a:ln>
           <a:noFill/>
         </a:ln>
@@ -280,7 +280,7 @@
       <a:buFontTx/>
       <a:buNone/>
       <a:tabLst/>
-      <a:defRPr b="0" baseline="0" cap="none" i="0" spc="0" strike="noStrike" sz="2400" u="none" kumimoji="0" normalizeH="0">
+      <a:defRPr kumimoji="0" sz="2400" b="0" i="0" u="none" strike="noStrike" cap="none" spc="0" normalizeH="0" baseline="0">
         <a:ln>
           <a:noFill/>
         </a:ln>
@@ -310,7 +310,7 @@
       <a:buFontTx/>
       <a:buNone/>
       <a:tabLst/>
-      <a:defRPr b="0" baseline="0" cap="none" i="0" spc="0" strike="noStrike" sz="2400" u="none" kumimoji="0" normalizeH="0">
+      <a:defRPr kumimoji="0" sz="2400" b="0" i="0" u="none" strike="noStrike" cap="none" spc="0" normalizeH="0" baseline="0">
         <a:ln>
           <a:noFill/>
         </a:ln>
@@ -329,13 +329,14 @@
 </p:presentation>
 </file>
 
-<file path=ppt/commentAuthors.xml><?xml version="1.0" encoding="utf-8"?>
-<p:cmAuthorLst xmlns:a="http://schemas.openxmlformats.org/drawingml/2006/main" xmlns:r="http://schemas.openxmlformats.org/officeDocument/2006/relationships" xmlns:p="http://schemas.openxmlformats.org/presentationml/2006/main" xmlns:m="http://schemas.openxmlformats.org/officeDocument/2006/math" xmlns:a14="http://schemas.microsoft.com/office/drawing/2010/main"/>
-</file>
-
 <file path=ppt/notesMasters/notesMaster1.xml><?xml version="1.0" encoding="utf-8"?>
-<p:notesMaster xmlns:a="http://schemas.openxmlformats.org/drawingml/2006/main" xmlns:r="http://schemas.openxmlformats.org/officeDocument/2006/relationships" xmlns:p="http://schemas.openxmlformats.org/presentationml/2006/main" xmlns:m="http://schemas.openxmlformats.org/officeDocument/2006/math" xmlns:a14="http://schemas.microsoft.com/office/drawing/2010/main">
+<p:notesMaster xmlns:a="http://schemas.openxmlformats.org/drawingml/2006/main" xmlns:r="http://schemas.openxmlformats.org/officeDocument/2006/relationships" xmlns:p="http://schemas.openxmlformats.org/presentationml/2006/main">
   <p:cSld>
+    <p:bg>
+      <p:bgRef idx="1001">
+        <a:schemeClr val="bg1"/>
+      </p:bgRef>
+    </p:bg>
     <p:spTree>
       <p:nvGrpSpPr>
         <p:cNvPr id="1" name=""/>
@@ -353,7 +354,9 @@
       <p:sp>
         <p:nvSpPr>
           <p:cNvPr id="148" name="Shape 148"/>
-          <p:cNvSpPr/>
+          <p:cNvSpPr>
+            <a:spLocks noGrp="1" noRot="1" noChangeAspect="1"/>
+          </p:cNvSpPr>
           <p:nvPr>
             <p:ph type="sldImg"/>
           </p:nvPr>
@@ -371,14 +374,16 @@
           <a:bodyPr/>
           <a:lstStyle/>
           <a:p>
-            <a:pPr/>
+            <a:endParaRPr/>
           </a:p>
         </p:txBody>
       </p:sp>
       <p:sp>
         <p:nvSpPr>
           <p:cNvPr id="149" name="Shape 149"/>
-          <p:cNvSpPr/>
+          <p:cNvSpPr>
+            <a:spLocks noGrp="1"/>
+          </p:cNvSpPr>
           <p:nvPr>
             <p:ph type="body" sz="quarter" idx="1"/>
           </p:nvPr>
@@ -396,7 +401,7 @@
           <a:bodyPr/>
           <a:lstStyle/>
           <a:p>
-            <a:pPr/>
+            <a:endParaRPr/>
           </a:p>
         </p:txBody>
       </p:sp>
@@ -508,7 +513,7 @@
 </file>
 
 <file path=ppt/slideLayouts/slideLayout1.xml><?xml version="1.0" encoding="utf-8"?>
-<p:sldLayout xmlns:a="http://schemas.openxmlformats.org/drawingml/2006/main" xmlns:r="http://schemas.openxmlformats.org/officeDocument/2006/relationships" xmlns:p="http://schemas.openxmlformats.org/presentationml/2006/main" xmlns:m="http://schemas.openxmlformats.org/officeDocument/2006/math" xmlns:a14="http://schemas.microsoft.com/office/drawing/2010/main" type="title" showMasterSp="1" showMasterPhAnim="1">
+<p:sldLayout xmlns:a="http://schemas.openxmlformats.org/drawingml/2006/main" xmlns:r="http://schemas.openxmlformats.org/officeDocument/2006/relationships" xmlns:p="http://schemas.openxmlformats.org/presentationml/2006/main" type="title">
   <p:cSld name="Naslov">
     <p:spTree>
       <p:nvGrpSpPr>
@@ -527,7 +532,9 @@
       <p:sp>
         <p:nvSpPr>
           <p:cNvPr id="11" name="Autor i datum"/>
-          <p:cNvSpPr txBox="1"/>
+          <p:cNvSpPr txBox="1">
+            <a:spLocks noGrp="1"/>
+          </p:cNvSpPr>
           <p:nvPr>
             <p:ph type="body" sz="quarter" idx="21" hasCustomPrompt="1"/>
           </p:nvPr>
@@ -553,11 +560,10 @@
               </a:spcBef>
               <a:buSzTx/>
               <a:buNone/>
-              <a:defRPr b="1" sz="3600"/>
+              <a:defRPr sz="3600" b="1"/>
             </a:lvl1pPr>
           </a:lstStyle>
           <a:p>
-            <a:pPr/>
             <a:r>
               <a:t>Autor i datum</a:t>
             </a:r>
@@ -567,7 +573,9 @@
       <p:sp>
         <p:nvSpPr>
           <p:cNvPr id="12" name="Naslov prezentacije"/>
-          <p:cNvSpPr txBox="1"/>
+          <p:cNvSpPr txBox="1">
+            <a:spLocks noGrp="1"/>
+          </p:cNvSpPr>
           <p:nvPr>
             <p:ph type="title" hasCustomPrompt="1"/>
           </p:nvPr>
@@ -585,11 +593,10 @@
           <a:bodyPr anchor="b"/>
           <a:lstStyle>
             <a:lvl1pPr>
-              <a:defRPr spc="-232" sz="11600"/>
+              <a:defRPr sz="11600" spc="-232"/>
             </a:lvl1pPr>
           </a:lstStyle>
           <a:p>
-            <a:pPr/>
             <a:r>
               <a:t>Naslov prezentacije</a:t>
             </a:r>
@@ -599,7 +606,9 @@
       <p:sp>
         <p:nvSpPr>
           <p:cNvPr id="13" name="Tijelo razine jedan…"/>
-          <p:cNvSpPr txBox="1"/>
+          <p:cNvSpPr txBox="1">
+            <a:spLocks noGrp="1"/>
+          </p:cNvSpPr>
           <p:nvPr>
             <p:ph type="body" sz="quarter" idx="1" hasCustomPrompt="1"/>
           </p:nvPr>
@@ -625,7 +634,7 @@
               </a:spcBef>
               <a:buSzTx/>
               <a:buNone/>
-              <a:defRPr b="1" sz="5500"/>
+              <a:defRPr sz="5500" b="1"/>
             </a:lvl1pPr>
             <a:lvl2pPr marL="0" indent="457200" defTabSz="825500">
               <a:lnSpc>
@@ -636,7 +645,7 @@
               </a:spcBef>
               <a:buSzTx/>
               <a:buNone/>
-              <a:defRPr b="1" sz="5500"/>
+              <a:defRPr sz="5500" b="1"/>
             </a:lvl2pPr>
             <a:lvl3pPr marL="0" indent="914400" defTabSz="825500">
               <a:lnSpc>
@@ -647,7 +656,7 @@
               </a:spcBef>
               <a:buSzTx/>
               <a:buNone/>
-              <a:defRPr b="1" sz="5500"/>
+              <a:defRPr sz="5500" b="1"/>
             </a:lvl3pPr>
             <a:lvl4pPr marL="0" indent="1371600" defTabSz="825500">
               <a:lnSpc>
@@ -658,7 +667,7 @@
               </a:spcBef>
               <a:buSzTx/>
               <a:buNone/>
-              <a:defRPr b="1" sz="5500"/>
+              <a:defRPr sz="5500" b="1"/>
             </a:lvl4pPr>
             <a:lvl5pPr marL="0" indent="1828800" defTabSz="825500">
               <a:lnSpc>
@@ -669,45 +678,38 @@
               </a:spcBef>
               <a:buSzTx/>
               <a:buNone/>
-              <a:defRPr b="1" sz="5500"/>
+              <a:defRPr sz="5500" b="1"/>
             </a:lvl5pPr>
           </a:lstStyle>
           <a:p>
-            <a:pPr/>
             <a:r>
               <a:t>Podnaslov prezentacije</a:t>
             </a:r>
           </a:p>
           <a:p>
             <a:pPr lvl="1"/>
-            <a:r>
-              <a:t/>
-            </a:r>
+            <a:endParaRPr/>
           </a:p>
           <a:p>
             <a:pPr lvl="2"/>
-            <a:r>
-              <a:t/>
-            </a:r>
+            <a:endParaRPr/>
           </a:p>
           <a:p>
             <a:pPr lvl="3"/>
-            <a:r>
-              <a:t/>
-            </a:r>
+            <a:endParaRPr/>
           </a:p>
           <a:p>
             <a:pPr lvl="4"/>
-            <a:r>
-              <a:t/>
-            </a:r>
+            <a:endParaRPr/>
           </a:p>
         </p:txBody>
       </p:sp>
       <p:sp>
         <p:nvSpPr>
           <p:cNvPr id="14" name="Broj slajda"/>
-          <p:cNvSpPr txBox="1"/>
+          <p:cNvSpPr txBox="1">
+            <a:spLocks noGrp="1"/>
+          </p:cNvSpPr>
           <p:nvPr>
             <p:ph type="sldNum" sz="quarter" idx="2"/>
           </p:nvPr>
@@ -721,8 +723,10 @@
           <a:bodyPr/>
           <a:lstStyle/>
           <a:p>
-            <a:pPr/>
-            <a:fld id="{86CB4B4D-7CA3-9044-876B-883B54F8677D}" type="slidenum"/>
+            <a:fld id="{86CB4B4D-7CA3-9044-876B-883B54F8677D}" type="slidenum">
+              <a:t>‹#›</a:t>
+            </a:fld>
+            <a:endParaRPr/>
           </a:p>
         </p:txBody>
       </p:sp>
@@ -731,12 +735,12 @@
   <p:clrMapOvr>
     <a:masterClrMapping/>
   </p:clrMapOvr>
-  <p:transition xmlns:p14="http://schemas.microsoft.com/office/powerpoint/2010/main" spd="med" advClick="1"/>
+  <p:transition spd="med"/>
 </p:sldLayout>
 </file>
 
 <file path=ppt/slideLayouts/slideLayout10.xml><?xml version="1.0" encoding="utf-8"?>
-<p:sldLayout xmlns:a="http://schemas.openxmlformats.org/drawingml/2006/main" xmlns:r="http://schemas.openxmlformats.org/officeDocument/2006/relationships" xmlns:p="http://schemas.openxmlformats.org/presentationml/2006/main" xmlns:m="http://schemas.openxmlformats.org/officeDocument/2006/math" xmlns:a14="http://schemas.microsoft.com/office/drawing/2010/main" type="tx" showMasterSp="1" showMasterPhAnim="1">
+<p:sldLayout xmlns:a="http://schemas.openxmlformats.org/drawingml/2006/main" xmlns:r="http://schemas.openxmlformats.org/officeDocument/2006/relationships" xmlns:p="http://schemas.openxmlformats.org/presentationml/2006/main" type="tx">
   <p:cSld name="Izjava">
     <p:spTree>
       <p:nvGrpSpPr>
@@ -755,7 +759,9 @@
       <p:sp>
         <p:nvSpPr>
           <p:cNvPr id="98" name="Tijelo razine jedan…"/>
-          <p:cNvSpPr txBox="1"/>
+          <p:cNvSpPr txBox="1">
+            <a:spLocks noGrp="1"/>
+          </p:cNvSpPr>
           <p:nvPr>
             <p:ph type="body" sz="half" idx="1" hasCustomPrompt="1"/>
           </p:nvPr>
@@ -781,7 +787,7 @@
               </a:spcBef>
               <a:buSzTx/>
               <a:buNone/>
-              <a:defRPr spc="-232" sz="11600">
+              <a:defRPr sz="11600" spc="-232">
                 <a:latin typeface="Helvetica Neue Medium"/>
                 <a:ea typeface="Helvetica Neue Medium"/>
                 <a:cs typeface="Helvetica Neue Medium"/>
@@ -797,7 +803,7 @@
               </a:spcBef>
               <a:buSzTx/>
               <a:buNone/>
-              <a:defRPr spc="-232" sz="11600">
+              <a:defRPr sz="11600" spc="-232">
                 <a:latin typeface="Helvetica Neue Medium"/>
                 <a:ea typeface="Helvetica Neue Medium"/>
                 <a:cs typeface="Helvetica Neue Medium"/>
@@ -813,7 +819,7 @@
               </a:spcBef>
               <a:buSzTx/>
               <a:buNone/>
-              <a:defRPr spc="-232" sz="11600">
+              <a:defRPr sz="11600" spc="-232">
                 <a:latin typeface="Helvetica Neue Medium"/>
                 <a:ea typeface="Helvetica Neue Medium"/>
                 <a:cs typeface="Helvetica Neue Medium"/>
@@ -829,7 +835,7 @@
               </a:spcBef>
               <a:buSzTx/>
               <a:buNone/>
-              <a:defRPr spc="-232" sz="11600">
+              <a:defRPr sz="11600" spc="-232">
                 <a:latin typeface="Helvetica Neue Medium"/>
                 <a:ea typeface="Helvetica Neue Medium"/>
                 <a:cs typeface="Helvetica Neue Medium"/>
@@ -845,7 +851,7 @@
               </a:spcBef>
               <a:buSzTx/>
               <a:buNone/>
-              <a:defRPr spc="-232" sz="11600">
+              <a:defRPr sz="11600" spc="-232">
                 <a:latin typeface="Helvetica Neue Medium"/>
                 <a:ea typeface="Helvetica Neue Medium"/>
                 <a:cs typeface="Helvetica Neue Medium"/>
@@ -854,41 +860,34 @@
             </a:lvl5pPr>
           </a:lstStyle>
           <a:p>
-            <a:pPr/>
             <a:r>
               <a:t>Izjava</a:t>
             </a:r>
           </a:p>
           <a:p>
             <a:pPr lvl="1"/>
-            <a:r>
-              <a:t/>
-            </a:r>
+            <a:endParaRPr/>
           </a:p>
           <a:p>
             <a:pPr lvl="2"/>
-            <a:r>
-              <a:t/>
-            </a:r>
+            <a:endParaRPr/>
           </a:p>
           <a:p>
             <a:pPr lvl="3"/>
-            <a:r>
-              <a:t/>
-            </a:r>
+            <a:endParaRPr/>
           </a:p>
           <a:p>
             <a:pPr lvl="4"/>
-            <a:r>
-              <a:t/>
-            </a:r>
+            <a:endParaRPr/>
           </a:p>
         </p:txBody>
       </p:sp>
       <p:sp>
         <p:nvSpPr>
           <p:cNvPr id="99" name="Broj slajda"/>
-          <p:cNvSpPr txBox="1"/>
+          <p:cNvSpPr txBox="1">
+            <a:spLocks noGrp="1"/>
+          </p:cNvSpPr>
           <p:nvPr>
             <p:ph type="sldNum" sz="quarter" idx="2"/>
           </p:nvPr>
@@ -902,8 +901,10 @@
           <a:bodyPr/>
           <a:lstStyle/>
           <a:p>
-            <a:pPr/>
-            <a:fld id="{86CB4B4D-7CA3-9044-876B-883B54F8677D}" type="slidenum"/>
+            <a:fld id="{86CB4B4D-7CA3-9044-876B-883B54F8677D}" type="slidenum">
+              <a:t>‹#›</a:t>
+            </a:fld>
+            <a:endParaRPr/>
           </a:p>
         </p:txBody>
       </p:sp>
@@ -912,12 +913,12 @@
   <p:clrMapOvr>
     <a:masterClrMapping/>
   </p:clrMapOvr>
-  <p:transition xmlns:p14="http://schemas.microsoft.com/office/powerpoint/2010/main" spd="med" advClick="1"/>
+  <p:transition spd="med"/>
 </p:sldLayout>
 </file>
 
 <file path=ppt/slideLayouts/slideLayout11.xml><?xml version="1.0" encoding="utf-8"?>
-<p:sldLayout xmlns:a="http://schemas.openxmlformats.org/drawingml/2006/main" xmlns:r="http://schemas.openxmlformats.org/officeDocument/2006/relationships" xmlns:p="http://schemas.openxmlformats.org/presentationml/2006/main" xmlns:m="http://schemas.openxmlformats.org/officeDocument/2006/math" xmlns:a14="http://schemas.microsoft.com/office/drawing/2010/main" type="tx" showMasterSp="1" showMasterPhAnim="1">
+<p:sldLayout xmlns:a="http://schemas.openxmlformats.org/drawingml/2006/main" xmlns:r="http://schemas.openxmlformats.org/officeDocument/2006/relationships" xmlns:p="http://schemas.openxmlformats.org/presentationml/2006/main" type="tx">
   <p:cSld name="Važna činjenica">
     <p:spTree>
       <p:nvGrpSpPr>
@@ -936,7 +937,9 @@
       <p:sp>
         <p:nvSpPr>
           <p:cNvPr id="106" name="Tijelo razine jedan…"/>
-          <p:cNvSpPr txBox="1"/>
+          <p:cNvSpPr txBox="1">
+            <a:spLocks noGrp="1"/>
+          </p:cNvSpPr>
           <p:nvPr>
             <p:ph type="body" idx="1" hasCustomPrompt="1"/>
           </p:nvPr>
@@ -962,7 +965,7 @@
               </a:spcBef>
               <a:buSzTx/>
               <a:buNone/>
-              <a:defRPr b="1" spc="-250" sz="25000"/>
+              <a:defRPr sz="25000" b="1" spc="-250"/>
             </a:lvl1pPr>
             <a:lvl2pPr marL="0" indent="457200" algn="ctr">
               <a:lnSpc>
@@ -973,7 +976,7 @@
               </a:spcBef>
               <a:buSzTx/>
               <a:buNone/>
-              <a:defRPr b="1" spc="-250" sz="25000"/>
+              <a:defRPr sz="25000" b="1" spc="-250"/>
             </a:lvl2pPr>
             <a:lvl3pPr marL="0" indent="914400" algn="ctr">
               <a:lnSpc>
@@ -984,7 +987,7 @@
               </a:spcBef>
               <a:buSzTx/>
               <a:buNone/>
-              <a:defRPr b="1" spc="-250" sz="25000"/>
+              <a:defRPr sz="25000" b="1" spc="-250"/>
             </a:lvl3pPr>
             <a:lvl4pPr marL="0" indent="1371600" algn="ctr">
               <a:lnSpc>
@@ -995,7 +998,7 @@
               </a:spcBef>
               <a:buSzTx/>
               <a:buNone/>
-              <a:defRPr b="1" spc="-250" sz="25000"/>
+              <a:defRPr sz="25000" b="1" spc="-250"/>
             </a:lvl4pPr>
             <a:lvl5pPr marL="0" indent="1828800" algn="ctr">
               <a:lnSpc>
@@ -1006,45 +1009,38 @@
               </a:spcBef>
               <a:buSzTx/>
               <a:buNone/>
-              <a:defRPr b="1" spc="-250" sz="25000"/>
+              <a:defRPr sz="25000" b="1" spc="-250"/>
             </a:lvl5pPr>
           </a:lstStyle>
           <a:p>
-            <a:pPr/>
             <a:r>
               <a:t>100%</a:t>
             </a:r>
           </a:p>
           <a:p>
             <a:pPr lvl="1"/>
-            <a:r>
-              <a:t/>
-            </a:r>
+            <a:endParaRPr/>
           </a:p>
           <a:p>
             <a:pPr lvl="2"/>
-            <a:r>
-              <a:t/>
-            </a:r>
+            <a:endParaRPr/>
           </a:p>
           <a:p>
             <a:pPr lvl="3"/>
-            <a:r>
-              <a:t/>
-            </a:r>
+            <a:endParaRPr/>
           </a:p>
           <a:p>
             <a:pPr lvl="4"/>
-            <a:r>
-              <a:t/>
-            </a:r>
+            <a:endParaRPr/>
           </a:p>
         </p:txBody>
       </p:sp>
       <p:sp>
         <p:nvSpPr>
           <p:cNvPr id="107" name="Činjenične informacije"/>
-          <p:cNvSpPr txBox="1"/>
+          <p:cNvSpPr txBox="1">
+            <a:spLocks noGrp="1"/>
+          </p:cNvSpPr>
           <p:nvPr>
             <p:ph type="body" sz="quarter" idx="21" hasCustomPrompt="1"/>
           </p:nvPr>
@@ -1070,11 +1066,10 @@
               </a:spcBef>
               <a:buSzTx/>
               <a:buNone/>
-              <a:defRPr b="1" sz="5500"/>
+              <a:defRPr sz="5500" b="1"/>
             </a:lvl1pPr>
           </a:lstStyle>
           <a:p>
-            <a:pPr/>
             <a:r>
               <a:t>Činjenične informacije</a:t>
             </a:r>
@@ -1084,7 +1079,9 @@
       <p:sp>
         <p:nvSpPr>
           <p:cNvPr id="108" name="Broj slajda"/>
-          <p:cNvSpPr txBox="1"/>
+          <p:cNvSpPr txBox="1">
+            <a:spLocks noGrp="1"/>
+          </p:cNvSpPr>
           <p:nvPr>
             <p:ph type="sldNum" sz="quarter" idx="2"/>
           </p:nvPr>
@@ -1098,8 +1095,10 @@
           <a:bodyPr/>
           <a:lstStyle/>
           <a:p>
-            <a:pPr/>
-            <a:fld id="{86CB4B4D-7CA3-9044-876B-883B54F8677D}" type="slidenum"/>
+            <a:fld id="{86CB4B4D-7CA3-9044-876B-883B54F8677D}" type="slidenum">
+              <a:t>‹#›</a:t>
+            </a:fld>
+            <a:endParaRPr/>
           </a:p>
         </p:txBody>
       </p:sp>
@@ -1108,12 +1107,12 @@
   <p:clrMapOvr>
     <a:masterClrMapping/>
   </p:clrMapOvr>
-  <p:transition xmlns:p14="http://schemas.microsoft.com/office/powerpoint/2010/main" spd="med" advClick="1"/>
+  <p:transition spd="med"/>
 </p:sldLayout>
 </file>
 
 <file path=ppt/slideLayouts/slideLayout12.xml><?xml version="1.0" encoding="utf-8"?>
-<p:sldLayout xmlns:a="http://schemas.openxmlformats.org/drawingml/2006/main" xmlns:r="http://schemas.openxmlformats.org/officeDocument/2006/relationships" xmlns:p="http://schemas.openxmlformats.org/presentationml/2006/main" xmlns:m="http://schemas.openxmlformats.org/officeDocument/2006/math" xmlns:a14="http://schemas.microsoft.com/office/drawing/2010/main" type="tx" showMasterSp="1" showMasterPhAnim="1">
+<p:sldLayout xmlns:a="http://schemas.openxmlformats.org/drawingml/2006/main" xmlns:r="http://schemas.openxmlformats.org/officeDocument/2006/relationships" xmlns:p="http://schemas.openxmlformats.org/presentationml/2006/main" type="tx">
   <p:cSld name="Citat">
     <p:spTree>
       <p:nvGrpSpPr>
@@ -1132,7 +1131,9 @@
       <p:sp>
         <p:nvSpPr>
           <p:cNvPr id="115" name="Atribucija"/>
-          <p:cNvSpPr txBox="1"/>
+          <p:cNvSpPr txBox="1">
+            <a:spLocks noGrp="1"/>
+          </p:cNvSpPr>
           <p:nvPr>
             <p:ph type="body" sz="quarter" idx="21" hasCustomPrompt="1"/>
           </p:nvPr>
@@ -1158,11 +1159,10 @@
               </a:spcBef>
               <a:buSzTx/>
               <a:buNone/>
-              <a:defRPr b="1" sz="3600"/>
+              <a:defRPr sz="3600" b="1"/>
             </a:lvl1pPr>
           </a:lstStyle>
           <a:p>
-            <a:pPr/>
             <a:r>
               <a:t>Atribucija</a:t>
             </a:r>
@@ -1172,7 +1172,9 @@
       <p:sp>
         <p:nvSpPr>
           <p:cNvPr id="116" name="Tijelo razine jedan…"/>
-          <p:cNvSpPr txBox="1"/>
+          <p:cNvSpPr txBox="1">
+            <a:spLocks noGrp="1"/>
+          </p:cNvSpPr>
           <p:nvPr>
             <p:ph type="body" sz="half" idx="1" hasCustomPrompt="1"/>
           </p:nvPr>
@@ -1195,7 +1197,7 @@
               </a:spcBef>
               <a:buSzTx/>
               <a:buNone/>
-              <a:defRPr spc="-170" sz="8500">
+              <a:defRPr sz="8500" spc="-170">
                 <a:latin typeface="Helvetica Neue Medium"/>
                 <a:ea typeface="Helvetica Neue Medium"/>
                 <a:cs typeface="Helvetica Neue Medium"/>
@@ -1208,7 +1210,7 @@
               </a:spcBef>
               <a:buSzTx/>
               <a:buNone/>
-              <a:defRPr spc="-170" sz="8500">
+              <a:defRPr sz="8500" spc="-170">
                 <a:latin typeface="Helvetica Neue Medium"/>
                 <a:ea typeface="Helvetica Neue Medium"/>
                 <a:cs typeface="Helvetica Neue Medium"/>
@@ -1221,7 +1223,7 @@
               </a:spcBef>
               <a:buSzTx/>
               <a:buNone/>
-              <a:defRPr spc="-170" sz="8500">
+              <a:defRPr sz="8500" spc="-170">
                 <a:latin typeface="Helvetica Neue Medium"/>
                 <a:ea typeface="Helvetica Neue Medium"/>
                 <a:cs typeface="Helvetica Neue Medium"/>
@@ -1234,7 +1236,7 @@
               </a:spcBef>
               <a:buSzTx/>
               <a:buNone/>
-              <a:defRPr spc="-170" sz="8500">
+              <a:defRPr sz="8500" spc="-170">
                 <a:latin typeface="Helvetica Neue Medium"/>
                 <a:ea typeface="Helvetica Neue Medium"/>
                 <a:cs typeface="Helvetica Neue Medium"/>
@@ -1247,7 +1249,7 @@
               </a:spcBef>
               <a:buSzTx/>
               <a:buNone/>
-              <a:defRPr spc="-170" sz="8500">
+              <a:defRPr sz="8500" spc="-170">
                 <a:latin typeface="Helvetica Neue Medium"/>
                 <a:ea typeface="Helvetica Neue Medium"/>
                 <a:cs typeface="Helvetica Neue Medium"/>
@@ -1256,41 +1258,34 @@
             </a:lvl5pPr>
           </a:lstStyle>
           <a:p>
-            <a:pPr/>
             <a:r>
               <a:t>“Istaknuti navodnici”</a:t>
             </a:r>
           </a:p>
           <a:p>
             <a:pPr lvl="1"/>
-            <a:r>
-              <a:t/>
-            </a:r>
+            <a:endParaRPr/>
           </a:p>
           <a:p>
             <a:pPr lvl="2"/>
-            <a:r>
-              <a:t/>
-            </a:r>
+            <a:endParaRPr/>
           </a:p>
           <a:p>
             <a:pPr lvl="3"/>
-            <a:r>
-              <a:t/>
-            </a:r>
+            <a:endParaRPr/>
           </a:p>
           <a:p>
             <a:pPr lvl="4"/>
-            <a:r>
-              <a:t/>
-            </a:r>
+            <a:endParaRPr/>
           </a:p>
         </p:txBody>
       </p:sp>
       <p:sp>
         <p:nvSpPr>
           <p:cNvPr id="117" name="Broj slajda"/>
-          <p:cNvSpPr txBox="1"/>
+          <p:cNvSpPr txBox="1">
+            <a:spLocks noGrp="1"/>
+          </p:cNvSpPr>
           <p:nvPr>
             <p:ph type="sldNum" sz="quarter" idx="2"/>
           </p:nvPr>
@@ -1304,8 +1299,10 @@
           <a:bodyPr/>
           <a:lstStyle/>
           <a:p>
-            <a:pPr/>
-            <a:fld id="{86CB4B4D-7CA3-9044-876B-883B54F8677D}" type="slidenum"/>
+            <a:fld id="{86CB4B4D-7CA3-9044-876B-883B54F8677D}" type="slidenum">
+              <a:t>‹#›</a:t>
+            </a:fld>
+            <a:endParaRPr/>
           </a:p>
         </p:txBody>
       </p:sp>
@@ -1314,12 +1311,12 @@
   <p:clrMapOvr>
     <a:masterClrMapping/>
   </p:clrMapOvr>
-  <p:transition xmlns:p14="http://schemas.microsoft.com/office/powerpoint/2010/main" spd="med" advClick="1"/>
+  <p:transition spd="med"/>
 </p:sldLayout>
 </file>
 
 <file path=ppt/slideLayouts/slideLayout13.xml><?xml version="1.0" encoding="utf-8"?>
-<p:sldLayout xmlns:a="http://schemas.openxmlformats.org/drawingml/2006/main" xmlns:r="http://schemas.openxmlformats.org/officeDocument/2006/relationships" xmlns:p="http://schemas.openxmlformats.org/presentationml/2006/main" xmlns:m="http://schemas.openxmlformats.org/officeDocument/2006/math" xmlns:a14="http://schemas.microsoft.com/office/drawing/2010/main" type="tx" showMasterSp="1" showMasterPhAnim="1">
+<p:sldLayout xmlns:a="http://schemas.openxmlformats.org/drawingml/2006/main" xmlns:r="http://schemas.openxmlformats.org/officeDocument/2006/relationships" xmlns:p="http://schemas.openxmlformats.org/presentationml/2006/main" type="tx">
   <p:cSld name="Fotografije (3)">
     <p:spTree>
       <p:nvGrpSpPr>
@@ -1338,7 +1335,9 @@
       <p:sp>
         <p:nvSpPr>
           <p:cNvPr id="124" name="Zdjela salate s prženom rižom, kuhanim jajima i štapićima za jelo"/>
-          <p:cNvSpPr/>
+          <p:cNvSpPr>
+            <a:spLocks noGrp="1"/>
+          </p:cNvSpPr>
           <p:nvPr>
             <p:ph type="pic" sz="quarter" idx="21"/>
           </p:nvPr>
@@ -1358,14 +1357,16 @@
           </a:bodyPr>
           <a:lstStyle/>
           <a:p>
-            <a:pPr/>
+            <a:endParaRPr/>
           </a:p>
         </p:txBody>
       </p:sp>
       <p:sp>
         <p:nvSpPr>
           <p:cNvPr id="125" name="Zdjela s kolačićima od lososa, salatom i hummusom "/>
-          <p:cNvSpPr/>
+          <p:cNvSpPr>
+            <a:spLocks noGrp="1"/>
+          </p:cNvSpPr>
           <p:nvPr>
             <p:ph type="pic" sz="half" idx="22"/>
           </p:nvPr>
@@ -1385,14 +1386,16 @@
           </a:bodyPr>
           <a:lstStyle/>
           <a:p>
-            <a:pPr/>
+            <a:endParaRPr/>
           </a:p>
         </p:txBody>
       </p:sp>
       <p:sp>
         <p:nvSpPr>
           <p:cNvPr id="126" name="Zdjela pappardelle tjestenine s maslacom s peršinom, prženim lješnjacima i ribanim parmezanom"/>
-          <p:cNvSpPr/>
+          <p:cNvSpPr>
+            <a:spLocks noGrp="1"/>
+          </p:cNvSpPr>
           <p:nvPr>
             <p:ph type="pic" idx="23"/>
           </p:nvPr>
@@ -1412,14 +1415,16 @@
           </a:bodyPr>
           <a:lstStyle/>
           <a:p>
-            <a:pPr/>
+            <a:endParaRPr/>
           </a:p>
         </p:txBody>
       </p:sp>
       <p:sp>
         <p:nvSpPr>
           <p:cNvPr id="127" name="Broj slajda"/>
-          <p:cNvSpPr txBox="1"/>
+          <p:cNvSpPr txBox="1">
+            <a:spLocks noGrp="1"/>
+          </p:cNvSpPr>
           <p:nvPr>
             <p:ph type="sldNum" sz="quarter" idx="2"/>
           </p:nvPr>
@@ -1433,8 +1438,10 @@
           <a:bodyPr/>
           <a:lstStyle/>
           <a:p>
-            <a:pPr/>
-            <a:fld id="{86CB4B4D-7CA3-9044-876B-883B54F8677D}" type="slidenum"/>
+            <a:fld id="{86CB4B4D-7CA3-9044-876B-883B54F8677D}" type="slidenum">
+              <a:t>‹#›</a:t>
+            </a:fld>
+            <a:endParaRPr/>
           </a:p>
         </p:txBody>
       </p:sp>
@@ -1443,12 +1450,12 @@
   <p:clrMapOvr>
     <a:masterClrMapping/>
   </p:clrMapOvr>
-  <p:transition xmlns:p14="http://schemas.microsoft.com/office/powerpoint/2010/main" spd="med" advClick="1"/>
+  <p:transition spd="med"/>
 </p:sldLayout>
 </file>
 
 <file path=ppt/slideLayouts/slideLayout14.xml><?xml version="1.0" encoding="utf-8"?>
-<p:sldLayout xmlns:a="http://schemas.openxmlformats.org/drawingml/2006/main" xmlns:r="http://schemas.openxmlformats.org/officeDocument/2006/relationships" xmlns:p="http://schemas.openxmlformats.org/presentationml/2006/main" xmlns:m="http://schemas.openxmlformats.org/officeDocument/2006/math" xmlns:a14="http://schemas.microsoft.com/office/drawing/2010/main" type="tx" showMasterSp="1" showMasterPhAnim="1">
+<p:sldLayout xmlns:a="http://schemas.openxmlformats.org/drawingml/2006/main" xmlns:r="http://schemas.openxmlformats.org/officeDocument/2006/relationships" xmlns:p="http://schemas.openxmlformats.org/presentationml/2006/main" type="tx">
   <p:cSld name="Fotografija">
     <p:spTree>
       <p:nvGrpSpPr>
@@ -1467,7 +1474,9 @@
       <p:sp>
         <p:nvSpPr>
           <p:cNvPr id="134" name="zdjela salate od pržene riže, kuhanih jaja s kineskim štapićima"/>
-          <p:cNvSpPr/>
+          <p:cNvSpPr>
+            <a:spLocks noGrp="1"/>
+          </p:cNvSpPr>
           <p:nvPr>
             <p:ph type="pic" idx="21"/>
           </p:nvPr>
@@ -1487,14 +1496,16 @@
           </a:bodyPr>
           <a:lstStyle/>
           <a:p>
-            <a:pPr/>
+            <a:endParaRPr/>
           </a:p>
         </p:txBody>
       </p:sp>
       <p:sp>
         <p:nvSpPr>
           <p:cNvPr id="135" name="Broj slajda"/>
-          <p:cNvSpPr txBox="1"/>
+          <p:cNvSpPr txBox="1">
+            <a:spLocks noGrp="1"/>
+          </p:cNvSpPr>
           <p:nvPr>
             <p:ph type="sldNum" sz="quarter" idx="2"/>
           </p:nvPr>
@@ -1516,8 +1527,10 @@
             </a:lvl1pPr>
           </a:lstStyle>
           <a:p>
-            <a:pPr/>
-            <a:fld id="{86CB4B4D-7CA3-9044-876B-883B54F8677D}" type="slidenum"/>
+            <a:fld id="{86CB4B4D-7CA3-9044-876B-883B54F8677D}" type="slidenum">
+              <a:t>‹#›</a:t>
+            </a:fld>
+            <a:endParaRPr/>
           </a:p>
         </p:txBody>
       </p:sp>
@@ -1526,12 +1539,12 @@
   <p:clrMapOvr>
     <a:masterClrMapping/>
   </p:clrMapOvr>
-  <p:transition xmlns:p14="http://schemas.microsoft.com/office/powerpoint/2010/main" spd="med" advClick="1"/>
+  <p:transition spd="med"/>
 </p:sldLayout>
 </file>
 
 <file path=ppt/slideLayouts/slideLayout15.xml><?xml version="1.0" encoding="utf-8"?>
-<p:sldLayout xmlns:a="http://schemas.openxmlformats.org/drawingml/2006/main" xmlns:r="http://schemas.openxmlformats.org/officeDocument/2006/relationships" xmlns:p="http://schemas.openxmlformats.org/presentationml/2006/main" xmlns:m="http://schemas.openxmlformats.org/officeDocument/2006/math" xmlns:a14="http://schemas.microsoft.com/office/drawing/2010/main" type="tx" showMasterSp="1" showMasterPhAnim="1">
+<p:sldLayout xmlns:a="http://schemas.openxmlformats.org/drawingml/2006/main" xmlns:r="http://schemas.openxmlformats.org/officeDocument/2006/relationships" xmlns:p="http://schemas.openxmlformats.org/presentationml/2006/main" type="tx">
   <p:cSld name="Prazno">
     <p:spTree>
       <p:nvGrpSpPr>
@@ -1550,7 +1563,9 @@
       <p:sp>
         <p:nvSpPr>
           <p:cNvPr id="142" name="Broj slajda"/>
-          <p:cNvSpPr txBox="1"/>
+          <p:cNvSpPr txBox="1">
+            <a:spLocks noGrp="1"/>
+          </p:cNvSpPr>
           <p:nvPr>
             <p:ph type="sldNum" sz="quarter" idx="2"/>
           </p:nvPr>
@@ -1564,8 +1579,10 @@
           <a:bodyPr/>
           <a:lstStyle/>
           <a:p>
-            <a:pPr/>
-            <a:fld id="{86CB4B4D-7CA3-9044-876B-883B54F8677D}" type="slidenum"/>
+            <a:fld id="{86CB4B4D-7CA3-9044-876B-883B54F8677D}" type="slidenum">
+              <a:t>‹#›</a:t>
+            </a:fld>
+            <a:endParaRPr/>
           </a:p>
         </p:txBody>
       </p:sp>
@@ -1574,12 +1591,12 @@
   <p:clrMapOvr>
     <a:masterClrMapping/>
   </p:clrMapOvr>
-  <p:transition xmlns:p14="http://schemas.microsoft.com/office/powerpoint/2010/main" spd="med" advClick="1"/>
+  <p:transition spd="med"/>
 </p:sldLayout>
 </file>
 
 <file path=ppt/slideLayouts/slideLayout2.xml><?xml version="1.0" encoding="utf-8"?>
-<p:sldLayout xmlns:a="http://schemas.openxmlformats.org/drawingml/2006/main" xmlns:r="http://schemas.openxmlformats.org/officeDocument/2006/relationships" xmlns:p="http://schemas.openxmlformats.org/presentationml/2006/main" xmlns:m="http://schemas.openxmlformats.org/officeDocument/2006/math" xmlns:a14="http://schemas.microsoft.com/office/drawing/2010/main" type="tx" showMasterSp="1" showMasterPhAnim="1">
+<p:sldLayout xmlns:a="http://schemas.openxmlformats.org/drawingml/2006/main" xmlns:r="http://schemas.openxmlformats.org/officeDocument/2006/relationships" xmlns:p="http://schemas.openxmlformats.org/presentationml/2006/main" type="tx">
   <p:cSld name="Naslov i fotografija">
     <p:spTree>
       <p:nvGrpSpPr>
@@ -1598,7 +1615,9 @@
       <p:sp>
         <p:nvSpPr>
           <p:cNvPr id="21" name="Avokada i limete"/>
-          <p:cNvSpPr/>
+          <p:cNvSpPr>
+            <a:spLocks noGrp="1"/>
+          </p:cNvSpPr>
           <p:nvPr>
             <p:ph type="pic" idx="21"/>
           </p:nvPr>
@@ -1618,14 +1637,16 @@
           </a:bodyPr>
           <a:lstStyle/>
           <a:p>
-            <a:pPr/>
+            <a:endParaRPr/>
           </a:p>
         </p:txBody>
       </p:sp>
       <p:sp>
         <p:nvSpPr>
           <p:cNvPr id="22" name="Naslov prezentacije"/>
-          <p:cNvSpPr txBox="1"/>
+          <p:cNvSpPr txBox="1">
+            <a:spLocks noGrp="1"/>
+          </p:cNvSpPr>
           <p:nvPr>
             <p:ph type="title" hasCustomPrompt="1"/>
           </p:nvPr>
@@ -1643,11 +1664,10 @@
           <a:bodyPr anchor="b"/>
           <a:lstStyle>
             <a:lvl1pPr>
-              <a:defRPr spc="-232" sz="11600"/>
+              <a:defRPr sz="11600" spc="-232"/>
             </a:lvl1pPr>
           </a:lstStyle>
           <a:p>
-            <a:pPr/>
             <a:r>
               <a:t>Naslov prezentacije</a:t>
             </a:r>
@@ -1657,7 +1677,9 @@
       <p:sp>
         <p:nvSpPr>
           <p:cNvPr id="23" name="Autor i datum"/>
-          <p:cNvSpPr txBox="1"/>
+          <p:cNvSpPr txBox="1">
+            <a:spLocks noGrp="1"/>
+          </p:cNvSpPr>
           <p:nvPr>
             <p:ph type="body" sz="quarter" idx="22" hasCustomPrompt="1"/>
           </p:nvPr>
@@ -1683,11 +1705,10 @@
               </a:spcBef>
               <a:buSzTx/>
               <a:buNone/>
-              <a:defRPr b="1" sz="3600"/>
+              <a:defRPr sz="3600" b="1"/>
             </a:lvl1pPr>
           </a:lstStyle>
           <a:p>
-            <a:pPr/>
             <a:r>
               <a:t>Autor i datum</a:t>
             </a:r>
@@ -1697,7 +1718,9 @@
       <p:sp>
         <p:nvSpPr>
           <p:cNvPr id="24" name="Tijelo razine jedan…"/>
-          <p:cNvSpPr txBox="1"/>
+          <p:cNvSpPr txBox="1">
+            <a:spLocks noGrp="1"/>
+          </p:cNvSpPr>
           <p:nvPr>
             <p:ph type="body" sz="quarter" idx="1" hasCustomPrompt="1"/>
           </p:nvPr>
@@ -1723,7 +1746,7 @@
               </a:spcBef>
               <a:buSzTx/>
               <a:buNone/>
-              <a:defRPr b="1" sz="5500"/>
+              <a:defRPr sz="5500" b="1"/>
             </a:lvl1pPr>
             <a:lvl2pPr marL="0" indent="457200" defTabSz="825500">
               <a:lnSpc>
@@ -1734,7 +1757,7 @@
               </a:spcBef>
               <a:buSzTx/>
               <a:buNone/>
-              <a:defRPr b="1" sz="5500"/>
+              <a:defRPr sz="5500" b="1"/>
             </a:lvl2pPr>
             <a:lvl3pPr marL="0" indent="914400" defTabSz="825500">
               <a:lnSpc>
@@ -1745,7 +1768,7 @@
               </a:spcBef>
               <a:buSzTx/>
               <a:buNone/>
-              <a:defRPr b="1" sz="5500"/>
+              <a:defRPr sz="5500" b="1"/>
             </a:lvl3pPr>
             <a:lvl4pPr marL="0" indent="1371600" defTabSz="825500">
               <a:lnSpc>
@@ -1756,7 +1779,7 @@
               </a:spcBef>
               <a:buSzTx/>
               <a:buNone/>
-              <a:defRPr b="1" sz="5500"/>
+              <a:defRPr sz="5500" b="1"/>
             </a:lvl4pPr>
             <a:lvl5pPr marL="0" indent="1828800" defTabSz="825500">
               <a:lnSpc>
@@ -1767,45 +1790,38 @@
               </a:spcBef>
               <a:buSzTx/>
               <a:buNone/>
-              <a:defRPr b="1" sz="5500"/>
+              <a:defRPr sz="5500" b="1"/>
             </a:lvl5pPr>
           </a:lstStyle>
           <a:p>
-            <a:pPr/>
             <a:r>
               <a:t>Podnaslov prezentacije</a:t>
             </a:r>
           </a:p>
           <a:p>
             <a:pPr lvl="1"/>
-            <a:r>
-              <a:t/>
-            </a:r>
+            <a:endParaRPr/>
           </a:p>
           <a:p>
             <a:pPr lvl="2"/>
-            <a:r>
-              <a:t/>
-            </a:r>
+            <a:endParaRPr/>
           </a:p>
           <a:p>
             <a:pPr lvl="3"/>
-            <a:r>
-              <a:t/>
-            </a:r>
+            <a:endParaRPr/>
           </a:p>
           <a:p>
             <a:pPr lvl="4"/>
-            <a:r>
-              <a:t/>
-            </a:r>
+            <a:endParaRPr/>
           </a:p>
         </p:txBody>
       </p:sp>
       <p:sp>
         <p:nvSpPr>
           <p:cNvPr id="25" name="Broj slajda"/>
-          <p:cNvSpPr txBox="1"/>
+          <p:cNvSpPr txBox="1">
+            <a:spLocks noGrp="1"/>
+          </p:cNvSpPr>
           <p:nvPr>
             <p:ph type="sldNum" sz="quarter" idx="2"/>
           </p:nvPr>
@@ -1819,8 +1835,10 @@
           <a:bodyPr/>
           <a:lstStyle/>
           <a:p>
-            <a:pPr/>
-            <a:fld id="{86CB4B4D-7CA3-9044-876B-883B54F8677D}" type="slidenum"/>
+            <a:fld id="{86CB4B4D-7CA3-9044-876B-883B54F8677D}" type="slidenum">
+              <a:t>‹#›</a:t>
+            </a:fld>
+            <a:endParaRPr/>
           </a:p>
         </p:txBody>
       </p:sp>
@@ -1829,12 +1847,12 @@
   <p:clrMapOvr>
     <a:masterClrMapping/>
   </p:clrMapOvr>
-  <p:transition xmlns:p14="http://schemas.microsoft.com/office/powerpoint/2010/main" spd="med" advClick="1"/>
+  <p:transition spd="med"/>
 </p:sldLayout>
 </file>
 
 <file path=ppt/slideLayouts/slideLayout3.xml><?xml version="1.0" encoding="utf-8"?>
-<p:sldLayout xmlns:a="http://schemas.openxmlformats.org/drawingml/2006/main" xmlns:r="http://schemas.openxmlformats.org/officeDocument/2006/relationships" xmlns:p="http://schemas.openxmlformats.org/presentationml/2006/main" xmlns:m="http://schemas.openxmlformats.org/officeDocument/2006/math" xmlns:a14="http://schemas.microsoft.com/office/drawing/2010/main" type="tx" showMasterSp="1" showMasterPhAnim="1">
+<p:sldLayout xmlns:a="http://schemas.openxmlformats.org/drawingml/2006/main" xmlns:r="http://schemas.openxmlformats.org/officeDocument/2006/relationships" xmlns:p="http://schemas.openxmlformats.org/presentationml/2006/main" type="tx">
   <p:cSld name="Alternativni naslov i fotografija">
     <p:spTree>
       <p:nvGrpSpPr>
@@ -1853,7 +1871,9 @@
       <p:sp>
         <p:nvSpPr>
           <p:cNvPr id="32" name="Zdjela s kolačićima od lososa, salatom i hummusom"/>
-          <p:cNvSpPr/>
+          <p:cNvSpPr>
+            <a:spLocks noGrp="1"/>
+          </p:cNvSpPr>
           <p:nvPr>
             <p:ph type="pic" idx="21"/>
           </p:nvPr>
@@ -1873,14 +1893,16 @@
           </a:bodyPr>
           <a:lstStyle/>
           <a:p>
-            <a:pPr/>
+            <a:endParaRPr/>
           </a:p>
         </p:txBody>
       </p:sp>
       <p:sp>
         <p:nvSpPr>
           <p:cNvPr id="33" name="Naslov slajda"/>
-          <p:cNvSpPr txBox="1"/>
+          <p:cNvSpPr txBox="1">
+            <a:spLocks noGrp="1"/>
+          </p:cNvSpPr>
           <p:nvPr>
             <p:ph type="title" hasCustomPrompt="1"/>
           </p:nvPr>
@@ -1898,7 +1920,6 @@
           <a:bodyPr anchor="b"/>
           <a:lstStyle/>
           <a:p>
-            <a:pPr/>
             <a:r>
               <a:t>Naslov slajda</a:t>
             </a:r>
@@ -1908,7 +1929,9 @@
       <p:sp>
         <p:nvSpPr>
           <p:cNvPr id="34" name="Tijelo razine jedan…"/>
-          <p:cNvSpPr txBox="1"/>
+          <p:cNvSpPr txBox="1">
+            <a:spLocks noGrp="1"/>
+          </p:cNvSpPr>
           <p:nvPr>
             <p:ph type="body" sz="quarter" idx="1" hasCustomPrompt="1"/>
           </p:nvPr>
@@ -1934,7 +1957,7 @@
               </a:spcBef>
               <a:buSzTx/>
               <a:buNone/>
-              <a:defRPr b="1" sz="5500"/>
+              <a:defRPr sz="5500" b="1"/>
             </a:lvl1pPr>
             <a:lvl2pPr marL="0" indent="457200" defTabSz="825500">
               <a:lnSpc>
@@ -1945,7 +1968,7 @@
               </a:spcBef>
               <a:buSzTx/>
               <a:buNone/>
-              <a:defRPr b="1" sz="5500"/>
+              <a:defRPr sz="5500" b="1"/>
             </a:lvl2pPr>
             <a:lvl3pPr marL="0" indent="914400" defTabSz="825500">
               <a:lnSpc>
@@ -1956,7 +1979,7 @@
               </a:spcBef>
               <a:buSzTx/>
               <a:buNone/>
-              <a:defRPr b="1" sz="5500"/>
+              <a:defRPr sz="5500" b="1"/>
             </a:lvl3pPr>
             <a:lvl4pPr marL="0" indent="1371600" defTabSz="825500">
               <a:lnSpc>
@@ -1967,7 +1990,7 @@
               </a:spcBef>
               <a:buSzTx/>
               <a:buNone/>
-              <a:defRPr b="1" sz="5500"/>
+              <a:defRPr sz="5500" b="1"/>
             </a:lvl4pPr>
             <a:lvl5pPr marL="0" indent="1828800" defTabSz="825500">
               <a:lnSpc>
@@ -1978,45 +2001,38 @@
               </a:spcBef>
               <a:buSzTx/>
               <a:buNone/>
-              <a:defRPr b="1" sz="5500"/>
+              <a:defRPr sz="5500" b="1"/>
             </a:lvl5pPr>
           </a:lstStyle>
           <a:p>
-            <a:pPr/>
             <a:r>
               <a:t>Podnaslov slajda</a:t>
             </a:r>
           </a:p>
           <a:p>
             <a:pPr lvl="1"/>
-            <a:r>
-              <a:t/>
-            </a:r>
+            <a:endParaRPr/>
           </a:p>
           <a:p>
             <a:pPr lvl="2"/>
-            <a:r>
-              <a:t/>
-            </a:r>
+            <a:endParaRPr/>
           </a:p>
           <a:p>
             <a:pPr lvl="3"/>
-            <a:r>
-              <a:t/>
-            </a:r>
+            <a:endParaRPr/>
           </a:p>
           <a:p>
             <a:pPr lvl="4"/>
-            <a:r>
-              <a:t/>
-            </a:r>
+            <a:endParaRPr/>
           </a:p>
         </p:txBody>
       </p:sp>
       <p:sp>
         <p:nvSpPr>
           <p:cNvPr id="35" name="Broj slajda"/>
-          <p:cNvSpPr txBox="1"/>
+          <p:cNvSpPr txBox="1">
+            <a:spLocks noGrp="1"/>
+          </p:cNvSpPr>
           <p:nvPr>
             <p:ph type="sldNum" sz="quarter" idx="2"/>
           </p:nvPr>
@@ -2034,8 +2050,10 @@
           <a:bodyPr/>
           <a:lstStyle/>
           <a:p>
-            <a:pPr/>
-            <a:fld id="{86CB4B4D-7CA3-9044-876B-883B54F8677D}" type="slidenum"/>
+            <a:fld id="{86CB4B4D-7CA3-9044-876B-883B54F8677D}" type="slidenum">
+              <a:t>‹#›</a:t>
+            </a:fld>
+            <a:endParaRPr/>
           </a:p>
         </p:txBody>
       </p:sp>
@@ -2044,12 +2062,12 @@
   <p:clrMapOvr>
     <a:masterClrMapping/>
   </p:clrMapOvr>
-  <p:transition xmlns:p14="http://schemas.microsoft.com/office/powerpoint/2010/main" spd="med" advClick="1"/>
+  <p:transition spd="med"/>
 </p:sldLayout>
 </file>
 
 <file path=ppt/slideLayouts/slideLayout4.xml><?xml version="1.0" encoding="utf-8"?>
-<p:sldLayout xmlns:a="http://schemas.openxmlformats.org/drawingml/2006/main" xmlns:r="http://schemas.openxmlformats.org/officeDocument/2006/relationships" xmlns:p="http://schemas.openxmlformats.org/presentationml/2006/main" xmlns:m="http://schemas.openxmlformats.org/officeDocument/2006/math" xmlns:a14="http://schemas.microsoft.com/office/drawing/2010/main" type="tx" showMasterSp="1" showMasterPhAnim="1">
+<p:sldLayout xmlns:a="http://schemas.openxmlformats.org/drawingml/2006/main" xmlns:r="http://schemas.openxmlformats.org/officeDocument/2006/relationships" xmlns:p="http://schemas.openxmlformats.org/presentationml/2006/main" type="tx">
   <p:cSld name="Naslov i predznaci">
     <p:spTree>
       <p:nvGrpSpPr>
@@ -2068,7 +2086,9 @@
       <p:sp>
         <p:nvSpPr>
           <p:cNvPr id="42" name="Naslov slajda"/>
-          <p:cNvSpPr txBox="1"/>
+          <p:cNvSpPr txBox="1">
+            <a:spLocks noGrp="1"/>
+          </p:cNvSpPr>
           <p:nvPr>
             <p:ph type="title" hasCustomPrompt="1"/>
           </p:nvPr>
@@ -2082,7 +2102,6 @@
           <a:bodyPr/>
           <a:lstStyle/>
           <a:p>
-            <a:pPr/>
             <a:r>
               <a:t>Naslov slajda</a:t>
             </a:r>
@@ -2092,7 +2111,9 @@
       <p:sp>
         <p:nvSpPr>
           <p:cNvPr id="43" name="Podnaslov slajda"/>
-          <p:cNvSpPr txBox="1"/>
+          <p:cNvSpPr txBox="1">
+            <a:spLocks noGrp="1"/>
+          </p:cNvSpPr>
           <p:nvPr>
             <p:ph type="body" sz="quarter" idx="21" hasCustomPrompt="1"/>
           </p:nvPr>
@@ -2118,11 +2139,10 @@
               </a:spcBef>
               <a:buSzTx/>
               <a:buNone/>
-              <a:defRPr b="1" sz="5500"/>
+              <a:defRPr sz="5500" b="1"/>
             </a:lvl1pPr>
           </a:lstStyle>
           <a:p>
-            <a:pPr/>
             <a:r>
               <a:t>Podnaslov slajda</a:t>
             </a:r>
@@ -2132,7 +2152,9 @@
       <p:sp>
         <p:nvSpPr>
           <p:cNvPr id="44" name="Tijelo razine jedan…"/>
-          <p:cNvSpPr txBox="1"/>
+          <p:cNvSpPr txBox="1">
+            <a:spLocks noGrp="1"/>
+          </p:cNvSpPr>
           <p:nvPr>
             <p:ph type="body" idx="1" hasCustomPrompt="1"/>
           </p:nvPr>
@@ -2146,41 +2168,34 @@
           <a:bodyPr/>
           <a:lstStyle/>
           <a:p>
-            <a:pPr/>
             <a:r>
               <a:t>Tekst predznaka na slajdu</a:t>
             </a:r>
           </a:p>
           <a:p>
             <a:pPr lvl="1"/>
-            <a:r>
-              <a:t/>
-            </a:r>
+            <a:endParaRPr/>
           </a:p>
           <a:p>
             <a:pPr lvl="2"/>
-            <a:r>
-              <a:t/>
-            </a:r>
+            <a:endParaRPr/>
           </a:p>
           <a:p>
             <a:pPr lvl="3"/>
-            <a:r>
-              <a:t/>
-            </a:r>
+            <a:endParaRPr/>
           </a:p>
           <a:p>
             <a:pPr lvl="4"/>
-            <a:r>
-              <a:t/>
-            </a:r>
+            <a:endParaRPr/>
           </a:p>
         </p:txBody>
       </p:sp>
       <p:sp>
         <p:nvSpPr>
           <p:cNvPr id="45" name="Broj slajda"/>
-          <p:cNvSpPr txBox="1"/>
+          <p:cNvSpPr txBox="1">
+            <a:spLocks noGrp="1"/>
+          </p:cNvSpPr>
           <p:nvPr>
             <p:ph type="sldNum" sz="quarter" idx="2"/>
           </p:nvPr>
@@ -2194,8 +2209,10 @@
           <a:bodyPr/>
           <a:lstStyle/>
           <a:p>
-            <a:pPr/>
-            <a:fld id="{86CB4B4D-7CA3-9044-876B-883B54F8677D}" type="slidenum"/>
+            <a:fld id="{86CB4B4D-7CA3-9044-876B-883B54F8677D}" type="slidenum">
+              <a:t>‹#›</a:t>
+            </a:fld>
+            <a:endParaRPr/>
           </a:p>
         </p:txBody>
       </p:sp>
@@ -2204,12 +2221,12 @@
   <p:clrMapOvr>
     <a:masterClrMapping/>
   </p:clrMapOvr>
-  <p:transition xmlns:p14="http://schemas.microsoft.com/office/powerpoint/2010/main" spd="med" advClick="1"/>
+  <p:transition spd="med"/>
 </p:sldLayout>
 </file>
 
 <file path=ppt/slideLayouts/slideLayout5.xml><?xml version="1.0" encoding="utf-8"?>
-<p:sldLayout xmlns:a="http://schemas.openxmlformats.org/drawingml/2006/main" xmlns:r="http://schemas.openxmlformats.org/officeDocument/2006/relationships" xmlns:p="http://schemas.openxmlformats.org/presentationml/2006/main" xmlns:m="http://schemas.openxmlformats.org/officeDocument/2006/math" xmlns:a14="http://schemas.microsoft.com/office/drawing/2010/main" type="tx" showMasterSp="1" showMasterPhAnim="1">
+<p:sldLayout xmlns:a="http://schemas.openxmlformats.org/drawingml/2006/main" xmlns:r="http://schemas.openxmlformats.org/officeDocument/2006/relationships" xmlns:p="http://schemas.openxmlformats.org/presentationml/2006/main" type="tx">
   <p:cSld name="Predznaci">
     <p:spTree>
       <p:nvGrpSpPr>
@@ -2228,7 +2245,9 @@
       <p:sp>
         <p:nvSpPr>
           <p:cNvPr id="52" name="Tijelo razine jedan…"/>
-          <p:cNvSpPr txBox="1"/>
+          <p:cNvSpPr txBox="1">
+            <a:spLocks noGrp="1"/>
+          </p:cNvSpPr>
           <p:nvPr>
             <p:ph type="body" idx="1" hasCustomPrompt="1"/>
           </p:nvPr>
@@ -2242,41 +2261,34 @@
           <a:bodyPr numCol="2" spcCol="1098550"/>
           <a:lstStyle/>
           <a:p>
-            <a:pPr/>
             <a:r>
               <a:t>Tekst predznaka na slajdu</a:t>
             </a:r>
           </a:p>
           <a:p>
             <a:pPr lvl="1"/>
-            <a:r>
-              <a:t/>
-            </a:r>
+            <a:endParaRPr/>
           </a:p>
           <a:p>
             <a:pPr lvl="2"/>
-            <a:r>
-              <a:t/>
-            </a:r>
+            <a:endParaRPr/>
           </a:p>
           <a:p>
             <a:pPr lvl="3"/>
-            <a:r>
-              <a:t/>
-            </a:r>
+            <a:endParaRPr/>
           </a:p>
           <a:p>
             <a:pPr lvl="4"/>
-            <a:r>
-              <a:t/>
-            </a:r>
+            <a:endParaRPr/>
           </a:p>
         </p:txBody>
       </p:sp>
       <p:sp>
         <p:nvSpPr>
           <p:cNvPr id="53" name="Broj slajda"/>
-          <p:cNvSpPr txBox="1"/>
+          <p:cNvSpPr txBox="1">
+            <a:spLocks noGrp="1"/>
+          </p:cNvSpPr>
           <p:nvPr>
             <p:ph type="sldNum" sz="quarter" idx="2"/>
           </p:nvPr>
@@ -2290,8 +2302,10 @@
           <a:bodyPr/>
           <a:lstStyle/>
           <a:p>
-            <a:pPr/>
-            <a:fld id="{86CB4B4D-7CA3-9044-876B-883B54F8677D}" type="slidenum"/>
+            <a:fld id="{86CB4B4D-7CA3-9044-876B-883B54F8677D}" type="slidenum">
+              <a:t>‹#›</a:t>
+            </a:fld>
+            <a:endParaRPr/>
           </a:p>
         </p:txBody>
       </p:sp>
@@ -2300,12 +2314,12 @@
   <p:clrMapOvr>
     <a:masterClrMapping/>
   </p:clrMapOvr>
-  <p:transition xmlns:p14="http://schemas.microsoft.com/office/powerpoint/2010/main" spd="med" advClick="1"/>
+  <p:transition spd="med"/>
 </p:sldLayout>
 </file>
 
 <file path=ppt/slideLayouts/slideLayout6.xml><?xml version="1.0" encoding="utf-8"?>
-<p:sldLayout xmlns:a="http://schemas.openxmlformats.org/drawingml/2006/main" xmlns:r="http://schemas.openxmlformats.org/officeDocument/2006/relationships" xmlns:p="http://schemas.openxmlformats.org/presentationml/2006/main" xmlns:m="http://schemas.openxmlformats.org/officeDocument/2006/math" xmlns:a14="http://schemas.microsoft.com/office/drawing/2010/main" type="tx" showMasterSp="1" showMasterPhAnim="1">
+<p:sldLayout xmlns:a="http://schemas.openxmlformats.org/drawingml/2006/main" xmlns:r="http://schemas.openxmlformats.org/officeDocument/2006/relationships" xmlns:p="http://schemas.openxmlformats.org/presentationml/2006/main" type="tx">
   <p:cSld name="Naslov, predznaci i fotografija">
     <p:spTree>
       <p:nvGrpSpPr>
@@ -2324,7 +2338,9 @@
       <p:sp>
         <p:nvSpPr>
           <p:cNvPr id="60" name="Podnaslov slajda"/>
-          <p:cNvSpPr txBox="1"/>
+          <p:cNvSpPr txBox="1">
+            <a:spLocks noGrp="1"/>
+          </p:cNvSpPr>
           <p:nvPr>
             <p:ph type="body" sz="quarter" idx="21" hasCustomPrompt="1"/>
           </p:nvPr>
@@ -2350,11 +2366,10 @@
               </a:spcBef>
               <a:buSzTx/>
               <a:buNone/>
-              <a:defRPr b="1" sz="5500"/>
+              <a:defRPr sz="5500" b="1"/>
             </a:lvl1pPr>
           </a:lstStyle>
           <a:p>
-            <a:pPr/>
             <a:r>
               <a:t>Podnaslov slajda</a:t>
             </a:r>
@@ -2364,7 +2379,9 @@
       <p:sp>
         <p:nvSpPr>
           <p:cNvPr id="61" name="Tijelo razine jedan…"/>
-          <p:cNvSpPr txBox="1"/>
+          <p:cNvSpPr txBox="1">
+            <a:spLocks noGrp="1"/>
+          </p:cNvSpPr>
           <p:nvPr>
             <p:ph type="body" sz="half" idx="1" hasCustomPrompt="1"/>
           </p:nvPr>
@@ -2382,41 +2399,34 @@
           <a:bodyPr/>
           <a:lstStyle/>
           <a:p>
-            <a:pPr/>
             <a:r>
               <a:t>Tekst predznaka na slajdu</a:t>
             </a:r>
           </a:p>
           <a:p>
             <a:pPr lvl="1"/>
-            <a:r>
-              <a:t/>
-            </a:r>
+            <a:endParaRPr/>
           </a:p>
           <a:p>
             <a:pPr lvl="2"/>
-            <a:r>
-              <a:t/>
-            </a:r>
+            <a:endParaRPr/>
           </a:p>
           <a:p>
             <a:pPr lvl="3"/>
-            <a:r>
-              <a:t/>
-            </a:r>
+            <a:endParaRPr/>
           </a:p>
           <a:p>
             <a:pPr lvl="4"/>
-            <a:r>
-              <a:t/>
-            </a:r>
+            <a:endParaRPr/>
           </a:p>
         </p:txBody>
       </p:sp>
       <p:sp>
         <p:nvSpPr>
           <p:cNvPr id="62" name="Zdjela pappardelle tjestenine s maslacom s peršinom, prženim lješnjacima i ribanim parmezanom"/>
-          <p:cNvSpPr/>
+          <p:cNvSpPr>
+            <a:spLocks noGrp="1"/>
+          </p:cNvSpPr>
           <p:nvPr>
             <p:ph type="pic" idx="22"/>
           </p:nvPr>
@@ -2436,14 +2446,16 @@
           </a:bodyPr>
           <a:lstStyle/>
           <a:p>
-            <a:pPr/>
+            <a:endParaRPr/>
           </a:p>
         </p:txBody>
       </p:sp>
       <p:sp>
         <p:nvSpPr>
           <p:cNvPr id="63" name="Naslov slajda"/>
-          <p:cNvSpPr txBox="1"/>
+          <p:cNvSpPr txBox="1">
+            <a:spLocks noGrp="1"/>
+          </p:cNvSpPr>
           <p:nvPr>
             <p:ph type="title" hasCustomPrompt="1"/>
           </p:nvPr>
@@ -2461,7 +2473,6 @@
           <a:bodyPr/>
           <a:lstStyle/>
           <a:p>
-            <a:pPr/>
             <a:r>
               <a:t>Naslov slajda</a:t>
             </a:r>
@@ -2471,7 +2482,9 @@
       <p:sp>
         <p:nvSpPr>
           <p:cNvPr id="64" name="Broj slajda"/>
-          <p:cNvSpPr txBox="1"/>
+          <p:cNvSpPr txBox="1">
+            <a:spLocks noGrp="1"/>
+          </p:cNvSpPr>
           <p:nvPr>
             <p:ph type="sldNum" sz="quarter" idx="2"/>
           </p:nvPr>
@@ -2485,8 +2498,10 @@
           <a:bodyPr/>
           <a:lstStyle/>
           <a:p>
-            <a:pPr/>
-            <a:fld id="{86CB4B4D-7CA3-9044-876B-883B54F8677D}" type="slidenum"/>
+            <a:fld id="{86CB4B4D-7CA3-9044-876B-883B54F8677D}" type="slidenum">
+              <a:t>‹#›</a:t>
+            </a:fld>
+            <a:endParaRPr/>
           </a:p>
         </p:txBody>
       </p:sp>
@@ -2495,12 +2510,12 @@
   <p:clrMapOvr>
     <a:masterClrMapping/>
   </p:clrMapOvr>
-  <p:transition xmlns:p14="http://schemas.microsoft.com/office/powerpoint/2010/main" spd="med" advClick="1"/>
+  <p:transition spd="med"/>
 </p:sldLayout>
 </file>
 
 <file path=ppt/slideLayouts/slideLayout7.xml><?xml version="1.0" encoding="utf-8"?>
-<p:sldLayout xmlns:a="http://schemas.openxmlformats.org/drawingml/2006/main" xmlns:r="http://schemas.openxmlformats.org/officeDocument/2006/relationships" xmlns:p="http://schemas.openxmlformats.org/presentationml/2006/main" xmlns:m="http://schemas.openxmlformats.org/officeDocument/2006/math" xmlns:a14="http://schemas.microsoft.com/office/drawing/2010/main" type="tx" showMasterSp="1" showMasterPhAnim="1">
+<p:sldLayout xmlns:a="http://schemas.openxmlformats.org/drawingml/2006/main" xmlns:r="http://schemas.openxmlformats.org/officeDocument/2006/relationships" xmlns:p="http://schemas.openxmlformats.org/presentationml/2006/main" type="tx">
   <p:cSld name="Odjeljak">
     <p:spTree>
       <p:nvGrpSpPr>
@@ -2519,7 +2534,9 @@
       <p:sp>
         <p:nvSpPr>
           <p:cNvPr id="71" name="Naslov odjeljka"/>
-          <p:cNvSpPr txBox="1"/>
+          <p:cNvSpPr txBox="1">
+            <a:spLocks noGrp="1"/>
+          </p:cNvSpPr>
           <p:nvPr>
             <p:ph type="title" hasCustomPrompt="1"/>
           </p:nvPr>
@@ -2537,7 +2554,7 @@
           <a:bodyPr anchor="ctr"/>
           <a:lstStyle>
             <a:lvl1pPr>
-              <a:defRPr b="0" spc="-232" sz="11600">
+              <a:defRPr sz="11600" b="0" spc="-232">
                 <a:latin typeface="Helvetica Neue Medium"/>
                 <a:ea typeface="Helvetica Neue Medium"/>
                 <a:cs typeface="Helvetica Neue Medium"/>
@@ -2546,7 +2563,6 @@
             </a:lvl1pPr>
           </a:lstStyle>
           <a:p>
-            <a:pPr/>
             <a:r>
               <a:t>Naslov odjeljka</a:t>
             </a:r>
@@ -2556,7 +2572,9 @@
       <p:sp>
         <p:nvSpPr>
           <p:cNvPr id="72" name="Broj slajda"/>
-          <p:cNvSpPr txBox="1"/>
+          <p:cNvSpPr txBox="1">
+            <a:spLocks noGrp="1"/>
+          </p:cNvSpPr>
           <p:nvPr>
             <p:ph type="sldNum" sz="quarter" idx="2"/>
           </p:nvPr>
@@ -2574,8 +2592,10 @@
           <a:bodyPr/>
           <a:lstStyle/>
           <a:p>
-            <a:pPr/>
-            <a:fld id="{86CB4B4D-7CA3-9044-876B-883B54F8677D}" type="slidenum"/>
+            <a:fld id="{86CB4B4D-7CA3-9044-876B-883B54F8677D}" type="slidenum">
+              <a:t>‹#›</a:t>
+            </a:fld>
+            <a:endParaRPr/>
           </a:p>
         </p:txBody>
       </p:sp>
@@ -2584,12 +2604,12 @@
   <p:clrMapOvr>
     <a:masterClrMapping/>
   </p:clrMapOvr>
-  <p:transition xmlns:p14="http://schemas.microsoft.com/office/powerpoint/2010/main" spd="med" advClick="1"/>
+  <p:transition spd="med"/>
 </p:sldLayout>
 </file>
 
 <file path=ppt/slideLayouts/slideLayout8.xml><?xml version="1.0" encoding="utf-8"?>
-<p:sldLayout xmlns:a="http://schemas.openxmlformats.org/drawingml/2006/main" xmlns:r="http://schemas.openxmlformats.org/officeDocument/2006/relationships" xmlns:p="http://schemas.openxmlformats.org/presentationml/2006/main" xmlns:m="http://schemas.openxmlformats.org/officeDocument/2006/math" xmlns:a14="http://schemas.microsoft.com/office/drawing/2010/main" type="tx" showMasterSp="1" showMasterPhAnim="1">
+<p:sldLayout xmlns:a="http://schemas.openxmlformats.org/drawingml/2006/main" xmlns:r="http://schemas.openxmlformats.org/officeDocument/2006/relationships" xmlns:p="http://schemas.openxmlformats.org/presentationml/2006/main" type="tx">
   <p:cSld name="Samo naslov">
     <p:spTree>
       <p:nvGrpSpPr>
@@ -2608,7 +2628,9 @@
       <p:sp>
         <p:nvSpPr>
           <p:cNvPr id="79" name="Naslov slajda"/>
-          <p:cNvSpPr txBox="1"/>
+          <p:cNvSpPr txBox="1">
+            <a:spLocks noGrp="1"/>
+          </p:cNvSpPr>
           <p:nvPr>
             <p:ph type="title" hasCustomPrompt="1"/>
           </p:nvPr>
@@ -2626,7 +2648,6 @@
           <a:bodyPr/>
           <a:lstStyle/>
           <a:p>
-            <a:pPr/>
             <a:r>
               <a:t>Naslov slajda</a:t>
             </a:r>
@@ -2636,7 +2657,9 @@
       <p:sp>
         <p:nvSpPr>
           <p:cNvPr id="80" name="Podnaslov slajda"/>
-          <p:cNvSpPr txBox="1"/>
+          <p:cNvSpPr txBox="1">
+            <a:spLocks noGrp="1"/>
+          </p:cNvSpPr>
           <p:nvPr>
             <p:ph type="body" sz="quarter" idx="21" hasCustomPrompt="1"/>
           </p:nvPr>
@@ -2662,11 +2685,10 @@
               </a:spcBef>
               <a:buSzTx/>
               <a:buNone/>
-              <a:defRPr b="1" sz="5500"/>
+              <a:defRPr sz="5500" b="1"/>
             </a:lvl1pPr>
           </a:lstStyle>
           <a:p>
-            <a:pPr/>
             <a:r>
               <a:t>Podnaslov slajda</a:t>
             </a:r>
@@ -2676,7 +2698,9 @@
       <p:sp>
         <p:nvSpPr>
           <p:cNvPr id="81" name="Broj slajda"/>
-          <p:cNvSpPr txBox="1"/>
+          <p:cNvSpPr txBox="1">
+            <a:spLocks noGrp="1"/>
+          </p:cNvSpPr>
           <p:nvPr>
             <p:ph type="sldNum" sz="quarter" idx="2"/>
           </p:nvPr>
@@ -2690,8 +2714,10 @@
           <a:bodyPr/>
           <a:lstStyle/>
           <a:p>
-            <a:pPr/>
-            <a:fld id="{86CB4B4D-7CA3-9044-876B-883B54F8677D}" type="slidenum"/>
+            <a:fld id="{86CB4B4D-7CA3-9044-876B-883B54F8677D}" type="slidenum">
+              <a:t>‹#›</a:t>
+            </a:fld>
+            <a:endParaRPr/>
           </a:p>
         </p:txBody>
       </p:sp>
@@ -2700,12 +2726,12 @@
   <p:clrMapOvr>
     <a:masterClrMapping/>
   </p:clrMapOvr>
-  <p:transition xmlns:p14="http://schemas.microsoft.com/office/powerpoint/2010/main" spd="med" advClick="1"/>
+  <p:transition spd="med"/>
 </p:sldLayout>
 </file>
 
 <file path=ppt/slideLayouts/slideLayout9.xml><?xml version="1.0" encoding="utf-8"?>
-<p:sldLayout xmlns:a="http://schemas.openxmlformats.org/drawingml/2006/main" xmlns:r="http://schemas.openxmlformats.org/officeDocument/2006/relationships" xmlns:p="http://schemas.openxmlformats.org/presentationml/2006/main" xmlns:m="http://schemas.openxmlformats.org/officeDocument/2006/math" xmlns:a14="http://schemas.microsoft.com/office/drawing/2010/main" type="tx" showMasterSp="1" showMasterPhAnim="1">
+<p:sldLayout xmlns:a="http://schemas.openxmlformats.org/drawingml/2006/main" xmlns:r="http://schemas.openxmlformats.org/officeDocument/2006/relationships" xmlns:p="http://schemas.openxmlformats.org/presentationml/2006/main" type="tx">
   <p:cSld name="Dnevni red">
     <p:spTree>
       <p:nvGrpSpPr>
@@ -2724,7 +2750,9 @@
       <p:sp>
         <p:nvSpPr>
           <p:cNvPr id="88" name="Naslov dnevnog reda"/>
-          <p:cNvSpPr txBox="1"/>
+          <p:cNvSpPr txBox="1">
+            <a:spLocks noGrp="1"/>
+          </p:cNvSpPr>
           <p:nvPr>
             <p:ph type="title" hasCustomPrompt="1"/>
           </p:nvPr>
@@ -2742,7 +2770,6 @@
           <a:bodyPr/>
           <a:lstStyle/>
           <a:p>
-            <a:pPr/>
             <a:r>
               <a:t>Naslov dnevnog reda</a:t>
             </a:r>
@@ -2752,7 +2779,9 @@
       <p:sp>
         <p:nvSpPr>
           <p:cNvPr id="89" name="Podnaslov dnevnog reda"/>
-          <p:cNvSpPr txBox="1"/>
+          <p:cNvSpPr txBox="1">
+            <a:spLocks noGrp="1"/>
+          </p:cNvSpPr>
           <p:nvPr>
             <p:ph type="body" sz="quarter" idx="21" hasCustomPrompt="1"/>
           </p:nvPr>
@@ -2778,11 +2807,10 @@
               </a:spcBef>
               <a:buSzTx/>
               <a:buNone/>
-              <a:defRPr b="1" sz="5500"/>
+              <a:defRPr sz="5500" b="1"/>
             </a:lvl1pPr>
           </a:lstStyle>
           <a:p>
-            <a:pPr/>
             <a:r>
               <a:t>Podnaslov dnevnog reda</a:t>
             </a:r>
@@ -2792,7 +2820,9 @@
       <p:sp>
         <p:nvSpPr>
           <p:cNvPr id="90" name="Tijelo razine jedan…"/>
-          <p:cNvSpPr txBox="1"/>
+          <p:cNvSpPr txBox="1">
+            <a:spLocks noGrp="1"/>
+          </p:cNvSpPr>
           <p:nvPr>
             <p:ph type="body" idx="1" hasCustomPrompt="1"/>
           </p:nvPr>
@@ -2814,7 +2844,7 @@
               </a:spcBef>
               <a:buSzTx/>
               <a:buNone/>
-              <a:defRPr spc="-55" sz="5500"/>
+              <a:defRPr sz="5500" spc="-55"/>
             </a:lvl1pPr>
             <a:lvl2pPr marL="0" indent="457200" defTabSz="825500">
               <a:lnSpc>
@@ -2825,7 +2855,7 @@
               </a:spcBef>
               <a:buSzTx/>
               <a:buNone/>
-              <a:defRPr spc="-55" sz="5500"/>
+              <a:defRPr sz="5500" spc="-55"/>
             </a:lvl2pPr>
             <a:lvl3pPr marL="0" indent="914400" defTabSz="825500">
               <a:lnSpc>
@@ -2836,7 +2866,7 @@
               </a:spcBef>
               <a:buSzTx/>
               <a:buNone/>
-              <a:defRPr spc="-55" sz="5500"/>
+              <a:defRPr sz="5500" spc="-55"/>
             </a:lvl3pPr>
             <a:lvl4pPr marL="0" indent="1371600" defTabSz="825500">
               <a:lnSpc>
@@ -2847,7 +2877,7 @@
               </a:spcBef>
               <a:buSzTx/>
               <a:buNone/>
-              <a:defRPr spc="-55" sz="5500"/>
+              <a:defRPr sz="5500" spc="-55"/>
             </a:lvl4pPr>
             <a:lvl5pPr marL="0" indent="1828800" defTabSz="825500">
               <a:lnSpc>
@@ -2858,45 +2888,38 @@
               </a:spcBef>
               <a:buSzTx/>
               <a:buNone/>
-              <a:defRPr spc="-55" sz="5500"/>
+              <a:defRPr sz="5500" spc="-55"/>
             </a:lvl5pPr>
           </a:lstStyle>
           <a:p>
-            <a:pPr/>
             <a:r>
               <a:t>Teme dnevnog reda</a:t>
             </a:r>
           </a:p>
           <a:p>
             <a:pPr lvl="1"/>
-            <a:r>
-              <a:t/>
-            </a:r>
+            <a:endParaRPr/>
           </a:p>
           <a:p>
             <a:pPr lvl="2"/>
-            <a:r>
-              <a:t/>
-            </a:r>
+            <a:endParaRPr/>
           </a:p>
           <a:p>
             <a:pPr lvl="3"/>
-            <a:r>
-              <a:t/>
-            </a:r>
+            <a:endParaRPr/>
           </a:p>
           <a:p>
             <a:pPr lvl="4"/>
-            <a:r>
-              <a:t/>
-            </a:r>
+            <a:endParaRPr/>
           </a:p>
         </p:txBody>
       </p:sp>
       <p:sp>
         <p:nvSpPr>
           <p:cNvPr id="91" name="Broj slajda"/>
-          <p:cNvSpPr txBox="1"/>
+          <p:cNvSpPr txBox="1">
+            <a:spLocks noGrp="1"/>
+          </p:cNvSpPr>
           <p:nvPr>
             <p:ph type="sldNum" sz="quarter" idx="2"/>
           </p:nvPr>
@@ -2910,8 +2933,10 @@
           <a:bodyPr/>
           <a:lstStyle/>
           <a:p>
-            <a:pPr/>
-            <a:fld id="{86CB4B4D-7CA3-9044-876B-883B54F8677D}" type="slidenum"/>
+            <a:fld id="{86CB4B4D-7CA3-9044-876B-883B54F8677D}" type="slidenum">
+              <a:t>‹#›</a:t>
+            </a:fld>
+            <a:endParaRPr/>
           </a:p>
         </p:txBody>
       </p:sp>
@@ -2920,18 +2945,19 @@
   <p:clrMapOvr>
     <a:masterClrMapping/>
   </p:clrMapOvr>
-  <p:transition xmlns:p14="http://schemas.microsoft.com/office/powerpoint/2010/main" spd="med" advClick="1"/>
+  <p:transition spd="med"/>
 </p:sldLayout>
 </file>
 
 <file path=ppt/slideMasters/slideMaster1.xml><?xml version="1.0" encoding="utf-8"?>
-<p:sldMaster xmlns:a="http://schemas.openxmlformats.org/drawingml/2006/main" xmlns:r="http://schemas.openxmlformats.org/officeDocument/2006/relationships" xmlns:p="http://schemas.openxmlformats.org/presentationml/2006/main" xmlns:m="http://schemas.openxmlformats.org/officeDocument/2006/math" xmlns:a14="http://schemas.microsoft.com/office/drawing/2010/main">
+<p:sldMaster xmlns:a="http://schemas.openxmlformats.org/drawingml/2006/main" xmlns:r="http://schemas.openxmlformats.org/officeDocument/2006/relationships" xmlns:p="http://schemas.openxmlformats.org/presentationml/2006/main">
   <p:cSld>
     <p:bg>
       <p:bgPr>
         <a:solidFill>
           <a:srgbClr val="FFFFFF"/>
         </a:solidFill>
+        <a:effectLst/>
       </p:bgPr>
     </p:bg>
     <p:spTree>
@@ -2951,7 +2977,9 @@
       <p:sp>
         <p:nvSpPr>
           <p:cNvPr id="2" name="Naslov slajda"/>
-          <p:cNvSpPr txBox="1"/>
+          <p:cNvSpPr txBox="1">
+            <a:spLocks noGrp="1"/>
+          </p:cNvSpPr>
           <p:nvPr>
             <p:ph type="title" hasCustomPrompt="1"/>
           </p:nvPr>
@@ -2969,17 +2997,16 @@
           </a:ln>
           <a:extLst>
             <a:ext uri="{C572A759-6A51-4108-AA02-DFA0A04FC94B}">
-              <ma14:wrappingTextBoxFlag xmlns:ma14="http://schemas.microsoft.com/office/mac/drawingml/2011/main" val="1"/>
+              <ma14:wrappingTextBoxFlag xmlns:ma14="http://schemas.microsoft.com/office/mac/drawingml/2011/main" xmlns:a14="http://schemas.microsoft.com/office/drawing/2010/main" xmlns:m="http://schemas.openxmlformats.org/officeDocument/2006/math" xmlns="" val="1"/>
             </a:ext>
           </a:extLst>
         </p:spPr>
         <p:txBody>
           <a:bodyPr lIns="50800" tIns="50800" rIns="50800" bIns="50800">
-            <a:normAutofit fontScale="100000" lnSpcReduction="0"/>
+            <a:normAutofit/>
           </a:bodyPr>
           <a:lstStyle/>
           <a:p>
-            <a:pPr/>
             <a:r>
               <a:t>Naslov slajda</a:t>
             </a:r>
@@ -2989,7 +3016,9 @@
       <p:sp>
         <p:nvSpPr>
           <p:cNvPr id="3" name="Tijelo razine jedan…"/>
-          <p:cNvSpPr txBox="1"/>
+          <p:cNvSpPr txBox="1">
+            <a:spLocks noGrp="1"/>
+          </p:cNvSpPr>
           <p:nvPr>
             <p:ph type="body" idx="1" hasCustomPrompt="1"/>
           </p:nvPr>
@@ -3007,51 +3036,44 @@
           </a:ln>
           <a:extLst>
             <a:ext uri="{C572A759-6A51-4108-AA02-DFA0A04FC94B}">
-              <ma14:wrappingTextBoxFlag xmlns:ma14="http://schemas.microsoft.com/office/mac/drawingml/2011/main" val="1"/>
+              <ma14:wrappingTextBoxFlag xmlns:ma14="http://schemas.microsoft.com/office/mac/drawingml/2011/main" xmlns:a14="http://schemas.microsoft.com/office/drawing/2010/main" xmlns:m="http://schemas.openxmlformats.org/officeDocument/2006/math" xmlns="" val="1"/>
             </a:ext>
           </a:extLst>
         </p:spPr>
         <p:txBody>
           <a:bodyPr lIns="50800" tIns="50800" rIns="50800" bIns="50800">
-            <a:normAutofit fontScale="100000" lnSpcReduction="0"/>
+            <a:normAutofit/>
           </a:bodyPr>
           <a:lstStyle/>
           <a:p>
-            <a:pPr/>
             <a:r>
               <a:t>Tekst predznaka na slajdu</a:t>
             </a:r>
           </a:p>
           <a:p>
             <a:pPr lvl="1"/>
-            <a:r>
-              <a:t/>
-            </a:r>
+            <a:endParaRPr/>
           </a:p>
           <a:p>
             <a:pPr lvl="2"/>
-            <a:r>
-              <a:t/>
-            </a:r>
+            <a:endParaRPr/>
           </a:p>
           <a:p>
             <a:pPr lvl="3"/>
-            <a:r>
-              <a:t/>
-            </a:r>
+            <a:endParaRPr/>
           </a:p>
           <a:p>
             <a:pPr lvl="4"/>
-            <a:r>
-              <a:t/>
-            </a:r>
+            <a:endParaRPr/>
           </a:p>
         </p:txBody>
       </p:sp>
       <p:sp>
         <p:nvSpPr>
           <p:cNvPr id="4" name="Broj slajda"/>
-          <p:cNvSpPr txBox="1"/>
+          <p:cNvSpPr txBox="1">
+            <a:spLocks noGrp="1"/>
+          </p:cNvSpPr>
           <p:nvPr>
             <p:ph type="sldNum" sz="quarter" idx="2"/>
           </p:nvPr>
@@ -3082,8 +3104,10 @@
             </a:lvl1pPr>
           </a:lstStyle>
           <a:p>
-            <a:pPr/>
-            <a:fld id="{86CB4B4D-7CA3-9044-876B-883B54F8677D}" type="slidenum"/>
+            <a:fld id="{86CB4B4D-7CA3-9044-876B-883B54F8677D}" type="slidenum">
+              <a:t>‹#›</a:t>
+            </a:fld>
+            <a:endParaRPr/>
           </a:p>
         </p:txBody>
       </p:sp>
@@ -3091,23 +3115,23 @@
   </p:cSld>
   <p:clrMap bg1="lt1" tx1="dk1" bg2="lt2" tx2="dk2" accent1="accent1" accent2="accent2" accent3="accent3" accent4="accent4" accent5="accent5" accent6="accent6" hlink="hlink" folHlink="folHlink"/>
   <p:sldLayoutIdLst>
-    <p:sldLayoutId id="2147483649" r:id="rId2"/>
-    <p:sldLayoutId id="2147483650" r:id="rId3"/>
-    <p:sldLayoutId id="2147483651" r:id="rId4"/>
-    <p:sldLayoutId id="2147483652" r:id="rId5"/>
-    <p:sldLayoutId id="2147483653" r:id="rId6"/>
-    <p:sldLayoutId id="2147483654" r:id="rId7"/>
-    <p:sldLayoutId id="2147483655" r:id="rId8"/>
-    <p:sldLayoutId id="2147483656" r:id="rId9"/>
-    <p:sldLayoutId id="2147483657" r:id="rId10"/>
-    <p:sldLayoutId id="2147483658" r:id="rId11"/>
-    <p:sldLayoutId id="2147483659" r:id="rId12"/>
-    <p:sldLayoutId id="2147483660" r:id="rId13"/>
-    <p:sldLayoutId id="2147483661" r:id="rId14"/>
-    <p:sldLayoutId id="2147483662" r:id="rId15"/>
-    <p:sldLayoutId id="2147483663" r:id="rId16"/>
+    <p:sldLayoutId id="2147483649" r:id="rId1"/>
+    <p:sldLayoutId id="2147483650" r:id="rId2"/>
+    <p:sldLayoutId id="2147483651" r:id="rId3"/>
+    <p:sldLayoutId id="2147483652" r:id="rId4"/>
+    <p:sldLayoutId id="2147483653" r:id="rId5"/>
+    <p:sldLayoutId id="2147483654" r:id="rId6"/>
+    <p:sldLayoutId id="2147483655" r:id="rId7"/>
+    <p:sldLayoutId id="2147483656" r:id="rId8"/>
+    <p:sldLayoutId id="2147483657" r:id="rId9"/>
+    <p:sldLayoutId id="2147483658" r:id="rId10"/>
+    <p:sldLayoutId id="2147483659" r:id="rId11"/>
+    <p:sldLayoutId id="2147483660" r:id="rId12"/>
+    <p:sldLayoutId id="2147483661" r:id="rId13"/>
+    <p:sldLayoutId id="2147483662" r:id="rId14"/>
+    <p:sldLayoutId id="2147483663" r:id="rId15"/>
   </p:sldLayoutIdLst>
-  <p:transition xmlns:p14="http://schemas.microsoft.com/office/powerpoint/2010/main" spd="med" advClick="1"/>
+  <p:transition spd="med"/>
   <p:txStyles>
     <p:titleStyle>
       <a:lvl1pPr marL="0" marR="0" indent="0" algn="l" defTabSz="2438338" rtl="0" latinLnBrk="0">
@@ -3125,7 +3149,7 @@
         <a:buFontTx/>
         <a:buNone/>
         <a:tabLst/>
-        <a:defRPr b="1" baseline="0" cap="none" i="0" spc="-170" strike="noStrike" sz="8500" u="none">
+        <a:defRPr sz="8500" b="1" i="0" u="none" strike="noStrike" cap="none" spc="-170" baseline="0">
           <a:solidFill>
             <a:srgbClr val="000000"/>
           </a:solidFill>
@@ -3151,7 +3175,7 @@
         <a:buFontTx/>
         <a:buNone/>
         <a:tabLst/>
-        <a:defRPr b="1" baseline="0" cap="none" i="0" spc="-170" strike="noStrike" sz="8500" u="none">
+        <a:defRPr sz="8500" b="1" i="0" u="none" strike="noStrike" cap="none" spc="-170" baseline="0">
           <a:solidFill>
             <a:srgbClr val="000000"/>
           </a:solidFill>
@@ -3177,7 +3201,7 @@
         <a:buFontTx/>
         <a:buNone/>
         <a:tabLst/>
-        <a:defRPr b="1" baseline="0" cap="none" i="0" spc="-170" strike="noStrike" sz="8500" u="none">
+        <a:defRPr sz="8500" b="1" i="0" u="none" strike="noStrike" cap="none" spc="-170" baseline="0">
           <a:solidFill>
             <a:srgbClr val="000000"/>
           </a:solidFill>
@@ -3203,7 +3227,7 @@
         <a:buFontTx/>
         <a:buNone/>
         <a:tabLst/>
-        <a:defRPr b="1" baseline="0" cap="none" i="0" spc="-170" strike="noStrike" sz="8500" u="none">
+        <a:defRPr sz="8500" b="1" i="0" u="none" strike="noStrike" cap="none" spc="-170" baseline="0">
           <a:solidFill>
             <a:srgbClr val="000000"/>
           </a:solidFill>
@@ -3229,7 +3253,7 @@
         <a:buFontTx/>
         <a:buNone/>
         <a:tabLst/>
-        <a:defRPr b="1" baseline="0" cap="none" i="0" spc="-170" strike="noStrike" sz="8500" u="none">
+        <a:defRPr sz="8500" b="1" i="0" u="none" strike="noStrike" cap="none" spc="-170" baseline="0">
           <a:solidFill>
             <a:srgbClr val="000000"/>
           </a:solidFill>
@@ -3255,7 +3279,7 @@
         <a:buFontTx/>
         <a:buNone/>
         <a:tabLst/>
-        <a:defRPr b="1" baseline="0" cap="none" i="0" spc="-170" strike="noStrike" sz="8500" u="none">
+        <a:defRPr sz="8500" b="1" i="0" u="none" strike="noStrike" cap="none" spc="-170" baseline="0">
           <a:solidFill>
             <a:srgbClr val="000000"/>
           </a:solidFill>
@@ -3281,7 +3305,7 @@
         <a:buFontTx/>
         <a:buNone/>
         <a:tabLst/>
-        <a:defRPr b="1" baseline="0" cap="none" i="0" spc="-170" strike="noStrike" sz="8500" u="none">
+        <a:defRPr sz="8500" b="1" i="0" u="none" strike="noStrike" cap="none" spc="-170" baseline="0">
           <a:solidFill>
             <a:srgbClr val="000000"/>
           </a:solidFill>
@@ -3307,7 +3331,7 @@
         <a:buFontTx/>
         <a:buNone/>
         <a:tabLst/>
-        <a:defRPr b="1" baseline="0" cap="none" i="0" spc="-170" strike="noStrike" sz="8500" u="none">
+        <a:defRPr sz="8500" b="1" i="0" u="none" strike="noStrike" cap="none" spc="-170" baseline="0">
           <a:solidFill>
             <a:srgbClr val="000000"/>
           </a:solidFill>
@@ -3333,7 +3357,7 @@
         <a:buFontTx/>
         <a:buNone/>
         <a:tabLst/>
-        <a:defRPr b="1" baseline="0" cap="none" i="0" spc="-170" strike="noStrike" sz="8500" u="none">
+        <a:defRPr sz="8500" b="1" i="0" u="none" strike="noStrike" cap="none" spc="-170" baseline="0">
           <a:solidFill>
             <a:srgbClr val="000000"/>
           </a:solidFill>
@@ -3361,7 +3385,7 @@
         <a:buFontTx/>
         <a:buChar char="•"/>
         <a:tabLst/>
-        <a:defRPr b="0" baseline="0" cap="none" i="0" spc="0" strike="noStrike" sz="4800" u="none">
+        <a:defRPr sz="4800" b="0" i="0" u="none" strike="noStrike" cap="none" spc="0" baseline="0">
           <a:solidFill>
             <a:srgbClr val="000000"/>
           </a:solidFill>
@@ -3387,7 +3411,7 @@
         <a:buFontTx/>
         <a:buChar char="•"/>
         <a:tabLst/>
-        <a:defRPr b="0" baseline="0" cap="none" i="0" spc="0" strike="noStrike" sz="4800" u="none">
+        <a:defRPr sz="4800" b="0" i="0" u="none" strike="noStrike" cap="none" spc="0" baseline="0">
           <a:solidFill>
             <a:srgbClr val="000000"/>
           </a:solidFill>
@@ -3413,7 +3437,7 @@
         <a:buFontTx/>
         <a:buChar char="•"/>
         <a:tabLst/>
-        <a:defRPr b="0" baseline="0" cap="none" i="0" spc="0" strike="noStrike" sz="4800" u="none">
+        <a:defRPr sz="4800" b="0" i="0" u="none" strike="noStrike" cap="none" spc="0" baseline="0">
           <a:solidFill>
             <a:srgbClr val="000000"/>
           </a:solidFill>
@@ -3439,7 +3463,7 @@
         <a:buFontTx/>
         <a:buChar char="•"/>
         <a:tabLst/>
-        <a:defRPr b="0" baseline="0" cap="none" i="0" spc="0" strike="noStrike" sz="4800" u="none">
+        <a:defRPr sz="4800" b="0" i="0" u="none" strike="noStrike" cap="none" spc="0" baseline="0">
           <a:solidFill>
             <a:srgbClr val="000000"/>
           </a:solidFill>
@@ -3465,7 +3489,7 @@
         <a:buFontTx/>
         <a:buChar char="•"/>
         <a:tabLst/>
-        <a:defRPr b="0" baseline="0" cap="none" i="0" spc="0" strike="noStrike" sz="4800" u="none">
+        <a:defRPr sz="4800" b="0" i="0" u="none" strike="noStrike" cap="none" spc="0" baseline="0">
           <a:solidFill>
             <a:srgbClr val="000000"/>
           </a:solidFill>
@@ -3491,7 +3515,7 @@
         <a:buFontTx/>
         <a:buChar char="•"/>
         <a:tabLst/>
-        <a:defRPr b="0" baseline="0" cap="none" i="0" spc="0" strike="noStrike" sz="4800" u="none">
+        <a:defRPr sz="4800" b="0" i="0" u="none" strike="noStrike" cap="none" spc="0" baseline="0">
           <a:solidFill>
             <a:srgbClr val="000000"/>
           </a:solidFill>
@@ -3517,7 +3541,7 @@
         <a:buFontTx/>
         <a:buChar char="•"/>
         <a:tabLst/>
-        <a:defRPr b="0" baseline="0" cap="none" i="0" spc="0" strike="noStrike" sz="4800" u="none">
+        <a:defRPr sz="4800" b="0" i="0" u="none" strike="noStrike" cap="none" spc="0" baseline="0">
           <a:solidFill>
             <a:srgbClr val="000000"/>
           </a:solidFill>
@@ -3543,7 +3567,7 @@
         <a:buFontTx/>
         <a:buChar char="•"/>
         <a:tabLst/>
-        <a:defRPr b="0" baseline="0" cap="none" i="0" spc="0" strike="noStrike" sz="4800" u="none">
+        <a:defRPr sz="4800" b="0" i="0" u="none" strike="noStrike" cap="none" spc="0" baseline="0">
           <a:solidFill>
             <a:srgbClr val="000000"/>
           </a:solidFill>
@@ -3569,7 +3593,7 @@
         <a:buFontTx/>
         <a:buChar char="•"/>
         <a:tabLst/>
-        <a:defRPr b="0" baseline="0" cap="none" i="0" spc="0" strike="noStrike" sz="4800" u="none">
+        <a:defRPr sz="4800" b="0" i="0" u="none" strike="noStrike" cap="none" spc="0" baseline="0">
           <a:solidFill>
             <a:srgbClr val="000000"/>
           </a:solidFill>
@@ -3597,7 +3621,7 @@
         <a:buFontTx/>
         <a:buNone/>
         <a:tabLst/>
-        <a:defRPr b="0" baseline="0" cap="none" i="0" spc="0" strike="noStrike" sz="1800" u="none">
+        <a:defRPr sz="1800" b="0" i="0" u="none" strike="noStrike" cap="none" spc="0" baseline="0">
           <a:solidFill>
             <a:schemeClr val="tx1"/>
           </a:solidFill>
@@ -3623,7 +3647,7 @@
         <a:buFontTx/>
         <a:buNone/>
         <a:tabLst/>
-        <a:defRPr b="0" baseline="0" cap="none" i="0" spc="0" strike="noStrike" sz="1800" u="none">
+        <a:defRPr sz="1800" b="0" i="0" u="none" strike="noStrike" cap="none" spc="0" baseline="0">
           <a:solidFill>
             <a:schemeClr val="tx1"/>
           </a:solidFill>
@@ -3649,7 +3673,7 @@
         <a:buFontTx/>
         <a:buNone/>
         <a:tabLst/>
-        <a:defRPr b="0" baseline="0" cap="none" i="0" spc="0" strike="noStrike" sz="1800" u="none">
+        <a:defRPr sz="1800" b="0" i="0" u="none" strike="noStrike" cap="none" spc="0" baseline="0">
           <a:solidFill>
             <a:schemeClr val="tx1"/>
           </a:solidFill>
@@ -3675,7 +3699,7 @@
         <a:buFontTx/>
         <a:buNone/>
         <a:tabLst/>
-        <a:defRPr b="0" baseline="0" cap="none" i="0" spc="0" strike="noStrike" sz="1800" u="none">
+        <a:defRPr sz="1800" b="0" i="0" u="none" strike="noStrike" cap="none" spc="0" baseline="0">
           <a:solidFill>
             <a:schemeClr val="tx1"/>
           </a:solidFill>
@@ -3701,7 +3725,7 @@
         <a:buFontTx/>
         <a:buNone/>
         <a:tabLst/>
-        <a:defRPr b="0" baseline="0" cap="none" i="0" spc="0" strike="noStrike" sz="1800" u="none">
+        <a:defRPr sz="1800" b="0" i="0" u="none" strike="noStrike" cap="none" spc="0" baseline="0">
           <a:solidFill>
             <a:schemeClr val="tx1"/>
           </a:solidFill>
@@ -3727,7 +3751,7 @@
         <a:buFontTx/>
         <a:buNone/>
         <a:tabLst/>
-        <a:defRPr b="0" baseline="0" cap="none" i="0" spc="0" strike="noStrike" sz="1800" u="none">
+        <a:defRPr sz="1800" b="0" i="0" u="none" strike="noStrike" cap="none" spc="0" baseline="0">
           <a:solidFill>
             <a:schemeClr val="tx1"/>
           </a:solidFill>
@@ -3753,7 +3777,7 @@
         <a:buFontTx/>
         <a:buNone/>
         <a:tabLst/>
-        <a:defRPr b="0" baseline="0" cap="none" i="0" spc="0" strike="noStrike" sz="1800" u="none">
+        <a:defRPr sz="1800" b="0" i="0" u="none" strike="noStrike" cap="none" spc="0" baseline="0">
           <a:solidFill>
             <a:schemeClr val="tx1"/>
           </a:solidFill>
@@ -3779,7 +3803,7 @@
         <a:buFontTx/>
         <a:buNone/>
         <a:tabLst/>
-        <a:defRPr b="0" baseline="0" cap="none" i="0" spc="0" strike="noStrike" sz="1800" u="none">
+        <a:defRPr sz="1800" b="0" i="0" u="none" strike="noStrike" cap="none" spc="0" baseline="0">
           <a:solidFill>
             <a:schemeClr val="tx1"/>
           </a:solidFill>
@@ -3805,7 +3829,7 @@
         <a:buFontTx/>
         <a:buNone/>
         <a:tabLst/>
-        <a:defRPr b="0" baseline="0" cap="none" i="0" spc="0" strike="noStrike" sz="1800" u="none">
+        <a:defRPr sz="1800" b="0" i="0" u="none" strike="noStrike" cap="none" spc="0" baseline="0">
           <a:solidFill>
             <a:schemeClr val="tx1"/>
           </a:solidFill>
@@ -3822,7 +3846,7 @@
 </file>
 
 <file path=ppt/slides/slide1.xml><?xml version="1.0" encoding="utf-8"?>
-<p:sld xmlns:a="http://schemas.openxmlformats.org/drawingml/2006/main" xmlns:r="http://schemas.openxmlformats.org/officeDocument/2006/relationships" xmlns:p="http://schemas.openxmlformats.org/presentationml/2006/main" xmlns:m="http://schemas.openxmlformats.org/officeDocument/2006/math" xmlns:a14="http://schemas.microsoft.com/office/drawing/2010/main" showMasterSp="1" showMasterPhAnim="1">
+<p:sld xmlns:a="http://schemas.openxmlformats.org/drawingml/2006/main" xmlns:r="http://schemas.openxmlformats.org/officeDocument/2006/relationships" xmlns:p="http://schemas.openxmlformats.org/presentationml/2006/main">
   <p:cSld>
     <p:spTree>
       <p:nvGrpSpPr>
@@ -3841,7 +3865,9 @@
       <p:sp>
         <p:nvSpPr>
           <p:cNvPr id="151" name="A machine learning approach for the classification of cardiac arrhythmia"/>
-          <p:cNvSpPr txBox="1"/>
+          <p:cNvSpPr txBox="1">
+            <a:spLocks noGrp="1"/>
+          </p:cNvSpPr>
           <p:nvPr>
             <p:ph type="title"/>
           </p:nvPr>
@@ -3859,11 +3885,10 @@
           <a:bodyPr/>
           <a:lstStyle>
             <a:lvl1pPr defTabSz="1048485">
-              <a:defRPr spc="-126" sz="6321"/>
+              <a:defRPr sz="6321" spc="-126"/>
             </a:lvl1pPr>
           </a:lstStyle>
           <a:p>
-            <a:pPr/>
             <a:r>
               <a:t>A machine learning approach for the classification of cardiac arrhythmia</a:t>
             </a:r>
@@ -3874,7 +3899,9 @@
       <p:sp>
         <p:nvSpPr>
           <p:cNvPr id="152" name="Ana Terović…"/>
-          <p:cNvSpPr txBox="1"/>
+          <p:cNvSpPr txBox="1">
+            <a:spLocks noGrp="1"/>
+          </p:cNvSpPr>
           <p:nvPr>
             <p:ph type="body" idx="21"/>
           </p:nvPr>
@@ -3889,7 +3916,7 @@
           </a:prstGeom>
           <a:extLst>
             <a:ext uri="{C572A759-6A51-4108-AA02-DFA0A04FC94B}">
-              <ma14:wrappingTextBoxFlag xmlns:ma14="http://schemas.microsoft.com/office/mac/drawingml/2011/main" val="1"/>
+              <ma14:wrappingTextBoxFlag xmlns:ma14="http://schemas.microsoft.com/office/mac/drawingml/2011/main" xmlns:a14="http://schemas.microsoft.com/office/drawing/2010/main" xmlns:m="http://schemas.openxmlformats.org/officeDocument/2006/math" xmlns="" val="1"/>
             </a:ext>
           </a:extLst>
         </p:spPr>
@@ -3931,9 +3958,7 @@
           <p:nvPr/>
         </p:nvPicPr>
         <p:blipFill>
-          <a:blip r:embed="rId2">
-            <a:extLst/>
-          </a:blip>
+          <a:blip r:embed="rId2"/>
           <a:stretch>
             <a:fillRect/>
           </a:stretch>
@@ -3956,12 +3981,12 @@
   <p:clrMapOvr>
     <a:masterClrMapping/>
   </p:clrMapOvr>
-  <p:transition xmlns:p14="http://schemas.microsoft.com/office/powerpoint/2010/main" spd="med" advClick="1"/>
+  <p:transition spd="med"/>
 </p:sld>
 </file>
 
 <file path=ppt/slides/slide10.xml><?xml version="1.0" encoding="utf-8"?>
-<p:sld xmlns:a="http://schemas.openxmlformats.org/drawingml/2006/main" xmlns:r="http://schemas.openxmlformats.org/officeDocument/2006/relationships" xmlns:p="http://schemas.openxmlformats.org/presentationml/2006/main" xmlns:m="http://schemas.openxmlformats.org/officeDocument/2006/math" xmlns:a14="http://schemas.microsoft.com/office/drawing/2010/main" showMasterSp="1" showMasterPhAnim="1">
+<p:sld xmlns:a="http://schemas.openxmlformats.org/drawingml/2006/main" xmlns:r="http://schemas.openxmlformats.org/officeDocument/2006/relationships" xmlns:p="http://schemas.openxmlformats.org/presentationml/2006/main">
   <p:cSld>
     <p:spTree>
       <p:nvGrpSpPr>
@@ -3980,7 +4005,9 @@
       <p:sp>
         <p:nvSpPr>
           <p:cNvPr id="192" name="Weight and diagnosis"/>
-          <p:cNvSpPr txBox="1"/>
+          <p:cNvSpPr txBox="1">
+            <a:spLocks noGrp="1"/>
+          </p:cNvSpPr>
           <p:nvPr>
             <p:ph type="title"/>
           </p:nvPr>
@@ -4001,469 +4028,622 @@
               <a:lnSpc>
                 <a:spcPct val="100000"/>
               </a:lnSpc>
-              <a:defRPr spc="0" sz="5500"/>
+              <a:defRPr sz="5500" spc="0"/>
             </a:lvl1pPr>
           </a:lstStyle>
           <a:p>
-            <a:pPr/>
             <a:r>
               <a:t>Weight and diagnosis</a:t>
             </a:r>
           </a:p>
         </p:txBody>
       </p:sp>
-      <p:sp>
-        <p:nvSpPr>
-          <p:cNvPr id="193" name="Kruskal-Wallis test…"/>
-          <p:cNvSpPr txBox="1"/>
-          <p:nvPr/>
-        </p:nvSpPr>
-        <p:spPr>
-          <a:xfrm>
-            <a:off x="910396" y="6657116"/>
-            <a:ext cx="10502679" cy="1903467"/>
-          </a:xfrm>
-          <a:prstGeom prst="rect">
-            <a:avLst/>
-          </a:prstGeom>
-          <a:ln w="12700">
-            <a:miter lim="400000"/>
-          </a:ln>
-          <a:extLst>
-            <a:ext uri="{C572A759-6A51-4108-AA02-DFA0A04FC94B}">
-              <ma14:wrappingTextBoxFlag xmlns:ma14="http://schemas.microsoft.com/office/mac/drawingml/2011/main" val="1"/>
-            </a:ext>
-          </a:extLst>
-        </p:spPr>
-        <p:txBody>
-          <a:bodyPr lIns="50800" tIns="50800" rIns="50800" bIns="50800" anchor="ctr">
-            <a:spAutoFit/>
-          </a:bodyPr>
-          <a:lstStyle/>
-          <a:p>
-            <a:pPr marL="609600" indent="-609600" algn="l">
-              <a:lnSpc>
-                <a:spcPct val="90000"/>
-              </a:lnSpc>
-              <a:spcBef>
-                <a:spcPts val="4500"/>
-              </a:spcBef>
-              <a:buSzPct val="123000"/>
-              <a:buChar char="•"/>
-              <a:defRPr sz="3800">
-                <a:solidFill>
-                  <a:srgbClr val="000000"/>
-                </a:solidFill>
-              </a:defRPr>
-            </a:pPr>
-            <a:r>
-              <a:t>Kruskal-Wallis test</a:t>
-            </a:r>
-          </a:p>
-          <a:p>
-            <a:pPr marL="609600" indent="-609600" algn="l">
-              <a:lnSpc>
-                <a:spcPct val="90000"/>
-              </a:lnSpc>
-              <a:spcBef>
-                <a:spcPts val="4500"/>
-              </a:spcBef>
-              <a:buSzPct val="123000"/>
-              <a:buChar char="•"/>
-              <a:defRPr sz="3800">
-                <a:solidFill>
-                  <a:srgbClr val="000000"/>
-                </a:solidFill>
-              </a:defRPr>
-            </a:pPr>
-            <a14:m>
-              <m:oMath>
-                <m:r>
-                  <a:rPr xmlns:a="http://schemas.openxmlformats.org/drawingml/2006/main" sz="4200" i="1">
+      <mc:AlternateContent xmlns:mc="http://schemas.openxmlformats.org/markup-compatibility/2006">
+        <mc:Choice xmlns:a14="http://schemas.microsoft.com/office/drawing/2010/main" Requires="a14">
+          <p:sp>
+            <p:nvSpPr>
+              <p:cNvPr id="193" name="Kruskal-Wallis test…"/>
+              <p:cNvSpPr txBox="1"/>
+              <p:nvPr/>
+            </p:nvSpPr>
+            <p:spPr>
+              <a:xfrm>
+                <a:off x="910396" y="6657116"/>
+                <a:ext cx="10502679" cy="1903467"/>
+              </a:xfrm>
+              <a:prstGeom prst="rect">
+                <a:avLst/>
+              </a:prstGeom>
+              <a:ln w="12700">
+                <a:miter lim="400000"/>
+              </a:ln>
+              <a:extLst>
+                <a:ext uri="{C572A759-6A51-4108-AA02-DFA0A04FC94B}">
+                  <ma14:wrappingTextBoxFlag xmlns:ma14="http://schemas.microsoft.com/office/mac/drawingml/2011/main" xmlns:m="http://schemas.openxmlformats.org/officeDocument/2006/math" xmlns="" val="1"/>
+                </a:ext>
+              </a:extLst>
+            </p:spPr>
+            <p:txBody>
+              <a:bodyPr lIns="50800" tIns="50800" rIns="50800" bIns="50800" anchor="ctr">
+                <a:spAutoFit/>
+              </a:bodyPr>
+              <a:lstStyle/>
+              <a:p>
+                <a:pPr marL="609600" indent="-609600" algn="l">
+                  <a:lnSpc>
+                    <a:spcPct val="90000"/>
+                  </a:lnSpc>
+                  <a:spcBef>
+                    <a:spcPts val="4500"/>
+                  </a:spcBef>
+                  <a:buSzPct val="123000"/>
+                  <a:buChar char="•"/>
+                  <a:defRPr sz="3800">
                     <a:solidFill>
                       <a:srgbClr val="000000"/>
                     </a:solidFill>
-                    <a:latin typeface="Cambria Math" panose="02040503050406030204" pitchFamily="18" charset="0"/>
-                  </a:rPr>
-                  <m:t>p</m:t>
-                </m:r>
-              </m:oMath>
-            </a14:m>
-            <a:r>
-              <a:t> vrijednost = </a:t>
-            </a:r>
-            <a14:m>
-              <m:oMath>
-                <m:r>
-                  <a:rPr xmlns:a="http://schemas.openxmlformats.org/drawingml/2006/main" sz="4750" i="1">
+                  </a:defRPr>
+                </a:pPr>
+                <a:r>
+                  <a:t>Kruskal-Wallis test</a:t>
+                </a:r>
+              </a:p>
+              <a:p>
+                <a:pPr marL="609600" indent="-609600" algn="l">
+                  <a:lnSpc>
+                    <a:spcPct val="90000"/>
+                  </a:lnSpc>
+                  <a:spcBef>
+                    <a:spcPts val="4500"/>
+                  </a:spcBef>
+                  <a:buSzPct val="123000"/>
+                  <a:buChar char="•"/>
+                  <a:defRPr sz="3800">
                     <a:solidFill>
                       <a:srgbClr val="000000"/>
                     </a:solidFill>
-                    <a:latin typeface="Cambria Math" panose="02040503050406030204" pitchFamily="18" charset="0"/>
-                  </a:rPr>
-                  <m:t>0.005</m:t>
-                </m:r>
-              </m:oMath>
-            </a14:m>
-            <a:r>
-              <a:t> &lt; 0.05, odbacujemo  </a:t>
-            </a:r>
-            <a14:m>
-              <m:oMath>
-                <m:sSub>
-                  <m:e>
+                  </a:defRPr>
+                </a:pPr>
+                <a14:m>
+                  <m:oMath xmlns:m="http://schemas.openxmlformats.org/officeDocument/2006/math">
                     <m:r>
-                      <a:rPr xmlns:a="http://schemas.openxmlformats.org/drawingml/2006/main" sz="4600" i="1">
+                      <a:rPr sz="4200" i="1">
                         <a:solidFill>
                           <a:srgbClr val="000000"/>
                         </a:solidFill>
                         <a:latin typeface="Cambria Math" panose="02040503050406030204" pitchFamily="18" charset="0"/>
                       </a:rPr>
-                      <m:t>H</m:t>
+                      <m:t>𝑝</m:t>
                     </m:r>
-                  </m:e>
-                  <m:sub>
+                  </m:oMath>
+                </a14:m>
+                <a:r>
+                  <a:t> vrijednost = </a:t>
+                </a:r>
+                <a14:m>
+                  <m:oMath xmlns:m="http://schemas.openxmlformats.org/officeDocument/2006/math">
                     <m:r>
-                      <a:rPr xmlns:a="http://schemas.openxmlformats.org/drawingml/2006/main" sz="4600" i="1">
+                      <a:rPr sz="4750" i="1">
                         <a:solidFill>
                           <a:srgbClr val="000000"/>
                         </a:solidFill>
                         <a:latin typeface="Cambria Math" panose="02040503050406030204" pitchFamily="18" charset="0"/>
                       </a:rPr>
-                      <m:t>0</m:t>
+                      <m:t>0.005</m:t>
                     </m:r>
-                  </m:sub>
-                </m:sSub>
-              </m:oMath>
-            </a14:m>
-          </a:p>
-        </p:txBody>
-      </p:sp>
-      <p:sp>
-        <p:nvSpPr>
-          <p:cNvPr id="194" name="( ne postoji statistički značajna razlika između prosječne težine pacijenta za svaku kategoriju srčane aritmije)…"/>
-          <p:cNvSpPr txBox="1"/>
-          <p:nvPr/>
-        </p:nvSpPr>
-        <p:spPr>
-          <a:xfrm>
-            <a:off x="727156" y="2787166"/>
-            <a:ext cx="23337400" cy="2227296"/>
-          </a:xfrm>
-          <a:prstGeom prst="rect">
-            <a:avLst/>
-          </a:prstGeom>
-          <a:ln w="12700">
-            <a:miter lim="400000"/>
-          </a:ln>
-          <a:extLst>
-            <a:ext uri="{C572A759-6A51-4108-AA02-DFA0A04FC94B}">
-              <ma14:wrappingTextBoxFlag xmlns:ma14="http://schemas.microsoft.com/office/mac/drawingml/2011/main" val="1"/>
-            </a:ext>
-          </a:extLst>
-        </p:spPr>
-        <p:txBody>
-          <a:bodyPr lIns="50800" tIns="50800" rIns="50800" bIns="50800" anchor="ctr">
-            <a:spAutoFit/>
-          </a:bodyPr>
-          <a:lstStyle/>
-          <a:p>
-            <a:pPr marL="609599" indent="-609599" algn="l">
-              <a:lnSpc>
-                <a:spcPct val="90000"/>
-              </a:lnSpc>
-              <a:spcBef>
-                <a:spcPts val="4500"/>
-              </a:spcBef>
-              <a:buSzPct val="123000"/>
-              <a:buChar char="•"/>
-              <a:defRPr sz="3100">
-                <a:solidFill>
-                  <a:srgbClr val="000000"/>
-                </a:solidFill>
-              </a:defRPr>
-            </a:pPr>
-            <a14:m>
-              <m:oMath>
-                <m:sSub>
-                  <m:e>
+                  </m:oMath>
+                </a14:m>
+                <a:r>
+                  <a:t> &lt; 0.05, odbacujemo  </a:t>
+                </a:r>
+                <a14:m>
+                  <m:oMath xmlns:m="http://schemas.openxmlformats.org/officeDocument/2006/math">
+                    <m:sSub>
+                      <m:sSubPr>
+                        <m:ctrlPr>
+                          <a:rPr sz="4600">
+                            <a:solidFill>
+                              <a:srgbClr val="000000"/>
+                            </a:solidFill>
+                            <a:latin typeface="Cambria Math" panose="02040503050406030204" pitchFamily="18" charset="0"/>
+                          </a:rPr>
+                        </m:ctrlPr>
+                      </m:sSubPr>
+                      <m:e>
+                        <m:r>
+                          <a:rPr sz="4600" i="1">
+                            <a:solidFill>
+                              <a:srgbClr val="000000"/>
+                            </a:solidFill>
+                            <a:latin typeface="Cambria Math" panose="02040503050406030204" pitchFamily="18" charset="0"/>
+                          </a:rPr>
+                          <m:t>𝐻</m:t>
+                        </m:r>
+                      </m:e>
+                      <m:sub>
+                        <m:r>
+                          <a:rPr sz="4600" i="1">
+                            <a:solidFill>
+                              <a:srgbClr val="000000"/>
+                            </a:solidFill>
+                            <a:latin typeface="Cambria Math" panose="02040503050406030204" pitchFamily="18" charset="0"/>
+                          </a:rPr>
+                          <m:t>0</m:t>
+                        </m:r>
+                      </m:sub>
+                    </m:sSub>
+                  </m:oMath>
+                </a14:m>
+                <a:endParaRPr/>
+              </a:p>
+            </p:txBody>
+          </p:sp>
+        </mc:Choice>
+        <mc:Fallback>
+          <p:sp>
+            <p:nvSpPr>
+              <p:cNvPr id="193" name="Kruskal-Wallis test…"/>
+              <p:cNvSpPr txBox="1">
+                <a:spLocks noRot="1" noChangeAspect="1" noMove="1" noResize="1" noEditPoints="1" noAdjustHandles="1" noChangeArrowheads="1" noChangeShapeType="1" noTextEdit="1"/>
+              </p:cNvSpPr>
+              <p:nvPr/>
+            </p:nvSpPr>
+            <p:spPr>
+              <a:xfrm>
+                <a:off x="910396" y="6657116"/>
+                <a:ext cx="10502679" cy="1903467"/>
+              </a:xfrm>
+              <a:prstGeom prst="rect">
+                <a:avLst/>
+              </a:prstGeom>
+              <a:blipFill>
+                <a:blip r:embed="rId2"/>
+                <a:stretch>
+                  <a:fillRect l="-2778" t="-28667" b="-19333"/>
+                </a:stretch>
+              </a:blipFill>
+              <a:ln w="12700">
+                <a:miter lim="400000"/>
+              </a:ln>
+              <a:extLst>
+                <a:ext uri="{C572A759-6A51-4108-AA02-DFA0A04FC94B}">
+                  <ma14:wrappingTextBoxFlag xmlns:ma14="http://schemas.microsoft.com/office/mac/drawingml/2011/main" xmlns:a14="http://schemas.microsoft.com/office/drawing/2010/main" xmlns:m="http://schemas.openxmlformats.org/officeDocument/2006/math" xmlns="" val="1"/>
+                </a:ext>
+              </a:extLst>
+            </p:spPr>
+            <p:txBody>
+              <a:bodyPr/>
+              <a:lstStyle/>
+              <a:p>
+                <a:r>
+                  <a:rPr lang="en-HR">
+                    <a:noFill/>
+                  </a:rPr>
+                  <a:t> </a:t>
+                </a:r>
+              </a:p>
+            </p:txBody>
+          </p:sp>
+        </mc:Fallback>
+      </mc:AlternateContent>
+      <mc:AlternateContent xmlns:mc="http://schemas.openxmlformats.org/markup-compatibility/2006">
+        <mc:Choice xmlns:a14="http://schemas.microsoft.com/office/drawing/2010/main" Requires="a14">
+          <p:sp>
+            <p:nvSpPr>
+              <p:cNvPr id="194" name="( ne postoji statistički značajna razlika između prosječne težine pacijenta za svaku kategoriju srčane aritmije)…"/>
+              <p:cNvSpPr txBox="1"/>
+              <p:nvPr/>
+            </p:nvSpPr>
+            <p:spPr>
+              <a:xfrm>
+                <a:off x="727156" y="2787166"/>
+                <a:ext cx="23337400" cy="2227296"/>
+              </a:xfrm>
+              <a:prstGeom prst="rect">
+                <a:avLst/>
+              </a:prstGeom>
+              <a:ln w="12700">
+                <a:miter lim="400000"/>
+              </a:ln>
+              <a:extLst>
+                <a:ext uri="{C572A759-6A51-4108-AA02-DFA0A04FC94B}">
+                  <ma14:wrappingTextBoxFlag xmlns:ma14="http://schemas.microsoft.com/office/mac/drawingml/2011/main" xmlns:m="http://schemas.openxmlformats.org/officeDocument/2006/math" xmlns="" val="1"/>
+                </a:ext>
+              </a:extLst>
+            </p:spPr>
+            <p:txBody>
+              <a:bodyPr lIns="50800" tIns="50800" rIns="50800" bIns="50800" anchor="ctr">
+                <a:spAutoFit/>
+              </a:bodyPr>
+              <a:lstStyle/>
+              <a:p>
+                <a:pPr marL="609599" indent="-609599" algn="l">
+                  <a:lnSpc>
+                    <a:spcPct val="90000"/>
+                  </a:lnSpc>
+                  <a:spcBef>
+                    <a:spcPts val="4500"/>
+                  </a:spcBef>
+                  <a:buSzPct val="123000"/>
+                  <a:buChar char="•"/>
+                  <a:defRPr sz="3100">
+                    <a:solidFill>
+                      <a:srgbClr val="000000"/>
+                    </a:solidFill>
+                  </a:defRPr>
+                </a:pPr>
+                <a14:m>
+                  <m:oMath xmlns:m="http://schemas.openxmlformats.org/officeDocument/2006/math">
+                    <m:sSub>
+                      <m:sSubPr>
+                        <m:ctrlPr>
+                          <a:rPr sz="3700">
+                            <a:solidFill>
+                              <a:srgbClr val="000000"/>
+                            </a:solidFill>
+                            <a:latin typeface="Cambria Math" panose="02040503050406030204" pitchFamily="18" charset="0"/>
+                          </a:rPr>
+                        </m:ctrlPr>
+                      </m:sSubPr>
+                      <m:e>
+                        <m:r>
+                          <a:rPr sz="3700" i="1">
+                            <a:solidFill>
+                              <a:srgbClr val="000000"/>
+                            </a:solidFill>
+                            <a:latin typeface="Cambria Math" panose="02040503050406030204" pitchFamily="18" charset="0"/>
+                          </a:rPr>
+                          <m:t>𝐻</m:t>
+                        </m:r>
+                      </m:e>
+                      <m:sub>
+                        <m:r>
+                          <a:rPr sz="3700" i="1">
+                            <a:solidFill>
+                              <a:srgbClr val="000000"/>
+                            </a:solidFill>
+                            <a:latin typeface="Cambria Math" panose="02040503050406030204" pitchFamily="18" charset="0"/>
+                          </a:rPr>
+                          <m:t>0</m:t>
+                        </m:r>
+                      </m:sub>
+                    </m:sSub>
                     <m:r>
-                      <a:rPr xmlns:a="http://schemas.openxmlformats.org/drawingml/2006/main" sz="3700" i="1">
+                      <a:rPr sz="3700" i="1">
                         <a:solidFill>
                           <a:srgbClr val="000000"/>
                         </a:solidFill>
                         <a:latin typeface="Cambria Math" panose="02040503050406030204" pitchFamily="18" charset="0"/>
                       </a:rPr>
-                      <m:t>H</m:t>
+                      <m:t>:</m:t>
                     </m:r>
-                  </m:e>
-                  <m:sub>
+                    <m:sSub>
+                      <m:sSubPr>
+                        <m:ctrlPr>
+                          <a:rPr sz="3700" i="1">
+                            <a:solidFill>
+                              <a:srgbClr val="000000"/>
+                            </a:solidFill>
+                            <a:latin typeface="Cambria Math" panose="02040503050406030204" pitchFamily="18" charset="0"/>
+                          </a:rPr>
+                        </m:ctrlPr>
+                      </m:sSubPr>
+                      <m:e>
+                        <m:r>
+                          <a:rPr sz="3700" i="1">
+                            <a:solidFill>
+                              <a:srgbClr val="000000"/>
+                            </a:solidFill>
+                            <a:latin typeface="Cambria Math" panose="02040503050406030204" pitchFamily="18" charset="0"/>
+                          </a:rPr>
+                          <m:t>𝜇</m:t>
+                        </m:r>
+                      </m:e>
+                      <m:sub>
+                        <m:r>
+                          <a:rPr sz="3700" i="1">
+                            <a:solidFill>
+                              <a:srgbClr val="000000"/>
+                            </a:solidFill>
+                            <a:latin typeface="Cambria Math" panose="02040503050406030204" pitchFamily="18" charset="0"/>
+                          </a:rPr>
+                          <m:t>1</m:t>
+                        </m:r>
+                      </m:sub>
+                    </m:sSub>
                     <m:r>
-                      <a:rPr xmlns:a="http://schemas.openxmlformats.org/drawingml/2006/main" sz="3700" i="1">
+                      <a:rPr sz="3700" i="1">
                         <a:solidFill>
                           <a:srgbClr val="000000"/>
                         </a:solidFill>
                         <a:latin typeface="Cambria Math" panose="02040503050406030204" pitchFamily="18" charset="0"/>
                       </a:rPr>
-                      <m:t>0</m:t>
+                      <m:t>=</m:t>
                     </m:r>
-                  </m:sub>
-                </m:sSub>
-                <m:r>
-                  <a:rPr xmlns:a="http://schemas.openxmlformats.org/drawingml/2006/main" sz="3700" i="1">
-                    <a:solidFill>
-                      <a:srgbClr val="000000"/>
-                    </a:solidFill>
-                    <a:latin typeface="Cambria Math" panose="02040503050406030204" pitchFamily="18" charset="0"/>
-                  </a:rPr>
-                  <m:t>:</m:t>
-                </m:r>
-                <m:sSub>
-                  <m:e>
+                    <m:sSub>
+                      <m:sSubPr>
+                        <m:ctrlPr>
+                          <a:rPr sz="3700" i="1">
+                            <a:solidFill>
+                              <a:srgbClr val="000000"/>
+                            </a:solidFill>
+                            <a:latin typeface="Cambria Math" panose="02040503050406030204" pitchFamily="18" charset="0"/>
+                          </a:rPr>
+                        </m:ctrlPr>
+                      </m:sSubPr>
+                      <m:e>
+                        <m:r>
+                          <a:rPr sz="3700" i="1">
+                            <a:solidFill>
+                              <a:srgbClr val="000000"/>
+                            </a:solidFill>
+                            <a:latin typeface="Cambria Math" panose="02040503050406030204" pitchFamily="18" charset="0"/>
+                          </a:rPr>
+                          <m:t>𝜇</m:t>
+                        </m:r>
+                      </m:e>
+                      <m:sub>
+                        <m:r>
+                          <a:rPr sz="3700" i="1">
+                            <a:solidFill>
+                              <a:srgbClr val="000000"/>
+                            </a:solidFill>
+                            <a:latin typeface="Cambria Math" panose="02040503050406030204" pitchFamily="18" charset="0"/>
+                          </a:rPr>
+                          <m:t>2</m:t>
+                        </m:r>
+                      </m:sub>
+                    </m:sSub>
                     <m:r>
-                      <a:rPr xmlns:a="http://schemas.openxmlformats.org/drawingml/2006/main" sz="3700" i="1">
+                      <a:rPr sz="3700" i="1">
                         <a:solidFill>
                           <a:srgbClr val="000000"/>
                         </a:solidFill>
                         <a:latin typeface="Cambria Math" panose="02040503050406030204" pitchFamily="18" charset="0"/>
                       </a:rPr>
-                      <m:t>μ</m:t>
+                      <m:t>=..=</m:t>
                     </m:r>
-                  </m:e>
-                  <m:sub>
+                    <m:sSub>
+                      <m:sSubPr>
+                        <m:ctrlPr>
+                          <a:rPr sz="3700" i="1">
+                            <a:solidFill>
+                              <a:srgbClr val="000000"/>
+                            </a:solidFill>
+                            <a:latin typeface="Cambria Math" panose="02040503050406030204" pitchFamily="18" charset="0"/>
+                          </a:rPr>
+                        </m:ctrlPr>
+                      </m:sSubPr>
+                      <m:e>
+                        <m:r>
+                          <a:rPr sz="3700" i="1">
+                            <a:solidFill>
+                              <a:srgbClr val="000000"/>
+                            </a:solidFill>
+                            <a:latin typeface="Cambria Math" panose="02040503050406030204" pitchFamily="18" charset="0"/>
+                          </a:rPr>
+                          <m:t>𝜇</m:t>
+                        </m:r>
+                      </m:e>
+                      <m:sub>
+                        <m:r>
+                          <a:rPr sz="3700" i="1">
+                            <a:solidFill>
+                              <a:srgbClr val="000000"/>
+                            </a:solidFill>
+                            <a:latin typeface="Cambria Math" panose="02040503050406030204" pitchFamily="18" charset="0"/>
+                          </a:rPr>
+                          <m:t>15</m:t>
+                        </m:r>
+                      </m:sub>
+                    </m:sSub>
                     <m:r>
-                      <a:rPr xmlns:a="http://schemas.openxmlformats.org/drawingml/2006/main" sz="3700" i="1">
+                      <a:rPr sz="3700" i="1">
                         <a:solidFill>
                           <a:srgbClr val="000000"/>
                         </a:solidFill>
                         <a:latin typeface="Cambria Math" panose="02040503050406030204" pitchFamily="18" charset="0"/>
                       </a:rPr>
-                      <m:t>1</m:t>
+                      <m:t>=</m:t>
                     </m:r>
-                  </m:sub>
-                </m:sSub>
-                <m:r>
-                  <a:rPr xmlns:a="http://schemas.openxmlformats.org/drawingml/2006/main" sz="3700" i="1">
+                    <m:sSub>
+                      <m:sSubPr>
+                        <m:ctrlPr>
+                          <a:rPr sz="3700" i="1">
+                            <a:solidFill>
+                              <a:srgbClr val="000000"/>
+                            </a:solidFill>
+                            <a:latin typeface="Cambria Math" panose="02040503050406030204" pitchFamily="18" charset="0"/>
+                          </a:rPr>
+                        </m:ctrlPr>
+                      </m:sSubPr>
+                      <m:e>
+                        <m:r>
+                          <a:rPr sz="3700" i="1">
+                            <a:solidFill>
+                              <a:srgbClr val="000000"/>
+                            </a:solidFill>
+                            <a:latin typeface="Cambria Math" panose="02040503050406030204" pitchFamily="18" charset="0"/>
+                          </a:rPr>
+                          <m:t>𝜇</m:t>
+                        </m:r>
+                      </m:e>
+                      <m:sub>
+                        <m:r>
+                          <a:rPr sz="3700" i="1">
+                            <a:solidFill>
+                              <a:srgbClr val="000000"/>
+                            </a:solidFill>
+                            <a:latin typeface="Cambria Math" panose="02040503050406030204" pitchFamily="18" charset="0"/>
+                          </a:rPr>
+                          <m:t>16</m:t>
+                        </m:r>
+                      </m:sub>
+                    </m:sSub>
+                  </m:oMath>
+                </a14:m>
+                <a:r>
+                  <a:t>  ( ne postoji statistički značajna razlika između prosječne težine pacijenta za svaku kategoriju srčane aritmije)</a:t>
+                </a:r>
+              </a:p>
+              <a:p>
+                <a:pPr marL="609599" indent="-609599" algn="l">
+                  <a:lnSpc>
+                    <a:spcPct val="90000"/>
+                  </a:lnSpc>
+                  <a:spcBef>
+                    <a:spcPts val="4500"/>
+                  </a:spcBef>
+                  <a:buSzPct val="123000"/>
+                  <a:buChar char="•"/>
+                  <a:defRPr sz="3100">
                     <a:solidFill>
                       <a:srgbClr val="000000"/>
                     </a:solidFill>
-                    <a:latin typeface="Cambria Math" panose="02040503050406030204" pitchFamily="18" charset="0"/>
-                  </a:rPr>
-                  <m:t>=</m:t>
-                </m:r>
-                <m:sSub>
-                  <m:e>
+                  </a:defRPr>
+                </a:pPr>
+                <a14:m>
+                  <m:oMath xmlns:m="http://schemas.openxmlformats.org/officeDocument/2006/math">
+                    <m:sSub>
+                      <m:sSubPr>
+                        <m:ctrlPr>
+                          <a:rPr sz="3700">
+                            <a:solidFill>
+                              <a:srgbClr val="000000"/>
+                            </a:solidFill>
+                            <a:latin typeface="Cambria Math" panose="02040503050406030204" pitchFamily="18" charset="0"/>
+                          </a:rPr>
+                        </m:ctrlPr>
+                      </m:sSubPr>
+                      <m:e>
+                        <m:r>
+                          <a:rPr sz="3700" i="1">
+                            <a:solidFill>
+                              <a:srgbClr val="000000"/>
+                            </a:solidFill>
+                            <a:latin typeface="Cambria Math" panose="02040503050406030204" pitchFamily="18" charset="0"/>
+                          </a:rPr>
+                          <m:t>𝐻</m:t>
+                        </m:r>
+                      </m:e>
+                      <m:sub>
+                        <m:r>
+                          <a:rPr sz="3700" i="1">
+                            <a:solidFill>
+                              <a:srgbClr val="000000"/>
+                            </a:solidFill>
+                            <a:latin typeface="Cambria Math" panose="02040503050406030204" pitchFamily="18" charset="0"/>
+                          </a:rPr>
+                          <m:t>1</m:t>
+                        </m:r>
+                      </m:sub>
+                    </m:sSub>
                     <m:r>
-                      <a:rPr xmlns:a="http://schemas.openxmlformats.org/drawingml/2006/main" sz="3700" i="1">
+                      <a:rPr sz="3700" i="1">
                         <a:solidFill>
                           <a:srgbClr val="000000"/>
                         </a:solidFill>
                         <a:latin typeface="Cambria Math" panose="02040503050406030204" pitchFamily="18" charset="0"/>
                       </a:rPr>
-                      <m:t>μ</m:t>
+                      <m:t>=</m:t>
                     </m:r>
-                  </m:e>
-                  <m:sub>
-                    <m:r>
-                      <a:rPr xmlns:a="http://schemas.openxmlformats.org/drawingml/2006/main" sz="3700" i="1">
-                        <a:solidFill>
-                          <a:srgbClr val="000000"/>
-                        </a:solidFill>
-                        <a:latin typeface="Cambria Math" panose="02040503050406030204" pitchFamily="18" charset="0"/>
-                      </a:rPr>
-                      <m:t>2</m:t>
-                    </m:r>
-                  </m:sub>
-                </m:sSub>
-                <m:r>
-                  <a:rPr xmlns:a="http://schemas.openxmlformats.org/drawingml/2006/main" sz="3700" i="1">
-                    <a:solidFill>
-                      <a:srgbClr val="000000"/>
-                    </a:solidFill>
-                    <a:latin typeface="Cambria Math" panose="02040503050406030204" pitchFamily="18" charset="0"/>
+                  </m:oMath>
+                </a14:m>
+                <a:r>
+                  <a:t>ne </a:t>
+                </a:r>
+                <a14:m>
+                  <m:oMath xmlns:m="http://schemas.openxmlformats.org/officeDocument/2006/math">
+                    <m:sSub>
+                      <m:sSubPr>
+                        <m:ctrlPr>
+                          <a:rPr sz="3750">
+                            <a:solidFill>
+                              <a:srgbClr val="000000"/>
+                            </a:solidFill>
+                            <a:latin typeface="Cambria Math" panose="02040503050406030204" pitchFamily="18" charset="0"/>
+                          </a:rPr>
+                        </m:ctrlPr>
+                      </m:sSubPr>
+                      <m:e>
+                        <m:r>
+                          <a:rPr sz="3750" i="1">
+                            <a:solidFill>
+                              <a:srgbClr val="000000"/>
+                            </a:solidFill>
+                            <a:latin typeface="Cambria Math" panose="02040503050406030204" pitchFamily="18" charset="0"/>
+                          </a:rPr>
+                          <m:t>𝐻</m:t>
+                        </m:r>
+                      </m:e>
+                      <m:sub>
+                        <m:r>
+                          <a:rPr sz="3750" i="1">
+                            <a:solidFill>
+                              <a:srgbClr val="000000"/>
+                            </a:solidFill>
+                            <a:latin typeface="Cambria Math" panose="02040503050406030204" pitchFamily="18" charset="0"/>
+                          </a:rPr>
+                          <m:t>0</m:t>
+                        </m:r>
+                      </m:sub>
+                    </m:sSub>
+                  </m:oMath>
+                </a14:m>
+                <a:r>
+                  <a:t>, tj. postoji statistički značajna razlika između prosječne težine pacijenta za neke kategorije srčane aritmije</a:t>
+                </a:r>
+              </a:p>
+            </p:txBody>
+          </p:sp>
+        </mc:Choice>
+        <mc:Fallback>
+          <p:sp>
+            <p:nvSpPr>
+              <p:cNvPr id="194" name="( ne postoji statistički značajna razlika između prosječne težine pacijenta za svaku kategoriju srčane aritmije)…"/>
+              <p:cNvSpPr txBox="1">
+                <a:spLocks noRot="1" noChangeAspect="1" noMove="1" noResize="1" noEditPoints="1" noAdjustHandles="1" noChangeArrowheads="1" noChangeShapeType="1" noTextEdit="1"/>
+              </p:cNvSpPr>
+              <p:nvPr/>
+            </p:nvSpPr>
+            <p:spPr>
+              <a:xfrm>
+                <a:off x="727156" y="2787166"/>
+                <a:ext cx="23337400" cy="2227296"/>
+              </a:xfrm>
+              <a:prstGeom prst="rect">
+                <a:avLst/>
+              </a:prstGeom>
+              <a:blipFill>
+                <a:blip r:embed="rId3"/>
+                <a:stretch>
+                  <a:fillRect l="-1088" t="-3955" b="-8475"/>
+                </a:stretch>
+              </a:blipFill>
+              <a:ln w="12700">
+                <a:miter lim="400000"/>
+              </a:ln>
+              <a:extLst>
+                <a:ext uri="{C572A759-6A51-4108-AA02-DFA0A04FC94B}">
+                  <ma14:wrappingTextBoxFlag xmlns:ma14="http://schemas.microsoft.com/office/mac/drawingml/2011/main" xmlns:a14="http://schemas.microsoft.com/office/drawing/2010/main" xmlns:m="http://schemas.openxmlformats.org/officeDocument/2006/math" xmlns="" val="1"/>
+                </a:ext>
+              </a:extLst>
+            </p:spPr>
+            <p:txBody>
+              <a:bodyPr/>
+              <a:lstStyle/>
+              <a:p>
+                <a:r>
+                  <a:rPr lang="en-HR">
+                    <a:noFill/>
                   </a:rPr>
-                  <m:t>=</m:t>
-                </m:r>
-                <m:r>
-                  <a:rPr xmlns:a="http://schemas.openxmlformats.org/drawingml/2006/main" sz="3700" i="1">
-                    <a:solidFill>
-                      <a:srgbClr val="000000"/>
-                    </a:solidFill>
-                    <a:latin typeface="Cambria Math" panose="02040503050406030204" pitchFamily="18" charset="0"/>
-                  </a:rPr>
-                  <m:t>.</m:t>
-                </m:r>
-                <m:r>
-                  <a:rPr xmlns:a="http://schemas.openxmlformats.org/drawingml/2006/main" sz="3700" i="1">
-                    <a:solidFill>
-                      <a:srgbClr val="000000"/>
-                    </a:solidFill>
-                    <a:latin typeface="Cambria Math" panose="02040503050406030204" pitchFamily="18" charset="0"/>
-                  </a:rPr>
-                  <m:t>.</m:t>
-                </m:r>
-                <m:r>
-                  <a:rPr xmlns:a="http://schemas.openxmlformats.org/drawingml/2006/main" sz="3700" i="1">
-                    <a:solidFill>
-                      <a:srgbClr val="000000"/>
-                    </a:solidFill>
-                    <a:latin typeface="Cambria Math" panose="02040503050406030204" pitchFamily="18" charset="0"/>
-                  </a:rPr>
-                  <m:t>=</m:t>
-                </m:r>
-                <m:sSub>
-                  <m:e>
-                    <m:r>
-                      <a:rPr xmlns:a="http://schemas.openxmlformats.org/drawingml/2006/main" sz="3700" i="1">
-                        <a:solidFill>
-                          <a:srgbClr val="000000"/>
-                        </a:solidFill>
-                        <a:latin typeface="Cambria Math" panose="02040503050406030204" pitchFamily="18" charset="0"/>
-                      </a:rPr>
-                      <m:t>μ</m:t>
-                    </m:r>
-                  </m:e>
-                  <m:sub>
-                    <m:r>
-                      <a:rPr xmlns:a="http://schemas.openxmlformats.org/drawingml/2006/main" sz="3700" i="1">
-                        <a:solidFill>
-                          <a:srgbClr val="000000"/>
-                        </a:solidFill>
-                        <a:latin typeface="Cambria Math" panose="02040503050406030204" pitchFamily="18" charset="0"/>
-                      </a:rPr>
-                      <m:t>15</m:t>
-                    </m:r>
-                  </m:sub>
-                </m:sSub>
-                <m:r>
-                  <a:rPr xmlns:a="http://schemas.openxmlformats.org/drawingml/2006/main" sz="3700" i="1">
-                    <a:solidFill>
-                      <a:srgbClr val="000000"/>
-                    </a:solidFill>
-                    <a:latin typeface="Cambria Math" panose="02040503050406030204" pitchFamily="18" charset="0"/>
-                  </a:rPr>
-                  <m:t>=</m:t>
-                </m:r>
-                <m:sSub>
-                  <m:e>
-                    <m:r>
-                      <a:rPr xmlns:a="http://schemas.openxmlformats.org/drawingml/2006/main" sz="3700" i="1">
-                        <a:solidFill>
-                          <a:srgbClr val="000000"/>
-                        </a:solidFill>
-                        <a:latin typeface="Cambria Math" panose="02040503050406030204" pitchFamily="18" charset="0"/>
-                      </a:rPr>
-                      <m:t>μ</m:t>
-                    </m:r>
-                  </m:e>
-                  <m:sub>
-                    <m:r>
-                      <a:rPr xmlns:a="http://schemas.openxmlformats.org/drawingml/2006/main" sz="3700" i="1">
-                        <a:solidFill>
-                          <a:srgbClr val="000000"/>
-                        </a:solidFill>
-                        <a:latin typeface="Cambria Math" panose="02040503050406030204" pitchFamily="18" charset="0"/>
-                      </a:rPr>
-                      <m:t>16</m:t>
-                    </m:r>
-                  </m:sub>
-                </m:sSub>
-              </m:oMath>
-            </a14:m>
-            <a:r>
-              <a:t>  ( ne postoji statistički značajna razlika između prosječne težine pacijenta za svaku kategoriju srčane aritmije)</a:t>
-            </a:r>
-          </a:p>
-          <a:p>
-            <a:pPr marL="609599" indent="-609599" algn="l">
-              <a:lnSpc>
-                <a:spcPct val="90000"/>
-              </a:lnSpc>
-              <a:spcBef>
-                <a:spcPts val="4500"/>
-              </a:spcBef>
-              <a:buSzPct val="123000"/>
-              <a:buChar char="•"/>
-              <a:defRPr sz="3100">
-                <a:solidFill>
-                  <a:srgbClr val="000000"/>
-                </a:solidFill>
-              </a:defRPr>
-            </a:pPr>
-            <a14:m>
-              <m:oMath>
-                <m:sSub>
-                  <m:e>
-                    <m:r>
-                      <a:rPr xmlns:a="http://schemas.openxmlformats.org/drawingml/2006/main" sz="3700" i="1">
-                        <a:solidFill>
-                          <a:srgbClr val="000000"/>
-                        </a:solidFill>
-                        <a:latin typeface="Cambria Math" panose="02040503050406030204" pitchFamily="18" charset="0"/>
-                      </a:rPr>
-                      <m:t>H</m:t>
-                    </m:r>
-                  </m:e>
-                  <m:sub>
-                    <m:r>
-                      <a:rPr xmlns:a="http://schemas.openxmlformats.org/drawingml/2006/main" sz="3700" i="1">
-                        <a:solidFill>
-                          <a:srgbClr val="000000"/>
-                        </a:solidFill>
-                        <a:latin typeface="Cambria Math" panose="02040503050406030204" pitchFamily="18" charset="0"/>
-                      </a:rPr>
-                      <m:t>1</m:t>
-                    </m:r>
-                  </m:sub>
-                </m:sSub>
-                <m:r>
-                  <a:rPr xmlns:a="http://schemas.openxmlformats.org/drawingml/2006/main" sz="3700" i="1">
-                    <a:solidFill>
-                      <a:srgbClr val="000000"/>
-                    </a:solidFill>
-                    <a:latin typeface="Cambria Math" panose="02040503050406030204" pitchFamily="18" charset="0"/>
-                  </a:rPr>
-                  <m:t>=</m:t>
-                </m:r>
-              </m:oMath>
-            </a14:m>
-            <a:r>
-              <a:t>ne </a:t>
-            </a:r>
-            <a14:m>
-              <m:oMath>
-                <m:sSub>
-                  <m:e>
-                    <m:r>
-                      <a:rPr xmlns:a="http://schemas.openxmlformats.org/drawingml/2006/main" sz="3750" i="1">
-                        <a:solidFill>
-                          <a:srgbClr val="000000"/>
-                        </a:solidFill>
-                        <a:latin typeface="Cambria Math" panose="02040503050406030204" pitchFamily="18" charset="0"/>
-                      </a:rPr>
-                      <m:t>H</m:t>
-                    </m:r>
-                  </m:e>
-                  <m:sub>
-                    <m:r>
-                      <a:rPr xmlns:a="http://schemas.openxmlformats.org/drawingml/2006/main" sz="3750" i="1">
-                        <a:solidFill>
-                          <a:srgbClr val="000000"/>
-                        </a:solidFill>
-                        <a:latin typeface="Cambria Math" panose="02040503050406030204" pitchFamily="18" charset="0"/>
-                      </a:rPr>
-                      <m:t>0</m:t>
-                    </m:r>
-                  </m:sub>
-                </m:sSub>
-              </m:oMath>
-            </a14:m>
-            <a:r>
-              <a:t>, tj. postoji statistički značajna razlika između prosječne težine pacijenta za neke kategorije srčane aritmije</a:t>
-            </a:r>
-          </a:p>
-        </p:txBody>
-      </p:sp>
+                  <a:t> </a:t>
+                </a:r>
+              </a:p>
+            </p:txBody>
+          </p:sp>
+        </mc:Fallback>
+      </mc:AlternateContent>
       <p:pic>
         <p:nvPicPr>
           <p:cNvPr id="195" name="74657224-626d-4d88-9797-a64953e5e308.png" descr="74657224-626d-4d88-9797-a64953e5e308.png"/>
@@ -4473,9 +4653,7 @@
           <p:nvPr/>
         </p:nvPicPr>
         <p:blipFill>
-          <a:blip r:embed="rId2">
-            <a:extLst/>
-          </a:blip>
+          <a:blip r:embed="rId4"/>
           <a:stretch>
             <a:fillRect/>
           </a:stretch>
@@ -4498,12 +4676,12 @@
   <p:clrMapOvr>
     <a:masterClrMapping/>
   </p:clrMapOvr>
-  <p:transition xmlns:p14="http://schemas.microsoft.com/office/powerpoint/2010/main" spd="med" advClick="1"/>
+  <p:transition spd="med"/>
 </p:sld>
 </file>
 
 <file path=ppt/slides/slide11.xml><?xml version="1.0" encoding="utf-8"?>
-<p:sld xmlns:a="http://schemas.openxmlformats.org/drawingml/2006/main" xmlns:r="http://schemas.openxmlformats.org/officeDocument/2006/relationships" xmlns:p="http://schemas.openxmlformats.org/presentationml/2006/main" xmlns:m="http://schemas.openxmlformats.org/officeDocument/2006/math" xmlns:a14="http://schemas.microsoft.com/office/drawing/2010/main" showMasterSp="1" showMasterPhAnim="1">
+<p:sld xmlns:a="http://schemas.openxmlformats.org/drawingml/2006/main" xmlns:r="http://schemas.openxmlformats.org/officeDocument/2006/relationships" xmlns:p="http://schemas.openxmlformats.org/presentationml/2006/main">
   <p:cSld>
     <p:spTree>
       <p:nvGrpSpPr>
@@ -4522,7 +4700,9 @@
       <p:sp>
         <p:nvSpPr>
           <p:cNvPr id="197" name="Height and diagnosis"/>
-          <p:cNvSpPr txBox="1"/>
+          <p:cNvSpPr txBox="1">
+            <a:spLocks noGrp="1"/>
+          </p:cNvSpPr>
           <p:nvPr>
             <p:ph type="title"/>
           </p:nvPr>
@@ -4543,453 +4723,606 @@
               <a:lnSpc>
                 <a:spcPct val="100000"/>
               </a:lnSpc>
-              <a:defRPr spc="0" sz="5500"/>
+              <a:defRPr sz="5500" spc="0"/>
             </a:lvl1pPr>
           </a:lstStyle>
           <a:p>
-            <a:pPr/>
             <a:r>
               <a:t>Height and diagnosis</a:t>
             </a:r>
           </a:p>
         </p:txBody>
       </p:sp>
-      <p:sp>
-        <p:nvSpPr>
-          <p:cNvPr id="198" name="Kruskal-Wallis test…"/>
-          <p:cNvSpPr txBox="1"/>
-          <p:nvPr/>
-        </p:nvSpPr>
-        <p:spPr>
-          <a:xfrm>
-            <a:off x="910396" y="6657116"/>
-            <a:ext cx="10502679" cy="1903467"/>
-          </a:xfrm>
-          <a:prstGeom prst="rect">
-            <a:avLst/>
-          </a:prstGeom>
-          <a:ln w="12700">
-            <a:miter lim="400000"/>
-          </a:ln>
-          <a:extLst>
-            <a:ext uri="{C572A759-6A51-4108-AA02-DFA0A04FC94B}">
-              <ma14:wrappingTextBoxFlag xmlns:ma14="http://schemas.microsoft.com/office/mac/drawingml/2011/main" val="1"/>
-            </a:ext>
-          </a:extLst>
-        </p:spPr>
-        <p:txBody>
-          <a:bodyPr lIns="50800" tIns="50800" rIns="50800" bIns="50800" anchor="ctr">
-            <a:spAutoFit/>
-          </a:bodyPr>
-          <a:lstStyle/>
-          <a:p>
-            <a:pPr marL="609600" indent="-609600" algn="l">
-              <a:lnSpc>
-                <a:spcPct val="90000"/>
-              </a:lnSpc>
-              <a:spcBef>
-                <a:spcPts val="4500"/>
-              </a:spcBef>
-              <a:buSzPct val="123000"/>
-              <a:buChar char="•"/>
-              <a:defRPr sz="3800">
-                <a:solidFill>
-                  <a:srgbClr val="000000"/>
-                </a:solidFill>
-              </a:defRPr>
-            </a:pPr>
-            <a:r>
-              <a:t>Kruskal-Wallis test</a:t>
-            </a:r>
-          </a:p>
-          <a:p>
-            <a:pPr marL="609600" indent="-609600" algn="l">
-              <a:lnSpc>
-                <a:spcPct val="90000"/>
-              </a:lnSpc>
-              <a:spcBef>
-                <a:spcPts val="4500"/>
-              </a:spcBef>
-              <a:buSzPct val="123000"/>
-              <a:buChar char="•"/>
-              <a:defRPr sz="3800">
-                <a:solidFill>
-                  <a:srgbClr val="000000"/>
-                </a:solidFill>
-              </a:defRPr>
-            </a:pPr>
-            <a14:m>
-              <m:oMath>
-                <m:r>
-                  <a:rPr xmlns:a="http://schemas.openxmlformats.org/drawingml/2006/main" sz="4200" i="1">
+      <mc:AlternateContent xmlns:mc="http://schemas.openxmlformats.org/markup-compatibility/2006">
+        <mc:Choice xmlns:a14="http://schemas.microsoft.com/office/drawing/2010/main" Requires="a14">
+          <p:sp>
+            <p:nvSpPr>
+              <p:cNvPr id="198" name="Kruskal-Wallis test…"/>
+              <p:cNvSpPr txBox="1"/>
+              <p:nvPr/>
+            </p:nvSpPr>
+            <p:spPr>
+              <a:xfrm>
+                <a:off x="910396" y="6657116"/>
+                <a:ext cx="10502679" cy="1903467"/>
+              </a:xfrm>
+              <a:prstGeom prst="rect">
+                <a:avLst/>
+              </a:prstGeom>
+              <a:ln w="12700">
+                <a:miter lim="400000"/>
+              </a:ln>
+              <a:extLst>
+                <a:ext uri="{C572A759-6A51-4108-AA02-DFA0A04FC94B}">
+                  <ma14:wrappingTextBoxFlag xmlns:ma14="http://schemas.microsoft.com/office/mac/drawingml/2011/main" xmlns:m="http://schemas.openxmlformats.org/officeDocument/2006/math" xmlns="" val="1"/>
+                </a:ext>
+              </a:extLst>
+            </p:spPr>
+            <p:txBody>
+              <a:bodyPr lIns="50800" tIns="50800" rIns="50800" bIns="50800" anchor="ctr">
+                <a:spAutoFit/>
+              </a:bodyPr>
+              <a:lstStyle/>
+              <a:p>
+                <a:pPr marL="609600" indent="-609600" algn="l">
+                  <a:lnSpc>
+                    <a:spcPct val="90000"/>
+                  </a:lnSpc>
+                  <a:spcBef>
+                    <a:spcPts val="4500"/>
+                  </a:spcBef>
+                  <a:buSzPct val="123000"/>
+                  <a:buChar char="•"/>
+                  <a:defRPr sz="3800">
                     <a:solidFill>
                       <a:srgbClr val="000000"/>
                     </a:solidFill>
-                    <a:latin typeface="Cambria Math" panose="02040503050406030204" pitchFamily="18" charset="0"/>
-                  </a:rPr>
-                  <m:t>p</m:t>
-                </m:r>
-              </m:oMath>
-            </a14:m>
-            <a:r>
-              <a:t> vrijednost = 0.002 &lt; 0.05, odbacujemo  </a:t>
-            </a:r>
-            <a14:m>
-              <m:oMath>
-                <m:sSub>
-                  <m:e>
+                  </a:defRPr>
+                </a:pPr>
+                <a:r>
+                  <a:t>Kruskal-Wallis test</a:t>
+                </a:r>
+              </a:p>
+              <a:p>
+                <a:pPr marL="609600" indent="-609600" algn="l">
+                  <a:lnSpc>
+                    <a:spcPct val="90000"/>
+                  </a:lnSpc>
+                  <a:spcBef>
+                    <a:spcPts val="4500"/>
+                  </a:spcBef>
+                  <a:buSzPct val="123000"/>
+                  <a:buChar char="•"/>
+                  <a:defRPr sz="3800">
+                    <a:solidFill>
+                      <a:srgbClr val="000000"/>
+                    </a:solidFill>
+                  </a:defRPr>
+                </a:pPr>
+                <a14:m>
+                  <m:oMath xmlns:m="http://schemas.openxmlformats.org/officeDocument/2006/math">
                     <m:r>
-                      <a:rPr xmlns:a="http://schemas.openxmlformats.org/drawingml/2006/main" sz="4600" i="1">
+                      <a:rPr sz="4200" i="1">
                         <a:solidFill>
                           <a:srgbClr val="000000"/>
                         </a:solidFill>
                         <a:latin typeface="Cambria Math" panose="02040503050406030204" pitchFamily="18" charset="0"/>
                       </a:rPr>
-                      <m:t>H</m:t>
+                      <m:t>𝑝</m:t>
                     </m:r>
-                  </m:e>
-                  <m:sub>
+                  </m:oMath>
+                </a14:m>
+                <a:r>
+                  <a:t> vrijednost = 0.002 &lt; 0.05, odbacujemo  </a:t>
+                </a:r>
+                <a14:m>
+                  <m:oMath xmlns:m="http://schemas.openxmlformats.org/officeDocument/2006/math">
+                    <m:sSub>
+                      <m:sSubPr>
+                        <m:ctrlPr>
+                          <a:rPr sz="4600">
+                            <a:solidFill>
+                              <a:srgbClr val="000000"/>
+                            </a:solidFill>
+                            <a:latin typeface="Cambria Math" panose="02040503050406030204" pitchFamily="18" charset="0"/>
+                          </a:rPr>
+                        </m:ctrlPr>
+                      </m:sSubPr>
+                      <m:e>
+                        <m:r>
+                          <a:rPr sz="4600" i="1">
+                            <a:solidFill>
+                              <a:srgbClr val="000000"/>
+                            </a:solidFill>
+                            <a:latin typeface="Cambria Math" panose="02040503050406030204" pitchFamily="18" charset="0"/>
+                          </a:rPr>
+                          <m:t>𝐻</m:t>
+                        </m:r>
+                      </m:e>
+                      <m:sub>
+                        <m:r>
+                          <a:rPr sz="4600" i="1">
+                            <a:solidFill>
+                              <a:srgbClr val="000000"/>
+                            </a:solidFill>
+                            <a:latin typeface="Cambria Math" panose="02040503050406030204" pitchFamily="18" charset="0"/>
+                          </a:rPr>
+                          <m:t>0</m:t>
+                        </m:r>
+                      </m:sub>
+                    </m:sSub>
+                  </m:oMath>
+                </a14:m>
+                <a:endParaRPr/>
+              </a:p>
+            </p:txBody>
+          </p:sp>
+        </mc:Choice>
+        <mc:Fallback>
+          <p:sp>
+            <p:nvSpPr>
+              <p:cNvPr id="198" name="Kruskal-Wallis test…"/>
+              <p:cNvSpPr txBox="1">
+                <a:spLocks noRot="1" noChangeAspect="1" noMove="1" noResize="1" noEditPoints="1" noAdjustHandles="1" noChangeArrowheads="1" noChangeShapeType="1" noTextEdit="1"/>
+              </p:cNvSpPr>
+              <p:nvPr/>
+            </p:nvSpPr>
+            <p:spPr>
+              <a:xfrm>
+                <a:off x="910396" y="6657116"/>
+                <a:ext cx="10502679" cy="1903467"/>
+              </a:xfrm>
+              <a:prstGeom prst="rect">
+                <a:avLst/>
+              </a:prstGeom>
+              <a:blipFill>
+                <a:blip r:embed="rId2"/>
+                <a:stretch>
+                  <a:fillRect l="-2778" t="-12000" b="-14000"/>
+                </a:stretch>
+              </a:blipFill>
+              <a:ln w="12700">
+                <a:miter lim="400000"/>
+              </a:ln>
+              <a:extLst>
+                <a:ext uri="{C572A759-6A51-4108-AA02-DFA0A04FC94B}">
+                  <ma14:wrappingTextBoxFlag xmlns:ma14="http://schemas.microsoft.com/office/mac/drawingml/2011/main" xmlns:a14="http://schemas.microsoft.com/office/drawing/2010/main" xmlns:m="http://schemas.openxmlformats.org/officeDocument/2006/math" xmlns="" val="1"/>
+                </a:ext>
+              </a:extLst>
+            </p:spPr>
+            <p:txBody>
+              <a:bodyPr/>
+              <a:lstStyle/>
+              <a:p>
+                <a:r>
+                  <a:rPr lang="en-HR">
+                    <a:noFill/>
+                  </a:rPr>
+                  <a:t> </a:t>
+                </a:r>
+              </a:p>
+            </p:txBody>
+          </p:sp>
+        </mc:Fallback>
+      </mc:AlternateContent>
+      <mc:AlternateContent xmlns:mc="http://schemas.openxmlformats.org/markup-compatibility/2006">
+        <mc:Choice xmlns:a14="http://schemas.microsoft.com/office/drawing/2010/main" Requires="a14">
+          <p:sp>
+            <p:nvSpPr>
+              <p:cNvPr id="199" name="( ne postoji statistički značajna razlika između prosječne visine pacijenta za svaku kategoriju srčane aritmije)…"/>
+              <p:cNvSpPr txBox="1"/>
+              <p:nvPr/>
+            </p:nvSpPr>
+            <p:spPr>
+              <a:xfrm>
+                <a:off x="727156" y="2787166"/>
+                <a:ext cx="23337400" cy="2227296"/>
+              </a:xfrm>
+              <a:prstGeom prst="rect">
+                <a:avLst/>
+              </a:prstGeom>
+              <a:ln w="12700">
+                <a:miter lim="400000"/>
+              </a:ln>
+              <a:extLst>
+                <a:ext uri="{C572A759-6A51-4108-AA02-DFA0A04FC94B}">
+                  <ma14:wrappingTextBoxFlag xmlns:ma14="http://schemas.microsoft.com/office/mac/drawingml/2011/main" xmlns:m="http://schemas.openxmlformats.org/officeDocument/2006/math" xmlns="" val="1"/>
+                </a:ext>
+              </a:extLst>
+            </p:spPr>
+            <p:txBody>
+              <a:bodyPr lIns="50800" tIns="50800" rIns="50800" bIns="50800" anchor="ctr">
+                <a:spAutoFit/>
+              </a:bodyPr>
+              <a:lstStyle/>
+              <a:p>
+                <a:pPr marL="609599" indent="-609599" algn="l">
+                  <a:lnSpc>
+                    <a:spcPct val="90000"/>
+                  </a:lnSpc>
+                  <a:spcBef>
+                    <a:spcPts val="4500"/>
+                  </a:spcBef>
+                  <a:buSzPct val="123000"/>
+                  <a:buChar char="•"/>
+                  <a:defRPr sz="3100">
+                    <a:solidFill>
+                      <a:srgbClr val="000000"/>
+                    </a:solidFill>
+                  </a:defRPr>
+                </a:pPr>
+                <a14:m>
+                  <m:oMath xmlns:m="http://schemas.openxmlformats.org/officeDocument/2006/math">
+                    <m:sSub>
+                      <m:sSubPr>
+                        <m:ctrlPr>
+                          <a:rPr sz="3700">
+                            <a:solidFill>
+                              <a:srgbClr val="000000"/>
+                            </a:solidFill>
+                            <a:latin typeface="Cambria Math" panose="02040503050406030204" pitchFamily="18" charset="0"/>
+                          </a:rPr>
+                        </m:ctrlPr>
+                      </m:sSubPr>
+                      <m:e>
+                        <m:r>
+                          <a:rPr sz="3700" i="1">
+                            <a:solidFill>
+                              <a:srgbClr val="000000"/>
+                            </a:solidFill>
+                            <a:latin typeface="Cambria Math" panose="02040503050406030204" pitchFamily="18" charset="0"/>
+                          </a:rPr>
+                          <m:t>𝐻</m:t>
+                        </m:r>
+                      </m:e>
+                      <m:sub>
+                        <m:r>
+                          <a:rPr sz="3700" i="1">
+                            <a:solidFill>
+                              <a:srgbClr val="000000"/>
+                            </a:solidFill>
+                            <a:latin typeface="Cambria Math" panose="02040503050406030204" pitchFamily="18" charset="0"/>
+                          </a:rPr>
+                          <m:t>0</m:t>
+                        </m:r>
+                      </m:sub>
+                    </m:sSub>
                     <m:r>
-                      <a:rPr xmlns:a="http://schemas.openxmlformats.org/drawingml/2006/main" sz="4600" i="1">
+                      <a:rPr sz="3700" i="1">
                         <a:solidFill>
                           <a:srgbClr val="000000"/>
                         </a:solidFill>
                         <a:latin typeface="Cambria Math" panose="02040503050406030204" pitchFamily="18" charset="0"/>
                       </a:rPr>
-                      <m:t>0</m:t>
+                      <m:t>:</m:t>
                     </m:r>
-                  </m:sub>
-                </m:sSub>
-              </m:oMath>
-            </a14:m>
-          </a:p>
-        </p:txBody>
-      </p:sp>
-      <p:sp>
-        <p:nvSpPr>
-          <p:cNvPr id="199" name="( ne postoji statistički značajna razlika između prosječne visine pacijenta za svaku kategoriju srčane aritmije)…"/>
-          <p:cNvSpPr txBox="1"/>
-          <p:nvPr/>
-        </p:nvSpPr>
-        <p:spPr>
-          <a:xfrm>
-            <a:off x="727156" y="2787166"/>
-            <a:ext cx="23337400" cy="2227296"/>
-          </a:xfrm>
-          <a:prstGeom prst="rect">
-            <a:avLst/>
-          </a:prstGeom>
-          <a:ln w="12700">
-            <a:miter lim="400000"/>
-          </a:ln>
-          <a:extLst>
-            <a:ext uri="{C572A759-6A51-4108-AA02-DFA0A04FC94B}">
-              <ma14:wrappingTextBoxFlag xmlns:ma14="http://schemas.microsoft.com/office/mac/drawingml/2011/main" val="1"/>
-            </a:ext>
-          </a:extLst>
-        </p:spPr>
-        <p:txBody>
-          <a:bodyPr lIns="50800" tIns="50800" rIns="50800" bIns="50800" anchor="ctr">
-            <a:spAutoFit/>
-          </a:bodyPr>
-          <a:lstStyle/>
-          <a:p>
-            <a:pPr marL="609599" indent="-609599" algn="l">
-              <a:lnSpc>
-                <a:spcPct val="90000"/>
-              </a:lnSpc>
-              <a:spcBef>
-                <a:spcPts val="4500"/>
-              </a:spcBef>
-              <a:buSzPct val="123000"/>
-              <a:buChar char="•"/>
-              <a:defRPr sz="3100">
-                <a:solidFill>
-                  <a:srgbClr val="000000"/>
-                </a:solidFill>
-              </a:defRPr>
-            </a:pPr>
-            <a14:m>
-              <m:oMath>
-                <m:sSub>
-                  <m:e>
+                    <m:sSub>
+                      <m:sSubPr>
+                        <m:ctrlPr>
+                          <a:rPr sz="3700" i="1">
+                            <a:solidFill>
+                              <a:srgbClr val="000000"/>
+                            </a:solidFill>
+                            <a:latin typeface="Cambria Math" panose="02040503050406030204" pitchFamily="18" charset="0"/>
+                          </a:rPr>
+                        </m:ctrlPr>
+                      </m:sSubPr>
+                      <m:e>
+                        <m:r>
+                          <a:rPr sz="3700" i="1">
+                            <a:solidFill>
+                              <a:srgbClr val="000000"/>
+                            </a:solidFill>
+                            <a:latin typeface="Cambria Math" panose="02040503050406030204" pitchFamily="18" charset="0"/>
+                          </a:rPr>
+                          <m:t>𝜇</m:t>
+                        </m:r>
+                      </m:e>
+                      <m:sub>
+                        <m:r>
+                          <a:rPr sz="3700" i="1">
+                            <a:solidFill>
+                              <a:srgbClr val="000000"/>
+                            </a:solidFill>
+                            <a:latin typeface="Cambria Math" panose="02040503050406030204" pitchFamily="18" charset="0"/>
+                          </a:rPr>
+                          <m:t>1</m:t>
+                        </m:r>
+                      </m:sub>
+                    </m:sSub>
                     <m:r>
-                      <a:rPr xmlns:a="http://schemas.openxmlformats.org/drawingml/2006/main" sz="3700" i="1">
+                      <a:rPr sz="3700" i="1">
                         <a:solidFill>
                           <a:srgbClr val="000000"/>
                         </a:solidFill>
                         <a:latin typeface="Cambria Math" panose="02040503050406030204" pitchFamily="18" charset="0"/>
                       </a:rPr>
-                      <m:t>H</m:t>
+                      <m:t>=</m:t>
                     </m:r>
-                  </m:e>
-                  <m:sub>
+                    <m:sSub>
+                      <m:sSubPr>
+                        <m:ctrlPr>
+                          <a:rPr sz="3700" i="1">
+                            <a:solidFill>
+                              <a:srgbClr val="000000"/>
+                            </a:solidFill>
+                            <a:latin typeface="Cambria Math" panose="02040503050406030204" pitchFamily="18" charset="0"/>
+                          </a:rPr>
+                        </m:ctrlPr>
+                      </m:sSubPr>
+                      <m:e>
+                        <m:r>
+                          <a:rPr sz="3700" i="1">
+                            <a:solidFill>
+                              <a:srgbClr val="000000"/>
+                            </a:solidFill>
+                            <a:latin typeface="Cambria Math" panose="02040503050406030204" pitchFamily="18" charset="0"/>
+                          </a:rPr>
+                          <m:t>𝜇</m:t>
+                        </m:r>
+                      </m:e>
+                      <m:sub>
+                        <m:r>
+                          <a:rPr sz="3700" i="1">
+                            <a:solidFill>
+                              <a:srgbClr val="000000"/>
+                            </a:solidFill>
+                            <a:latin typeface="Cambria Math" panose="02040503050406030204" pitchFamily="18" charset="0"/>
+                          </a:rPr>
+                          <m:t>2</m:t>
+                        </m:r>
+                      </m:sub>
+                    </m:sSub>
                     <m:r>
-                      <a:rPr xmlns:a="http://schemas.openxmlformats.org/drawingml/2006/main" sz="3700" i="1">
+                      <a:rPr sz="3700" i="1">
                         <a:solidFill>
                           <a:srgbClr val="000000"/>
                         </a:solidFill>
                         <a:latin typeface="Cambria Math" panose="02040503050406030204" pitchFamily="18" charset="0"/>
                       </a:rPr>
-                      <m:t>0</m:t>
+                      <m:t>=..=</m:t>
                     </m:r>
-                  </m:sub>
-                </m:sSub>
-                <m:r>
-                  <a:rPr xmlns:a="http://schemas.openxmlformats.org/drawingml/2006/main" sz="3700" i="1">
-                    <a:solidFill>
-                      <a:srgbClr val="000000"/>
-                    </a:solidFill>
-                    <a:latin typeface="Cambria Math" panose="02040503050406030204" pitchFamily="18" charset="0"/>
-                  </a:rPr>
-                  <m:t>:</m:t>
-                </m:r>
-                <m:sSub>
-                  <m:e>
+                    <m:sSub>
+                      <m:sSubPr>
+                        <m:ctrlPr>
+                          <a:rPr sz="3700" i="1">
+                            <a:solidFill>
+                              <a:srgbClr val="000000"/>
+                            </a:solidFill>
+                            <a:latin typeface="Cambria Math" panose="02040503050406030204" pitchFamily="18" charset="0"/>
+                          </a:rPr>
+                        </m:ctrlPr>
+                      </m:sSubPr>
+                      <m:e>
+                        <m:r>
+                          <a:rPr sz="3700" i="1">
+                            <a:solidFill>
+                              <a:srgbClr val="000000"/>
+                            </a:solidFill>
+                            <a:latin typeface="Cambria Math" panose="02040503050406030204" pitchFamily="18" charset="0"/>
+                          </a:rPr>
+                          <m:t>𝜇</m:t>
+                        </m:r>
+                      </m:e>
+                      <m:sub>
+                        <m:r>
+                          <a:rPr sz="3700" i="1">
+                            <a:solidFill>
+                              <a:srgbClr val="000000"/>
+                            </a:solidFill>
+                            <a:latin typeface="Cambria Math" panose="02040503050406030204" pitchFamily="18" charset="0"/>
+                          </a:rPr>
+                          <m:t>15</m:t>
+                        </m:r>
+                      </m:sub>
+                    </m:sSub>
                     <m:r>
-                      <a:rPr xmlns:a="http://schemas.openxmlformats.org/drawingml/2006/main" sz="3700" i="1">
+                      <a:rPr sz="3700" i="1">
                         <a:solidFill>
                           <a:srgbClr val="000000"/>
                         </a:solidFill>
                         <a:latin typeface="Cambria Math" panose="02040503050406030204" pitchFamily="18" charset="0"/>
                       </a:rPr>
-                      <m:t>μ</m:t>
+                      <m:t>=</m:t>
                     </m:r>
-                  </m:e>
-                  <m:sub>
+                    <m:sSub>
+                      <m:sSubPr>
+                        <m:ctrlPr>
+                          <a:rPr sz="3700" i="1">
+                            <a:solidFill>
+                              <a:srgbClr val="000000"/>
+                            </a:solidFill>
+                            <a:latin typeface="Cambria Math" panose="02040503050406030204" pitchFamily="18" charset="0"/>
+                          </a:rPr>
+                        </m:ctrlPr>
+                      </m:sSubPr>
+                      <m:e>
+                        <m:r>
+                          <a:rPr sz="3700" i="1">
+                            <a:solidFill>
+                              <a:srgbClr val="000000"/>
+                            </a:solidFill>
+                            <a:latin typeface="Cambria Math" panose="02040503050406030204" pitchFamily="18" charset="0"/>
+                          </a:rPr>
+                          <m:t>𝜇</m:t>
+                        </m:r>
+                      </m:e>
+                      <m:sub>
+                        <m:r>
+                          <a:rPr sz="3700" i="1">
+                            <a:solidFill>
+                              <a:srgbClr val="000000"/>
+                            </a:solidFill>
+                            <a:latin typeface="Cambria Math" panose="02040503050406030204" pitchFamily="18" charset="0"/>
+                          </a:rPr>
+                          <m:t>16</m:t>
+                        </m:r>
+                      </m:sub>
+                    </m:sSub>
+                  </m:oMath>
+                </a14:m>
+                <a:r>
+                  <a:t>  ( ne postoji statistički značajna razlika između prosječne visine pacijenta za svaku kategoriju srčane aritmije)</a:t>
+                </a:r>
+              </a:p>
+              <a:p>
+                <a:pPr marL="609599" indent="-609599" algn="l">
+                  <a:lnSpc>
+                    <a:spcPct val="90000"/>
+                  </a:lnSpc>
+                  <a:spcBef>
+                    <a:spcPts val="4500"/>
+                  </a:spcBef>
+                  <a:buSzPct val="123000"/>
+                  <a:buChar char="•"/>
+                  <a:defRPr sz="3100">
+                    <a:solidFill>
+                      <a:srgbClr val="000000"/>
+                    </a:solidFill>
+                  </a:defRPr>
+                </a:pPr>
+                <a14:m>
+                  <m:oMath xmlns:m="http://schemas.openxmlformats.org/officeDocument/2006/math">
+                    <m:sSub>
+                      <m:sSubPr>
+                        <m:ctrlPr>
+                          <a:rPr sz="3700">
+                            <a:solidFill>
+                              <a:srgbClr val="000000"/>
+                            </a:solidFill>
+                            <a:latin typeface="Cambria Math" panose="02040503050406030204" pitchFamily="18" charset="0"/>
+                          </a:rPr>
+                        </m:ctrlPr>
+                      </m:sSubPr>
+                      <m:e>
+                        <m:r>
+                          <a:rPr sz="3700" i="1">
+                            <a:solidFill>
+                              <a:srgbClr val="000000"/>
+                            </a:solidFill>
+                            <a:latin typeface="Cambria Math" panose="02040503050406030204" pitchFamily="18" charset="0"/>
+                          </a:rPr>
+                          <m:t>𝐻</m:t>
+                        </m:r>
+                      </m:e>
+                      <m:sub>
+                        <m:r>
+                          <a:rPr sz="3700" i="1">
+                            <a:solidFill>
+                              <a:srgbClr val="000000"/>
+                            </a:solidFill>
+                            <a:latin typeface="Cambria Math" panose="02040503050406030204" pitchFamily="18" charset="0"/>
+                          </a:rPr>
+                          <m:t>1</m:t>
+                        </m:r>
+                      </m:sub>
+                    </m:sSub>
                     <m:r>
-                      <a:rPr xmlns:a="http://schemas.openxmlformats.org/drawingml/2006/main" sz="3700" i="1">
+                      <a:rPr sz="3700" i="1">
                         <a:solidFill>
                           <a:srgbClr val="000000"/>
                         </a:solidFill>
                         <a:latin typeface="Cambria Math" panose="02040503050406030204" pitchFamily="18" charset="0"/>
                       </a:rPr>
-                      <m:t>1</m:t>
+                      <m:t>=</m:t>
                     </m:r>
-                  </m:sub>
-                </m:sSub>
-                <m:r>
-                  <a:rPr xmlns:a="http://schemas.openxmlformats.org/drawingml/2006/main" sz="3700" i="1">
-                    <a:solidFill>
-                      <a:srgbClr val="000000"/>
-                    </a:solidFill>
-                    <a:latin typeface="Cambria Math" panose="02040503050406030204" pitchFamily="18" charset="0"/>
+                  </m:oMath>
+                </a14:m>
+                <a:r>
+                  <a:t>ne </a:t>
+                </a:r>
+                <a14:m>
+                  <m:oMath xmlns:m="http://schemas.openxmlformats.org/officeDocument/2006/math">
+                    <m:sSub>
+                      <m:sSubPr>
+                        <m:ctrlPr>
+                          <a:rPr sz="3750">
+                            <a:solidFill>
+                              <a:srgbClr val="000000"/>
+                            </a:solidFill>
+                            <a:latin typeface="Cambria Math" panose="02040503050406030204" pitchFamily="18" charset="0"/>
+                          </a:rPr>
+                        </m:ctrlPr>
+                      </m:sSubPr>
+                      <m:e>
+                        <m:r>
+                          <a:rPr sz="3750" i="1">
+                            <a:solidFill>
+                              <a:srgbClr val="000000"/>
+                            </a:solidFill>
+                            <a:latin typeface="Cambria Math" panose="02040503050406030204" pitchFamily="18" charset="0"/>
+                          </a:rPr>
+                          <m:t>𝐻</m:t>
+                        </m:r>
+                      </m:e>
+                      <m:sub>
+                        <m:r>
+                          <a:rPr sz="3750" i="1">
+                            <a:solidFill>
+                              <a:srgbClr val="000000"/>
+                            </a:solidFill>
+                            <a:latin typeface="Cambria Math" panose="02040503050406030204" pitchFamily="18" charset="0"/>
+                          </a:rPr>
+                          <m:t>0</m:t>
+                        </m:r>
+                      </m:sub>
+                    </m:sSub>
+                  </m:oMath>
+                </a14:m>
+                <a:r>
+                  <a:t>, tj. postoji statistički značajna razlika između prosječne visine pacijenta za neke kategorije srčane aritmije</a:t>
+                </a:r>
+              </a:p>
+            </p:txBody>
+          </p:sp>
+        </mc:Choice>
+        <mc:Fallback>
+          <p:sp>
+            <p:nvSpPr>
+              <p:cNvPr id="199" name="( ne postoji statistički značajna razlika između prosječne visine pacijenta za svaku kategoriju srčane aritmije)…"/>
+              <p:cNvSpPr txBox="1">
+                <a:spLocks noRot="1" noChangeAspect="1" noMove="1" noResize="1" noEditPoints="1" noAdjustHandles="1" noChangeArrowheads="1" noChangeShapeType="1" noTextEdit="1"/>
+              </p:cNvSpPr>
+              <p:nvPr/>
+            </p:nvSpPr>
+            <p:spPr>
+              <a:xfrm>
+                <a:off x="727156" y="2787166"/>
+                <a:ext cx="23337400" cy="2227296"/>
+              </a:xfrm>
+              <a:prstGeom prst="rect">
+                <a:avLst/>
+              </a:prstGeom>
+              <a:blipFill>
+                <a:blip r:embed="rId3"/>
+                <a:stretch>
+                  <a:fillRect l="-1088" t="-3955" b="-8475"/>
+                </a:stretch>
+              </a:blipFill>
+              <a:ln w="12700">
+                <a:miter lim="400000"/>
+              </a:ln>
+              <a:extLst>
+                <a:ext uri="{C572A759-6A51-4108-AA02-DFA0A04FC94B}">
+                  <ma14:wrappingTextBoxFlag xmlns:ma14="http://schemas.microsoft.com/office/mac/drawingml/2011/main" xmlns:a14="http://schemas.microsoft.com/office/drawing/2010/main" xmlns:m="http://schemas.openxmlformats.org/officeDocument/2006/math" xmlns="" val="1"/>
+                </a:ext>
+              </a:extLst>
+            </p:spPr>
+            <p:txBody>
+              <a:bodyPr/>
+              <a:lstStyle/>
+              <a:p>
+                <a:r>
+                  <a:rPr lang="en-HR">
+                    <a:noFill/>
                   </a:rPr>
-                  <m:t>=</m:t>
-                </m:r>
-                <m:sSub>
-                  <m:e>
-                    <m:r>
-                      <a:rPr xmlns:a="http://schemas.openxmlformats.org/drawingml/2006/main" sz="3700" i="1">
-                        <a:solidFill>
-                          <a:srgbClr val="000000"/>
-                        </a:solidFill>
-                        <a:latin typeface="Cambria Math" panose="02040503050406030204" pitchFamily="18" charset="0"/>
-                      </a:rPr>
-                      <m:t>μ</m:t>
-                    </m:r>
-                  </m:e>
-                  <m:sub>
-                    <m:r>
-                      <a:rPr xmlns:a="http://schemas.openxmlformats.org/drawingml/2006/main" sz="3700" i="1">
-                        <a:solidFill>
-                          <a:srgbClr val="000000"/>
-                        </a:solidFill>
-                        <a:latin typeface="Cambria Math" panose="02040503050406030204" pitchFamily="18" charset="0"/>
-                      </a:rPr>
-                      <m:t>2</m:t>
-                    </m:r>
-                  </m:sub>
-                </m:sSub>
-                <m:r>
-                  <a:rPr xmlns:a="http://schemas.openxmlformats.org/drawingml/2006/main" sz="3700" i="1">
-                    <a:solidFill>
-                      <a:srgbClr val="000000"/>
-                    </a:solidFill>
-                    <a:latin typeface="Cambria Math" panose="02040503050406030204" pitchFamily="18" charset="0"/>
-                  </a:rPr>
-                  <m:t>=</m:t>
-                </m:r>
-                <m:r>
-                  <a:rPr xmlns:a="http://schemas.openxmlformats.org/drawingml/2006/main" sz="3700" i="1">
-                    <a:solidFill>
-                      <a:srgbClr val="000000"/>
-                    </a:solidFill>
-                    <a:latin typeface="Cambria Math" panose="02040503050406030204" pitchFamily="18" charset="0"/>
-                  </a:rPr>
-                  <m:t>.</m:t>
-                </m:r>
-                <m:r>
-                  <a:rPr xmlns:a="http://schemas.openxmlformats.org/drawingml/2006/main" sz="3700" i="1">
-                    <a:solidFill>
-                      <a:srgbClr val="000000"/>
-                    </a:solidFill>
-                    <a:latin typeface="Cambria Math" panose="02040503050406030204" pitchFamily="18" charset="0"/>
-                  </a:rPr>
-                  <m:t>.</m:t>
-                </m:r>
-                <m:r>
-                  <a:rPr xmlns:a="http://schemas.openxmlformats.org/drawingml/2006/main" sz="3700" i="1">
-                    <a:solidFill>
-                      <a:srgbClr val="000000"/>
-                    </a:solidFill>
-                    <a:latin typeface="Cambria Math" panose="02040503050406030204" pitchFamily="18" charset="0"/>
-                  </a:rPr>
-                  <m:t>=</m:t>
-                </m:r>
-                <m:sSub>
-                  <m:e>
-                    <m:r>
-                      <a:rPr xmlns:a="http://schemas.openxmlformats.org/drawingml/2006/main" sz="3700" i="1">
-                        <a:solidFill>
-                          <a:srgbClr val="000000"/>
-                        </a:solidFill>
-                        <a:latin typeface="Cambria Math" panose="02040503050406030204" pitchFamily="18" charset="0"/>
-                      </a:rPr>
-                      <m:t>μ</m:t>
-                    </m:r>
-                  </m:e>
-                  <m:sub>
-                    <m:r>
-                      <a:rPr xmlns:a="http://schemas.openxmlformats.org/drawingml/2006/main" sz="3700" i="1">
-                        <a:solidFill>
-                          <a:srgbClr val="000000"/>
-                        </a:solidFill>
-                        <a:latin typeface="Cambria Math" panose="02040503050406030204" pitchFamily="18" charset="0"/>
-                      </a:rPr>
-                      <m:t>15</m:t>
-                    </m:r>
-                  </m:sub>
-                </m:sSub>
-                <m:r>
-                  <a:rPr xmlns:a="http://schemas.openxmlformats.org/drawingml/2006/main" sz="3700" i="1">
-                    <a:solidFill>
-                      <a:srgbClr val="000000"/>
-                    </a:solidFill>
-                    <a:latin typeface="Cambria Math" panose="02040503050406030204" pitchFamily="18" charset="0"/>
-                  </a:rPr>
-                  <m:t>=</m:t>
-                </m:r>
-                <m:sSub>
-                  <m:e>
-                    <m:r>
-                      <a:rPr xmlns:a="http://schemas.openxmlformats.org/drawingml/2006/main" sz="3700" i="1">
-                        <a:solidFill>
-                          <a:srgbClr val="000000"/>
-                        </a:solidFill>
-                        <a:latin typeface="Cambria Math" panose="02040503050406030204" pitchFamily="18" charset="0"/>
-                      </a:rPr>
-                      <m:t>μ</m:t>
-                    </m:r>
-                  </m:e>
-                  <m:sub>
-                    <m:r>
-                      <a:rPr xmlns:a="http://schemas.openxmlformats.org/drawingml/2006/main" sz="3700" i="1">
-                        <a:solidFill>
-                          <a:srgbClr val="000000"/>
-                        </a:solidFill>
-                        <a:latin typeface="Cambria Math" panose="02040503050406030204" pitchFamily="18" charset="0"/>
-                      </a:rPr>
-                      <m:t>16</m:t>
-                    </m:r>
-                  </m:sub>
-                </m:sSub>
-              </m:oMath>
-            </a14:m>
-            <a:r>
-              <a:t>  ( ne postoji statistički značajna razlika između prosječne visine pacijenta za svaku kategoriju srčane aritmije)</a:t>
-            </a:r>
-          </a:p>
-          <a:p>
-            <a:pPr marL="609599" indent="-609599" algn="l">
-              <a:lnSpc>
-                <a:spcPct val="90000"/>
-              </a:lnSpc>
-              <a:spcBef>
-                <a:spcPts val="4500"/>
-              </a:spcBef>
-              <a:buSzPct val="123000"/>
-              <a:buChar char="•"/>
-              <a:defRPr sz="3100">
-                <a:solidFill>
-                  <a:srgbClr val="000000"/>
-                </a:solidFill>
-              </a:defRPr>
-            </a:pPr>
-            <a14:m>
-              <m:oMath>
-                <m:sSub>
-                  <m:e>
-                    <m:r>
-                      <a:rPr xmlns:a="http://schemas.openxmlformats.org/drawingml/2006/main" sz="3700" i="1">
-                        <a:solidFill>
-                          <a:srgbClr val="000000"/>
-                        </a:solidFill>
-                        <a:latin typeface="Cambria Math" panose="02040503050406030204" pitchFamily="18" charset="0"/>
-                      </a:rPr>
-                      <m:t>H</m:t>
-                    </m:r>
-                  </m:e>
-                  <m:sub>
-                    <m:r>
-                      <a:rPr xmlns:a="http://schemas.openxmlformats.org/drawingml/2006/main" sz="3700" i="1">
-                        <a:solidFill>
-                          <a:srgbClr val="000000"/>
-                        </a:solidFill>
-                        <a:latin typeface="Cambria Math" panose="02040503050406030204" pitchFamily="18" charset="0"/>
-                      </a:rPr>
-                      <m:t>1</m:t>
-                    </m:r>
-                  </m:sub>
-                </m:sSub>
-                <m:r>
-                  <a:rPr xmlns:a="http://schemas.openxmlformats.org/drawingml/2006/main" sz="3700" i="1">
-                    <a:solidFill>
-                      <a:srgbClr val="000000"/>
-                    </a:solidFill>
-                    <a:latin typeface="Cambria Math" panose="02040503050406030204" pitchFamily="18" charset="0"/>
-                  </a:rPr>
-                  <m:t>=</m:t>
-                </m:r>
-              </m:oMath>
-            </a14:m>
-            <a:r>
-              <a:t>ne </a:t>
-            </a:r>
-            <a14:m>
-              <m:oMath>
-                <m:sSub>
-                  <m:e>
-                    <m:r>
-                      <a:rPr xmlns:a="http://schemas.openxmlformats.org/drawingml/2006/main" sz="3750" i="1">
-                        <a:solidFill>
-                          <a:srgbClr val="000000"/>
-                        </a:solidFill>
-                        <a:latin typeface="Cambria Math" panose="02040503050406030204" pitchFamily="18" charset="0"/>
-                      </a:rPr>
-                      <m:t>H</m:t>
-                    </m:r>
-                  </m:e>
-                  <m:sub>
-                    <m:r>
-                      <a:rPr xmlns:a="http://schemas.openxmlformats.org/drawingml/2006/main" sz="3750" i="1">
-                        <a:solidFill>
-                          <a:srgbClr val="000000"/>
-                        </a:solidFill>
-                        <a:latin typeface="Cambria Math" panose="02040503050406030204" pitchFamily="18" charset="0"/>
-                      </a:rPr>
-                      <m:t>0</m:t>
-                    </m:r>
-                  </m:sub>
-                </m:sSub>
-              </m:oMath>
-            </a14:m>
-            <a:r>
-              <a:t>, tj. postoji statistički značajna razlika između prosječne visine pacijenta za neke kategorije srčane aritmije</a:t>
-            </a:r>
-          </a:p>
-        </p:txBody>
-      </p:sp>
+                  <a:t> </a:t>
+                </a:r>
+              </a:p>
+            </p:txBody>
+          </p:sp>
+        </mc:Fallback>
+      </mc:AlternateContent>
       <p:pic>
         <p:nvPicPr>
           <p:cNvPr id="200" name="c45784af-1b6a-4fd2-8c34-797869ef1ad1.png" descr="c45784af-1b6a-4fd2-8c34-797869ef1ad1.png"/>
@@ -4999,9 +5332,7 @@
           <p:nvPr/>
         </p:nvPicPr>
         <p:blipFill>
-          <a:blip r:embed="rId2">
-            <a:extLst/>
-          </a:blip>
+          <a:blip r:embed="rId4"/>
           <a:stretch>
             <a:fillRect/>
           </a:stretch>
@@ -5024,12 +5355,12 @@
   <p:clrMapOvr>
     <a:masterClrMapping/>
   </p:clrMapOvr>
-  <p:transition xmlns:p14="http://schemas.microsoft.com/office/powerpoint/2010/main" spd="med" advClick="1"/>
+  <p:transition spd="med"/>
 </p:sld>
 </file>
 
 <file path=ppt/slides/slide12.xml><?xml version="1.0" encoding="utf-8"?>
-<p:sld xmlns:a="http://schemas.openxmlformats.org/drawingml/2006/main" xmlns:r="http://schemas.openxmlformats.org/officeDocument/2006/relationships" xmlns:p="http://schemas.openxmlformats.org/presentationml/2006/main" xmlns:m="http://schemas.openxmlformats.org/officeDocument/2006/math" xmlns:a14="http://schemas.microsoft.com/office/drawing/2010/main" showMasterSp="1" showMasterPhAnim="1">
+<p:sld xmlns:a="http://schemas.openxmlformats.org/drawingml/2006/main" xmlns:r="http://schemas.openxmlformats.org/officeDocument/2006/relationships" xmlns:p="http://schemas.openxmlformats.org/presentationml/2006/main">
   <p:cSld>
     <p:spTree>
       <p:nvGrpSpPr>
@@ -5048,7 +5379,9 @@
       <p:sp>
         <p:nvSpPr>
           <p:cNvPr id="202" name="Heart rate and diagnosis"/>
-          <p:cNvSpPr txBox="1"/>
+          <p:cNvSpPr txBox="1">
+            <a:spLocks noGrp="1"/>
+          </p:cNvSpPr>
           <p:nvPr>
             <p:ph type="title"/>
           </p:nvPr>
@@ -5069,511 +5402,656 @@
               <a:lnSpc>
                 <a:spcPct val="100000"/>
               </a:lnSpc>
-              <a:defRPr spc="0" sz="5500"/>
+              <a:defRPr sz="5500" spc="0"/>
             </a:lvl1pPr>
           </a:lstStyle>
           <a:p>
-            <a:pPr/>
             <a:r>
               <a:t>Heart rate and diagnosis</a:t>
             </a:r>
           </a:p>
         </p:txBody>
       </p:sp>
-      <p:sp>
-        <p:nvSpPr>
-          <p:cNvPr id="203" name="Kruskal-Wallis test…"/>
-          <p:cNvSpPr txBox="1"/>
-          <p:nvPr/>
-        </p:nvSpPr>
-        <p:spPr>
-          <a:xfrm>
-            <a:off x="910396" y="6343174"/>
-            <a:ext cx="10502679" cy="2531351"/>
-          </a:xfrm>
-          <a:prstGeom prst="rect">
-            <a:avLst/>
-          </a:prstGeom>
-          <a:ln w="12700">
-            <a:miter lim="400000"/>
-          </a:ln>
-          <a:extLst>
-            <a:ext uri="{C572A759-6A51-4108-AA02-DFA0A04FC94B}">
-              <ma14:wrappingTextBoxFlag xmlns:ma14="http://schemas.microsoft.com/office/mac/drawingml/2011/main" val="1"/>
-            </a:ext>
-          </a:extLst>
-        </p:spPr>
-        <p:txBody>
-          <a:bodyPr lIns="50800" tIns="50800" rIns="50800" bIns="50800" anchor="ctr">
-            <a:spAutoFit/>
-          </a:bodyPr>
-          <a:lstStyle/>
-          <a:p>
-            <a:pPr marL="609600" indent="-609600" algn="l">
-              <a:lnSpc>
-                <a:spcPct val="90000"/>
-              </a:lnSpc>
-              <a:spcBef>
-                <a:spcPts val="4500"/>
-              </a:spcBef>
-              <a:buSzPct val="123000"/>
-              <a:buChar char="•"/>
-              <a:defRPr sz="3800">
-                <a:solidFill>
-                  <a:srgbClr val="000000"/>
-                </a:solidFill>
-              </a:defRPr>
-            </a:pPr>
-            <a:r>
-              <a:t>Kruskal-Wallis test</a:t>
-            </a:r>
-          </a:p>
-          <a:p>
-            <a:pPr marL="609600" indent="-609600" algn="l">
-              <a:lnSpc>
-                <a:spcPct val="90000"/>
-              </a:lnSpc>
-              <a:spcBef>
-                <a:spcPts val="4500"/>
-              </a:spcBef>
-              <a:buSzPct val="123000"/>
-              <a:buChar char="•"/>
-              <a:defRPr sz="3800">
-                <a:solidFill>
-                  <a:srgbClr val="000000"/>
-                </a:solidFill>
-              </a:defRPr>
-            </a:pPr>
-            <a14:m>
-              <m:oMath>
-                <m:r>
-                  <a:rPr xmlns:a="http://schemas.openxmlformats.org/drawingml/2006/main" sz="4200" i="1">
+      <mc:AlternateContent xmlns:mc="http://schemas.openxmlformats.org/markup-compatibility/2006">
+        <mc:Choice xmlns:a14="http://schemas.microsoft.com/office/drawing/2010/main" Requires="a14">
+          <p:sp>
+            <p:nvSpPr>
+              <p:cNvPr id="203" name="Kruskal-Wallis test…"/>
+              <p:cNvSpPr txBox="1"/>
+              <p:nvPr/>
+            </p:nvSpPr>
+            <p:spPr>
+              <a:xfrm>
+                <a:off x="910396" y="6343174"/>
+                <a:ext cx="10502679" cy="2531351"/>
+              </a:xfrm>
+              <a:prstGeom prst="rect">
+                <a:avLst/>
+              </a:prstGeom>
+              <a:ln w="12700">
+                <a:miter lim="400000"/>
+              </a:ln>
+              <a:extLst>
+                <a:ext uri="{C572A759-6A51-4108-AA02-DFA0A04FC94B}">
+                  <ma14:wrappingTextBoxFlag xmlns:ma14="http://schemas.microsoft.com/office/mac/drawingml/2011/main" xmlns:m="http://schemas.openxmlformats.org/officeDocument/2006/math" xmlns="" val="1"/>
+                </a:ext>
+              </a:extLst>
+            </p:spPr>
+            <p:txBody>
+              <a:bodyPr lIns="50800" tIns="50800" rIns="50800" bIns="50800" anchor="ctr">
+                <a:spAutoFit/>
+              </a:bodyPr>
+              <a:lstStyle/>
+              <a:p>
+                <a:pPr marL="609600" indent="-609600" algn="l">
+                  <a:lnSpc>
+                    <a:spcPct val="90000"/>
+                  </a:lnSpc>
+                  <a:spcBef>
+                    <a:spcPts val="4500"/>
+                  </a:spcBef>
+                  <a:buSzPct val="123000"/>
+                  <a:buChar char="•"/>
+                  <a:defRPr sz="3800">
                     <a:solidFill>
                       <a:srgbClr val="000000"/>
                     </a:solidFill>
-                    <a:latin typeface="Cambria Math" panose="02040503050406030204" pitchFamily="18" charset="0"/>
-                  </a:rPr>
-                  <m:t>p</m:t>
-                </m:r>
-              </m:oMath>
-            </a14:m>
-            <a:r>
-              <a:t> vrijednost = </a:t>
-            </a:r>
-            <a14:m>
-              <m:oMath>
-                <m:r>
-                  <a:rPr xmlns:a="http://schemas.openxmlformats.org/drawingml/2006/main" sz="4600" i="1">
+                  </a:defRPr>
+                </a:pPr>
+                <a:r>
+                  <a:t>Kruskal-Wallis test</a:t>
+                </a:r>
+              </a:p>
+              <a:p>
+                <a:pPr marL="609600" indent="-609600" algn="l">
+                  <a:lnSpc>
+                    <a:spcPct val="90000"/>
+                  </a:lnSpc>
+                  <a:spcBef>
+                    <a:spcPts val="4500"/>
+                  </a:spcBef>
+                  <a:buSzPct val="123000"/>
+                  <a:buChar char="•"/>
+                  <a:defRPr sz="3800">
                     <a:solidFill>
                       <a:srgbClr val="000000"/>
                     </a:solidFill>
-                    <a:latin typeface="Cambria Math" panose="02040503050406030204" pitchFamily="18" charset="0"/>
-                  </a:rPr>
-                  <m:t>4.95</m:t>
-                </m:r>
-                <m:r>
-                  <a:rPr xmlns:a="http://schemas.openxmlformats.org/drawingml/2006/main" sz="4600" i="1">
-                    <a:solidFill>
-                      <a:srgbClr val="000000"/>
-                    </a:solidFill>
-                    <a:latin typeface="Cambria Math" panose="02040503050406030204" pitchFamily="18" charset="0"/>
-                  </a:rPr>
-                  <m:t>⋅</m:t>
-                </m:r>
-                <m:sSup>
-                  <m:e>
+                  </a:defRPr>
+                </a:pPr>
+                <a14:m>
+                  <m:oMath xmlns:m="http://schemas.openxmlformats.org/officeDocument/2006/math">
                     <m:r>
-                      <a:rPr xmlns:a="http://schemas.openxmlformats.org/drawingml/2006/main" sz="4600" i="1">
+                      <a:rPr sz="4200" i="1">
                         <a:solidFill>
                           <a:srgbClr val="000000"/>
                         </a:solidFill>
                         <a:latin typeface="Cambria Math" panose="02040503050406030204" pitchFamily="18" charset="0"/>
                       </a:rPr>
-                      <m:t>10</m:t>
+                      <m:t>𝑝</m:t>
                     </m:r>
-                  </m:e>
-                  <m:sup>
+                  </m:oMath>
+                </a14:m>
+                <a:r>
+                  <a:t> vrijednost = </a:t>
+                </a:r>
+                <a14:m>
+                  <m:oMath xmlns:m="http://schemas.openxmlformats.org/officeDocument/2006/math">
                     <m:r>
-                      <a:rPr xmlns:a="http://schemas.openxmlformats.org/drawingml/2006/main" sz="4600" i="1">
+                      <a:rPr sz="4600" i="1">
                         <a:solidFill>
                           <a:srgbClr val="000000"/>
                         </a:solidFill>
                         <a:latin typeface="Cambria Math" panose="02040503050406030204" pitchFamily="18" charset="0"/>
                       </a:rPr>
-                      <m:t>-</m:t>
+                      <m:t>4.95⋅</m:t>
                     </m:r>
+                    <m:sSup>
+                      <m:sSupPr>
+                        <m:ctrlPr>
+                          <a:rPr sz="4600" i="1">
+                            <a:solidFill>
+                              <a:srgbClr val="000000"/>
+                            </a:solidFill>
+                            <a:latin typeface="Cambria Math" panose="02040503050406030204" pitchFamily="18" charset="0"/>
+                          </a:rPr>
+                        </m:ctrlPr>
+                      </m:sSupPr>
+                      <m:e>
+                        <m:r>
+                          <a:rPr sz="4600" i="1">
+                            <a:solidFill>
+                              <a:srgbClr val="000000"/>
+                            </a:solidFill>
+                            <a:latin typeface="Cambria Math" panose="02040503050406030204" pitchFamily="18" charset="0"/>
+                          </a:rPr>
+                          <m:t>10</m:t>
+                        </m:r>
+                      </m:e>
+                      <m:sup>
+                        <m:r>
+                          <a:rPr sz="4600" i="1">
+                            <a:solidFill>
+                              <a:srgbClr val="000000"/>
+                            </a:solidFill>
+                            <a:latin typeface="Cambria Math" panose="02040503050406030204" pitchFamily="18" charset="0"/>
+                          </a:rPr>
+                          <m:t>−22</m:t>
+                        </m:r>
+                      </m:sup>
+                    </m:sSup>
+                  </m:oMath>
+                </a14:m>
+                <a:r>
+                  <a:t> &lt; 0.05, odbacujemo  </a:t>
+                </a:r>
+                <a14:m>
+                  <m:oMath xmlns:m="http://schemas.openxmlformats.org/officeDocument/2006/math">
+                    <m:sSub>
+                      <m:sSubPr>
+                        <m:ctrlPr>
+                          <a:rPr sz="4600">
+                            <a:solidFill>
+                              <a:srgbClr val="000000"/>
+                            </a:solidFill>
+                            <a:latin typeface="Cambria Math" panose="02040503050406030204" pitchFamily="18" charset="0"/>
+                          </a:rPr>
+                        </m:ctrlPr>
+                      </m:sSubPr>
+                      <m:e>
+                        <m:r>
+                          <a:rPr sz="4600" i="1">
+                            <a:solidFill>
+                              <a:srgbClr val="000000"/>
+                            </a:solidFill>
+                            <a:latin typeface="Cambria Math" panose="02040503050406030204" pitchFamily="18" charset="0"/>
+                          </a:rPr>
+                          <m:t>𝐻</m:t>
+                        </m:r>
+                      </m:e>
+                      <m:sub>
+                        <m:r>
+                          <a:rPr sz="4600" i="1">
+                            <a:solidFill>
+                              <a:srgbClr val="000000"/>
+                            </a:solidFill>
+                            <a:latin typeface="Cambria Math" panose="02040503050406030204" pitchFamily="18" charset="0"/>
+                          </a:rPr>
+                          <m:t>0</m:t>
+                        </m:r>
+                      </m:sub>
+                    </m:sSub>
+                  </m:oMath>
+                </a14:m>
+                <a:endParaRPr/>
+              </a:p>
+            </p:txBody>
+          </p:sp>
+        </mc:Choice>
+        <mc:Fallback>
+          <p:sp>
+            <p:nvSpPr>
+              <p:cNvPr id="203" name="Kruskal-Wallis test…"/>
+              <p:cNvSpPr txBox="1">
+                <a:spLocks noRot="1" noChangeAspect="1" noMove="1" noResize="1" noEditPoints="1" noAdjustHandles="1" noChangeArrowheads="1" noChangeShapeType="1" noTextEdit="1"/>
+              </p:cNvSpPr>
+              <p:nvPr/>
+            </p:nvSpPr>
+            <p:spPr>
+              <a:xfrm>
+                <a:off x="910396" y="6343174"/>
+                <a:ext cx="10502679" cy="2531351"/>
+              </a:xfrm>
+              <a:prstGeom prst="rect">
+                <a:avLst/>
+              </a:prstGeom>
+              <a:blipFill>
+                <a:blip r:embed="rId2"/>
+                <a:stretch>
+                  <a:fillRect l="-2778" t="-9000" b="-7000"/>
+                </a:stretch>
+              </a:blipFill>
+              <a:ln w="12700">
+                <a:miter lim="400000"/>
+              </a:ln>
+              <a:extLst>
+                <a:ext uri="{C572A759-6A51-4108-AA02-DFA0A04FC94B}">
+                  <ma14:wrappingTextBoxFlag xmlns:ma14="http://schemas.microsoft.com/office/mac/drawingml/2011/main" xmlns:a14="http://schemas.microsoft.com/office/drawing/2010/main" xmlns:m="http://schemas.openxmlformats.org/officeDocument/2006/math" xmlns="" val="1"/>
+                </a:ext>
+              </a:extLst>
+            </p:spPr>
+            <p:txBody>
+              <a:bodyPr/>
+              <a:lstStyle/>
+              <a:p>
+                <a:r>
+                  <a:rPr lang="en-HR">
+                    <a:noFill/>
+                  </a:rPr>
+                  <a:t> </a:t>
+                </a:r>
+              </a:p>
+            </p:txBody>
+          </p:sp>
+        </mc:Fallback>
+      </mc:AlternateContent>
+      <mc:AlternateContent xmlns:mc="http://schemas.openxmlformats.org/markup-compatibility/2006">
+        <mc:Choice xmlns:a14="http://schemas.microsoft.com/office/drawing/2010/main" Requires="a14">
+          <p:sp>
+            <p:nvSpPr>
+              <p:cNvPr id="204" name="( ne postoji statistički značajna razlika između prosječniog broja otkucaja srca pacijenta za svaku kategoriju srčane aritmije)…"/>
+              <p:cNvSpPr txBox="1"/>
+              <p:nvPr/>
+            </p:nvSpPr>
+            <p:spPr>
+              <a:xfrm>
+                <a:off x="727156" y="2575017"/>
+                <a:ext cx="23337400" cy="2651594"/>
+              </a:xfrm>
+              <a:prstGeom prst="rect">
+                <a:avLst/>
+              </a:prstGeom>
+              <a:ln w="12700">
+                <a:miter lim="400000"/>
+              </a:ln>
+              <a:extLst>
+                <a:ext uri="{C572A759-6A51-4108-AA02-DFA0A04FC94B}">
+                  <ma14:wrappingTextBoxFlag xmlns:ma14="http://schemas.microsoft.com/office/mac/drawingml/2011/main" xmlns:m="http://schemas.openxmlformats.org/officeDocument/2006/math" xmlns="" val="1"/>
+                </a:ext>
+              </a:extLst>
+            </p:spPr>
+            <p:txBody>
+              <a:bodyPr lIns="50800" tIns="50800" rIns="50800" bIns="50800" anchor="ctr">
+                <a:spAutoFit/>
+              </a:bodyPr>
+              <a:lstStyle/>
+              <a:p>
+                <a:pPr marL="609599" indent="-609599" algn="l">
+                  <a:lnSpc>
+                    <a:spcPct val="90000"/>
+                  </a:lnSpc>
+                  <a:spcBef>
+                    <a:spcPts val="4500"/>
+                  </a:spcBef>
+                  <a:buSzPct val="123000"/>
+                  <a:buChar char="•"/>
+                  <a:defRPr sz="3100">
+                    <a:solidFill>
+                      <a:srgbClr val="000000"/>
+                    </a:solidFill>
+                  </a:defRPr>
+                </a:pPr>
+                <a14:m>
+                  <m:oMath xmlns:m="http://schemas.openxmlformats.org/officeDocument/2006/math">
+                    <m:sSub>
+                      <m:sSubPr>
+                        <m:ctrlPr>
+                          <a:rPr sz="3700">
+                            <a:solidFill>
+                              <a:srgbClr val="000000"/>
+                            </a:solidFill>
+                            <a:latin typeface="Cambria Math" panose="02040503050406030204" pitchFamily="18" charset="0"/>
+                          </a:rPr>
+                        </m:ctrlPr>
+                      </m:sSubPr>
+                      <m:e>
+                        <m:r>
+                          <a:rPr sz="3700" i="1">
+                            <a:solidFill>
+                              <a:srgbClr val="000000"/>
+                            </a:solidFill>
+                            <a:latin typeface="Cambria Math" panose="02040503050406030204" pitchFamily="18" charset="0"/>
+                          </a:rPr>
+                          <m:t>𝐻</m:t>
+                        </m:r>
+                      </m:e>
+                      <m:sub>
+                        <m:r>
+                          <a:rPr sz="3700" i="1">
+                            <a:solidFill>
+                              <a:srgbClr val="000000"/>
+                            </a:solidFill>
+                            <a:latin typeface="Cambria Math" panose="02040503050406030204" pitchFamily="18" charset="0"/>
+                          </a:rPr>
+                          <m:t>0</m:t>
+                        </m:r>
+                      </m:sub>
+                    </m:sSub>
                     <m:r>
-                      <a:rPr xmlns:a="http://schemas.openxmlformats.org/drawingml/2006/main" sz="4600" i="1">
+                      <a:rPr sz="3700" i="1">
                         <a:solidFill>
                           <a:srgbClr val="000000"/>
                         </a:solidFill>
                         <a:latin typeface="Cambria Math" panose="02040503050406030204" pitchFamily="18" charset="0"/>
                       </a:rPr>
-                      <m:t>22</m:t>
+                      <m:t>:</m:t>
                     </m:r>
-                  </m:sup>
-                </m:sSup>
-              </m:oMath>
-            </a14:m>
-            <a:r>
-              <a:t> &lt; 0.05, odbacujemo  </a:t>
-            </a:r>
-            <a14:m>
-              <m:oMath>
-                <m:sSub>
-                  <m:e>
+                    <m:sSub>
+                      <m:sSubPr>
+                        <m:ctrlPr>
+                          <a:rPr sz="3700" i="1">
+                            <a:solidFill>
+                              <a:srgbClr val="000000"/>
+                            </a:solidFill>
+                            <a:latin typeface="Cambria Math" panose="02040503050406030204" pitchFamily="18" charset="0"/>
+                          </a:rPr>
+                        </m:ctrlPr>
+                      </m:sSubPr>
+                      <m:e>
+                        <m:r>
+                          <a:rPr sz="3700" i="1">
+                            <a:solidFill>
+                              <a:srgbClr val="000000"/>
+                            </a:solidFill>
+                            <a:latin typeface="Cambria Math" panose="02040503050406030204" pitchFamily="18" charset="0"/>
+                          </a:rPr>
+                          <m:t>𝜇</m:t>
+                        </m:r>
+                      </m:e>
+                      <m:sub>
+                        <m:r>
+                          <a:rPr sz="3700" i="1">
+                            <a:solidFill>
+                              <a:srgbClr val="000000"/>
+                            </a:solidFill>
+                            <a:latin typeface="Cambria Math" panose="02040503050406030204" pitchFamily="18" charset="0"/>
+                          </a:rPr>
+                          <m:t>1</m:t>
+                        </m:r>
+                      </m:sub>
+                    </m:sSub>
                     <m:r>
-                      <a:rPr xmlns:a="http://schemas.openxmlformats.org/drawingml/2006/main" sz="4600" i="1">
+                      <a:rPr sz="3700" i="1">
                         <a:solidFill>
                           <a:srgbClr val="000000"/>
                         </a:solidFill>
                         <a:latin typeface="Cambria Math" panose="02040503050406030204" pitchFamily="18" charset="0"/>
                       </a:rPr>
-                      <m:t>H</m:t>
+                      <m:t>=</m:t>
                     </m:r>
-                  </m:e>
-                  <m:sub>
+                    <m:sSub>
+                      <m:sSubPr>
+                        <m:ctrlPr>
+                          <a:rPr sz="3700" i="1">
+                            <a:solidFill>
+                              <a:srgbClr val="000000"/>
+                            </a:solidFill>
+                            <a:latin typeface="Cambria Math" panose="02040503050406030204" pitchFamily="18" charset="0"/>
+                          </a:rPr>
+                        </m:ctrlPr>
+                      </m:sSubPr>
+                      <m:e>
+                        <m:r>
+                          <a:rPr sz="3700" i="1">
+                            <a:solidFill>
+                              <a:srgbClr val="000000"/>
+                            </a:solidFill>
+                            <a:latin typeface="Cambria Math" panose="02040503050406030204" pitchFamily="18" charset="0"/>
+                          </a:rPr>
+                          <m:t>𝜇</m:t>
+                        </m:r>
+                      </m:e>
+                      <m:sub>
+                        <m:r>
+                          <a:rPr sz="3700" i="1">
+                            <a:solidFill>
+                              <a:srgbClr val="000000"/>
+                            </a:solidFill>
+                            <a:latin typeface="Cambria Math" panose="02040503050406030204" pitchFamily="18" charset="0"/>
+                          </a:rPr>
+                          <m:t>2</m:t>
+                        </m:r>
+                      </m:sub>
+                    </m:sSub>
                     <m:r>
-                      <a:rPr xmlns:a="http://schemas.openxmlformats.org/drawingml/2006/main" sz="4600" i="1">
+                      <a:rPr sz="3700" i="1">
                         <a:solidFill>
                           <a:srgbClr val="000000"/>
                         </a:solidFill>
                         <a:latin typeface="Cambria Math" panose="02040503050406030204" pitchFamily="18" charset="0"/>
                       </a:rPr>
-                      <m:t>0</m:t>
+                      <m:t>=..=</m:t>
                     </m:r>
-                  </m:sub>
-                </m:sSub>
-              </m:oMath>
-            </a14:m>
-          </a:p>
-        </p:txBody>
-      </p:sp>
-      <p:sp>
-        <p:nvSpPr>
-          <p:cNvPr id="204" name="( ne postoji statistički značajna razlika između prosječniog broja otkucaja srca pacijenta za svaku kategoriju srčane aritmije)…"/>
-          <p:cNvSpPr txBox="1"/>
-          <p:nvPr/>
-        </p:nvSpPr>
-        <p:spPr>
-          <a:xfrm>
-            <a:off x="727156" y="2575017"/>
-            <a:ext cx="23337400" cy="2651594"/>
-          </a:xfrm>
-          <a:prstGeom prst="rect">
-            <a:avLst/>
-          </a:prstGeom>
-          <a:ln w="12700">
-            <a:miter lim="400000"/>
-          </a:ln>
-          <a:extLst>
-            <a:ext uri="{C572A759-6A51-4108-AA02-DFA0A04FC94B}">
-              <ma14:wrappingTextBoxFlag xmlns:ma14="http://schemas.microsoft.com/office/mac/drawingml/2011/main" val="1"/>
-            </a:ext>
-          </a:extLst>
-        </p:spPr>
-        <p:txBody>
-          <a:bodyPr lIns="50800" tIns="50800" rIns="50800" bIns="50800" anchor="ctr">
-            <a:spAutoFit/>
-          </a:bodyPr>
-          <a:lstStyle/>
-          <a:p>
-            <a:pPr marL="609599" indent="-609599" algn="l">
-              <a:lnSpc>
-                <a:spcPct val="90000"/>
-              </a:lnSpc>
-              <a:spcBef>
-                <a:spcPts val="4500"/>
-              </a:spcBef>
-              <a:buSzPct val="123000"/>
-              <a:buChar char="•"/>
-              <a:defRPr sz="3100">
-                <a:solidFill>
-                  <a:srgbClr val="000000"/>
-                </a:solidFill>
-              </a:defRPr>
-            </a:pPr>
-            <a14:m>
-              <m:oMath>
-                <m:sSub>
-                  <m:e>
+                    <m:sSub>
+                      <m:sSubPr>
+                        <m:ctrlPr>
+                          <a:rPr sz="3700" i="1">
+                            <a:solidFill>
+                              <a:srgbClr val="000000"/>
+                            </a:solidFill>
+                            <a:latin typeface="Cambria Math" panose="02040503050406030204" pitchFamily="18" charset="0"/>
+                          </a:rPr>
+                        </m:ctrlPr>
+                      </m:sSubPr>
+                      <m:e>
+                        <m:r>
+                          <a:rPr sz="3700" i="1">
+                            <a:solidFill>
+                              <a:srgbClr val="000000"/>
+                            </a:solidFill>
+                            <a:latin typeface="Cambria Math" panose="02040503050406030204" pitchFamily="18" charset="0"/>
+                          </a:rPr>
+                          <m:t>𝜇</m:t>
+                        </m:r>
+                      </m:e>
+                      <m:sub>
+                        <m:r>
+                          <a:rPr sz="3700" i="1">
+                            <a:solidFill>
+                              <a:srgbClr val="000000"/>
+                            </a:solidFill>
+                            <a:latin typeface="Cambria Math" panose="02040503050406030204" pitchFamily="18" charset="0"/>
+                          </a:rPr>
+                          <m:t>15</m:t>
+                        </m:r>
+                      </m:sub>
+                    </m:sSub>
                     <m:r>
-                      <a:rPr xmlns:a="http://schemas.openxmlformats.org/drawingml/2006/main" sz="3700" i="1">
+                      <a:rPr sz="3700" i="1">
                         <a:solidFill>
                           <a:srgbClr val="000000"/>
                         </a:solidFill>
                         <a:latin typeface="Cambria Math" panose="02040503050406030204" pitchFamily="18" charset="0"/>
                       </a:rPr>
-                      <m:t>H</m:t>
+                      <m:t>=</m:t>
                     </m:r>
-                  </m:e>
-                  <m:sub>
+                    <m:sSub>
+                      <m:sSubPr>
+                        <m:ctrlPr>
+                          <a:rPr sz="3700" i="1">
+                            <a:solidFill>
+                              <a:srgbClr val="000000"/>
+                            </a:solidFill>
+                            <a:latin typeface="Cambria Math" panose="02040503050406030204" pitchFamily="18" charset="0"/>
+                          </a:rPr>
+                        </m:ctrlPr>
+                      </m:sSubPr>
+                      <m:e>
+                        <m:r>
+                          <a:rPr sz="3700" i="1">
+                            <a:solidFill>
+                              <a:srgbClr val="000000"/>
+                            </a:solidFill>
+                            <a:latin typeface="Cambria Math" panose="02040503050406030204" pitchFamily="18" charset="0"/>
+                          </a:rPr>
+                          <m:t>𝜇</m:t>
+                        </m:r>
+                      </m:e>
+                      <m:sub>
+                        <m:r>
+                          <a:rPr sz="3700" i="1">
+                            <a:solidFill>
+                              <a:srgbClr val="000000"/>
+                            </a:solidFill>
+                            <a:latin typeface="Cambria Math" panose="02040503050406030204" pitchFamily="18" charset="0"/>
+                          </a:rPr>
+                          <m:t>16</m:t>
+                        </m:r>
+                      </m:sub>
+                    </m:sSub>
+                  </m:oMath>
+                </a14:m>
+                <a:r>
+                  <a:t>  ( ne postoji statistički značajna razlika između prosječniog broja otkucaja srca pacijenta za svaku kategoriju srčane aritmije)</a:t>
+                </a:r>
+              </a:p>
+              <a:p>
+                <a:pPr marL="609599" indent="-609599" algn="l">
+                  <a:lnSpc>
+                    <a:spcPct val="90000"/>
+                  </a:lnSpc>
+                  <a:spcBef>
+                    <a:spcPts val="4500"/>
+                  </a:spcBef>
+                  <a:buSzPct val="123000"/>
+                  <a:buChar char="•"/>
+                  <a:defRPr sz="3100">
+                    <a:solidFill>
+                      <a:srgbClr val="000000"/>
+                    </a:solidFill>
+                  </a:defRPr>
+                </a:pPr>
+                <a14:m>
+                  <m:oMath xmlns:m="http://schemas.openxmlformats.org/officeDocument/2006/math">
+                    <m:sSub>
+                      <m:sSubPr>
+                        <m:ctrlPr>
+                          <a:rPr sz="3700">
+                            <a:solidFill>
+                              <a:srgbClr val="000000"/>
+                            </a:solidFill>
+                            <a:latin typeface="Cambria Math" panose="02040503050406030204" pitchFamily="18" charset="0"/>
+                          </a:rPr>
+                        </m:ctrlPr>
+                      </m:sSubPr>
+                      <m:e>
+                        <m:r>
+                          <a:rPr sz="3700" i="1">
+                            <a:solidFill>
+                              <a:srgbClr val="000000"/>
+                            </a:solidFill>
+                            <a:latin typeface="Cambria Math" panose="02040503050406030204" pitchFamily="18" charset="0"/>
+                          </a:rPr>
+                          <m:t>𝐻</m:t>
+                        </m:r>
+                      </m:e>
+                      <m:sub>
+                        <m:r>
+                          <a:rPr sz="3700" i="1">
+                            <a:solidFill>
+                              <a:srgbClr val="000000"/>
+                            </a:solidFill>
+                            <a:latin typeface="Cambria Math" panose="02040503050406030204" pitchFamily="18" charset="0"/>
+                          </a:rPr>
+                          <m:t>1</m:t>
+                        </m:r>
+                      </m:sub>
+                    </m:sSub>
                     <m:r>
-                      <a:rPr xmlns:a="http://schemas.openxmlformats.org/drawingml/2006/main" sz="3700" i="1">
+                      <a:rPr sz="3700" i="1">
                         <a:solidFill>
                           <a:srgbClr val="000000"/>
                         </a:solidFill>
                         <a:latin typeface="Cambria Math" panose="02040503050406030204" pitchFamily="18" charset="0"/>
                       </a:rPr>
-                      <m:t>0</m:t>
+                      <m:t>=</m:t>
                     </m:r>
-                  </m:sub>
-                </m:sSub>
-                <m:r>
-                  <a:rPr xmlns:a="http://schemas.openxmlformats.org/drawingml/2006/main" sz="3700" i="1">
-                    <a:solidFill>
-                      <a:srgbClr val="000000"/>
-                    </a:solidFill>
-                    <a:latin typeface="Cambria Math" panose="02040503050406030204" pitchFamily="18" charset="0"/>
+                  </m:oMath>
+                </a14:m>
+                <a:r>
+                  <a:t>ne </a:t>
+                </a:r>
+                <a14:m>
+                  <m:oMath xmlns:m="http://schemas.openxmlformats.org/officeDocument/2006/math">
+                    <m:sSub>
+                      <m:sSubPr>
+                        <m:ctrlPr>
+                          <a:rPr sz="3750">
+                            <a:solidFill>
+                              <a:srgbClr val="000000"/>
+                            </a:solidFill>
+                            <a:latin typeface="Cambria Math" panose="02040503050406030204" pitchFamily="18" charset="0"/>
+                          </a:rPr>
+                        </m:ctrlPr>
+                      </m:sSubPr>
+                      <m:e>
+                        <m:r>
+                          <a:rPr sz="3750" i="1">
+                            <a:solidFill>
+                              <a:srgbClr val="000000"/>
+                            </a:solidFill>
+                            <a:latin typeface="Cambria Math" panose="02040503050406030204" pitchFamily="18" charset="0"/>
+                          </a:rPr>
+                          <m:t>𝐻</m:t>
+                        </m:r>
+                      </m:e>
+                      <m:sub>
+                        <m:r>
+                          <a:rPr sz="3750" i="1">
+                            <a:solidFill>
+                              <a:srgbClr val="000000"/>
+                            </a:solidFill>
+                            <a:latin typeface="Cambria Math" panose="02040503050406030204" pitchFamily="18" charset="0"/>
+                          </a:rPr>
+                          <m:t>0</m:t>
+                        </m:r>
+                      </m:sub>
+                    </m:sSub>
+                  </m:oMath>
+                </a14:m>
+                <a:r>
+                  <a:t>, tj. postoji statistički značajna razlika između prosječnog broja otkucaja srca pacijenta za neke kategorije srčane aritmije</a:t>
+                </a:r>
+              </a:p>
+            </p:txBody>
+          </p:sp>
+        </mc:Choice>
+        <mc:Fallback>
+          <p:sp>
+            <p:nvSpPr>
+              <p:cNvPr id="204" name="( ne postoji statistički značajna razlika između prosječniog broja otkucaja srca pacijenta za svaku kategoriju srčane aritmije)…"/>
+              <p:cNvSpPr txBox="1">
+                <a:spLocks noRot="1" noChangeAspect="1" noMove="1" noResize="1" noEditPoints="1" noAdjustHandles="1" noChangeArrowheads="1" noChangeShapeType="1" noTextEdit="1"/>
+              </p:cNvSpPr>
+              <p:nvPr/>
+            </p:nvSpPr>
+            <p:spPr>
+              <a:xfrm>
+                <a:off x="727156" y="2575017"/>
+                <a:ext cx="23337400" cy="2651594"/>
+              </a:xfrm>
+              <a:prstGeom prst="rect">
+                <a:avLst/>
+              </a:prstGeom>
+              <a:blipFill>
+                <a:blip r:embed="rId3"/>
+                <a:stretch>
+                  <a:fillRect l="-1088" t="-2857" b="-4762"/>
+                </a:stretch>
+              </a:blipFill>
+              <a:ln w="12700">
+                <a:miter lim="400000"/>
+              </a:ln>
+              <a:extLst>
+                <a:ext uri="{C572A759-6A51-4108-AA02-DFA0A04FC94B}">
+                  <ma14:wrappingTextBoxFlag xmlns:ma14="http://schemas.microsoft.com/office/mac/drawingml/2011/main" xmlns:a14="http://schemas.microsoft.com/office/drawing/2010/main" xmlns:m="http://schemas.openxmlformats.org/officeDocument/2006/math" xmlns="" val="1"/>
+                </a:ext>
+              </a:extLst>
+            </p:spPr>
+            <p:txBody>
+              <a:bodyPr/>
+              <a:lstStyle/>
+              <a:p>
+                <a:r>
+                  <a:rPr lang="en-HR">
+                    <a:noFill/>
                   </a:rPr>
-                  <m:t>:</m:t>
-                </m:r>
-                <m:sSub>
-                  <m:e>
-                    <m:r>
-                      <a:rPr xmlns:a="http://schemas.openxmlformats.org/drawingml/2006/main" sz="3700" i="1">
-                        <a:solidFill>
-                          <a:srgbClr val="000000"/>
-                        </a:solidFill>
-                        <a:latin typeface="Cambria Math" panose="02040503050406030204" pitchFamily="18" charset="0"/>
-                      </a:rPr>
-                      <m:t>μ</m:t>
-                    </m:r>
-                  </m:e>
-                  <m:sub>
-                    <m:r>
-                      <a:rPr xmlns:a="http://schemas.openxmlformats.org/drawingml/2006/main" sz="3700" i="1">
-                        <a:solidFill>
-                          <a:srgbClr val="000000"/>
-                        </a:solidFill>
-                        <a:latin typeface="Cambria Math" panose="02040503050406030204" pitchFamily="18" charset="0"/>
-                      </a:rPr>
-                      <m:t>1</m:t>
-                    </m:r>
-                  </m:sub>
-                </m:sSub>
-                <m:r>
-                  <a:rPr xmlns:a="http://schemas.openxmlformats.org/drawingml/2006/main" sz="3700" i="1">
-                    <a:solidFill>
-                      <a:srgbClr val="000000"/>
-                    </a:solidFill>
-                    <a:latin typeface="Cambria Math" panose="02040503050406030204" pitchFamily="18" charset="0"/>
-                  </a:rPr>
-                  <m:t>=</m:t>
-                </m:r>
-                <m:sSub>
-                  <m:e>
-                    <m:r>
-                      <a:rPr xmlns:a="http://schemas.openxmlformats.org/drawingml/2006/main" sz="3700" i="1">
-                        <a:solidFill>
-                          <a:srgbClr val="000000"/>
-                        </a:solidFill>
-                        <a:latin typeface="Cambria Math" panose="02040503050406030204" pitchFamily="18" charset="0"/>
-                      </a:rPr>
-                      <m:t>μ</m:t>
-                    </m:r>
-                  </m:e>
-                  <m:sub>
-                    <m:r>
-                      <a:rPr xmlns:a="http://schemas.openxmlformats.org/drawingml/2006/main" sz="3700" i="1">
-                        <a:solidFill>
-                          <a:srgbClr val="000000"/>
-                        </a:solidFill>
-                        <a:latin typeface="Cambria Math" panose="02040503050406030204" pitchFamily="18" charset="0"/>
-                      </a:rPr>
-                      <m:t>2</m:t>
-                    </m:r>
-                  </m:sub>
-                </m:sSub>
-                <m:r>
-                  <a:rPr xmlns:a="http://schemas.openxmlformats.org/drawingml/2006/main" sz="3700" i="1">
-                    <a:solidFill>
-                      <a:srgbClr val="000000"/>
-                    </a:solidFill>
-                    <a:latin typeface="Cambria Math" panose="02040503050406030204" pitchFamily="18" charset="0"/>
-                  </a:rPr>
-                  <m:t>=</m:t>
-                </m:r>
-                <m:r>
-                  <a:rPr xmlns:a="http://schemas.openxmlformats.org/drawingml/2006/main" sz="3700" i="1">
-                    <a:solidFill>
-                      <a:srgbClr val="000000"/>
-                    </a:solidFill>
-                    <a:latin typeface="Cambria Math" panose="02040503050406030204" pitchFamily="18" charset="0"/>
-                  </a:rPr>
-                  <m:t>.</m:t>
-                </m:r>
-                <m:r>
-                  <a:rPr xmlns:a="http://schemas.openxmlformats.org/drawingml/2006/main" sz="3700" i="1">
-                    <a:solidFill>
-                      <a:srgbClr val="000000"/>
-                    </a:solidFill>
-                    <a:latin typeface="Cambria Math" panose="02040503050406030204" pitchFamily="18" charset="0"/>
-                  </a:rPr>
-                  <m:t>.</m:t>
-                </m:r>
-                <m:r>
-                  <a:rPr xmlns:a="http://schemas.openxmlformats.org/drawingml/2006/main" sz="3700" i="1">
-                    <a:solidFill>
-                      <a:srgbClr val="000000"/>
-                    </a:solidFill>
-                    <a:latin typeface="Cambria Math" panose="02040503050406030204" pitchFamily="18" charset="0"/>
-                  </a:rPr>
-                  <m:t>=</m:t>
-                </m:r>
-                <m:sSub>
-                  <m:e>
-                    <m:r>
-                      <a:rPr xmlns:a="http://schemas.openxmlformats.org/drawingml/2006/main" sz="3700" i="1">
-                        <a:solidFill>
-                          <a:srgbClr val="000000"/>
-                        </a:solidFill>
-                        <a:latin typeface="Cambria Math" panose="02040503050406030204" pitchFamily="18" charset="0"/>
-                      </a:rPr>
-                      <m:t>μ</m:t>
-                    </m:r>
-                  </m:e>
-                  <m:sub>
-                    <m:r>
-                      <a:rPr xmlns:a="http://schemas.openxmlformats.org/drawingml/2006/main" sz="3700" i="1">
-                        <a:solidFill>
-                          <a:srgbClr val="000000"/>
-                        </a:solidFill>
-                        <a:latin typeface="Cambria Math" panose="02040503050406030204" pitchFamily="18" charset="0"/>
-                      </a:rPr>
-                      <m:t>15</m:t>
-                    </m:r>
-                  </m:sub>
-                </m:sSub>
-                <m:r>
-                  <a:rPr xmlns:a="http://schemas.openxmlformats.org/drawingml/2006/main" sz="3700" i="1">
-                    <a:solidFill>
-                      <a:srgbClr val="000000"/>
-                    </a:solidFill>
-                    <a:latin typeface="Cambria Math" panose="02040503050406030204" pitchFamily="18" charset="0"/>
-                  </a:rPr>
-                  <m:t>=</m:t>
-                </m:r>
-                <m:sSub>
-                  <m:e>
-                    <m:r>
-                      <a:rPr xmlns:a="http://schemas.openxmlformats.org/drawingml/2006/main" sz="3700" i="1">
-                        <a:solidFill>
-                          <a:srgbClr val="000000"/>
-                        </a:solidFill>
-                        <a:latin typeface="Cambria Math" panose="02040503050406030204" pitchFamily="18" charset="0"/>
-                      </a:rPr>
-                      <m:t>μ</m:t>
-                    </m:r>
-                  </m:e>
-                  <m:sub>
-                    <m:r>
-                      <a:rPr xmlns:a="http://schemas.openxmlformats.org/drawingml/2006/main" sz="3700" i="1">
-                        <a:solidFill>
-                          <a:srgbClr val="000000"/>
-                        </a:solidFill>
-                        <a:latin typeface="Cambria Math" panose="02040503050406030204" pitchFamily="18" charset="0"/>
-                      </a:rPr>
-                      <m:t>16</m:t>
-                    </m:r>
-                  </m:sub>
-                </m:sSub>
-              </m:oMath>
-            </a14:m>
-            <a:r>
-              <a:t>  ( ne postoji statistički značajna razlika između prosječniog broja otkucaja srca pacijenta za svaku kategoriju srčane aritmije)</a:t>
-            </a:r>
-          </a:p>
-          <a:p>
-            <a:pPr marL="609599" indent="-609599" algn="l">
-              <a:lnSpc>
-                <a:spcPct val="90000"/>
-              </a:lnSpc>
-              <a:spcBef>
-                <a:spcPts val="4500"/>
-              </a:spcBef>
-              <a:buSzPct val="123000"/>
-              <a:buChar char="•"/>
-              <a:defRPr sz="3100">
-                <a:solidFill>
-                  <a:srgbClr val="000000"/>
-                </a:solidFill>
-              </a:defRPr>
-            </a:pPr>
-            <a14:m>
-              <m:oMath>
-                <m:sSub>
-                  <m:e>
-                    <m:r>
-                      <a:rPr xmlns:a="http://schemas.openxmlformats.org/drawingml/2006/main" sz="3700" i="1">
-                        <a:solidFill>
-                          <a:srgbClr val="000000"/>
-                        </a:solidFill>
-                        <a:latin typeface="Cambria Math" panose="02040503050406030204" pitchFamily="18" charset="0"/>
-                      </a:rPr>
-                      <m:t>H</m:t>
-                    </m:r>
-                  </m:e>
-                  <m:sub>
-                    <m:r>
-                      <a:rPr xmlns:a="http://schemas.openxmlformats.org/drawingml/2006/main" sz="3700" i="1">
-                        <a:solidFill>
-                          <a:srgbClr val="000000"/>
-                        </a:solidFill>
-                        <a:latin typeface="Cambria Math" panose="02040503050406030204" pitchFamily="18" charset="0"/>
-                      </a:rPr>
-                      <m:t>1</m:t>
-                    </m:r>
-                  </m:sub>
-                </m:sSub>
-                <m:r>
-                  <a:rPr xmlns:a="http://schemas.openxmlformats.org/drawingml/2006/main" sz="3700" i="1">
-                    <a:solidFill>
-                      <a:srgbClr val="000000"/>
-                    </a:solidFill>
-                    <a:latin typeface="Cambria Math" panose="02040503050406030204" pitchFamily="18" charset="0"/>
-                  </a:rPr>
-                  <m:t>=</m:t>
-                </m:r>
-              </m:oMath>
-            </a14:m>
-            <a:r>
-              <a:t>ne </a:t>
-            </a:r>
-            <a14:m>
-              <m:oMath>
-                <m:sSub>
-                  <m:e>
-                    <m:r>
-                      <a:rPr xmlns:a="http://schemas.openxmlformats.org/drawingml/2006/main" sz="3750" i="1">
-                        <a:solidFill>
-                          <a:srgbClr val="000000"/>
-                        </a:solidFill>
-                        <a:latin typeface="Cambria Math" panose="02040503050406030204" pitchFamily="18" charset="0"/>
-                      </a:rPr>
-                      <m:t>H</m:t>
-                    </m:r>
-                  </m:e>
-                  <m:sub>
-                    <m:r>
-                      <a:rPr xmlns:a="http://schemas.openxmlformats.org/drawingml/2006/main" sz="3750" i="1">
-                        <a:solidFill>
-                          <a:srgbClr val="000000"/>
-                        </a:solidFill>
-                        <a:latin typeface="Cambria Math" panose="02040503050406030204" pitchFamily="18" charset="0"/>
-                      </a:rPr>
-                      <m:t>0</m:t>
-                    </m:r>
-                  </m:sub>
-                </m:sSub>
-              </m:oMath>
-            </a14:m>
-            <a:r>
-              <a:t>, tj. postoji statistički značajna razlika između prosječnog broja otkucaja srca pacijenta za neke kategorije srčane aritmije</a:t>
-            </a:r>
-          </a:p>
-        </p:txBody>
-      </p:sp>
+                  <a:t> </a:t>
+                </a:r>
+              </a:p>
+            </p:txBody>
+          </p:sp>
+        </mc:Fallback>
+      </mc:AlternateContent>
       <p:pic>
         <p:nvPicPr>
           <p:cNvPr id="205" name="bfc9505e-c3c5-473a-9741-de5126ccd809.png" descr="bfc9505e-c3c5-473a-9741-de5126ccd809.png"/>
@@ -5583,9 +6061,7 @@
           <p:nvPr/>
         </p:nvPicPr>
         <p:blipFill>
-          <a:blip r:embed="rId2">
-            <a:extLst/>
-          </a:blip>
+          <a:blip r:embed="rId4"/>
           <a:stretch>
             <a:fillRect/>
           </a:stretch>
@@ -5608,12 +6084,12 @@
   <p:clrMapOvr>
     <a:masterClrMapping/>
   </p:clrMapOvr>
-  <p:transition xmlns:p14="http://schemas.microsoft.com/office/powerpoint/2010/main" spd="med" advClick="1"/>
+  <p:transition spd="med"/>
 </p:sld>
 </file>
 
 <file path=ppt/slides/slide13.xml><?xml version="1.0" encoding="utf-8"?>
-<p:sld xmlns:a="http://schemas.openxmlformats.org/drawingml/2006/main" xmlns:r="http://schemas.openxmlformats.org/officeDocument/2006/relationships" xmlns:p="http://schemas.openxmlformats.org/presentationml/2006/main" xmlns:m="http://schemas.openxmlformats.org/officeDocument/2006/math" xmlns:a14="http://schemas.microsoft.com/office/drawing/2010/main" showMasterSp="1" showMasterPhAnim="1">
+<p:sld xmlns:a="http://schemas.openxmlformats.org/drawingml/2006/main" xmlns:r="http://schemas.openxmlformats.org/officeDocument/2006/relationships" xmlns:p="http://schemas.openxmlformats.org/presentationml/2006/main">
   <p:cSld>
     <p:spTree>
       <p:nvGrpSpPr>
@@ -5632,7 +6108,9 @@
       <p:sp>
         <p:nvSpPr>
           <p:cNvPr id="207" name="Sex and diagnosis"/>
-          <p:cNvSpPr txBox="1"/>
+          <p:cNvSpPr txBox="1">
+            <a:spLocks noGrp="1"/>
+          </p:cNvSpPr>
           <p:nvPr>
             <p:ph type="title"/>
           </p:nvPr>
@@ -5653,11 +6131,10 @@
               <a:lnSpc>
                 <a:spcPct val="100000"/>
               </a:lnSpc>
-              <a:defRPr spc="0" sz="5500"/>
+              <a:defRPr sz="5500" spc="0"/>
             </a:lvl1pPr>
           </a:lstStyle>
           <a:p>
-            <a:pPr/>
             <a:r>
               <a:t>Sex and diagnosis</a:t>
             </a:r>
@@ -5673,9 +6150,7 @@
           <p:nvPr/>
         </p:nvPicPr>
         <p:blipFill>
-          <a:blip r:embed="rId2">
-            <a:extLst/>
-          </a:blip>
+          <a:blip r:embed="rId2"/>
           <a:stretch>
             <a:fillRect/>
           </a:stretch>
@@ -5693,347 +6168,480 @@
           </a:ln>
         </p:spPr>
       </p:pic>
-      <p:sp>
-        <p:nvSpPr>
-          <p:cNvPr id="209" name="ne postoji statistički značajna razlika između maškarca i žena u dijagnozi srčane aritmije…"/>
-          <p:cNvSpPr txBox="1"/>
-          <p:nvPr/>
-        </p:nvSpPr>
-        <p:spPr>
-          <a:xfrm>
-            <a:off x="667389" y="2721298"/>
-            <a:ext cx="26954831" cy="3110793"/>
-          </a:xfrm>
-          <a:prstGeom prst="rect">
-            <a:avLst/>
-          </a:prstGeom>
-          <a:ln w="12700">
-            <a:miter lim="400000"/>
-          </a:ln>
-          <a:extLst>
-            <a:ext uri="{C572A759-6A51-4108-AA02-DFA0A04FC94B}">
-              <ma14:wrappingTextBoxFlag xmlns:ma14="http://schemas.microsoft.com/office/mac/drawingml/2011/main" val="1"/>
-            </a:ext>
-          </a:extLst>
-        </p:spPr>
-        <p:txBody>
-          <a:bodyPr lIns="50800" tIns="50800" rIns="50800" bIns="50800" anchor="ctr">
-            <a:spAutoFit/>
-          </a:bodyPr>
-          <a:lstStyle/>
-          <a:p>
-            <a:pPr marL="609600" indent="-609600" algn="l">
-              <a:lnSpc>
-                <a:spcPct val="90000"/>
-              </a:lnSpc>
-              <a:spcBef>
-                <a:spcPts val="4500"/>
-              </a:spcBef>
-              <a:buSzPct val="123000"/>
-              <a:buChar char="•"/>
-              <a:defRPr sz="3800">
-                <a:solidFill>
-                  <a:srgbClr val="000000"/>
-                </a:solidFill>
-              </a:defRPr>
-            </a:pPr>
-            <a14:m>
-              <m:oMath>
-                <m:sSub>
-                  <m:e>
+      <mc:AlternateContent xmlns:mc="http://schemas.openxmlformats.org/markup-compatibility/2006">
+        <mc:Choice xmlns:a14="http://schemas.microsoft.com/office/drawing/2010/main" Requires="a14">
+          <p:sp>
+            <p:nvSpPr>
+              <p:cNvPr id="209" name="ne postoji statistički značajna razlika između maškarca i žena u dijagnozi srčane aritmije…"/>
+              <p:cNvSpPr txBox="1"/>
+              <p:nvPr/>
+            </p:nvSpPr>
+            <p:spPr>
+              <a:xfrm>
+                <a:off x="667389" y="2721298"/>
+                <a:ext cx="26954831" cy="3110793"/>
+              </a:xfrm>
+              <a:prstGeom prst="rect">
+                <a:avLst/>
+              </a:prstGeom>
+              <a:ln w="12700">
+                <a:miter lim="400000"/>
+              </a:ln>
+              <a:extLst>
+                <a:ext uri="{C572A759-6A51-4108-AA02-DFA0A04FC94B}">
+                  <ma14:wrappingTextBoxFlag xmlns:ma14="http://schemas.microsoft.com/office/mac/drawingml/2011/main" xmlns:m="http://schemas.openxmlformats.org/officeDocument/2006/math" xmlns="" val="1"/>
+                </a:ext>
+              </a:extLst>
+            </p:spPr>
+            <p:txBody>
+              <a:bodyPr lIns="50800" tIns="50800" rIns="50800" bIns="50800" anchor="ctr">
+                <a:spAutoFit/>
+              </a:bodyPr>
+              <a:lstStyle/>
+              <a:p>
+                <a:pPr marL="609600" indent="-609600" algn="l">
+                  <a:lnSpc>
+                    <a:spcPct val="90000"/>
+                  </a:lnSpc>
+                  <a:spcBef>
+                    <a:spcPts val="4500"/>
+                  </a:spcBef>
+                  <a:buSzPct val="123000"/>
+                  <a:buChar char="•"/>
+                  <a:defRPr sz="3800">
+                    <a:solidFill>
+                      <a:srgbClr val="000000"/>
+                    </a:solidFill>
+                  </a:defRPr>
+                </a:pPr>
+                <a14:m>
+                  <m:oMath xmlns:m="http://schemas.openxmlformats.org/officeDocument/2006/math">
+                    <m:sSub>
+                      <m:sSubPr>
+                        <m:ctrlPr>
+                          <a:rPr sz="4800">
+                            <a:solidFill>
+                              <a:srgbClr val="000000"/>
+                            </a:solidFill>
+                            <a:latin typeface="Cambria Math" panose="02040503050406030204" pitchFamily="18" charset="0"/>
+                          </a:rPr>
+                        </m:ctrlPr>
+                      </m:sSubPr>
+                      <m:e>
+                        <m:r>
+                          <a:rPr sz="4800" i="1">
+                            <a:solidFill>
+                              <a:srgbClr val="000000"/>
+                            </a:solidFill>
+                            <a:latin typeface="Cambria Math" panose="02040503050406030204" pitchFamily="18" charset="0"/>
+                          </a:rPr>
+                          <m:t>𝐻</m:t>
+                        </m:r>
+                      </m:e>
+                      <m:sub>
+                        <m:r>
+                          <a:rPr sz="4800" i="1">
+                            <a:solidFill>
+                              <a:srgbClr val="000000"/>
+                            </a:solidFill>
+                            <a:latin typeface="Cambria Math" panose="02040503050406030204" pitchFamily="18" charset="0"/>
+                          </a:rPr>
+                          <m:t>0</m:t>
+                        </m:r>
+                      </m:sub>
+                    </m:sSub>
                     <m:r>
-                      <a:rPr xmlns:a="http://schemas.openxmlformats.org/drawingml/2006/main" sz="4800" i="1">
+                      <a:rPr sz="4800" i="1">
                         <a:solidFill>
                           <a:srgbClr val="000000"/>
                         </a:solidFill>
                         <a:latin typeface="Cambria Math" panose="02040503050406030204" pitchFamily="18" charset="0"/>
                       </a:rPr>
-                      <m:t>H</m:t>
+                      <m:t>:</m:t>
                     </m:r>
-                  </m:e>
-                  <m:sub>
+                  </m:oMath>
+                </a14:m>
+                <a:r>
+                  <a:t> ne postoji statistički značajna razlika između maškarca i žena u dijagnozi srčane aritmije</a:t>
+                </a:r>
+              </a:p>
+              <a:p>
+                <a:pPr marL="609600" indent="-609600" algn="l">
+                  <a:lnSpc>
+                    <a:spcPct val="90000"/>
+                  </a:lnSpc>
+                  <a:spcBef>
+                    <a:spcPts val="4500"/>
+                  </a:spcBef>
+                  <a:buSzPct val="123000"/>
+                  <a:buChar char="•"/>
+                  <a:defRPr sz="3800">
+                    <a:solidFill>
+                      <a:srgbClr val="000000"/>
+                    </a:solidFill>
+                  </a:defRPr>
+                </a:pPr>
+                <a14:m>
+                  <m:oMath xmlns:m="http://schemas.openxmlformats.org/officeDocument/2006/math">
+                    <m:sSub>
+                      <m:sSubPr>
+                        <m:ctrlPr>
+                          <a:rPr sz="4800">
+                            <a:solidFill>
+                              <a:srgbClr val="000000"/>
+                            </a:solidFill>
+                            <a:latin typeface="Cambria Math" panose="02040503050406030204" pitchFamily="18" charset="0"/>
+                          </a:rPr>
+                        </m:ctrlPr>
+                      </m:sSubPr>
+                      <m:e>
+                        <m:r>
+                          <a:rPr sz="4800" i="1">
+                            <a:solidFill>
+                              <a:srgbClr val="000000"/>
+                            </a:solidFill>
+                            <a:latin typeface="Cambria Math" panose="02040503050406030204" pitchFamily="18" charset="0"/>
+                          </a:rPr>
+                          <m:t>𝐻</m:t>
+                        </m:r>
+                      </m:e>
+                      <m:sub>
+                        <m:r>
+                          <a:rPr sz="4800" i="1">
+                            <a:solidFill>
+                              <a:srgbClr val="000000"/>
+                            </a:solidFill>
+                            <a:latin typeface="Cambria Math" panose="02040503050406030204" pitchFamily="18" charset="0"/>
+                          </a:rPr>
+                          <m:t>1</m:t>
+                        </m:r>
+                      </m:sub>
+                    </m:sSub>
                     <m:r>
-                      <a:rPr xmlns:a="http://schemas.openxmlformats.org/drawingml/2006/main" sz="4800" i="1">
+                      <a:rPr sz="4800" i="1">
                         <a:solidFill>
                           <a:srgbClr val="000000"/>
                         </a:solidFill>
                         <a:latin typeface="Cambria Math" panose="02040503050406030204" pitchFamily="18" charset="0"/>
                       </a:rPr>
-                      <m:t>0</m:t>
+                      <m:t>:</m:t>
                     </m:r>
-                  </m:sub>
-                </m:sSub>
-                <m:r>
-                  <a:rPr xmlns:a="http://schemas.openxmlformats.org/drawingml/2006/main" sz="4800" i="1">
+                  </m:oMath>
+                </a14:m>
+                <a:r>
+                  <a:t> postoji statistički značajna razlika između muškarca i žena u dijagnozi srčane aritmije</a:t>
+                </a:r>
+              </a:p>
+            </p:txBody>
+          </p:sp>
+        </mc:Choice>
+        <mc:Fallback>
+          <p:sp>
+            <p:nvSpPr>
+              <p:cNvPr id="209" name="ne postoji statistički značajna razlika između maškarca i žena u dijagnozi srčane aritmije…"/>
+              <p:cNvSpPr txBox="1">
+                <a:spLocks noRot="1" noChangeAspect="1" noMove="1" noResize="1" noEditPoints="1" noAdjustHandles="1" noChangeArrowheads="1" noChangeShapeType="1" noTextEdit="1"/>
+              </p:cNvSpPr>
+              <p:nvPr/>
+            </p:nvSpPr>
+            <p:spPr>
+              <a:xfrm>
+                <a:off x="667389" y="2721298"/>
+                <a:ext cx="26954831" cy="3110793"/>
+              </a:xfrm>
+              <a:prstGeom prst="rect">
+                <a:avLst/>
+              </a:prstGeom>
+              <a:blipFill>
+                <a:blip r:embed="rId3"/>
+                <a:stretch>
+                  <a:fillRect l="-1225"/>
+                </a:stretch>
+              </a:blipFill>
+              <a:ln w="12700">
+                <a:miter lim="400000"/>
+              </a:ln>
+              <a:extLst>
+                <a:ext uri="{C572A759-6A51-4108-AA02-DFA0A04FC94B}">
+                  <ma14:wrappingTextBoxFlag xmlns:ma14="http://schemas.microsoft.com/office/mac/drawingml/2011/main" xmlns:a14="http://schemas.microsoft.com/office/drawing/2010/main" xmlns:m="http://schemas.openxmlformats.org/officeDocument/2006/math" xmlns="" val="1"/>
+                </a:ext>
+              </a:extLst>
+            </p:spPr>
+            <p:txBody>
+              <a:bodyPr/>
+              <a:lstStyle/>
+              <a:p>
+                <a:r>
+                  <a:rPr lang="en-HR">
+                    <a:noFill/>
+                  </a:rPr>
+                  <a:t> </a:t>
+                </a:r>
+              </a:p>
+            </p:txBody>
+          </p:sp>
+        </mc:Fallback>
+      </mc:AlternateContent>
+      <mc:AlternateContent xmlns:mc="http://schemas.openxmlformats.org/markup-compatibility/2006">
+        <mc:Choice xmlns:a14="http://schemas.microsoft.com/office/drawing/2010/main" Requires="a14">
+          <p:sp>
+            <p:nvSpPr>
+              <p:cNvPr id="210" name="-test…"/>
+              <p:cNvSpPr txBox="1"/>
+              <p:nvPr/>
+            </p:nvSpPr>
+            <p:spPr>
+              <a:xfrm>
+                <a:off x="822315" y="6045007"/>
+                <a:ext cx="10502679" cy="2644585"/>
+              </a:xfrm>
+              <a:prstGeom prst="rect">
+                <a:avLst/>
+              </a:prstGeom>
+              <a:ln w="12700">
+                <a:miter lim="400000"/>
+              </a:ln>
+              <a:extLst>
+                <a:ext uri="{C572A759-6A51-4108-AA02-DFA0A04FC94B}">
+                  <ma14:wrappingTextBoxFlag xmlns:ma14="http://schemas.microsoft.com/office/mac/drawingml/2011/main" xmlns:m="http://schemas.openxmlformats.org/officeDocument/2006/math" xmlns="" val="1"/>
+                </a:ext>
+              </a:extLst>
+            </p:spPr>
+            <p:txBody>
+              <a:bodyPr lIns="50800" tIns="50800" rIns="50800" bIns="50800" anchor="ctr">
+                <a:spAutoFit/>
+              </a:bodyPr>
+              <a:lstStyle/>
+              <a:p>
+                <a:pPr marL="609600" indent="-609600" algn="l">
+                  <a:lnSpc>
+                    <a:spcPct val="90000"/>
+                  </a:lnSpc>
+                  <a:spcBef>
+                    <a:spcPts val="4500"/>
+                  </a:spcBef>
+                  <a:buSzPct val="123000"/>
+                  <a:buChar char="•"/>
+                  <a:defRPr sz="3800">
                     <a:solidFill>
                       <a:srgbClr val="000000"/>
                     </a:solidFill>
-                    <a:latin typeface="Cambria Math" panose="02040503050406030204" pitchFamily="18" charset="0"/>
-                  </a:rPr>
-                  <m:t>:</m:t>
-                </m:r>
-              </m:oMath>
-            </a14:m>
-            <a:r>
-              <a:t> ne postoji statistički značajna razlika između maškarca i žena u dijagnozi srčane aritmije</a:t>
-            </a:r>
-          </a:p>
-          <a:p>
-            <a:pPr marL="609600" indent="-609600" algn="l">
-              <a:lnSpc>
-                <a:spcPct val="90000"/>
-              </a:lnSpc>
-              <a:spcBef>
-                <a:spcPts val="4500"/>
-              </a:spcBef>
-              <a:buSzPct val="123000"/>
-              <a:buChar char="•"/>
-              <a:defRPr sz="3800">
-                <a:solidFill>
-                  <a:srgbClr val="000000"/>
-                </a:solidFill>
-              </a:defRPr>
-            </a:pPr>
-            <a14:m>
-              <m:oMath>
-                <m:sSub>
-                  <m:e>
+                  </a:defRPr>
+                </a:pPr>
+                <a14:m>
+                  <m:oMath xmlns:m="http://schemas.openxmlformats.org/officeDocument/2006/math">
+                    <m:sSup>
+                      <m:sSupPr>
+                        <m:ctrlPr>
+                          <a:rPr sz="4150">
+                            <a:solidFill>
+                              <a:srgbClr val="000000"/>
+                            </a:solidFill>
+                            <a:latin typeface="Cambria Math" panose="02040503050406030204" pitchFamily="18" charset="0"/>
+                          </a:rPr>
+                        </m:ctrlPr>
+                      </m:sSupPr>
+                      <m:e>
+                        <m:r>
+                          <a:rPr sz="4150" i="1">
+                            <a:solidFill>
+                              <a:srgbClr val="000000"/>
+                            </a:solidFill>
+                            <a:latin typeface="Cambria Math" panose="02040503050406030204" pitchFamily="18" charset="0"/>
+                          </a:rPr>
+                          <m:t>𝜒</m:t>
+                        </m:r>
+                      </m:e>
+                      <m:sup>
+                        <m:r>
+                          <a:rPr sz="4150" i="1">
+                            <a:solidFill>
+                              <a:srgbClr val="000000"/>
+                            </a:solidFill>
+                            <a:latin typeface="Cambria Math" panose="02040503050406030204" pitchFamily="18" charset="0"/>
+                          </a:rPr>
+                          <m:t>2</m:t>
+                        </m:r>
+                      </m:sup>
+                    </m:sSup>
+                  </m:oMath>
+                </a14:m>
+                <a:r>
+                  <a:t>-test</a:t>
+                </a:r>
+              </a:p>
+              <a:p>
+                <a:pPr marL="609600" indent="-609600" algn="l">
+                  <a:lnSpc>
+                    <a:spcPct val="90000"/>
+                  </a:lnSpc>
+                  <a:spcBef>
+                    <a:spcPts val="4500"/>
+                  </a:spcBef>
+                  <a:buSzPct val="123000"/>
+                  <a:buChar char="•"/>
+                  <a:defRPr sz="3800">
+                    <a:solidFill>
+                      <a:srgbClr val="000000"/>
+                    </a:solidFill>
+                  </a:defRPr>
+                </a:pPr>
+                <a14:m>
+                  <m:oMath xmlns:m="http://schemas.openxmlformats.org/officeDocument/2006/math">
                     <m:r>
-                      <a:rPr xmlns:a="http://schemas.openxmlformats.org/drawingml/2006/main" sz="4800" i="1">
+                      <a:rPr sz="4200" i="1">
                         <a:solidFill>
                           <a:srgbClr val="000000"/>
                         </a:solidFill>
                         <a:latin typeface="Cambria Math" panose="02040503050406030204" pitchFamily="18" charset="0"/>
                       </a:rPr>
-                      <m:t>H</m:t>
+                      <m:t>𝑝</m:t>
                     </m:r>
-                  </m:e>
-                  <m:sub>
+                  </m:oMath>
+                </a14:m>
+                <a:r>
+                  <a:t> vrijednost = </a:t>
+                </a:r>
+                <a14:m>
+                  <m:oMath xmlns:m="http://schemas.openxmlformats.org/officeDocument/2006/math">
                     <m:r>
-                      <a:rPr xmlns:a="http://schemas.openxmlformats.org/drawingml/2006/main" sz="4800" i="1">
+                      <a:rPr sz="4650" i="1">
                         <a:solidFill>
                           <a:srgbClr val="000000"/>
                         </a:solidFill>
                         <a:latin typeface="Cambria Math" panose="02040503050406030204" pitchFamily="18" charset="0"/>
                       </a:rPr>
-                      <m:t>1</m:t>
+                      <m:t>5.34⋅</m:t>
                     </m:r>
-                  </m:sub>
-                </m:sSub>
-                <m:r>
-                  <a:rPr xmlns:a="http://schemas.openxmlformats.org/drawingml/2006/main" sz="4800" i="1">
-                    <a:solidFill>
-                      <a:srgbClr val="000000"/>
-                    </a:solidFill>
-                    <a:latin typeface="Cambria Math" panose="02040503050406030204" pitchFamily="18" charset="0"/>
+                    <m:sSup>
+                      <m:sSupPr>
+                        <m:ctrlPr>
+                          <a:rPr sz="4650" i="1">
+                            <a:solidFill>
+                              <a:srgbClr val="000000"/>
+                            </a:solidFill>
+                            <a:latin typeface="Cambria Math" panose="02040503050406030204" pitchFamily="18" charset="0"/>
+                          </a:rPr>
+                        </m:ctrlPr>
+                      </m:sSupPr>
+                      <m:e>
+                        <m:r>
+                          <a:rPr sz="4650" i="1">
+                            <a:solidFill>
+                              <a:srgbClr val="000000"/>
+                            </a:solidFill>
+                            <a:latin typeface="Cambria Math" panose="02040503050406030204" pitchFamily="18" charset="0"/>
+                          </a:rPr>
+                          <m:t>10</m:t>
+                        </m:r>
+                      </m:e>
+                      <m:sup>
+                        <m:r>
+                          <a:rPr sz="4650" i="1">
+                            <a:solidFill>
+                              <a:srgbClr val="000000"/>
+                            </a:solidFill>
+                            <a:latin typeface="Cambria Math" panose="02040503050406030204" pitchFamily="18" charset="0"/>
+                          </a:rPr>
+                          <m:t>−7</m:t>
+                        </m:r>
+                      </m:sup>
+                    </m:sSup>
+                  </m:oMath>
+                </a14:m>
+                <a:r>
+                  <a:t> &lt; 0.05, odbacujemo  </a:t>
+                </a:r>
+                <a14:m>
+                  <m:oMath xmlns:m="http://schemas.openxmlformats.org/officeDocument/2006/math">
+                    <m:sSub>
+                      <m:sSubPr>
+                        <m:ctrlPr>
+                          <a:rPr sz="4600">
+                            <a:solidFill>
+                              <a:srgbClr val="000000"/>
+                            </a:solidFill>
+                            <a:latin typeface="Cambria Math" panose="02040503050406030204" pitchFamily="18" charset="0"/>
+                          </a:rPr>
+                        </m:ctrlPr>
+                      </m:sSubPr>
+                      <m:e>
+                        <m:r>
+                          <a:rPr sz="4600" i="1">
+                            <a:solidFill>
+                              <a:srgbClr val="000000"/>
+                            </a:solidFill>
+                            <a:latin typeface="Cambria Math" panose="02040503050406030204" pitchFamily="18" charset="0"/>
+                          </a:rPr>
+                          <m:t>𝐻</m:t>
+                        </m:r>
+                      </m:e>
+                      <m:sub>
+                        <m:r>
+                          <a:rPr sz="4600" i="1">
+                            <a:solidFill>
+                              <a:srgbClr val="000000"/>
+                            </a:solidFill>
+                            <a:latin typeface="Cambria Math" panose="02040503050406030204" pitchFamily="18" charset="0"/>
+                          </a:rPr>
+                          <m:t>0</m:t>
+                        </m:r>
+                      </m:sub>
+                    </m:sSub>
+                  </m:oMath>
+                </a14:m>
+                <a:endParaRPr/>
+              </a:p>
+            </p:txBody>
+          </p:sp>
+        </mc:Choice>
+        <mc:Fallback>
+          <p:sp>
+            <p:nvSpPr>
+              <p:cNvPr id="210" name="-test…"/>
+              <p:cNvSpPr txBox="1">
+                <a:spLocks noRot="1" noChangeAspect="1" noMove="1" noResize="1" noEditPoints="1" noAdjustHandles="1" noChangeArrowheads="1" noChangeShapeType="1" noTextEdit="1"/>
+              </p:cNvSpPr>
+              <p:nvPr/>
+            </p:nvSpPr>
+            <p:spPr>
+              <a:xfrm>
+                <a:off x="822315" y="6045007"/>
+                <a:ext cx="10502679" cy="2644585"/>
+              </a:xfrm>
+              <a:prstGeom prst="rect">
+                <a:avLst/>
+              </a:prstGeom>
+              <a:blipFill>
+                <a:blip r:embed="rId4"/>
+                <a:stretch>
+                  <a:fillRect l="-2657" t="-4327" b="-5769"/>
+                </a:stretch>
+              </a:blipFill>
+              <a:ln w="12700">
+                <a:miter lim="400000"/>
+              </a:ln>
+              <a:extLst>
+                <a:ext uri="{C572A759-6A51-4108-AA02-DFA0A04FC94B}">
+                  <ma14:wrappingTextBoxFlag xmlns:ma14="http://schemas.microsoft.com/office/mac/drawingml/2011/main" xmlns:a14="http://schemas.microsoft.com/office/drawing/2010/main" xmlns:m="http://schemas.openxmlformats.org/officeDocument/2006/math" xmlns="" val="1"/>
+                </a:ext>
+              </a:extLst>
+            </p:spPr>
+            <p:txBody>
+              <a:bodyPr/>
+              <a:lstStyle/>
+              <a:p>
+                <a:r>
+                  <a:rPr lang="en-HR">
+                    <a:noFill/>
                   </a:rPr>
-                  <m:t>:</m:t>
-                </m:r>
-              </m:oMath>
-            </a14:m>
-            <a:r>
-              <a:t> postoji statistički značajna razlika između muškarca i žena u dijagnozi srčane aritmije</a:t>
-            </a:r>
-          </a:p>
-        </p:txBody>
-      </p:sp>
-      <p:sp>
-        <p:nvSpPr>
-          <p:cNvPr id="210" name="-test…"/>
-          <p:cNvSpPr txBox="1"/>
-          <p:nvPr/>
-        </p:nvSpPr>
-        <p:spPr>
-          <a:xfrm>
-            <a:off x="822315" y="6045007"/>
-            <a:ext cx="10502679" cy="2644585"/>
-          </a:xfrm>
-          <a:prstGeom prst="rect">
-            <a:avLst/>
-          </a:prstGeom>
-          <a:ln w="12700">
-            <a:miter lim="400000"/>
-          </a:ln>
-          <a:extLst>
-            <a:ext uri="{C572A759-6A51-4108-AA02-DFA0A04FC94B}">
-              <ma14:wrappingTextBoxFlag xmlns:ma14="http://schemas.microsoft.com/office/mac/drawingml/2011/main" val="1"/>
-            </a:ext>
-          </a:extLst>
-        </p:spPr>
-        <p:txBody>
-          <a:bodyPr lIns="50800" tIns="50800" rIns="50800" bIns="50800" anchor="ctr">
-            <a:spAutoFit/>
-          </a:bodyPr>
-          <a:lstStyle/>
-          <a:p>
-            <a:pPr marL="609600" indent="-609600" algn="l">
-              <a:lnSpc>
-                <a:spcPct val="90000"/>
-              </a:lnSpc>
-              <a:spcBef>
-                <a:spcPts val="4500"/>
-              </a:spcBef>
-              <a:buSzPct val="123000"/>
-              <a:buChar char="•"/>
-              <a:defRPr sz="3800">
-                <a:solidFill>
-                  <a:srgbClr val="000000"/>
-                </a:solidFill>
-              </a:defRPr>
-            </a:pPr>
-            <a14:m>
-              <m:oMath>
-                <m:sSup>
-                  <m:e>
-                    <m:r>
-                      <a:rPr xmlns:a="http://schemas.openxmlformats.org/drawingml/2006/main" sz="4150" i="1">
-                        <a:solidFill>
-                          <a:srgbClr val="000000"/>
-                        </a:solidFill>
-                        <a:latin typeface="Cambria Math" panose="02040503050406030204" pitchFamily="18" charset="0"/>
-                      </a:rPr>
-                      <m:t>χ</m:t>
-                    </m:r>
-                  </m:e>
-                  <m:sup>
-                    <m:r>
-                      <a:rPr xmlns:a="http://schemas.openxmlformats.org/drawingml/2006/main" sz="4150" i="1">
-                        <a:solidFill>
-                          <a:srgbClr val="000000"/>
-                        </a:solidFill>
-                        <a:latin typeface="Cambria Math" panose="02040503050406030204" pitchFamily="18" charset="0"/>
-                      </a:rPr>
-                      <m:t>2</m:t>
-                    </m:r>
-                  </m:sup>
-                </m:sSup>
-              </m:oMath>
-            </a14:m>
-            <a:r>
-              <a:t>-test</a:t>
-            </a:r>
-          </a:p>
-          <a:p>
-            <a:pPr marL="609600" indent="-609600" algn="l">
-              <a:lnSpc>
-                <a:spcPct val="90000"/>
-              </a:lnSpc>
-              <a:spcBef>
-                <a:spcPts val="4500"/>
-              </a:spcBef>
-              <a:buSzPct val="123000"/>
-              <a:buChar char="•"/>
-              <a:defRPr sz="3800">
-                <a:solidFill>
-                  <a:srgbClr val="000000"/>
-                </a:solidFill>
-              </a:defRPr>
-            </a:pPr>
-            <a14:m>
-              <m:oMath>
-                <m:r>
-                  <a:rPr xmlns:a="http://schemas.openxmlformats.org/drawingml/2006/main" sz="4200" i="1">
-                    <a:solidFill>
-                      <a:srgbClr val="000000"/>
-                    </a:solidFill>
-                    <a:latin typeface="Cambria Math" panose="02040503050406030204" pitchFamily="18" charset="0"/>
-                  </a:rPr>
-                  <m:t>p</m:t>
-                </m:r>
-              </m:oMath>
-            </a14:m>
-            <a:r>
-              <a:t> vrijednost = </a:t>
-            </a:r>
-            <a14:m>
-              <m:oMath>
-                <m:r>
-                  <a:rPr xmlns:a="http://schemas.openxmlformats.org/drawingml/2006/main" sz="4650" i="1">
-                    <a:solidFill>
-                      <a:srgbClr val="000000"/>
-                    </a:solidFill>
-                    <a:latin typeface="Cambria Math" panose="02040503050406030204" pitchFamily="18" charset="0"/>
-                  </a:rPr>
-                  <m:t>5.34</m:t>
-                </m:r>
-                <m:r>
-                  <a:rPr xmlns:a="http://schemas.openxmlformats.org/drawingml/2006/main" sz="4650" i="1">
-                    <a:solidFill>
-                      <a:srgbClr val="000000"/>
-                    </a:solidFill>
-                    <a:latin typeface="Cambria Math" panose="02040503050406030204" pitchFamily="18" charset="0"/>
-                  </a:rPr>
-                  <m:t>⋅</m:t>
-                </m:r>
-                <m:sSup>
-                  <m:e>
-                    <m:r>
-                      <a:rPr xmlns:a="http://schemas.openxmlformats.org/drawingml/2006/main" sz="4650" i="1">
-                        <a:solidFill>
-                          <a:srgbClr val="000000"/>
-                        </a:solidFill>
-                        <a:latin typeface="Cambria Math" panose="02040503050406030204" pitchFamily="18" charset="0"/>
-                      </a:rPr>
-                      <m:t>10</m:t>
-                    </m:r>
-                  </m:e>
-                  <m:sup>
-                    <m:r>
-                      <a:rPr xmlns:a="http://schemas.openxmlformats.org/drawingml/2006/main" sz="4650" i="1">
-                        <a:solidFill>
-                          <a:srgbClr val="000000"/>
-                        </a:solidFill>
-                        <a:latin typeface="Cambria Math" panose="02040503050406030204" pitchFamily="18" charset="0"/>
-                      </a:rPr>
-                      <m:t>-</m:t>
-                    </m:r>
-                    <m:r>
-                      <a:rPr xmlns:a="http://schemas.openxmlformats.org/drawingml/2006/main" sz="4650" i="1">
-                        <a:solidFill>
-                          <a:srgbClr val="000000"/>
-                        </a:solidFill>
-                        <a:latin typeface="Cambria Math" panose="02040503050406030204" pitchFamily="18" charset="0"/>
-                      </a:rPr>
-                      <m:t>7</m:t>
-                    </m:r>
-                  </m:sup>
-                </m:sSup>
-              </m:oMath>
-            </a14:m>
-            <a:r>
-              <a:t> &lt; 0.05, odbacujemo  </a:t>
-            </a:r>
-            <a14:m>
-              <m:oMath>
-                <m:sSub>
-                  <m:e>
-                    <m:r>
-                      <a:rPr xmlns:a="http://schemas.openxmlformats.org/drawingml/2006/main" sz="4600" i="1">
-                        <a:solidFill>
-                          <a:srgbClr val="000000"/>
-                        </a:solidFill>
-                        <a:latin typeface="Cambria Math" panose="02040503050406030204" pitchFamily="18" charset="0"/>
-                      </a:rPr>
-                      <m:t>H</m:t>
-                    </m:r>
-                  </m:e>
-                  <m:sub>
-                    <m:r>
-                      <a:rPr xmlns:a="http://schemas.openxmlformats.org/drawingml/2006/main" sz="4600" i="1">
-                        <a:solidFill>
-                          <a:srgbClr val="000000"/>
-                        </a:solidFill>
-                        <a:latin typeface="Cambria Math" panose="02040503050406030204" pitchFamily="18" charset="0"/>
-                      </a:rPr>
-                      <m:t>0</m:t>
-                    </m:r>
-                  </m:sub>
-                </m:sSub>
-              </m:oMath>
-            </a14:m>
-          </a:p>
-        </p:txBody>
-      </p:sp>
+                  <a:t> </a:t>
+                </a:r>
+              </a:p>
+            </p:txBody>
+          </p:sp>
+        </mc:Fallback>
+      </mc:AlternateContent>
       <p:pic>
         <p:nvPicPr>
           <p:cNvPr id="211" name="Slika zaslona 2022-01-09 u 11.49.46.png" descr="Slika zaslona 2022-01-09 u 11.49.46.png"/>
@@ -6043,10 +6651,8 @@
           <p:nvPr/>
         </p:nvPicPr>
         <p:blipFill>
-          <a:blip r:embed="rId3">
-            <a:extLst/>
-          </a:blip>
-          <a:srcRect l="0" t="0" r="1551" b="0"/>
+          <a:blip r:embed="rId5"/>
+          <a:srcRect r="1551"/>
           <a:stretch>
             <a:fillRect/>
           </a:stretch>
@@ -6083,7 +6689,7 @@
           </a:ln>
           <a:extLst>
             <a:ext uri="{C572A759-6A51-4108-AA02-DFA0A04FC94B}">
-              <ma14:wrappingTextBoxFlag xmlns:ma14="http://schemas.microsoft.com/office/mac/drawingml/2011/main" val="1"/>
+              <ma14:wrappingTextBoxFlag xmlns:ma14="http://schemas.microsoft.com/office/mac/drawingml/2011/main" xmlns:a14="http://schemas.microsoft.com/office/drawing/2010/main" xmlns:m="http://schemas.openxmlformats.org/officeDocument/2006/math" xmlns="" val="1"/>
             </a:ext>
           </a:extLst>
         </p:spPr>
@@ -6109,7 +6715,6 @@
             </a:lvl1pPr>
           </a:lstStyle>
           <a:p>
-            <a:pPr/>
             <a:r>
               <a:t>Cramerov koefcijent: 0.341 -&gt; srednja razina povezanosti </a:t>
             </a:r>
@@ -6121,12 +6726,12 @@
   <p:clrMapOvr>
     <a:masterClrMapping/>
   </p:clrMapOvr>
-  <p:transition xmlns:p14="http://schemas.microsoft.com/office/powerpoint/2010/main" spd="med" advClick="1"/>
+  <p:transition spd="med"/>
 </p:sld>
 </file>
 
 <file path=ppt/slides/slide14.xml><?xml version="1.0" encoding="utf-8"?>
-<p:sld xmlns:a="http://schemas.openxmlformats.org/drawingml/2006/main" xmlns:r="http://schemas.openxmlformats.org/officeDocument/2006/relationships" xmlns:p="http://schemas.openxmlformats.org/presentationml/2006/main" xmlns:m="http://schemas.openxmlformats.org/officeDocument/2006/math" xmlns:a14="http://schemas.microsoft.com/office/drawing/2010/main" showMasterSp="1" showMasterPhAnim="1">
+<p:sld xmlns:a="http://schemas.openxmlformats.org/drawingml/2006/main" xmlns:r="http://schemas.openxmlformats.org/officeDocument/2006/relationships" xmlns:p="http://schemas.openxmlformats.org/presentationml/2006/main">
   <p:cSld>
     <p:spTree>
       <p:nvGrpSpPr>
@@ -6145,7 +6750,9 @@
       <p:sp>
         <p:nvSpPr>
           <p:cNvPr id="214" name="Oversampling"/>
-          <p:cNvSpPr txBox="1"/>
+          <p:cNvSpPr txBox="1">
+            <a:spLocks noGrp="1"/>
+          </p:cNvSpPr>
           <p:nvPr>
             <p:ph type="body" idx="21"/>
           </p:nvPr>
@@ -6160,7 +6767,7 @@
           </a:prstGeom>
           <a:extLst>
             <a:ext uri="{C572A759-6A51-4108-AA02-DFA0A04FC94B}">
-              <ma14:wrappingTextBoxFlag xmlns:ma14="http://schemas.microsoft.com/office/mac/drawingml/2011/main" val="1"/>
+              <ma14:wrappingTextBoxFlag xmlns:ma14="http://schemas.microsoft.com/office/mac/drawingml/2011/main" xmlns:a14="http://schemas.microsoft.com/office/drawing/2010/main" xmlns:m="http://schemas.openxmlformats.org/officeDocument/2006/math" xmlns="" val="1"/>
             </a:ext>
           </a:extLst>
         </p:spPr>
@@ -6171,11 +6778,10 @@
               <a:lnSpc>
                 <a:spcPct val="80000"/>
               </a:lnSpc>
-              <a:defRPr spc="-141" sz="7050"/>
+              <a:defRPr sz="7050" spc="-141"/>
             </a:lvl1pPr>
           </a:lstStyle>
           <a:p>
-            <a:pPr/>
             <a:r>
               <a:t>Oversampling</a:t>
             </a:r>
@@ -6187,12 +6793,12 @@
   <p:clrMapOvr>
     <a:masterClrMapping/>
   </p:clrMapOvr>
-  <p:transition xmlns:p14="http://schemas.microsoft.com/office/powerpoint/2010/main" spd="med" advClick="1"/>
+  <p:transition spd="med"/>
 </p:sld>
 </file>
 
 <file path=ppt/slides/slide15.xml><?xml version="1.0" encoding="utf-8"?>
-<p:sld xmlns:a="http://schemas.openxmlformats.org/drawingml/2006/main" xmlns:r="http://schemas.openxmlformats.org/officeDocument/2006/relationships" xmlns:p="http://schemas.openxmlformats.org/presentationml/2006/main" xmlns:m="http://schemas.openxmlformats.org/officeDocument/2006/math" xmlns:a14="http://schemas.microsoft.com/office/drawing/2010/main" showMasterSp="1" showMasterPhAnim="1">
+<p:sld xmlns:a="http://schemas.openxmlformats.org/drawingml/2006/main" xmlns:r="http://schemas.openxmlformats.org/officeDocument/2006/relationships" xmlns:p="http://schemas.openxmlformats.org/presentationml/2006/main">
   <p:cSld>
     <p:spTree>
       <p:nvGrpSpPr>
@@ -6211,7 +6817,9 @@
       <p:sp>
         <p:nvSpPr>
           <p:cNvPr id="216" name="Danger - unbalanced classes !"/>
-          <p:cNvSpPr txBox="1"/>
+          <p:cNvSpPr txBox="1">
+            <a:spLocks noGrp="1"/>
+          </p:cNvSpPr>
           <p:nvPr>
             <p:ph type="title"/>
           </p:nvPr>
@@ -6232,11 +6840,10 @@
               <a:lnSpc>
                 <a:spcPct val="100000"/>
               </a:lnSpc>
-              <a:defRPr spc="0" sz="5500"/>
+              <a:defRPr sz="5500" spc="0"/>
             </a:lvl1pPr>
           </a:lstStyle>
           <a:p>
-            <a:pPr/>
             <a:r>
               <a:t>Danger - unbalanced classes !</a:t>
             </a:r>
@@ -6252,9 +6859,7 @@
           <p:nvPr/>
         </p:nvPicPr>
         <p:blipFill>
-          <a:blip r:embed="rId2">
-            <a:extLst/>
-          </a:blip>
+          <a:blip r:embed="rId2"/>
           <a:stretch>
             <a:fillRect/>
           </a:stretch>
@@ -6277,12 +6882,12 @@
   <p:clrMapOvr>
     <a:masterClrMapping/>
   </p:clrMapOvr>
-  <p:transition xmlns:p14="http://schemas.microsoft.com/office/powerpoint/2010/main" spd="med" advClick="1"/>
+  <p:transition spd="med"/>
 </p:sld>
 </file>
 
 <file path=ppt/slides/slide16.xml><?xml version="1.0" encoding="utf-8"?>
-<p:sld xmlns:a="http://schemas.openxmlformats.org/drawingml/2006/main" xmlns:r="http://schemas.openxmlformats.org/officeDocument/2006/relationships" xmlns:p="http://schemas.openxmlformats.org/presentationml/2006/main" xmlns:m="http://schemas.openxmlformats.org/officeDocument/2006/math" xmlns:a14="http://schemas.microsoft.com/office/drawing/2010/main" showMasterSp="1" showMasterPhAnim="1">
+<p:sld xmlns:a="http://schemas.openxmlformats.org/drawingml/2006/main" xmlns:r="http://schemas.openxmlformats.org/officeDocument/2006/relationships" xmlns:p="http://schemas.openxmlformats.org/presentationml/2006/main">
   <p:cSld>
     <p:spTree>
       <p:nvGrpSpPr>
@@ -6301,7 +6906,9 @@
       <p:sp>
         <p:nvSpPr>
           <p:cNvPr id="219" name="Model upgrade"/>
-          <p:cNvSpPr txBox="1"/>
+          <p:cNvSpPr txBox="1">
+            <a:spLocks noGrp="1"/>
+          </p:cNvSpPr>
           <p:nvPr>
             <p:ph type="body" idx="21"/>
           </p:nvPr>
@@ -6316,7 +6923,7 @@
           </a:prstGeom>
           <a:extLst>
             <a:ext uri="{C572A759-6A51-4108-AA02-DFA0A04FC94B}">
-              <ma14:wrappingTextBoxFlag xmlns:ma14="http://schemas.microsoft.com/office/mac/drawingml/2011/main" val="1"/>
+              <ma14:wrappingTextBoxFlag xmlns:ma14="http://schemas.microsoft.com/office/mac/drawingml/2011/main" xmlns:a14="http://schemas.microsoft.com/office/drawing/2010/main" xmlns:m="http://schemas.openxmlformats.org/officeDocument/2006/math" xmlns="" val="1"/>
             </a:ext>
           </a:extLst>
         </p:spPr>
@@ -6327,11 +6934,10 @@
               <a:lnSpc>
                 <a:spcPct val="80000"/>
               </a:lnSpc>
-              <a:defRPr spc="-141" sz="7050"/>
+              <a:defRPr sz="7050" spc="-141"/>
             </a:lvl1pPr>
           </a:lstStyle>
           <a:p>
-            <a:pPr/>
             <a:r>
               <a:t>Model upgrade</a:t>
             </a:r>
@@ -6343,12 +6949,12 @@
   <p:clrMapOvr>
     <a:masterClrMapping/>
   </p:clrMapOvr>
-  <p:transition xmlns:p14="http://schemas.microsoft.com/office/powerpoint/2010/main" spd="med" advClick="1"/>
+  <p:transition spd="med"/>
 </p:sld>
 </file>
 
 <file path=ppt/slides/slide17.xml><?xml version="1.0" encoding="utf-8"?>
-<p:sld xmlns:a="http://schemas.openxmlformats.org/drawingml/2006/main" xmlns:r="http://schemas.openxmlformats.org/officeDocument/2006/relationships" xmlns:p="http://schemas.openxmlformats.org/presentationml/2006/main" xmlns:m="http://schemas.openxmlformats.org/officeDocument/2006/math" xmlns:a14="http://schemas.microsoft.com/office/drawing/2010/main" showMasterSp="1" showMasterPhAnim="1">
+<p:sld xmlns:a="http://schemas.openxmlformats.org/drawingml/2006/main" xmlns:r="http://schemas.openxmlformats.org/officeDocument/2006/relationships" xmlns:p="http://schemas.openxmlformats.org/presentationml/2006/main">
   <p:cSld>
     <p:spTree>
       <p:nvGrpSpPr>
@@ -6373,10 +6979,8 @@
           <p:nvPr/>
         </p:nvPicPr>
         <p:blipFill>
-          <a:blip r:embed="rId2">
-            <a:extLst/>
-          </a:blip>
-          <a:srcRect l="0" t="0" r="2034" b="0"/>
+          <a:blip r:embed="rId2"/>
+          <a:srcRect r="2034"/>
           <a:stretch>
             <a:fillRect/>
           </a:stretch>
@@ -6403,10 +7007,8 @@
           <p:nvPr/>
         </p:nvPicPr>
         <p:blipFill>
-          <a:blip r:embed="rId3">
-            <a:extLst/>
-          </a:blip>
-          <a:srcRect l="0" t="0" r="3284" b="0"/>
+          <a:blip r:embed="rId3"/>
+          <a:srcRect r="3284"/>
           <a:stretch>
             <a:fillRect/>
           </a:stretch>
@@ -6429,12 +7031,12 @@
   <p:clrMapOvr>
     <a:masterClrMapping/>
   </p:clrMapOvr>
-  <p:transition xmlns:p14="http://schemas.microsoft.com/office/powerpoint/2010/main" spd="med" advClick="1"/>
+  <p:transition spd="med"/>
 </p:sld>
 </file>
 
 <file path=ppt/slides/slide2.xml><?xml version="1.0" encoding="utf-8"?>
-<p:sld xmlns:a="http://schemas.openxmlformats.org/drawingml/2006/main" xmlns:r="http://schemas.openxmlformats.org/officeDocument/2006/relationships" xmlns:p="http://schemas.openxmlformats.org/presentationml/2006/main" xmlns:m="http://schemas.openxmlformats.org/officeDocument/2006/math" xmlns:a14="http://schemas.microsoft.com/office/drawing/2010/main" showMasterSp="1" showMasterPhAnim="1">
+<p:sld xmlns:a="http://schemas.openxmlformats.org/drawingml/2006/main" xmlns:r="http://schemas.openxmlformats.org/officeDocument/2006/relationships" xmlns:p="http://schemas.openxmlformats.org/presentationml/2006/main">
   <p:cSld>
     <p:spTree>
       <p:nvGrpSpPr>
@@ -6453,7 +7055,9 @@
       <p:sp>
         <p:nvSpPr>
           <p:cNvPr id="155" name="Data survey"/>
-          <p:cNvSpPr txBox="1"/>
+          <p:cNvSpPr txBox="1">
+            <a:spLocks noGrp="1"/>
+          </p:cNvSpPr>
           <p:nvPr>
             <p:ph type="title"/>
           </p:nvPr>
@@ -6474,11 +7078,10 @@
               <a:lnSpc>
                 <a:spcPct val="100000"/>
               </a:lnSpc>
-              <a:defRPr spc="0" sz="5500"/>
+              <a:defRPr sz="5500" spc="0"/>
             </a:lvl1pPr>
           </a:lstStyle>
           <a:p>
-            <a:pPr/>
             <a:r>
               <a:t>Data survey</a:t>
             </a:r>
@@ -6494,9 +7097,7 @@
           <p:nvPr/>
         </p:nvPicPr>
         <p:blipFill>
-          <a:blip r:embed="rId2">
-            <a:extLst/>
-          </a:blip>
+          <a:blip r:embed="rId2"/>
           <a:stretch>
             <a:fillRect/>
           </a:stretch>
@@ -6523,9 +7124,7 @@
           <p:nvPr/>
         </p:nvPicPr>
         <p:blipFill>
-          <a:blip r:embed="rId3">
-            <a:extLst/>
-          </a:blip>
+          <a:blip r:embed="rId3"/>
           <a:stretch>
             <a:fillRect/>
           </a:stretch>
@@ -6552,9 +7151,7 @@
           <p:nvPr/>
         </p:nvPicPr>
         <p:blipFill>
-          <a:blip r:embed="rId4">
-            <a:extLst/>
-          </a:blip>
+          <a:blip r:embed="rId4"/>
           <a:stretch>
             <a:fillRect/>
           </a:stretch>
@@ -6591,7 +7188,7 @@
           </a:ln>
           <a:extLst>
             <a:ext uri="{C572A759-6A51-4108-AA02-DFA0A04FC94B}">
-              <ma14:wrappingTextBoxFlag xmlns:ma14="http://schemas.microsoft.com/office/mac/drawingml/2011/main" val="1"/>
+              <ma14:wrappingTextBoxFlag xmlns:ma14="http://schemas.microsoft.com/office/mac/drawingml/2011/main" xmlns:a14="http://schemas.microsoft.com/office/drawing/2010/main" xmlns:m="http://schemas.openxmlformats.org/officeDocument/2006/math" xmlns="" val="1"/>
             </a:ext>
           </a:extLst>
         </p:spPr>
@@ -6635,12 +7232,12 @@
   <p:clrMapOvr>
     <a:masterClrMapping/>
   </p:clrMapOvr>
-  <p:transition xmlns:p14="http://schemas.microsoft.com/office/powerpoint/2010/main" spd="med" advClick="1"/>
+  <p:transition spd="med"/>
 </p:sld>
 </file>
 
 <file path=ppt/slides/slide3.xml><?xml version="1.0" encoding="utf-8"?>
-<p:sld xmlns:a="http://schemas.openxmlformats.org/drawingml/2006/main" xmlns:r="http://schemas.openxmlformats.org/officeDocument/2006/relationships" xmlns:p="http://schemas.openxmlformats.org/presentationml/2006/main" xmlns:m="http://schemas.openxmlformats.org/officeDocument/2006/math" xmlns:a14="http://schemas.microsoft.com/office/drawing/2010/main" showMasterSp="1" showMasterPhAnim="1">
+<p:sld xmlns:a="http://schemas.openxmlformats.org/drawingml/2006/main" xmlns:r="http://schemas.openxmlformats.org/officeDocument/2006/relationships" xmlns:p="http://schemas.openxmlformats.org/presentationml/2006/main">
   <p:cSld>
     <p:spTree>
       <p:nvGrpSpPr>
@@ -6659,7 +7256,9 @@
       <p:sp>
         <p:nvSpPr>
           <p:cNvPr id="161" name="Principal Component Analysis"/>
-          <p:cNvSpPr txBox="1"/>
+          <p:cNvSpPr txBox="1">
+            <a:spLocks noGrp="1"/>
+          </p:cNvSpPr>
           <p:nvPr>
             <p:ph type="title"/>
           </p:nvPr>
@@ -6680,11 +7279,10 @@
               <a:lnSpc>
                 <a:spcPct val="100000"/>
               </a:lnSpc>
-              <a:defRPr spc="0" sz="5500"/>
+              <a:defRPr sz="5500" spc="0"/>
             </a:lvl1pPr>
           </a:lstStyle>
           <a:p>
-            <a:pPr/>
             <a:r>
               <a:t>Principal Component Analysis</a:t>
             </a:r>
@@ -6701,9 +7299,7 @@
           <p:nvPr/>
         </p:nvPicPr>
         <p:blipFill>
-          <a:blip r:embed="rId2">
-            <a:extLst/>
-          </a:blip>
+          <a:blip r:embed="rId2"/>
           <a:stretch>
             <a:fillRect/>
           </a:stretch>
@@ -6730,9 +7326,7 @@
           <p:nvPr/>
         </p:nvPicPr>
         <p:blipFill>
-          <a:blip r:embed="rId3">
-            <a:extLst/>
-          </a:blip>
+          <a:blip r:embed="rId3"/>
           <a:stretch>
             <a:fillRect/>
           </a:stretch>
@@ -6755,12 +7349,12 @@
   <p:clrMapOvr>
     <a:masterClrMapping/>
   </p:clrMapOvr>
-  <p:transition xmlns:p14="http://schemas.microsoft.com/office/powerpoint/2010/main" spd="med" advClick="1"/>
+  <p:transition spd="med"/>
 </p:sld>
 </file>
 
 <file path=ppt/slides/slide4.xml><?xml version="1.0" encoding="utf-8"?>
-<p:sld xmlns:a="http://schemas.openxmlformats.org/drawingml/2006/main" xmlns:r="http://schemas.openxmlformats.org/officeDocument/2006/relationships" xmlns:p="http://schemas.openxmlformats.org/presentationml/2006/main" xmlns:m="http://schemas.openxmlformats.org/officeDocument/2006/math" xmlns:a14="http://schemas.microsoft.com/office/drawing/2010/main" showMasterSp="1" showMasterPhAnim="1">
+<p:sld xmlns:a="http://schemas.openxmlformats.org/drawingml/2006/main" xmlns:r="http://schemas.openxmlformats.org/officeDocument/2006/relationships" xmlns:p="http://schemas.openxmlformats.org/presentationml/2006/main">
   <p:cSld>
     <p:spTree>
       <p:nvGrpSpPr>
@@ -6779,7 +7373,9 @@
       <p:sp>
         <p:nvSpPr>
           <p:cNvPr id="165" name="Classification algorithms - Grid Search"/>
-          <p:cNvSpPr txBox="1"/>
+          <p:cNvSpPr txBox="1">
+            <a:spLocks noGrp="1"/>
+          </p:cNvSpPr>
           <p:nvPr>
             <p:ph type="title"/>
           </p:nvPr>
@@ -6800,11 +7396,10 @@
               <a:lnSpc>
                 <a:spcPct val="100000"/>
               </a:lnSpc>
-              <a:defRPr spc="0" sz="5225"/>
+              <a:defRPr sz="5225" spc="0"/>
             </a:lvl1pPr>
           </a:lstStyle>
           <a:p>
-            <a:pPr/>
             <a:r>
               <a:t>Classification algorithms - Grid Search</a:t>
             </a:r>
@@ -6820,9 +7415,7 @@
           <p:nvPr/>
         </p:nvPicPr>
         <p:blipFill>
-          <a:blip r:embed="rId2">
-            <a:extLst/>
-          </a:blip>
+          <a:blip r:embed="rId2"/>
           <a:stretch>
             <a:fillRect/>
           </a:stretch>
@@ -6849,9 +7442,7 @@
           <p:nvPr/>
         </p:nvPicPr>
         <p:blipFill>
-          <a:blip r:embed="rId3">
-            <a:extLst/>
-          </a:blip>
+          <a:blip r:embed="rId3"/>
           <a:stretch>
             <a:fillRect/>
           </a:stretch>
@@ -6878,9 +7469,7 @@
           <p:nvPr/>
         </p:nvPicPr>
         <p:blipFill>
-          <a:blip r:embed="rId4">
-            <a:extLst/>
-          </a:blip>
+          <a:blip r:embed="rId4"/>
           <a:stretch>
             <a:fillRect/>
           </a:stretch>
@@ -6907,9 +7496,7 @@
           <p:nvPr/>
         </p:nvPicPr>
         <p:blipFill>
-          <a:blip r:embed="rId5">
-            <a:extLst/>
-          </a:blip>
+          <a:blip r:embed="rId5"/>
           <a:stretch>
             <a:fillRect/>
           </a:stretch>
@@ -6932,12 +7519,12 @@
   <p:clrMapOvr>
     <a:masterClrMapping/>
   </p:clrMapOvr>
-  <p:transition xmlns:p14="http://schemas.microsoft.com/office/powerpoint/2010/main" spd="med" advClick="1"/>
+  <p:transition spd="med"/>
 </p:sld>
 </file>
 
 <file path=ppt/slides/slide5.xml><?xml version="1.0" encoding="utf-8"?>
-<p:sld xmlns:a="http://schemas.openxmlformats.org/drawingml/2006/main" xmlns:r="http://schemas.openxmlformats.org/officeDocument/2006/relationships" xmlns:p="http://schemas.openxmlformats.org/presentationml/2006/main" xmlns:m="http://schemas.openxmlformats.org/officeDocument/2006/math" xmlns:a14="http://schemas.microsoft.com/office/drawing/2010/main" showMasterSp="1" showMasterPhAnim="1">
+<p:sld xmlns:a="http://schemas.openxmlformats.org/drawingml/2006/main" xmlns:r="http://schemas.openxmlformats.org/officeDocument/2006/relationships" xmlns:p="http://schemas.openxmlformats.org/presentationml/2006/main">
   <p:cSld>
     <p:spTree>
       <p:nvGrpSpPr>
@@ -6956,7 +7543,9 @@
       <p:sp>
         <p:nvSpPr>
           <p:cNvPr id="171" name="RESEARCH EXPANSION"/>
-          <p:cNvSpPr txBox="1"/>
+          <p:cNvSpPr txBox="1">
+            <a:spLocks noGrp="1"/>
+          </p:cNvSpPr>
           <p:nvPr>
             <p:ph type="title"/>
           </p:nvPr>
@@ -6974,7 +7563,6 @@
           <a:bodyPr/>
           <a:lstStyle/>
           <a:p>
-            <a:pPr/>
             <a:r>
               <a:t>RESEARCH EXPANSION</a:t>
             </a:r>
@@ -6986,12 +7574,12 @@
   <p:clrMapOvr>
     <a:masterClrMapping/>
   </p:clrMapOvr>
-  <p:transition xmlns:p14="http://schemas.microsoft.com/office/powerpoint/2010/main" spd="med" advClick="1"/>
+  <p:transition spd="med"/>
 </p:sld>
 </file>
 
 <file path=ppt/slides/slide6.xml><?xml version="1.0" encoding="utf-8"?>
-<p:sld xmlns:a="http://schemas.openxmlformats.org/drawingml/2006/main" xmlns:r="http://schemas.openxmlformats.org/officeDocument/2006/relationships" xmlns:p="http://schemas.openxmlformats.org/presentationml/2006/main" xmlns:m="http://schemas.openxmlformats.org/officeDocument/2006/math" xmlns:a14="http://schemas.microsoft.com/office/drawing/2010/main" showMasterSp="1" showMasterPhAnim="1">
+<p:sld xmlns:a="http://schemas.openxmlformats.org/drawingml/2006/main" xmlns:r="http://schemas.openxmlformats.org/officeDocument/2006/relationships" xmlns:p="http://schemas.openxmlformats.org/presentationml/2006/main">
   <p:cSld>
     <p:spTree>
       <p:nvGrpSpPr>
@@ -7010,7 +7598,9 @@
       <p:sp>
         <p:nvSpPr>
           <p:cNvPr id="173" name="Statistical analysis"/>
-          <p:cNvSpPr txBox="1"/>
+          <p:cNvSpPr txBox="1">
+            <a:spLocks noGrp="1"/>
+          </p:cNvSpPr>
           <p:nvPr>
             <p:ph type="body" idx="21"/>
           </p:nvPr>
@@ -7025,7 +7615,7 @@
           </a:prstGeom>
           <a:extLst>
             <a:ext uri="{C572A759-6A51-4108-AA02-DFA0A04FC94B}">
-              <ma14:wrappingTextBoxFlag xmlns:ma14="http://schemas.microsoft.com/office/mac/drawingml/2011/main" val="1"/>
+              <ma14:wrappingTextBoxFlag xmlns:ma14="http://schemas.microsoft.com/office/mac/drawingml/2011/main" xmlns:a14="http://schemas.microsoft.com/office/drawing/2010/main" xmlns:m="http://schemas.openxmlformats.org/officeDocument/2006/math" xmlns="" val="1"/>
             </a:ext>
           </a:extLst>
         </p:spPr>
@@ -7036,11 +7626,10 @@
               <a:lnSpc>
                 <a:spcPct val="80000"/>
               </a:lnSpc>
-              <a:defRPr spc="-141" sz="7050"/>
+              <a:defRPr sz="7050" spc="-141"/>
             </a:lvl1pPr>
           </a:lstStyle>
           <a:p>
-            <a:pPr/>
             <a:r>
               <a:t>Statistical analysis</a:t>
             </a:r>
@@ -7052,12 +7641,12 @@
   <p:clrMapOvr>
     <a:masterClrMapping/>
   </p:clrMapOvr>
-  <p:transition xmlns:p14="http://schemas.microsoft.com/office/powerpoint/2010/main" spd="med" advClick="1"/>
+  <p:transition spd="med"/>
 </p:sld>
 </file>
 
 <file path=ppt/slides/slide7.xml><?xml version="1.0" encoding="utf-8"?>
-<p:sld xmlns:a="http://schemas.openxmlformats.org/drawingml/2006/main" xmlns:r="http://schemas.openxmlformats.org/officeDocument/2006/relationships" xmlns:p="http://schemas.openxmlformats.org/presentationml/2006/main" xmlns:m="http://schemas.openxmlformats.org/officeDocument/2006/math" xmlns:a14="http://schemas.microsoft.com/office/drawing/2010/main" showMasterSp="1" showMasterPhAnim="1">
+<p:sld xmlns:a="http://schemas.openxmlformats.org/drawingml/2006/main" xmlns:r="http://schemas.openxmlformats.org/officeDocument/2006/relationships" xmlns:p="http://schemas.openxmlformats.org/presentationml/2006/main">
   <p:cSld>
     <p:spTree>
       <p:nvGrpSpPr>
@@ -7082,9 +7671,7 @@
           <p:nvPr/>
         </p:nvPicPr>
         <p:blipFill>
-          <a:blip r:embed="rId2">
-            <a:extLst/>
-          </a:blip>
+          <a:blip r:embed="rId2"/>
           <a:stretch>
             <a:fillRect/>
           </a:stretch>
@@ -7111,9 +7698,7 @@
           <p:nvPr/>
         </p:nvPicPr>
         <p:blipFill>
-          <a:blip r:embed="rId3">
-            <a:extLst/>
-          </a:blip>
+          <a:blip r:embed="rId3"/>
           <a:stretch>
             <a:fillRect/>
           </a:stretch>
@@ -7140,9 +7725,7 @@
           <p:nvPr/>
         </p:nvPicPr>
         <p:blipFill>
-          <a:blip r:embed="rId4">
-            <a:extLst/>
-          </a:blip>
+          <a:blip r:embed="rId4"/>
           <a:stretch>
             <a:fillRect/>
           </a:stretch>
@@ -7169,9 +7752,7 @@
           <p:nvPr/>
         </p:nvPicPr>
         <p:blipFill>
-          <a:blip r:embed="rId5">
-            <a:extLst/>
-          </a:blip>
+          <a:blip r:embed="rId5"/>
           <a:stretch>
             <a:fillRect/>
           </a:stretch>
@@ -7192,7 +7773,9 @@
       <p:sp>
         <p:nvSpPr>
           <p:cNvPr id="179" name="Lilliefors test"/>
-          <p:cNvSpPr txBox="1"/>
+          <p:cNvSpPr txBox="1">
+            <a:spLocks noGrp="1"/>
+          </p:cNvSpPr>
           <p:nvPr>
             <p:ph type="title"/>
           </p:nvPr>
@@ -7213,11 +7796,10 @@
               <a:lnSpc>
                 <a:spcPct val="100000"/>
               </a:lnSpc>
-              <a:defRPr spc="0" sz="4900"/>
+              <a:defRPr sz="4900" spc="0"/>
             </a:lvl1pPr>
           </a:lstStyle>
           <a:p>
-            <a:pPr/>
             <a:r>
               <a:t>Lilliefors test</a:t>
             </a:r>
@@ -7233,9 +7815,7 @@
           <p:nvPr/>
         </p:nvPicPr>
         <p:blipFill>
-          <a:blip r:embed="rId6">
-            <a:extLst/>
-          </a:blip>
+          <a:blip r:embed="rId6"/>
           <a:stretch>
             <a:fillRect/>
           </a:stretch>
@@ -7253,150 +7833,220 @@
           </a:ln>
         </p:spPr>
       </p:pic>
-      <p:sp>
-        <p:nvSpPr>
-          <p:cNvPr id="181" name="podaci o godinama/težini/visini/otkucajima srca dolaze iz normalne razdiobe…"/>
-          <p:cNvSpPr txBox="1"/>
-          <p:nvPr/>
-        </p:nvSpPr>
-        <p:spPr>
-          <a:xfrm>
-            <a:off x="743012" y="3892315"/>
-            <a:ext cx="7475778" cy="4086398"/>
-          </a:xfrm>
-          <a:prstGeom prst="rect">
-            <a:avLst/>
-          </a:prstGeom>
-          <a:ln w="12700">
-            <a:miter lim="400000"/>
-          </a:ln>
-          <a:extLst>
-            <a:ext uri="{C572A759-6A51-4108-AA02-DFA0A04FC94B}">
-              <ma14:wrappingTextBoxFlag xmlns:ma14="http://schemas.microsoft.com/office/mac/drawingml/2011/main" val="1"/>
-            </a:ext>
-          </a:extLst>
-        </p:spPr>
-        <p:txBody>
-          <a:bodyPr lIns="50800" tIns="50800" rIns="50800" bIns="50800" anchor="ctr">
-            <a:spAutoFit/>
-          </a:bodyPr>
-          <a:lstStyle/>
-          <a:p>
-            <a:pPr marL="609600" indent="-609600" algn="l">
-              <a:lnSpc>
-                <a:spcPct val="90000"/>
-              </a:lnSpc>
-              <a:spcBef>
-                <a:spcPts val="4500"/>
-              </a:spcBef>
-              <a:buSzPct val="123000"/>
-              <a:buChar char="•"/>
-              <a:defRPr sz="3800">
-                <a:solidFill>
-                  <a:srgbClr val="000000"/>
-                </a:solidFill>
-              </a:defRPr>
-            </a:pPr>
-            <a14:m>
-              <m:oMath>
-                <m:sSub>
-                  <m:e>
+      <mc:AlternateContent xmlns:mc="http://schemas.openxmlformats.org/markup-compatibility/2006">
+        <mc:Choice xmlns:a14="http://schemas.microsoft.com/office/drawing/2010/main" Requires="a14">
+          <p:sp>
+            <p:nvSpPr>
+              <p:cNvPr id="181" name="podaci o godinama/težini/visini/otkucajima srca dolaze iz normalne razdiobe…"/>
+              <p:cNvSpPr txBox="1"/>
+              <p:nvPr/>
+            </p:nvSpPr>
+            <p:spPr>
+              <a:xfrm>
+                <a:off x="743012" y="3892315"/>
+                <a:ext cx="7475778" cy="4086398"/>
+              </a:xfrm>
+              <a:prstGeom prst="rect">
+                <a:avLst/>
+              </a:prstGeom>
+              <a:ln w="12700">
+                <a:miter lim="400000"/>
+              </a:ln>
+              <a:extLst>
+                <a:ext uri="{C572A759-6A51-4108-AA02-DFA0A04FC94B}">
+                  <ma14:wrappingTextBoxFlag xmlns:ma14="http://schemas.microsoft.com/office/mac/drawingml/2011/main" xmlns:m="http://schemas.openxmlformats.org/officeDocument/2006/math" xmlns="" val="1"/>
+                </a:ext>
+              </a:extLst>
+            </p:spPr>
+            <p:txBody>
+              <a:bodyPr lIns="50800" tIns="50800" rIns="50800" bIns="50800" anchor="ctr">
+                <a:spAutoFit/>
+              </a:bodyPr>
+              <a:lstStyle/>
+              <a:p>
+                <a:pPr marL="609600" indent="-609600" algn="l">
+                  <a:lnSpc>
+                    <a:spcPct val="90000"/>
+                  </a:lnSpc>
+                  <a:spcBef>
+                    <a:spcPts val="4500"/>
+                  </a:spcBef>
+                  <a:buSzPct val="123000"/>
+                  <a:buChar char="•"/>
+                  <a:defRPr sz="3800">
+                    <a:solidFill>
+                      <a:srgbClr val="000000"/>
+                    </a:solidFill>
+                  </a:defRPr>
+                </a:pPr>
+                <a14:m>
+                  <m:oMath xmlns:m="http://schemas.openxmlformats.org/officeDocument/2006/math">
+                    <m:sSub>
+                      <m:sSubPr>
+                        <m:ctrlPr>
+                          <a:rPr sz="4800">
+                            <a:solidFill>
+                              <a:srgbClr val="000000"/>
+                            </a:solidFill>
+                            <a:latin typeface="Cambria Math" panose="02040503050406030204" pitchFamily="18" charset="0"/>
+                          </a:rPr>
+                        </m:ctrlPr>
+                      </m:sSubPr>
+                      <m:e>
+                        <m:r>
+                          <a:rPr sz="4800" i="1">
+                            <a:solidFill>
+                              <a:srgbClr val="000000"/>
+                            </a:solidFill>
+                            <a:latin typeface="Cambria Math" panose="02040503050406030204" pitchFamily="18" charset="0"/>
+                          </a:rPr>
+                          <m:t>𝐻</m:t>
+                        </m:r>
+                      </m:e>
+                      <m:sub>
+                        <m:r>
+                          <a:rPr sz="4800" i="1">
+                            <a:solidFill>
+                              <a:srgbClr val="000000"/>
+                            </a:solidFill>
+                            <a:latin typeface="Cambria Math" panose="02040503050406030204" pitchFamily="18" charset="0"/>
+                          </a:rPr>
+                          <m:t>0</m:t>
+                        </m:r>
+                      </m:sub>
+                    </m:sSub>
                     <m:r>
-                      <a:rPr xmlns:a="http://schemas.openxmlformats.org/drawingml/2006/main" sz="4800" i="1">
+                      <a:rPr sz="4800" i="1">
                         <a:solidFill>
                           <a:srgbClr val="000000"/>
                         </a:solidFill>
                         <a:latin typeface="Cambria Math" panose="02040503050406030204" pitchFamily="18" charset="0"/>
                       </a:rPr>
-                      <m:t>H</m:t>
+                      <m:t>:</m:t>
                     </m:r>
-                  </m:e>
-                  <m:sub>
+                  </m:oMath>
+                </a14:m>
+                <a:r>
+                  <a:t> podaci o godinama/težini/visini/otkucajima srca dolaze iz normalne razdiobe</a:t>
+                </a:r>
+              </a:p>
+              <a:p>
+                <a:pPr marL="609600" indent="-609600" algn="l">
+                  <a:lnSpc>
+                    <a:spcPct val="90000"/>
+                  </a:lnSpc>
+                  <a:spcBef>
+                    <a:spcPts val="4500"/>
+                  </a:spcBef>
+                  <a:buSzPct val="123000"/>
+                  <a:buChar char="•"/>
+                  <a:defRPr sz="3800">
+                    <a:solidFill>
+                      <a:srgbClr val="000000"/>
+                    </a:solidFill>
+                  </a:defRPr>
+                </a:pPr>
+                <a14:m>
+                  <m:oMath xmlns:m="http://schemas.openxmlformats.org/officeDocument/2006/math">
+                    <m:sSub>
+                      <m:sSubPr>
+                        <m:ctrlPr>
+                          <a:rPr sz="4800">
+                            <a:solidFill>
+                              <a:srgbClr val="000000"/>
+                            </a:solidFill>
+                            <a:latin typeface="Cambria Math" panose="02040503050406030204" pitchFamily="18" charset="0"/>
+                          </a:rPr>
+                        </m:ctrlPr>
+                      </m:sSubPr>
+                      <m:e>
+                        <m:r>
+                          <a:rPr sz="4800" i="1">
+                            <a:solidFill>
+                              <a:srgbClr val="000000"/>
+                            </a:solidFill>
+                            <a:latin typeface="Cambria Math" panose="02040503050406030204" pitchFamily="18" charset="0"/>
+                          </a:rPr>
+                          <m:t>𝐻</m:t>
+                        </m:r>
+                      </m:e>
+                      <m:sub>
+                        <m:r>
+                          <a:rPr sz="4800" i="1">
+                            <a:solidFill>
+                              <a:srgbClr val="000000"/>
+                            </a:solidFill>
+                            <a:latin typeface="Cambria Math" panose="02040503050406030204" pitchFamily="18" charset="0"/>
+                          </a:rPr>
+                          <m:t>1</m:t>
+                        </m:r>
+                      </m:sub>
+                    </m:sSub>
                     <m:r>
-                      <a:rPr xmlns:a="http://schemas.openxmlformats.org/drawingml/2006/main" sz="4800" i="1">
+                      <a:rPr sz="4800" i="1">
                         <a:solidFill>
                           <a:srgbClr val="000000"/>
                         </a:solidFill>
                         <a:latin typeface="Cambria Math" panose="02040503050406030204" pitchFamily="18" charset="0"/>
                       </a:rPr>
-                      <m:t>0</m:t>
+                      <m:t>:</m:t>
                     </m:r>
-                  </m:sub>
-                </m:sSub>
-                <m:r>
-                  <a:rPr xmlns:a="http://schemas.openxmlformats.org/drawingml/2006/main" sz="4800" i="1">
-                    <a:solidFill>
-                      <a:srgbClr val="000000"/>
-                    </a:solidFill>
-                    <a:latin typeface="Cambria Math" panose="02040503050406030204" pitchFamily="18" charset="0"/>
+                  </m:oMath>
+                </a14:m>
+                <a:r>
+                  <a:t> podaci o godinama/težini/visini/otkucajima srca NE dolaze iz normalne razdiobe</a:t>
+                </a:r>
+              </a:p>
+            </p:txBody>
+          </p:sp>
+        </mc:Choice>
+        <mc:Fallback>
+          <p:sp>
+            <p:nvSpPr>
+              <p:cNvPr id="181" name="podaci o godinama/težini/visini/otkucajima srca dolaze iz normalne razdiobe…"/>
+              <p:cNvSpPr txBox="1">
+                <a:spLocks noRot="1" noChangeAspect="1" noMove="1" noResize="1" noEditPoints="1" noAdjustHandles="1" noChangeArrowheads="1" noChangeShapeType="1" noTextEdit="1"/>
+              </p:cNvSpPr>
+              <p:nvPr/>
+            </p:nvSpPr>
+            <p:spPr>
+              <a:xfrm>
+                <a:off x="743012" y="3892315"/>
+                <a:ext cx="7475778" cy="4086398"/>
+              </a:xfrm>
+              <a:prstGeom prst="rect">
+                <a:avLst/>
+              </a:prstGeom>
+              <a:blipFill>
+                <a:blip r:embed="rId7"/>
+                <a:stretch>
+                  <a:fillRect l="-4407" t="-17337" r="-3729" b="-17957"/>
+                </a:stretch>
+              </a:blipFill>
+              <a:ln w="12700">
+                <a:miter lim="400000"/>
+              </a:ln>
+              <a:extLst>
+                <a:ext uri="{C572A759-6A51-4108-AA02-DFA0A04FC94B}">
+                  <ma14:wrappingTextBoxFlag xmlns:ma14="http://schemas.microsoft.com/office/mac/drawingml/2011/main" xmlns:a14="http://schemas.microsoft.com/office/drawing/2010/main" xmlns:m="http://schemas.openxmlformats.org/officeDocument/2006/math" xmlns="" val="1"/>
+                </a:ext>
+              </a:extLst>
+            </p:spPr>
+            <p:txBody>
+              <a:bodyPr/>
+              <a:lstStyle/>
+              <a:p>
+                <a:r>
+                  <a:rPr lang="en-HR">
+                    <a:noFill/>
                   </a:rPr>
-                  <m:t>:</m:t>
-                </m:r>
-              </m:oMath>
-            </a14:m>
-            <a:r>
-              <a:t> podaci o godinama/težini/visini/otkucajima srca dolaze iz normalne razdiobe</a:t>
-            </a:r>
-          </a:p>
-          <a:p>
-            <a:pPr marL="609600" indent="-609600" algn="l">
-              <a:lnSpc>
-                <a:spcPct val="90000"/>
-              </a:lnSpc>
-              <a:spcBef>
-                <a:spcPts val="4500"/>
-              </a:spcBef>
-              <a:buSzPct val="123000"/>
-              <a:buChar char="•"/>
-              <a:defRPr sz="3800">
-                <a:solidFill>
-                  <a:srgbClr val="000000"/>
-                </a:solidFill>
-              </a:defRPr>
-            </a:pPr>
-            <a14:m>
-              <m:oMath>
-                <m:sSub>
-                  <m:e>
-                    <m:r>
-                      <a:rPr xmlns:a="http://schemas.openxmlformats.org/drawingml/2006/main" sz="4800" i="1">
-                        <a:solidFill>
-                          <a:srgbClr val="000000"/>
-                        </a:solidFill>
-                        <a:latin typeface="Cambria Math" panose="02040503050406030204" pitchFamily="18" charset="0"/>
-                      </a:rPr>
-                      <m:t>H</m:t>
-                    </m:r>
-                  </m:e>
-                  <m:sub>
-                    <m:r>
-                      <a:rPr xmlns:a="http://schemas.openxmlformats.org/drawingml/2006/main" sz="4800" i="1">
-                        <a:solidFill>
-                          <a:srgbClr val="000000"/>
-                        </a:solidFill>
-                        <a:latin typeface="Cambria Math" panose="02040503050406030204" pitchFamily="18" charset="0"/>
-                      </a:rPr>
-                      <m:t>1</m:t>
-                    </m:r>
-                  </m:sub>
-                </m:sSub>
-                <m:r>
-                  <a:rPr xmlns:a="http://schemas.openxmlformats.org/drawingml/2006/main" sz="4800" i="1">
-                    <a:solidFill>
-                      <a:srgbClr val="000000"/>
-                    </a:solidFill>
-                    <a:latin typeface="Cambria Math" panose="02040503050406030204" pitchFamily="18" charset="0"/>
-                  </a:rPr>
-                  <m:t>:</m:t>
-                </m:r>
-              </m:oMath>
-            </a14:m>
-            <a:r>
-              <a:t> podaci o godinama/težini/visini/otkucajima srca NE dolaze iz normalne razdiobe</a:t>
-            </a:r>
-          </a:p>
-        </p:txBody>
-      </p:sp>
+                  <a:t> </a:t>
+                </a:r>
+              </a:p>
+            </p:txBody>
+          </p:sp>
+        </mc:Fallback>
+      </mc:AlternateContent>
       <p:sp>
         <p:nvSpPr>
           <p:cNvPr id="182" name="Testing normality"/>
@@ -7416,7 +8066,7 @@
           </a:ln>
           <a:extLst>
             <a:ext uri="{C572A759-6A51-4108-AA02-DFA0A04FC94B}">
-              <ma14:wrappingTextBoxFlag xmlns:ma14="http://schemas.microsoft.com/office/mac/drawingml/2011/main" val="1"/>
+              <ma14:wrappingTextBoxFlag xmlns:ma14="http://schemas.microsoft.com/office/mac/drawingml/2011/main" xmlns:a14="http://schemas.microsoft.com/office/drawing/2010/main" xmlns:m="http://schemas.openxmlformats.org/officeDocument/2006/math" xmlns="" val="1"/>
             </a:ext>
           </a:extLst>
         </p:spPr>
@@ -7426,7 +8076,7 @@
           </a:bodyPr>
           <a:lstStyle>
             <a:lvl1pPr algn="l" defTabSz="825500">
-              <a:defRPr b="1" sz="5500">
+              <a:defRPr sz="5500" b="1">
                 <a:solidFill>
                   <a:srgbClr val="000000"/>
                 </a:solidFill>
@@ -7434,7 +8084,6 @@
             </a:lvl1pPr>
           </a:lstStyle>
           <a:p>
-            <a:pPr/>
             <a:r>
               <a:t>Testing normality</a:t>
             </a:r>
@@ -7446,12 +8095,12 @@
   <p:clrMapOvr>
     <a:masterClrMapping/>
   </p:clrMapOvr>
-  <p:transition xmlns:p14="http://schemas.microsoft.com/office/powerpoint/2010/main" spd="med" advClick="1"/>
+  <p:transition spd="med"/>
 </p:sld>
 </file>
 
 <file path=ppt/slides/slide8.xml><?xml version="1.0" encoding="utf-8"?>
-<p:sld xmlns:a="http://schemas.openxmlformats.org/drawingml/2006/main" xmlns:r="http://schemas.openxmlformats.org/officeDocument/2006/relationships" xmlns:p="http://schemas.openxmlformats.org/presentationml/2006/main" xmlns:m="http://schemas.openxmlformats.org/officeDocument/2006/math" xmlns:a14="http://schemas.microsoft.com/office/drawing/2010/main" showMasterSp="1" showMasterPhAnim="1">
+<p:sld xmlns:a="http://schemas.openxmlformats.org/drawingml/2006/main" xmlns:r="http://schemas.openxmlformats.org/officeDocument/2006/relationships" xmlns:p="http://schemas.openxmlformats.org/presentationml/2006/main">
   <p:cSld>
     <p:spTree>
       <p:nvGrpSpPr>
@@ -7476,9 +8125,7 @@
           <p:nvPr/>
         </p:nvPicPr>
         <p:blipFill>
-          <a:blip r:embed="rId2">
-            <a:extLst/>
-          </a:blip>
+          <a:blip r:embed="rId2"/>
           <a:stretch>
             <a:fillRect/>
           </a:stretch>
@@ -7499,7 +8146,9 @@
       <p:sp>
         <p:nvSpPr>
           <p:cNvPr id="185" name="Age, weight, height, heart_rate and diagnosis"/>
-          <p:cNvSpPr txBox="1"/>
+          <p:cNvSpPr txBox="1">
+            <a:spLocks noGrp="1"/>
+          </p:cNvSpPr>
           <p:nvPr>
             <p:ph type="title"/>
           </p:nvPr>
@@ -7520,11 +8169,10 @@
               <a:lnSpc>
                 <a:spcPct val="100000"/>
               </a:lnSpc>
-              <a:defRPr spc="0" sz="5500"/>
+              <a:defRPr sz="5500" spc="0"/>
             </a:lvl1pPr>
           </a:lstStyle>
           <a:p>
-            <a:pPr/>
             <a:r>
               <a:t>Age, weight, height, heart_rate and diagnosis</a:t>
             </a:r>
@@ -7536,12 +8184,12 @@
   <p:clrMapOvr>
     <a:masterClrMapping/>
   </p:clrMapOvr>
-  <p:transition xmlns:p14="http://schemas.microsoft.com/office/powerpoint/2010/main" spd="med" advClick="1"/>
+  <p:transition spd="med"/>
 </p:sld>
 </file>
 
 <file path=ppt/slides/slide9.xml><?xml version="1.0" encoding="utf-8"?>
-<p:sld xmlns:a="http://schemas.openxmlformats.org/drawingml/2006/main" xmlns:r="http://schemas.openxmlformats.org/officeDocument/2006/relationships" xmlns:p="http://schemas.openxmlformats.org/presentationml/2006/main" xmlns:m="http://schemas.openxmlformats.org/officeDocument/2006/math" xmlns:a14="http://schemas.microsoft.com/office/drawing/2010/main" showMasterSp="1" showMasterPhAnim="1">
+<p:sld xmlns:a="http://schemas.openxmlformats.org/drawingml/2006/main" xmlns:r="http://schemas.openxmlformats.org/officeDocument/2006/relationships" xmlns:p="http://schemas.openxmlformats.org/presentationml/2006/main">
   <p:cSld>
     <p:spTree>
       <p:nvGrpSpPr>
@@ -7560,7 +8208,9 @@
       <p:sp>
         <p:nvSpPr>
           <p:cNvPr id="187" name="Age and diagnosis"/>
-          <p:cNvSpPr txBox="1"/>
+          <p:cNvSpPr txBox="1">
+            <a:spLocks noGrp="1"/>
+          </p:cNvSpPr>
           <p:nvPr>
             <p:ph type="title"/>
           </p:nvPr>
@@ -7581,511 +8231,656 @@
               <a:lnSpc>
                 <a:spcPct val="100000"/>
               </a:lnSpc>
-              <a:defRPr spc="0" sz="5500"/>
+              <a:defRPr sz="5500" spc="0"/>
             </a:lvl1pPr>
           </a:lstStyle>
           <a:p>
-            <a:pPr/>
             <a:r>
               <a:t>Age and diagnosis</a:t>
             </a:r>
           </a:p>
         </p:txBody>
       </p:sp>
-      <p:sp>
-        <p:nvSpPr>
-          <p:cNvPr id="188" name="Kruskal-Wallis test…"/>
-          <p:cNvSpPr txBox="1"/>
-          <p:nvPr/>
-        </p:nvSpPr>
-        <p:spPr>
-          <a:xfrm>
-            <a:off x="910396" y="6343174"/>
-            <a:ext cx="10502679" cy="2531351"/>
-          </a:xfrm>
-          <a:prstGeom prst="rect">
-            <a:avLst/>
-          </a:prstGeom>
-          <a:ln w="12700">
-            <a:miter lim="400000"/>
-          </a:ln>
-          <a:extLst>
-            <a:ext uri="{C572A759-6A51-4108-AA02-DFA0A04FC94B}">
-              <ma14:wrappingTextBoxFlag xmlns:ma14="http://schemas.microsoft.com/office/mac/drawingml/2011/main" val="1"/>
-            </a:ext>
-          </a:extLst>
-        </p:spPr>
-        <p:txBody>
-          <a:bodyPr lIns="50800" tIns="50800" rIns="50800" bIns="50800" anchor="ctr">
-            <a:spAutoFit/>
-          </a:bodyPr>
-          <a:lstStyle/>
-          <a:p>
-            <a:pPr marL="609600" indent="-609600" algn="l">
-              <a:lnSpc>
-                <a:spcPct val="90000"/>
-              </a:lnSpc>
-              <a:spcBef>
-                <a:spcPts val="4500"/>
-              </a:spcBef>
-              <a:buSzPct val="123000"/>
-              <a:buChar char="•"/>
-              <a:defRPr sz="3800">
-                <a:solidFill>
-                  <a:srgbClr val="000000"/>
-                </a:solidFill>
-              </a:defRPr>
-            </a:pPr>
-            <a:r>
-              <a:t>Kruskal-Wallis test</a:t>
-            </a:r>
-          </a:p>
-          <a:p>
-            <a:pPr marL="609600" indent="-609600" algn="l">
-              <a:lnSpc>
-                <a:spcPct val="90000"/>
-              </a:lnSpc>
-              <a:spcBef>
-                <a:spcPts val="4500"/>
-              </a:spcBef>
-              <a:buSzPct val="123000"/>
-              <a:buChar char="•"/>
-              <a:defRPr sz="3800">
-                <a:solidFill>
-                  <a:srgbClr val="000000"/>
-                </a:solidFill>
-              </a:defRPr>
-            </a:pPr>
-            <a14:m>
-              <m:oMath>
-                <m:r>
-                  <a:rPr xmlns:a="http://schemas.openxmlformats.org/drawingml/2006/main" sz="4200" i="1">
+      <mc:AlternateContent xmlns:mc="http://schemas.openxmlformats.org/markup-compatibility/2006">
+        <mc:Choice xmlns:a14="http://schemas.microsoft.com/office/drawing/2010/main" Requires="a14">
+          <p:sp>
+            <p:nvSpPr>
+              <p:cNvPr id="188" name="Kruskal-Wallis test…"/>
+              <p:cNvSpPr txBox="1"/>
+              <p:nvPr/>
+            </p:nvSpPr>
+            <p:spPr>
+              <a:xfrm>
+                <a:off x="910396" y="6343174"/>
+                <a:ext cx="10502679" cy="2531351"/>
+              </a:xfrm>
+              <a:prstGeom prst="rect">
+                <a:avLst/>
+              </a:prstGeom>
+              <a:ln w="12700">
+                <a:miter lim="400000"/>
+              </a:ln>
+              <a:extLst>
+                <a:ext uri="{C572A759-6A51-4108-AA02-DFA0A04FC94B}">
+                  <ma14:wrappingTextBoxFlag xmlns:ma14="http://schemas.microsoft.com/office/mac/drawingml/2011/main" xmlns:m="http://schemas.openxmlformats.org/officeDocument/2006/math" xmlns="" val="1"/>
+                </a:ext>
+              </a:extLst>
+            </p:spPr>
+            <p:txBody>
+              <a:bodyPr lIns="50800" tIns="50800" rIns="50800" bIns="50800" anchor="ctr">
+                <a:spAutoFit/>
+              </a:bodyPr>
+              <a:lstStyle/>
+              <a:p>
+                <a:pPr marL="609600" indent="-609600" algn="l">
+                  <a:lnSpc>
+                    <a:spcPct val="90000"/>
+                  </a:lnSpc>
+                  <a:spcBef>
+                    <a:spcPts val="4500"/>
+                  </a:spcBef>
+                  <a:buSzPct val="123000"/>
+                  <a:buChar char="•"/>
+                  <a:defRPr sz="3800">
                     <a:solidFill>
                       <a:srgbClr val="000000"/>
                     </a:solidFill>
-                    <a:latin typeface="Cambria Math" panose="02040503050406030204" pitchFamily="18" charset="0"/>
-                  </a:rPr>
-                  <m:t>p</m:t>
-                </m:r>
-              </m:oMath>
-            </a14:m>
-            <a:r>
-              <a:t> vrijednost = </a:t>
-            </a:r>
-            <a14:m>
-              <m:oMath>
-                <m:r>
-                  <a:rPr xmlns:a="http://schemas.openxmlformats.org/drawingml/2006/main" sz="4650" i="1">
+                  </a:defRPr>
+                </a:pPr>
+                <a:r>
+                  <a:t>Kruskal-Wallis test</a:t>
+                </a:r>
+              </a:p>
+              <a:p>
+                <a:pPr marL="609600" indent="-609600" algn="l">
+                  <a:lnSpc>
+                    <a:spcPct val="90000"/>
+                  </a:lnSpc>
+                  <a:spcBef>
+                    <a:spcPts val="4500"/>
+                  </a:spcBef>
+                  <a:buSzPct val="123000"/>
+                  <a:buChar char="•"/>
+                  <a:defRPr sz="3800">
                     <a:solidFill>
                       <a:srgbClr val="000000"/>
                     </a:solidFill>
-                    <a:latin typeface="Cambria Math" panose="02040503050406030204" pitchFamily="18" charset="0"/>
-                  </a:rPr>
-                  <m:t>9.16</m:t>
-                </m:r>
-                <m:r>
-                  <a:rPr xmlns:a="http://schemas.openxmlformats.org/drawingml/2006/main" sz="4650" i="1">
-                    <a:solidFill>
-                      <a:srgbClr val="000000"/>
-                    </a:solidFill>
-                    <a:latin typeface="Cambria Math" panose="02040503050406030204" pitchFamily="18" charset="0"/>
-                  </a:rPr>
-                  <m:t>⋅</m:t>
-                </m:r>
-                <m:sSup>
-                  <m:e>
+                  </a:defRPr>
+                </a:pPr>
+                <a14:m>
+                  <m:oMath xmlns:m="http://schemas.openxmlformats.org/officeDocument/2006/math">
                     <m:r>
-                      <a:rPr xmlns:a="http://schemas.openxmlformats.org/drawingml/2006/main" sz="4650" i="1">
+                      <a:rPr sz="4200" i="1">
                         <a:solidFill>
                           <a:srgbClr val="000000"/>
                         </a:solidFill>
                         <a:latin typeface="Cambria Math" panose="02040503050406030204" pitchFamily="18" charset="0"/>
                       </a:rPr>
-                      <m:t>10</m:t>
+                      <m:t>𝑝</m:t>
                     </m:r>
-                  </m:e>
-                  <m:sup>
+                  </m:oMath>
+                </a14:m>
+                <a:r>
+                  <a:t> vrijednost = </a:t>
+                </a:r>
+                <a14:m>
+                  <m:oMath xmlns:m="http://schemas.openxmlformats.org/officeDocument/2006/math">
                     <m:r>
-                      <a:rPr xmlns:a="http://schemas.openxmlformats.org/drawingml/2006/main" sz="4650" i="1">
+                      <a:rPr sz="4650" i="1">
                         <a:solidFill>
                           <a:srgbClr val="000000"/>
                         </a:solidFill>
                         <a:latin typeface="Cambria Math" panose="02040503050406030204" pitchFamily="18" charset="0"/>
                       </a:rPr>
-                      <m:t>-</m:t>
+                      <m:t>9.16⋅</m:t>
                     </m:r>
+                    <m:sSup>
+                      <m:sSupPr>
+                        <m:ctrlPr>
+                          <a:rPr sz="4650" i="1">
+                            <a:solidFill>
+                              <a:srgbClr val="000000"/>
+                            </a:solidFill>
+                            <a:latin typeface="Cambria Math" panose="02040503050406030204" pitchFamily="18" charset="0"/>
+                          </a:rPr>
+                        </m:ctrlPr>
+                      </m:sSupPr>
+                      <m:e>
+                        <m:r>
+                          <a:rPr sz="4650" i="1">
+                            <a:solidFill>
+                              <a:srgbClr val="000000"/>
+                            </a:solidFill>
+                            <a:latin typeface="Cambria Math" panose="02040503050406030204" pitchFamily="18" charset="0"/>
+                          </a:rPr>
+                          <m:t>10</m:t>
+                        </m:r>
+                      </m:e>
+                      <m:sup>
+                        <m:r>
+                          <a:rPr sz="4650" i="1">
+                            <a:solidFill>
+                              <a:srgbClr val="000000"/>
+                            </a:solidFill>
+                            <a:latin typeface="Cambria Math" panose="02040503050406030204" pitchFamily="18" charset="0"/>
+                          </a:rPr>
+                          <m:t>−8</m:t>
+                        </m:r>
+                      </m:sup>
+                    </m:sSup>
+                  </m:oMath>
+                </a14:m>
+                <a:r>
+                  <a:t> &lt; 0.05, odbacujemo  </a:t>
+                </a:r>
+                <a14:m>
+                  <m:oMath xmlns:m="http://schemas.openxmlformats.org/officeDocument/2006/math">
+                    <m:sSub>
+                      <m:sSubPr>
+                        <m:ctrlPr>
+                          <a:rPr sz="4600">
+                            <a:solidFill>
+                              <a:srgbClr val="000000"/>
+                            </a:solidFill>
+                            <a:latin typeface="Cambria Math" panose="02040503050406030204" pitchFamily="18" charset="0"/>
+                          </a:rPr>
+                        </m:ctrlPr>
+                      </m:sSubPr>
+                      <m:e>
+                        <m:r>
+                          <a:rPr sz="4600" i="1">
+                            <a:solidFill>
+                              <a:srgbClr val="000000"/>
+                            </a:solidFill>
+                            <a:latin typeface="Cambria Math" panose="02040503050406030204" pitchFamily="18" charset="0"/>
+                          </a:rPr>
+                          <m:t>𝐻</m:t>
+                        </m:r>
+                      </m:e>
+                      <m:sub>
+                        <m:r>
+                          <a:rPr sz="4600" i="1">
+                            <a:solidFill>
+                              <a:srgbClr val="000000"/>
+                            </a:solidFill>
+                            <a:latin typeface="Cambria Math" panose="02040503050406030204" pitchFamily="18" charset="0"/>
+                          </a:rPr>
+                          <m:t>0</m:t>
+                        </m:r>
+                      </m:sub>
+                    </m:sSub>
+                  </m:oMath>
+                </a14:m>
+                <a:endParaRPr/>
+              </a:p>
+            </p:txBody>
+          </p:sp>
+        </mc:Choice>
+        <mc:Fallback>
+          <p:sp>
+            <p:nvSpPr>
+              <p:cNvPr id="188" name="Kruskal-Wallis test…"/>
+              <p:cNvSpPr txBox="1">
+                <a:spLocks noRot="1" noChangeAspect="1" noMove="1" noResize="1" noEditPoints="1" noAdjustHandles="1" noChangeArrowheads="1" noChangeShapeType="1" noTextEdit="1"/>
+              </p:cNvSpPr>
+              <p:nvPr/>
+            </p:nvSpPr>
+            <p:spPr>
+              <a:xfrm>
+                <a:off x="910396" y="6343174"/>
+                <a:ext cx="10502679" cy="2531351"/>
+              </a:xfrm>
+              <a:prstGeom prst="rect">
+                <a:avLst/>
+              </a:prstGeom>
+              <a:blipFill>
+                <a:blip r:embed="rId2"/>
+                <a:stretch>
+                  <a:fillRect l="-2778" t="-9000" b="-7500"/>
+                </a:stretch>
+              </a:blipFill>
+              <a:ln w="12700">
+                <a:miter lim="400000"/>
+              </a:ln>
+              <a:extLst>
+                <a:ext uri="{C572A759-6A51-4108-AA02-DFA0A04FC94B}">
+                  <ma14:wrappingTextBoxFlag xmlns:ma14="http://schemas.microsoft.com/office/mac/drawingml/2011/main" xmlns:a14="http://schemas.microsoft.com/office/drawing/2010/main" xmlns:m="http://schemas.openxmlformats.org/officeDocument/2006/math" xmlns="" val="1"/>
+                </a:ext>
+              </a:extLst>
+            </p:spPr>
+            <p:txBody>
+              <a:bodyPr/>
+              <a:lstStyle/>
+              <a:p>
+                <a:r>
+                  <a:rPr lang="en-HR">
+                    <a:noFill/>
+                  </a:rPr>
+                  <a:t> </a:t>
+                </a:r>
+              </a:p>
+            </p:txBody>
+          </p:sp>
+        </mc:Fallback>
+      </mc:AlternateContent>
+      <mc:AlternateContent xmlns:mc="http://schemas.openxmlformats.org/markup-compatibility/2006">
+        <mc:Choice xmlns:a14="http://schemas.microsoft.com/office/drawing/2010/main" Requires="a14">
+          <p:sp>
+            <p:nvSpPr>
+              <p:cNvPr id="189" name="( ne postoji statistički značajna razlika između prosječne dobi pacijenta za svaku kategoriju srčane aritmije)…"/>
+              <p:cNvSpPr txBox="1"/>
+              <p:nvPr/>
+            </p:nvSpPr>
+            <p:spPr>
+              <a:xfrm>
+                <a:off x="727156" y="2787166"/>
+                <a:ext cx="23337400" cy="2227296"/>
+              </a:xfrm>
+              <a:prstGeom prst="rect">
+                <a:avLst/>
+              </a:prstGeom>
+              <a:ln w="12700">
+                <a:miter lim="400000"/>
+              </a:ln>
+              <a:extLst>
+                <a:ext uri="{C572A759-6A51-4108-AA02-DFA0A04FC94B}">
+                  <ma14:wrappingTextBoxFlag xmlns:ma14="http://schemas.microsoft.com/office/mac/drawingml/2011/main" xmlns:m="http://schemas.openxmlformats.org/officeDocument/2006/math" xmlns="" val="1"/>
+                </a:ext>
+              </a:extLst>
+            </p:spPr>
+            <p:txBody>
+              <a:bodyPr lIns="50800" tIns="50800" rIns="50800" bIns="50800" anchor="ctr">
+                <a:spAutoFit/>
+              </a:bodyPr>
+              <a:lstStyle/>
+              <a:p>
+                <a:pPr marL="609599" indent="-609599" algn="l">
+                  <a:lnSpc>
+                    <a:spcPct val="90000"/>
+                  </a:lnSpc>
+                  <a:spcBef>
+                    <a:spcPts val="4500"/>
+                  </a:spcBef>
+                  <a:buSzPct val="123000"/>
+                  <a:buChar char="•"/>
+                  <a:defRPr sz="3100">
+                    <a:solidFill>
+                      <a:srgbClr val="000000"/>
+                    </a:solidFill>
+                  </a:defRPr>
+                </a:pPr>
+                <a14:m>
+                  <m:oMath xmlns:m="http://schemas.openxmlformats.org/officeDocument/2006/math">
+                    <m:sSub>
+                      <m:sSubPr>
+                        <m:ctrlPr>
+                          <a:rPr sz="3700">
+                            <a:solidFill>
+                              <a:srgbClr val="000000"/>
+                            </a:solidFill>
+                            <a:latin typeface="Cambria Math" panose="02040503050406030204" pitchFamily="18" charset="0"/>
+                          </a:rPr>
+                        </m:ctrlPr>
+                      </m:sSubPr>
+                      <m:e>
+                        <m:r>
+                          <a:rPr sz="3700" i="1">
+                            <a:solidFill>
+                              <a:srgbClr val="000000"/>
+                            </a:solidFill>
+                            <a:latin typeface="Cambria Math" panose="02040503050406030204" pitchFamily="18" charset="0"/>
+                          </a:rPr>
+                          <m:t>𝐻</m:t>
+                        </m:r>
+                      </m:e>
+                      <m:sub>
+                        <m:r>
+                          <a:rPr sz="3700" i="1">
+                            <a:solidFill>
+                              <a:srgbClr val="000000"/>
+                            </a:solidFill>
+                            <a:latin typeface="Cambria Math" panose="02040503050406030204" pitchFamily="18" charset="0"/>
+                          </a:rPr>
+                          <m:t>0</m:t>
+                        </m:r>
+                      </m:sub>
+                    </m:sSub>
                     <m:r>
-                      <a:rPr xmlns:a="http://schemas.openxmlformats.org/drawingml/2006/main" sz="4650" i="1">
+                      <a:rPr sz="3700" i="1">
                         <a:solidFill>
                           <a:srgbClr val="000000"/>
                         </a:solidFill>
                         <a:latin typeface="Cambria Math" panose="02040503050406030204" pitchFamily="18" charset="0"/>
                       </a:rPr>
-                      <m:t>8</m:t>
+                      <m:t>:</m:t>
                     </m:r>
-                  </m:sup>
-                </m:sSup>
-              </m:oMath>
-            </a14:m>
-            <a:r>
-              <a:t> &lt; 0.05, odbacujemo  </a:t>
-            </a:r>
-            <a14:m>
-              <m:oMath>
-                <m:sSub>
-                  <m:e>
+                    <m:sSub>
+                      <m:sSubPr>
+                        <m:ctrlPr>
+                          <a:rPr sz="3700" i="1">
+                            <a:solidFill>
+                              <a:srgbClr val="000000"/>
+                            </a:solidFill>
+                            <a:latin typeface="Cambria Math" panose="02040503050406030204" pitchFamily="18" charset="0"/>
+                          </a:rPr>
+                        </m:ctrlPr>
+                      </m:sSubPr>
+                      <m:e>
+                        <m:r>
+                          <a:rPr sz="3700" i="1">
+                            <a:solidFill>
+                              <a:srgbClr val="000000"/>
+                            </a:solidFill>
+                            <a:latin typeface="Cambria Math" panose="02040503050406030204" pitchFamily="18" charset="0"/>
+                          </a:rPr>
+                          <m:t>𝜇</m:t>
+                        </m:r>
+                      </m:e>
+                      <m:sub>
+                        <m:r>
+                          <a:rPr sz="3700" i="1">
+                            <a:solidFill>
+                              <a:srgbClr val="000000"/>
+                            </a:solidFill>
+                            <a:latin typeface="Cambria Math" panose="02040503050406030204" pitchFamily="18" charset="0"/>
+                          </a:rPr>
+                          <m:t>1</m:t>
+                        </m:r>
+                      </m:sub>
+                    </m:sSub>
                     <m:r>
-                      <a:rPr xmlns:a="http://schemas.openxmlformats.org/drawingml/2006/main" sz="4600" i="1">
+                      <a:rPr sz="3700" i="1">
                         <a:solidFill>
                           <a:srgbClr val="000000"/>
                         </a:solidFill>
                         <a:latin typeface="Cambria Math" panose="02040503050406030204" pitchFamily="18" charset="0"/>
                       </a:rPr>
-                      <m:t>H</m:t>
+                      <m:t>=</m:t>
                     </m:r>
-                  </m:e>
-                  <m:sub>
+                    <m:sSub>
+                      <m:sSubPr>
+                        <m:ctrlPr>
+                          <a:rPr sz="3700" i="1">
+                            <a:solidFill>
+                              <a:srgbClr val="000000"/>
+                            </a:solidFill>
+                            <a:latin typeface="Cambria Math" panose="02040503050406030204" pitchFamily="18" charset="0"/>
+                          </a:rPr>
+                        </m:ctrlPr>
+                      </m:sSubPr>
+                      <m:e>
+                        <m:r>
+                          <a:rPr sz="3700" i="1">
+                            <a:solidFill>
+                              <a:srgbClr val="000000"/>
+                            </a:solidFill>
+                            <a:latin typeface="Cambria Math" panose="02040503050406030204" pitchFamily="18" charset="0"/>
+                          </a:rPr>
+                          <m:t>𝜇</m:t>
+                        </m:r>
+                      </m:e>
+                      <m:sub>
+                        <m:r>
+                          <a:rPr sz="3700" i="1">
+                            <a:solidFill>
+                              <a:srgbClr val="000000"/>
+                            </a:solidFill>
+                            <a:latin typeface="Cambria Math" panose="02040503050406030204" pitchFamily="18" charset="0"/>
+                          </a:rPr>
+                          <m:t>2</m:t>
+                        </m:r>
+                      </m:sub>
+                    </m:sSub>
                     <m:r>
-                      <a:rPr xmlns:a="http://schemas.openxmlformats.org/drawingml/2006/main" sz="4600" i="1">
+                      <a:rPr sz="3700" i="1">
                         <a:solidFill>
                           <a:srgbClr val="000000"/>
                         </a:solidFill>
                         <a:latin typeface="Cambria Math" panose="02040503050406030204" pitchFamily="18" charset="0"/>
                       </a:rPr>
-                      <m:t>0</m:t>
+                      <m:t>=..=</m:t>
                     </m:r>
-                  </m:sub>
-                </m:sSub>
-              </m:oMath>
-            </a14:m>
-          </a:p>
-        </p:txBody>
-      </p:sp>
-      <p:sp>
-        <p:nvSpPr>
-          <p:cNvPr id="189" name="( ne postoji statistički značajna razlika između prosječne dobi pacijenta za svaku kategoriju srčane aritmije)…"/>
-          <p:cNvSpPr txBox="1"/>
-          <p:nvPr/>
-        </p:nvSpPr>
-        <p:spPr>
-          <a:xfrm>
-            <a:off x="727156" y="2787166"/>
-            <a:ext cx="23337400" cy="2227296"/>
-          </a:xfrm>
-          <a:prstGeom prst="rect">
-            <a:avLst/>
-          </a:prstGeom>
-          <a:ln w="12700">
-            <a:miter lim="400000"/>
-          </a:ln>
-          <a:extLst>
-            <a:ext uri="{C572A759-6A51-4108-AA02-DFA0A04FC94B}">
-              <ma14:wrappingTextBoxFlag xmlns:ma14="http://schemas.microsoft.com/office/mac/drawingml/2011/main" val="1"/>
-            </a:ext>
-          </a:extLst>
-        </p:spPr>
-        <p:txBody>
-          <a:bodyPr lIns="50800" tIns="50800" rIns="50800" bIns="50800" anchor="ctr">
-            <a:spAutoFit/>
-          </a:bodyPr>
-          <a:lstStyle/>
-          <a:p>
-            <a:pPr marL="609599" indent="-609599" algn="l">
-              <a:lnSpc>
-                <a:spcPct val="90000"/>
-              </a:lnSpc>
-              <a:spcBef>
-                <a:spcPts val="4500"/>
-              </a:spcBef>
-              <a:buSzPct val="123000"/>
-              <a:buChar char="•"/>
-              <a:defRPr sz="3100">
-                <a:solidFill>
-                  <a:srgbClr val="000000"/>
-                </a:solidFill>
-              </a:defRPr>
-            </a:pPr>
-            <a14:m>
-              <m:oMath>
-                <m:sSub>
-                  <m:e>
+                    <m:sSub>
+                      <m:sSubPr>
+                        <m:ctrlPr>
+                          <a:rPr sz="3700" i="1">
+                            <a:solidFill>
+                              <a:srgbClr val="000000"/>
+                            </a:solidFill>
+                            <a:latin typeface="Cambria Math" panose="02040503050406030204" pitchFamily="18" charset="0"/>
+                          </a:rPr>
+                        </m:ctrlPr>
+                      </m:sSubPr>
+                      <m:e>
+                        <m:r>
+                          <a:rPr sz="3700" i="1">
+                            <a:solidFill>
+                              <a:srgbClr val="000000"/>
+                            </a:solidFill>
+                            <a:latin typeface="Cambria Math" panose="02040503050406030204" pitchFamily="18" charset="0"/>
+                          </a:rPr>
+                          <m:t>𝜇</m:t>
+                        </m:r>
+                      </m:e>
+                      <m:sub>
+                        <m:r>
+                          <a:rPr sz="3700" i="1">
+                            <a:solidFill>
+                              <a:srgbClr val="000000"/>
+                            </a:solidFill>
+                            <a:latin typeface="Cambria Math" panose="02040503050406030204" pitchFamily="18" charset="0"/>
+                          </a:rPr>
+                          <m:t>15</m:t>
+                        </m:r>
+                      </m:sub>
+                    </m:sSub>
                     <m:r>
-                      <a:rPr xmlns:a="http://schemas.openxmlformats.org/drawingml/2006/main" sz="3700" i="1">
+                      <a:rPr sz="3700" i="1">
                         <a:solidFill>
                           <a:srgbClr val="000000"/>
                         </a:solidFill>
                         <a:latin typeface="Cambria Math" panose="02040503050406030204" pitchFamily="18" charset="0"/>
                       </a:rPr>
-                      <m:t>H</m:t>
+                      <m:t>=</m:t>
                     </m:r>
-                  </m:e>
-                  <m:sub>
+                    <m:sSub>
+                      <m:sSubPr>
+                        <m:ctrlPr>
+                          <a:rPr sz="3700" i="1">
+                            <a:solidFill>
+                              <a:srgbClr val="000000"/>
+                            </a:solidFill>
+                            <a:latin typeface="Cambria Math" panose="02040503050406030204" pitchFamily="18" charset="0"/>
+                          </a:rPr>
+                        </m:ctrlPr>
+                      </m:sSubPr>
+                      <m:e>
+                        <m:r>
+                          <a:rPr sz="3700" i="1">
+                            <a:solidFill>
+                              <a:srgbClr val="000000"/>
+                            </a:solidFill>
+                            <a:latin typeface="Cambria Math" panose="02040503050406030204" pitchFamily="18" charset="0"/>
+                          </a:rPr>
+                          <m:t>𝜇</m:t>
+                        </m:r>
+                      </m:e>
+                      <m:sub>
+                        <m:r>
+                          <a:rPr sz="3700" i="1">
+                            <a:solidFill>
+                              <a:srgbClr val="000000"/>
+                            </a:solidFill>
+                            <a:latin typeface="Cambria Math" panose="02040503050406030204" pitchFamily="18" charset="0"/>
+                          </a:rPr>
+                          <m:t>16</m:t>
+                        </m:r>
+                      </m:sub>
+                    </m:sSub>
+                  </m:oMath>
+                </a14:m>
+                <a:r>
+                  <a:t>  ( ne postoji statistički značajna razlika između prosječne dobi pacijenta za svaku kategoriju srčane aritmije)</a:t>
+                </a:r>
+              </a:p>
+              <a:p>
+                <a:pPr marL="609599" indent="-609599" algn="l">
+                  <a:lnSpc>
+                    <a:spcPct val="90000"/>
+                  </a:lnSpc>
+                  <a:spcBef>
+                    <a:spcPts val="4500"/>
+                  </a:spcBef>
+                  <a:buSzPct val="123000"/>
+                  <a:buChar char="•"/>
+                  <a:defRPr sz="3100">
+                    <a:solidFill>
+                      <a:srgbClr val="000000"/>
+                    </a:solidFill>
+                  </a:defRPr>
+                </a:pPr>
+                <a14:m>
+                  <m:oMath xmlns:m="http://schemas.openxmlformats.org/officeDocument/2006/math">
+                    <m:sSub>
+                      <m:sSubPr>
+                        <m:ctrlPr>
+                          <a:rPr sz="3700">
+                            <a:solidFill>
+                              <a:srgbClr val="000000"/>
+                            </a:solidFill>
+                            <a:latin typeface="Cambria Math" panose="02040503050406030204" pitchFamily="18" charset="0"/>
+                          </a:rPr>
+                        </m:ctrlPr>
+                      </m:sSubPr>
+                      <m:e>
+                        <m:r>
+                          <a:rPr sz="3700" i="1">
+                            <a:solidFill>
+                              <a:srgbClr val="000000"/>
+                            </a:solidFill>
+                            <a:latin typeface="Cambria Math" panose="02040503050406030204" pitchFamily="18" charset="0"/>
+                          </a:rPr>
+                          <m:t>𝐻</m:t>
+                        </m:r>
+                      </m:e>
+                      <m:sub>
+                        <m:r>
+                          <a:rPr sz="3700" i="1">
+                            <a:solidFill>
+                              <a:srgbClr val="000000"/>
+                            </a:solidFill>
+                            <a:latin typeface="Cambria Math" panose="02040503050406030204" pitchFamily="18" charset="0"/>
+                          </a:rPr>
+                          <m:t>1</m:t>
+                        </m:r>
+                      </m:sub>
+                    </m:sSub>
                     <m:r>
-                      <a:rPr xmlns:a="http://schemas.openxmlformats.org/drawingml/2006/main" sz="3700" i="1">
+                      <a:rPr sz="3700" i="1">
                         <a:solidFill>
                           <a:srgbClr val="000000"/>
                         </a:solidFill>
                         <a:latin typeface="Cambria Math" panose="02040503050406030204" pitchFamily="18" charset="0"/>
                       </a:rPr>
-                      <m:t>0</m:t>
+                      <m:t>=</m:t>
                     </m:r>
-                  </m:sub>
-                </m:sSub>
-                <m:r>
-                  <a:rPr xmlns:a="http://schemas.openxmlformats.org/drawingml/2006/main" sz="3700" i="1">
-                    <a:solidFill>
-                      <a:srgbClr val="000000"/>
-                    </a:solidFill>
-                    <a:latin typeface="Cambria Math" panose="02040503050406030204" pitchFamily="18" charset="0"/>
+                  </m:oMath>
+                </a14:m>
+                <a:r>
+                  <a:t>ne </a:t>
+                </a:r>
+                <a14:m>
+                  <m:oMath xmlns:m="http://schemas.openxmlformats.org/officeDocument/2006/math">
+                    <m:sSub>
+                      <m:sSubPr>
+                        <m:ctrlPr>
+                          <a:rPr sz="3750">
+                            <a:solidFill>
+                              <a:srgbClr val="000000"/>
+                            </a:solidFill>
+                            <a:latin typeface="Cambria Math" panose="02040503050406030204" pitchFamily="18" charset="0"/>
+                          </a:rPr>
+                        </m:ctrlPr>
+                      </m:sSubPr>
+                      <m:e>
+                        <m:r>
+                          <a:rPr sz="3750" i="1">
+                            <a:solidFill>
+                              <a:srgbClr val="000000"/>
+                            </a:solidFill>
+                            <a:latin typeface="Cambria Math" panose="02040503050406030204" pitchFamily="18" charset="0"/>
+                          </a:rPr>
+                          <m:t>𝐻</m:t>
+                        </m:r>
+                      </m:e>
+                      <m:sub>
+                        <m:r>
+                          <a:rPr sz="3750" i="1">
+                            <a:solidFill>
+                              <a:srgbClr val="000000"/>
+                            </a:solidFill>
+                            <a:latin typeface="Cambria Math" panose="02040503050406030204" pitchFamily="18" charset="0"/>
+                          </a:rPr>
+                          <m:t>0</m:t>
+                        </m:r>
+                      </m:sub>
+                    </m:sSub>
+                  </m:oMath>
+                </a14:m>
+                <a:r>
+                  <a:t>, tj. postoji statistički značajna razlika između prosječne dobi pacijenta za neke kategorije srčane aritmije</a:t>
+                </a:r>
+              </a:p>
+            </p:txBody>
+          </p:sp>
+        </mc:Choice>
+        <mc:Fallback>
+          <p:sp>
+            <p:nvSpPr>
+              <p:cNvPr id="189" name="( ne postoji statistički značajna razlika između prosječne dobi pacijenta za svaku kategoriju srčane aritmije)…"/>
+              <p:cNvSpPr txBox="1">
+                <a:spLocks noRot="1" noChangeAspect="1" noMove="1" noResize="1" noEditPoints="1" noAdjustHandles="1" noChangeArrowheads="1" noChangeShapeType="1" noTextEdit="1"/>
+              </p:cNvSpPr>
+              <p:nvPr/>
+            </p:nvSpPr>
+            <p:spPr>
+              <a:xfrm>
+                <a:off x="727156" y="2787166"/>
+                <a:ext cx="23337400" cy="2227296"/>
+              </a:xfrm>
+              <a:prstGeom prst="rect">
+                <a:avLst/>
+              </a:prstGeom>
+              <a:blipFill>
+                <a:blip r:embed="rId3"/>
+                <a:stretch>
+                  <a:fillRect l="-1088" t="-3955" b="-8475"/>
+                </a:stretch>
+              </a:blipFill>
+              <a:ln w="12700">
+                <a:miter lim="400000"/>
+              </a:ln>
+              <a:extLst>
+                <a:ext uri="{C572A759-6A51-4108-AA02-DFA0A04FC94B}">
+                  <ma14:wrappingTextBoxFlag xmlns:ma14="http://schemas.microsoft.com/office/mac/drawingml/2011/main" xmlns:a14="http://schemas.microsoft.com/office/drawing/2010/main" xmlns:m="http://schemas.openxmlformats.org/officeDocument/2006/math" xmlns="" val="1"/>
+                </a:ext>
+              </a:extLst>
+            </p:spPr>
+            <p:txBody>
+              <a:bodyPr/>
+              <a:lstStyle/>
+              <a:p>
+                <a:r>
+                  <a:rPr lang="en-HR">
+                    <a:noFill/>
                   </a:rPr>
-                  <m:t>:</m:t>
-                </m:r>
-                <m:sSub>
-                  <m:e>
-                    <m:r>
-                      <a:rPr xmlns:a="http://schemas.openxmlformats.org/drawingml/2006/main" sz="3700" i="1">
-                        <a:solidFill>
-                          <a:srgbClr val="000000"/>
-                        </a:solidFill>
-                        <a:latin typeface="Cambria Math" panose="02040503050406030204" pitchFamily="18" charset="0"/>
-                      </a:rPr>
-                      <m:t>μ</m:t>
-                    </m:r>
-                  </m:e>
-                  <m:sub>
-                    <m:r>
-                      <a:rPr xmlns:a="http://schemas.openxmlformats.org/drawingml/2006/main" sz="3700" i="1">
-                        <a:solidFill>
-                          <a:srgbClr val="000000"/>
-                        </a:solidFill>
-                        <a:latin typeface="Cambria Math" panose="02040503050406030204" pitchFamily="18" charset="0"/>
-                      </a:rPr>
-                      <m:t>1</m:t>
-                    </m:r>
-                  </m:sub>
-                </m:sSub>
-                <m:r>
-                  <a:rPr xmlns:a="http://schemas.openxmlformats.org/drawingml/2006/main" sz="3700" i="1">
-                    <a:solidFill>
-                      <a:srgbClr val="000000"/>
-                    </a:solidFill>
-                    <a:latin typeface="Cambria Math" panose="02040503050406030204" pitchFamily="18" charset="0"/>
-                  </a:rPr>
-                  <m:t>=</m:t>
-                </m:r>
-                <m:sSub>
-                  <m:e>
-                    <m:r>
-                      <a:rPr xmlns:a="http://schemas.openxmlformats.org/drawingml/2006/main" sz="3700" i="1">
-                        <a:solidFill>
-                          <a:srgbClr val="000000"/>
-                        </a:solidFill>
-                        <a:latin typeface="Cambria Math" panose="02040503050406030204" pitchFamily="18" charset="0"/>
-                      </a:rPr>
-                      <m:t>μ</m:t>
-                    </m:r>
-                  </m:e>
-                  <m:sub>
-                    <m:r>
-                      <a:rPr xmlns:a="http://schemas.openxmlformats.org/drawingml/2006/main" sz="3700" i="1">
-                        <a:solidFill>
-                          <a:srgbClr val="000000"/>
-                        </a:solidFill>
-                        <a:latin typeface="Cambria Math" panose="02040503050406030204" pitchFamily="18" charset="0"/>
-                      </a:rPr>
-                      <m:t>2</m:t>
-                    </m:r>
-                  </m:sub>
-                </m:sSub>
-                <m:r>
-                  <a:rPr xmlns:a="http://schemas.openxmlformats.org/drawingml/2006/main" sz="3700" i="1">
-                    <a:solidFill>
-                      <a:srgbClr val="000000"/>
-                    </a:solidFill>
-                    <a:latin typeface="Cambria Math" panose="02040503050406030204" pitchFamily="18" charset="0"/>
-                  </a:rPr>
-                  <m:t>=</m:t>
-                </m:r>
-                <m:r>
-                  <a:rPr xmlns:a="http://schemas.openxmlformats.org/drawingml/2006/main" sz="3700" i="1">
-                    <a:solidFill>
-                      <a:srgbClr val="000000"/>
-                    </a:solidFill>
-                    <a:latin typeface="Cambria Math" panose="02040503050406030204" pitchFamily="18" charset="0"/>
-                  </a:rPr>
-                  <m:t>.</m:t>
-                </m:r>
-                <m:r>
-                  <a:rPr xmlns:a="http://schemas.openxmlformats.org/drawingml/2006/main" sz="3700" i="1">
-                    <a:solidFill>
-                      <a:srgbClr val="000000"/>
-                    </a:solidFill>
-                    <a:latin typeface="Cambria Math" panose="02040503050406030204" pitchFamily="18" charset="0"/>
-                  </a:rPr>
-                  <m:t>.</m:t>
-                </m:r>
-                <m:r>
-                  <a:rPr xmlns:a="http://schemas.openxmlformats.org/drawingml/2006/main" sz="3700" i="1">
-                    <a:solidFill>
-                      <a:srgbClr val="000000"/>
-                    </a:solidFill>
-                    <a:latin typeface="Cambria Math" panose="02040503050406030204" pitchFamily="18" charset="0"/>
-                  </a:rPr>
-                  <m:t>=</m:t>
-                </m:r>
-                <m:sSub>
-                  <m:e>
-                    <m:r>
-                      <a:rPr xmlns:a="http://schemas.openxmlformats.org/drawingml/2006/main" sz="3700" i="1">
-                        <a:solidFill>
-                          <a:srgbClr val="000000"/>
-                        </a:solidFill>
-                        <a:latin typeface="Cambria Math" panose="02040503050406030204" pitchFamily="18" charset="0"/>
-                      </a:rPr>
-                      <m:t>μ</m:t>
-                    </m:r>
-                  </m:e>
-                  <m:sub>
-                    <m:r>
-                      <a:rPr xmlns:a="http://schemas.openxmlformats.org/drawingml/2006/main" sz="3700" i="1">
-                        <a:solidFill>
-                          <a:srgbClr val="000000"/>
-                        </a:solidFill>
-                        <a:latin typeface="Cambria Math" panose="02040503050406030204" pitchFamily="18" charset="0"/>
-                      </a:rPr>
-                      <m:t>15</m:t>
-                    </m:r>
-                  </m:sub>
-                </m:sSub>
-                <m:r>
-                  <a:rPr xmlns:a="http://schemas.openxmlformats.org/drawingml/2006/main" sz="3700" i="1">
-                    <a:solidFill>
-                      <a:srgbClr val="000000"/>
-                    </a:solidFill>
-                    <a:latin typeface="Cambria Math" panose="02040503050406030204" pitchFamily="18" charset="0"/>
-                  </a:rPr>
-                  <m:t>=</m:t>
-                </m:r>
-                <m:sSub>
-                  <m:e>
-                    <m:r>
-                      <a:rPr xmlns:a="http://schemas.openxmlformats.org/drawingml/2006/main" sz="3700" i="1">
-                        <a:solidFill>
-                          <a:srgbClr val="000000"/>
-                        </a:solidFill>
-                        <a:latin typeface="Cambria Math" panose="02040503050406030204" pitchFamily="18" charset="0"/>
-                      </a:rPr>
-                      <m:t>μ</m:t>
-                    </m:r>
-                  </m:e>
-                  <m:sub>
-                    <m:r>
-                      <a:rPr xmlns:a="http://schemas.openxmlformats.org/drawingml/2006/main" sz="3700" i="1">
-                        <a:solidFill>
-                          <a:srgbClr val="000000"/>
-                        </a:solidFill>
-                        <a:latin typeface="Cambria Math" panose="02040503050406030204" pitchFamily="18" charset="0"/>
-                      </a:rPr>
-                      <m:t>16</m:t>
-                    </m:r>
-                  </m:sub>
-                </m:sSub>
-              </m:oMath>
-            </a14:m>
-            <a:r>
-              <a:t>  ( ne postoji statistički značajna razlika između prosječne dobi pacijenta za svaku kategoriju srčane aritmije)</a:t>
-            </a:r>
-          </a:p>
-          <a:p>
-            <a:pPr marL="609599" indent="-609599" algn="l">
-              <a:lnSpc>
-                <a:spcPct val="90000"/>
-              </a:lnSpc>
-              <a:spcBef>
-                <a:spcPts val="4500"/>
-              </a:spcBef>
-              <a:buSzPct val="123000"/>
-              <a:buChar char="•"/>
-              <a:defRPr sz="3100">
-                <a:solidFill>
-                  <a:srgbClr val="000000"/>
-                </a:solidFill>
-              </a:defRPr>
-            </a:pPr>
-            <a14:m>
-              <m:oMath>
-                <m:sSub>
-                  <m:e>
-                    <m:r>
-                      <a:rPr xmlns:a="http://schemas.openxmlformats.org/drawingml/2006/main" sz="3700" i="1">
-                        <a:solidFill>
-                          <a:srgbClr val="000000"/>
-                        </a:solidFill>
-                        <a:latin typeface="Cambria Math" panose="02040503050406030204" pitchFamily="18" charset="0"/>
-                      </a:rPr>
-                      <m:t>H</m:t>
-                    </m:r>
-                  </m:e>
-                  <m:sub>
-                    <m:r>
-                      <a:rPr xmlns:a="http://schemas.openxmlformats.org/drawingml/2006/main" sz="3700" i="1">
-                        <a:solidFill>
-                          <a:srgbClr val="000000"/>
-                        </a:solidFill>
-                        <a:latin typeface="Cambria Math" panose="02040503050406030204" pitchFamily="18" charset="0"/>
-                      </a:rPr>
-                      <m:t>1</m:t>
-                    </m:r>
-                  </m:sub>
-                </m:sSub>
-                <m:r>
-                  <a:rPr xmlns:a="http://schemas.openxmlformats.org/drawingml/2006/main" sz="3700" i="1">
-                    <a:solidFill>
-                      <a:srgbClr val="000000"/>
-                    </a:solidFill>
-                    <a:latin typeface="Cambria Math" panose="02040503050406030204" pitchFamily="18" charset="0"/>
-                  </a:rPr>
-                  <m:t>=</m:t>
-                </m:r>
-              </m:oMath>
-            </a14:m>
-            <a:r>
-              <a:t>ne </a:t>
-            </a:r>
-            <a14:m>
-              <m:oMath>
-                <m:sSub>
-                  <m:e>
-                    <m:r>
-                      <a:rPr xmlns:a="http://schemas.openxmlformats.org/drawingml/2006/main" sz="3750" i="1">
-                        <a:solidFill>
-                          <a:srgbClr val="000000"/>
-                        </a:solidFill>
-                        <a:latin typeface="Cambria Math" panose="02040503050406030204" pitchFamily="18" charset="0"/>
-                      </a:rPr>
-                      <m:t>H</m:t>
-                    </m:r>
-                  </m:e>
-                  <m:sub>
-                    <m:r>
-                      <a:rPr xmlns:a="http://schemas.openxmlformats.org/drawingml/2006/main" sz="3750" i="1">
-                        <a:solidFill>
-                          <a:srgbClr val="000000"/>
-                        </a:solidFill>
-                        <a:latin typeface="Cambria Math" panose="02040503050406030204" pitchFamily="18" charset="0"/>
-                      </a:rPr>
-                      <m:t>0</m:t>
-                    </m:r>
-                  </m:sub>
-                </m:sSub>
-              </m:oMath>
-            </a14:m>
-            <a:r>
-              <a:t>, tj. postoji statistički značajna razlika između prosječne dobi pacijenta za neke kategorije srčane aritmije</a:t>
-            </a:r>
-          </a:p>
-        </p:txBody>
-      </p:sp>
+                  <a:t> </a:t>
+                </a:r>
+              </a:p>
+            </p:txBody>
+          </p:sp>
+        </mc:Fallback>
+      </mc:AlternateContent>
       <p:pic>
         <p:nvPicPr>
           <p:cNvPr id="190" name="fb36cd4d-2b21-4683-9ced-d0f2c9fce01f.png" descr="fb36cd4d-2b21-4683-9ced-d0f2c9fce01f.png"/>
@@ -8095,9 +8890,7 @@
           <p:nvPr/>
         </p:nvPicPr>
         <p:blipFill>
-          <a:blip r:embed="rId2">
-            <a:extLst/>
-          </a:blip>
+          <a:blip r:embed="rId4"/>
           <a:stretch>
             <a:fillRect/>
           </a:stretch>
@@ -8120,12 +8913,12 @@
   <p:clrMapOvr>
     <a:masterClrMapping/>
   </p:clrMapOvr>
-  <p:transition xmlns:p14="http://schemas.microsoft.com/office/powerpoint/2010/main" spd="med" advClick="1"/>
+  <p:transition spd="med"/>
 </p:sld>
 </file>
 
 <file path=ppt/theme/theme1.xml><?xml version="1.0" encoding="utf-8"?>
-<a:theme xmlns:a="http://schemas.openxmlformats.org/drawingml/2006/main" xmlns:r="http://schemas.openxmlformats.org/officeDocument/2006/relationships" name="21_BasicWhite">
+<a:theme xmlns:a="http://schemas.openxmlformats.org/drawingml/2006/main" name="21_BasicWhite">
   <a:themeElements>
     <a:clrScheme name="21_BasicWhite">
       <a:dk1>
@@ -8324,7 +9117,7 @@
         <a:effectLst/>
         <a:sp3d/>
       </a:spPr>
-      <a:bodyPr rot="0" spcFirstLastPara="1" vertOverflow="overflow" horzOverflow="overflow" vert="horz" wrap="square" lIns="50800" tIns="50800" rIns="50800" bIns="50800" numCol="1" spcCol="38100" rtlCol="0" anchor="ctr" upright="0">
+      <a:bodyPr rot="0" spcFirstLastPara="1" vertOverflow="overflow" horzOverflow="overflow" vert="horz" wrap="square" lIns="50800" tIns="50800" rIns="50800" bIns="50800" numCol="1" spcCol="38100" rtlCol="0" anchor="ctr">
         <a:spAutoFit/>
       </a:bodyPr>
       <a:lstStyle>
@@ -8343,7 +9136,7 @@
           <a:buFontTx/>
           <a:buNone/>
           <a:tabLst/>
-          <a:defRPr b="0" baseline="0" cap="none" i="0" spc="0" strike="noStrike" sz="3200" u="none" kumimoji="0" normalizeH="0">
+          <a:defRPr kumimoji="0" sz="3200" b="0" i="0" u="none" strike="noStrike" cap="none" spc="0" normalizeH="0" baseline="0">
             <a:ln>
               <a:noFill/>
             </a:ln>
@@ -8373,7 +9166,7 @@
           <a:buFontTx/>
           <a:buNone/>
           <a:tabLst/>
-          <a:defRPr b="0" baseline="0" cap="none" i="0" spc="0" strike="noStrike" sz="1800" u="none" kumimoji="0" normalizeH="0">
+          <a:defRPr kumimoji="0" sz="1800" b="0" i="0" u="none" strike="noStrike" cap="none" spc="0" normalizeH="0" baseline="0">
             <a:ln>
               <a:noFill/>
             </a:ln>
@@ -8399,7 +9192,7 @@
           <a:buFontTx/>
           <a:buNone/>
           <a:tabLst/>
-          <a:defRPr b="0" baseline="0" cap="none" i="0" spc="0" strike="noStrike" sz="1800" u="none" kumimoji="0" normalizeH="0">
+          <a:defRPr kumimoji="0" sz="1800" b="0" i="0" u="none" strike="noStrike" cap="none" spc="0" normalizeH="0" baseline="0">
             <a:ln>
               <a:noFill/>
             </a:ln>
@@ -8425,7 +9218,7 @@
           <a:buFontTx/>
           <a:buNone/>
           <a:tabLst/>
-          <a:defRPr b="0" baseline="0" cap="none" i="0" spc="0" strike="noStrike" sz="1800" u="none" kumimoji="0" normalizeH="0">
+          <a:defRPr kumimoji="0" sz="1800" b="0" i="0" u="none" strike="noStrike" cap="none" spc="0" normalizeH="0" baseline="0">
             <a:ln>
               <a:noFill/>
             </a:ln>
@@ -8451,7 +9244,7 @@
           <a:buFontTx/>
           <a:buNone/>
           <a:tabLst/>
-          <a:defRPr b="0" baseline="0" cap="none" i="0" spc="0" strike="noStrike" sz="1800" u="none" kumimoji="0" normalizeH="0">
+          <a:defRPr kumimoji="0" sz="1800" b="0" i="0" u="none" strike="noStrike" cap="none" spc="0" normalizeH="0" baseline="0">
             <a:ln>
               <a:noFill/>
             </a:ln>
@@ -8477,7 +9270,7 @@
           <a:buFontTx/>
           <a:buNone/>
           <a:tabLst/>
-          <a:defRPr b="0" baseline="0" cap="none" i="0" spc="0" strike="noStrike" sz="1800" u="none" kumimoji="0" normalizeH="0">
+          <a:defRPr kumimoji="0" sz="1800" b="0" i="0" u="none" strike="noStrike" cap="none" spc="0" normalizeH="0" baseline="0">
             <a:ln>
               <a:noFill/>
             </a:ln>
@@ -8503,7 +9296,7 @@
           <a:buFontTx/>
           <a:buNone/>
           <a:tabLst/>
-          <a:defRPr b="0" baseline="0" cap="none" i="0" spc="0" strike="noStrike" sz="1800" u="none" kumimoji="0" normalizeH="0">
+          <a:defRPr kumimoji="0" sz="1800" b="0" i="0" u="none" strike="noStrike" cap="none" spc="0" normalizeH="0" baseline="0">
             <a:ln>
               <a:noFill/>
             </a:ln>
@@ -8529,7 +9322,7 @@
           <a:buFontTx/>
           <a:buNone/>
           <a:tabLst/>
-          <a:defRPr b="0" baseline="0" cap="none" i="0" spc="0" strike="noStrike" sz="1800" u="none" kumimoji="0" normalizeH="0">
+          <a:defRPr kumimoji="0" sz="1800" b="0" i="0" u="none" strike="noStrike" cap="none" spc="0" normalizeH="0" baseline="0">
             <a:ln>
               <a:noFill/>
             </a:ln>
@@ -8555,7 +9348,7 @@
           <a:buFontTx/>
           <a:buNone/>
           <a:tabLst/>
-          <a:defRPr b="0" baseline="0" cap="none" i="0" spc="0" strike="noStrike" sz="1800" u="none" kumimoji="0" normalizeH="0">
+          <a:defRPr kumimoji="0" sz="1800" b="0" i="0" u="none" strike="noStrike" cap="none" spc="0" normalizeH="0" baseline="0">
             <a:ln>
               <a:noFill/>
             </a:ln>
@@ -8581,7 +9374,7 @@
           <a:buFontTx/>
           <a:buNone/>
           <a:tabLst/>
-          <a:defRPr b="0" baseline="0" cap="none" i="0" spc="0" strike="noStrike" sz="1800" u="none" kumimoji="0" normalizeH="0">
+          <a:defRPr kumimoji="0" sz="1800" b="0" i="0" u="none" strike="noStrike" cap="none" spc="0" normalizeH="0" baseline="0">
             <a:ln>
               <a:noFill/>
             </a:ln>
@@ -8594,9 +9387,15 @@
         </a:lvl9pPr>
       </a:lstStyle>
       <a:style>
-        <a:lnRef idx="0"/>
-        <a:fillRef idx="0"/>
-        <a:effectRef idx="0"/>
+        <a:lnRef idx="0">
+          <a:scrgbClr r="0" g="0" b="0"/>
+        </a:lnRef>
+        <a:fillRef idx="0">
+          <a:scrgbClr r="0" g="0" b="0"/>
+        </a:fillRef>
+        <a:effectRef idx="0">
+          <a:scrgbClr r="0" g="0" b="0"/>
+        </a:effectRef>
         <a:fontRef idx="none"/>
       </a:style>
     </a:spDef>
@@ -8613,7 +9412,7 @@
         <a:effectLst/>
         <a:sp3d/>
       </a:spPr>
-      <a:bodyPr rot="0" spcFirstLastPara="1" vertOverflow="overflow" horzOverflow="overflow" vert="horz" wrap="square" lIns="91439" tIns="45719" rIns="91439" bIns="45719" numCol="1" spcCol="38100" rtlCol="0" anchor="t" upright="0">
+      <a:bodyPr rot="0" spcFirstLastPara="1" vertOverflow="overflow" horzOverflow="overflow" vert="horz" wrap="square" lIns="91439" tIns="45719" rIns="91439" bIns="45719" numCol="1" spcCol="38100" rtlCol="0" anchor="t">
         <a:noAutofit/>
       </a:bodyPr>
       <a:lstStyle>
@@ -8632,7 +9431,7 @@
           <a:buFontTx/>
           <a:buNone/>
           <a:tabLst/>
-          <a:defRPr b="0" baseline="0" cap="none" i="0" spc="0" strike="noStrike" sz="1800" u="none" kumimoji="0" normalizeH="0">
+          <a:defRPr kumimoji="0" sz="1800" b="0" i="0" u="none" strike="noStrike" cap="none" spc="0" normalizeH="0" baseline="0">
             <a:ln>
               <a:noFill/>
             </a:ln>
@@ -8658,7 +9457,7 @@
           <a:buFontTx/>
           <a:buNone/>
           <a:tabLst/>
-          <a:defRPr b="0" baseline="0" cap="none" i="0" spc="0" strike="noStrike" sz="1800" u="none" kumimoji="0" normalizeH="0">
+          <a:defRPr kumimoji="0" sz="1800" b="0" i="0" u="none" strike="noStrike" cap="none" spc="0" normalizeH="0" baseline="0">
             <a:ln>
               <a:noFill/>
             </a:ln>
@@ -8684,7 +9483,7 @@
           <a:buFontTx/>
           <a:buNone/>
           <a:tabLst/>
-          <a:defRPr b="0" baseline="0" cap="none" i="0" spc="0" strike="noStrike" sz="1800" u="none" kumimoji="0" normalizeH="0">
+          <a:defRPr kumimoji="0" sz="1800" b="0" i="0" u="none" strike="noStrike" cap="none" spc="0" normalizeH="0" baseline="0">
             <a:ln>
               <a:noFill/>
             </a:ln>
@@ -8710,7 +9509,7 @@
           <a:buFontTx/>
           <a:buNone/>
           <a:tabLst/>
-          <a:defRPr b="0" baseline="0" cap="none" i="0" spc="0" strike="noStrike" sz="1800" u="none" kumimoji="0" normalizeH="0">
+          <a:defRPr kumimoji="0" sz="1800" b="0" i="0" u="none" strike="noStrike" cap="none" spc="0" normalizeH="0" baseline="0">
             <a:ln>
               <a:noFill/>
             </a:ln>
@@ -8736,7 +9535,7 @@
           <a:buFontTx/>
           <a:buNone/>
           <a:tabLst/>
-          <a:defRPr b="0" baseline="0" cap="none" i="0" spc="0" strike="noStrike" sz="1800" u="none" kumimoji="0" normalizeH="0">
+          <a:defRPr kumimoji="0" sz="1800" b="0" i="0" u="none" strike="noStrike" cap="none" spc="0" normalizeH="0" baseline="0">
             <a:ln>
               <a:noFill/>
             </a:ln>
@@ -8762,7 +9561,7 @@
           <a:buFontTx/>
           <a:buNone/>
           <a:tabLst/>
-          <a:defRPr b="0" baseline="0" cap="none" i="0" spc="0" strike="noStrike" sz="1800" u="none" kumimoji="0" normalizeH="0">
+          <a:defRPr kumimoji="0" sz="1800" b="0" i="0" u="none" strike="noStrike" cap="none" spc="0" normalizeH="0" baseline="0">
             <a:ln>
               <a:noFill/>
             </a:ln>
@@ -8788,7 +9587,7 @@
           <a:buFontTx/>
           <a:buNone/>
           <a:tabLst/>
-          <a:defRPr b="0" baseline="0" cap="none" i="0" spc="0" strike="noStrike" sz="1800" u="none" kumimoji="0" normalizeH="0">
+          <a:defRPr kumimoji="0" sz="1800" b="0" i="0" u="none" strike="noStrike" cap="none" spc="0" normalizeH="0" baseline="0">
             <a:ln>
               <a:noFill/>
             </a:ln>
@@ -8814,7 +9613,7 @@
           <a:buFontTx/>
           <a:buNone/>
           <a:tabLst/>
-          <a:defRPr b="0" baseline="0" cap="none" i="0" spc="0" strike="noStrike" sz="1800" u="none" kumimoji="0" normalizeH="0">
+          <a:defRPr kumimoji="0" sz="1800" b="0" i="0" u="none" strike="noStrike" cap="none" spc="0" normalizeH="0" baseline="0">
             <a:ln>
               <a:noFill/>
             </a:ln>
@@ -8840,7 +9639,7 @@
           <a:buFontTx/>
           <a:buNone/>
           <a:tabLst/>
-          <a:defRPr b="0" baseline="0" cap="none" i="0" spc="0" strike="noStrike" sz="1800" u="none" kumimoji="0" normalizeH="0">
+          <a:defRPr kumimoji="0" sz="1800" b="0" i="0" u="none" strike="noStrike" cap="none" spc="0" normalizeH="0" baseline="0">
             <a:ln>
               <a:noFill/>
             </a:ln>
@@ -8866,7 +9665,7 @@
           <a:buFontTx/>
           <a:buNone/>
           <a:tabLst/>
-          <a:defRPr b="0" baseline="0" cap="none" i="0" spc="0" strike="noStrike" sz="1800" u="none" kumimoji="0" normalizeH="0">
+          <a:defRPr kumimoji="0" sz="1800" b="0" i="0" u="none" strike="noStrike" cap="none" spc="0" normalizeH="0" baseline="0">
             <a:ln>
               <a:noFill/>
             </a:ln>
@@ -8879,9 +9678,15 @@
         </a:lvl9pPr>
       </a:lstStyle>
       <a:style>
-        <a:lnRef idx="0"/>
-        <a:fillRef idx="0"/>
-        <a:effectRef idx="0"/>
+        <a:lnRef idx="0">
+          <a:scrgbClr r="0" g="0" b="0"/>
+        </a:lnRef>
+        <a:fillRef idx="0">
+          <a:scrgbClr r="0" g="0" b="0"/>
+        </a:fillRef>
+        <a:effectRef idx="0">
+          <a:scrgbClr r="0" g="0" b="0"/>
+        </a:effectRef>
         <a:fontRef idx="none"/>
       </a:style>
     </a:lnDef>
@@ -8895,7 +9700,7 @@
         <a:effectLst/>
         <a:sp3d/>
       </a:spPr>
-      <a:bodyPr rot="0" spcFirstLastPara="1" vertOverflow="overflow" horzOverflow="overflow" vert="horz" wrap="square" lIns="50800" tIns="50800" rIns="50800" bIns="50800" numCol="1" spcCol="38100" rtlCol="0" anchor="ctr" upright="0">
+      <a:bodyPr rot="0" spcFirstLastPara="1" vertOverflow="overflow" horzOverflow="overflow" vert="horz" wrap="square" lIns="50800" tIns="50800" rIns="50800" bIns="50800" numCol="1" spcCol="38100" rtlCol="0" anchor="ctr">
         <a:spAutoFit/>
       </a:bodyPr>
       <a:lstStyle>
@@ -8914,7 +9719,7 @@
           <a:buFontTx/>
           <a:buNone/>
           <a:tabLst/>
-          <a:defRPr b="0" baseline="0" cap="none" i="0" spc="0" strike="noStrike" sz="2400" u="none" kumimoji="0" normalizeH="0">
+          <a:defRPr kumimoji="0" sz="2400" b="0" i="0" u="none" strike="noStrike" cap="none" spc="0" normalizeH="0" baseline="0">
             <a:ln>
               <a:noFill/>
             </a:ln>
@@ -8944,7 +9749,7 @@
           <a:buFontTx/>
           <a:buNone/>
           <a:tabLst/>
-          <a:defRPr b="0" baseline="0" cap="none" i="0" spc="0" strike="noStrike" sz="1800" u="none" kumimoji="0" normalizeH="0">
+          <a:defRPr kumimoji="0" sz="1800" b="0" i="0" u="none" strike="noStrike" cap="none" spc="0" normalizeH="0" baseline="0">
             <a:ln>
               <a:noFill/>
             </a:ln>
@@ -8970,7 +9775,7 @@
           <a:buFontTx/>
           <a:buNone/>
           <a:tabLst/>
-          <a:defRPr b="0" baseline="0" cap="none" i="0" spc="0" strike="noStrike" sz="1800" u="none" kumimoji="0" normalizeH="0">
+          <a:defRPr kumimoji="0" sz="1800" b="0" i="0" u="none" strike="noStrike" cap="none" spc="0" normalizeH="0" baseline="0">
             <a:ln>
               <a:noFill/>
             </a:ln>
@@ -8996,7 +9801,7 @@
           <a:buFontTx/>
           <a:buNone/>
           <a:tabLst/>
-          <a:defRPr b="0" baseline="0" cap="none" i="0" spc="0" strike="noStrike" sz="1800" u="none" kumimoji="0" normalizeH="0">
+          <a:defRPr kumimoji="0" sz="1800" b="0" i="0" u="none" strike="noStrike" cap="none" spc="0" normalizeH="0" baseline="0">
             <a:ln>
               <a:noFill/>
             </a:ln>
@@ -9022,7 +9827,7 @@
           <a:buFontTx/>
           <a:buNone/>
           <a:tabLst/>
-          <a:defRPr b="0" baseline="0" cap="none" i="0" spc="0" strike="noStrike" sz="1800" u="none" kumimoji="0" normalizeH="0">
+          <a:defRPr kumimoji="0" sz="1800" b="0" i="0" u="none" strike="noStrike" cap="none" spc="0" normalizeH="0" baseline="0">
             <a:ln>
               <a:noFill/>
             </a:ln>
@@ -9048,7 +9853,7 @@
           <a:buFontTx/>
           <a:buNone/>
           <a:tabLst/>
-          <a:defRPr b="0" baseline="0" cap="none" i="0" spc="0" strike="noStrike" sz="1800" u="none" kumimoji="0" normalizeH="0">
+          <a:defRPr kumimoji="0" sz="1800" b="0" i="0" u="none" strike="noStrike" cap="none" spc="0" normalizeH="0" baseline="0">
             <a:ln>
               <a:noFill/>
             </a:ln>
@@ -9074,7 +9879,7 @@
           <a:buFontTx/>
           <a:buNone/>
           <a:tabLst/>
-          <a:defRPr b="0" baseline="0" cap="none" i="0" spc="0" strike="noStrike" sz="1800" u="none" kumimoji="0" normalizeH="0">
+          <a:defRPr kumimoji="0" sz="1800" b="0" i="0" u="none" strike="noStrike" cap="none" spc="0" normalizeH="0" baseline="0">
             <a:ln>
               <a:noFill/>
             </a:ln>
@@ -9100,7 +9905,7 @@
           <a:buFontTx/>
           <a:buNone/>
           <a:tabLst/>
-          <a:defRPr b="0" baseline="0" cap="none" i="0" spc="0" strike="noStrike" sz="1800" u="none" kumimoji="0" normalizeH="0">
+          <a:defRPr kumimoji="0" sz="1800" b="0" i="0" u="none" strike="noStrike" cap="none" spc="0" normalizeH="0" baseline="0">
             <a:ln>
               <a:noFill/>
             </a:ln>
@@ -9126,7 +9931,7 @@
           <a:buFontTx/>
           <a:buNone/>
           <a:tabLst/>
-          <a:defRPr b="0" baseline="0" cap="none" i="0" spc="0" strike="noStrike" sz="1800" u="none" kumimoji="0" normalizeH="0">
+          <a:defRPr kumimoji="0" sz="1800" b="0" i="0" u="none" strike="noStrike" cap="none" spc="0" normalizeH="0" baseline="0">
             <a:ln>
               <a:noFill/>
             </a:ln>
@@ -9152,7 +9957,7 @@
           <a:buFontTx/>
           <a:buNone/>
           <a:tabLst/>
-          <a:defRPr b="0" baseline="0" cap="none" i="0" spc="0" strike="noStrike" sz="1800" u="none" kumimoji="0" normalizeH="0">
+          <a:defRPr kumimoji="0" sz="1800" b="0" i="0" u="none" strike="noStrike" cap="none" spc="0" normalizeH="0" baseline="0">
             <a:ln>
               <a:noFill/>
             </a:ln>
@@ -9165,18 +9970,25 @@
         </a:lvl9pPr>
       </a:lstStyle>
       <a:style>
-        <a:lnRef idx="0"/>
-        <a:fillRef idx="0"/>
-        <a:effectRef idx="0"/>
+        <a:lnRef idx="0">
+          <a:scrgbClr r="0" g="0" b="0"/>
+        </a:lnRef>
+        <a:fillRef idx="0">
+          <a:scrgbClr r="0" g="0" b="0"/>
+        </a:fillRef>
+        <a:effectRef idx="0">
+          <a:scrgbClr r="0" g="0" b="0"/>
+        </a:effectRef>
         <a:fontRef idx="none"/>
       </a:style>
     </a:txDef>
   </a:objectDefaults>
+  <a:extraClrSchemeLst/>
 </a:theme>
 </file>
 
 <file path=ppt/theme/theme2.xml><?xml version="1.0" encoding="utf-8"?>
-<a:theme xmlns:a="http://schemas.openxmlformats.org/drawingml/2006/main" xmlns:r="http://schemas.openxmlformats.org/officeDocument/2006/relationships" name="21_BasicWhite">
+<a:theme xmlns:a="http://schemas.openxmlformats.org/drawingml/2006/main" name="21_BasicWhite">
   <a:themeElements>
     <a:clrScheme name="21_BasicWhite">
       <a:dk1>
@@ -9375,7 +10187,7 @@
         <a:effectLst/>
         <a:sp3d/>
       </a:spPr>
-      <a:bodyPr rot="0" spcFirstLastPara="1" vertOverflow="overflow" horzOverflow="overflow" vert="horz" wrap="square" lIns="50800" tIns="50800" rIns="50800" bIns="50800" numCol="1" spcCol="38100" rtlCol="0" anchor="ctr" upright="0">
+      <a:bodyPr rot="0" spcFirstLastPara="1" vertOverflow="overflow" horzOverflow="overflow" vert="horz" wrap="square" lIns="50800" tIns="50800" rIns="50800" bIns="50800" numCol="1" spcCol="38100" rtlCol="0" anchor="ctr">
         <a:spAutoFit/>
       </a:bodyPr>
       <a:lstStyle>
@@ -9394,7 +10206,7 @@
           <a:buFontTx/>
           <a:buNone/>
           <a:tabLst/>
-          <a:defRPr b="0" baseline="0" cap="none" i="0" spc="0" strike="noStrike" sz="3200" u="none" kumimoji="0" normalizeH="0">
+          <a:defRPr kumimoji="0" sz="3200" b="0" i="0" u="none" strike="noStrike" cap="none" spc="0" normalizeH="0" baseline="0">
             <a:ln>
               <a:noFill/>
             </a:ln>
@@ -9424,7 +10236,7 @@
           <a:buFontTx/>
           <a:buNone/>
           <a:tabLst/>
-          <a:defRPr b="0" baseline="0" cap="none" i="0" spc="0" strike="noStrike" sz="1800" u="none" kumimoji="0" normalizeH="0">
+          <a:defRPr kumimoji="0" sz="1800" b="0" i="0" u="none" strike="noStrike" cap="none" spc="0" normalizeH="0" baseline="0">
             <a:ln>
               <a:noFill/>
             </a:ln>
@@ -9450,7 +10262,7 @@
           <a:buFontTx/>
           <a:buNone/>
           <a:tabLst/>
-          <a:defRPr b="0" baseline="0" cap="none" i="0" spc="0" strike="noStrike" sz="1800" u="none" kumimoji="0" normalizeH="0">
+          <a:defRPr kumimoji="0" sz="1800" b="0" i="0" u="none" strike="noStrike" cap="none" spc="0" normalizeH="0" baseline="0">
             <a:ln>
               <a:noFill/>
             </a:ln>
@@ -9476,7 +10288,7 @@
           <a:buFontTx/>
           <a:buNone/>
           <a:tabLst/>
-          <a:defRPr b="0" baseline="0" cap="none" i="0" spc="0" strike="noStrike" sz="1800" u="none" kumimoji="0" normalizeH="0">
+          <a:defRPr kumimoji="0" sz="1800" b="0" i="0" u="none" strike="noStrike" cap="none" spc="0" normalizeH="0" baseline="0">
             <a:ln>
               <a:noFill/>
             </a:ln>
@@ -9502,7 +10314,7 @@
           <a:buFontTx/>
           <a:buNone/>
           <a:tabLst/>
-          <a:defRPr b="0" baseline="0" cap="none" i="0" spc="0" strike="noStrike" sz="1800" u="none" kumimoji="0" normalizeH="0">
+          <a:defRPr kumimoji="0" sz="1800" b="0" i="0" u="none" strike="noStrike" cap="none" spc="0" normalizeH="0" baseline="0">
             <a:ln>
               <a:noFill/>
             </a:ln>
@@ -9528,7 +10340,7 @@
           <a:buFontTx/>
           <a:buNone/>
           <a:tabLst/>
-          <a:defRPr b="0" baseline="0" cap="none" i="0" spc="0" strike="noStrike" sz="1800" u="none" kumimoji="0" normalizeH="0">
+          <a:defRPr kumimoji="0" sz="1800" b="0" i="0" u="none" strike="noStrike" cap="none" spc="0" normalizeH="0" baseline="0">
             <a:ln>
               <a:noFill/>
             </a:ln>
@@ -9554,7 +10366,7 @@
           <a:buFontTx/>
           <a:buNone/>
           <a:tabLst/>
-          <a:defRPr b="0" baseline="0" cap="none" i="0" spc="0" strike="noStrike" sz="1800" u="none" kumimoji="0" normalizeH="0">
+          <a:defRPr kumimoji="0" sz="1800" b="0" i="0" u="none" strike="noStrike" cap="none" spc="0" normalizeH="0" baseline="0">
             <a:ln>
               <a:noFill/>
             </a:ln>
@@ -9580,7 +10392,7 @@
           <a:buFontTx/>
           <a:buNone/>
           <a:tabLst/>
-          <a:defRPr b="0" baseline="0" cap="none" i="0" spc="0" strike="noStrike" sz="1800" u="none" kumimoji="0" normalizeH="0">
+          <a:defRPr kumimoji="0" sz="1800" b="0" i="0" u="none" strike="noStrike" cap="none" spc="0" normalizeH="0" baseline="0">
             <a:ln>
               <a:noFill/>
             </a:ln>
@@ -9606,7 +10418,7 @@
           <a:buFontTx/>
           <a:buNone/>
           <a:tabLst/>
-          <a:defRPr b="0" baseline="0" cap="none" i="0" spc="0" strike="noStrike" sz="1800" u="none" kumimoji="0" normalizeH="0">
+          <a:defRPr kumimoji="0" sz="1800" b="0" i="0" u="none" strike="noStrike" cap="none" spc="0" normalizeH="0" baseline="0">
             <a:ln>
               <a:noFill/>
             </a:ln>
@@ -9632,7 +10444,7 @@
           <a:buFontTx/>
           <a:buNone/>
           <a:tabLst/>
-          <a:defRPr b="0" baseline="0" cap="none" i="0" spc="0" strike="noStrike" sz="1800" u="none" kumimoji="0" normalizeH="0">
+          <a:defRPr kumimoji="0" sz="1800" b="0" i="0" u="none" strike="noStrike" cap="none" spc="0" normalizeH="0" baseline="0">
             <a:ln>
               <a:noFill/>
             </a:ln>
@@ -9645,9 +10457,15 @@
         </a:lvl9pPr>
       </a:lstStyle>
       <a:style>
-        <a:lnRef idx="0"/>
-        <a:fillRef idx="0"/>
-        <a:effectRef idx="0"/>
+        <a:lnRef idx="0">
+          <a:scrgbClr r="0" g="0" b="0"/>
+        </a:lnRef>
+        <a:fillRef idx="0">
+          <a:scrgbClr r="0" g="0" b="0"/>
+        </a:fillRef>
+        <a:effectRef idx="0">
+          <a:scrgbClr r="0" g="0" b="0"/>
+        </a:effectRef>
         <a:fontRef idx="none"/>
       </a:style>
     </a:spDef>
@@ -9664,7 +10482,7 @@
         <a:effectLst/>
         <a:sp3d/>
       </a:spPr>
-      <a:bodyPr rot="0" spcFirstLastPara="1" vertOverflow="overflow" horzOverflow="overflow" vert="horz" wrap="square" lIns="91439" tIns="45719" rIns="91439" bIns="45719" numCol="1" spcCol="38100" rtlCol="0" anchor="t" upright="0">
+      <a:bodyPr rot="0" spcFirstLastPara="1" vertOverflow="overflow" horzOverflow="overflow" vert="horz" wrap="square" lIns="91439" tIns="45719" rIns="91439" bIns="45719" numCol="1" spcCol="38100" rtlCol="0" anchor="t">
         <a:noAutofit/>
       </a:bodyPr>
       <a:lstStyle>
@@ -9683,7 +10501,7 @@
           <a:buFontTx/>
           <a:buNone/>
           <a:tabLst/>
-          <a:defRPr b="0" baseline="0" cap="none" i="0" spc="0" strike="noStrike" sz="1800" u="none" kumimoji="0" normalizeH="0">
+          <a:defRPr kumimoji="0" sz="1800" b="0" i="0" u="none" strike="noStrike" cap="none" spc="0" normalizeH="0" baseline="0">
             <a:ln>
               <a:noFill/>
             </a:ln>
@@ -9709,7 +10527,7 @@
           <a:buFontTx/>
           <a:buNone/>
           <a:tabLst/>
-          <a:defRPr b="0" baseline="0" cap="none" i="0" spc="0" strike="noStrike" sz="1800" u="none" kumimoji="0" normalizeH="0">
+          <a:defRPr kumimoji="0" sz="1800" b="0" i="0" u="none" strike="noStrike" cap="none" spc="0" normalizeH="0" baseline="0">
             <a:ln>
               <a:noFill/>
             </a:ln>
@@ -9735,7 +10553,7 @@
           <a:buFontTx/>
           <a:buNone/>
           <a:tabLst/>
-          <a:defRPr b="0" baseline="0" cap="none" i="0" spc="0" strike="noStrike" sz="1800" u="none" kumimoji="0" normalizeH="0">
+          <a:defRPr kumimoji="0" sz="1800" b="0" i="0" u="none" strike="noStrike" cap="none" spc="0" normalizeH="0" baseline="0">
             <a:ln>
               <a:noFill/>
             </a:ln>
@@ -9761,7 +10579,7 @@
           <a:buFontTx/>
           <a:buNone/>
           <a:tabLst/>
-          <a:defRPr b="0" baseline="0" cap="none" i="0" spc="0" strike="noStrike" sz="1800" u="none" kumimoji="0" normalizeH="0">
+          <a:defRPr kumimoji="0" sz="1800" b="0" i="0" u="none" strike="noStrike" cap="none" spc="0" normalizeH="0" baseline="0">
             <a:ln>
               <a:noFill/>
             </a:ln>
@@ -9787,7 +10605,7 @@
           <a:buFontTx/>
           <a:buNone/>
           <a:tabLst/>
-          <a:defRPr b="0" baseline="0" cap="none" i="0" spc="0" strike="noStrike" sz="1800" u="none" kumimoji="0" normalizeH="0">
+          <a:defRPr kumimoji="0" sz="1800" b="0" i="0" u="none" strike="noStrike" cap="none" spc="0" normalizeH="0" baseline="0">
             <a:ln>
               <a:noFill/>
             </a:ln>
@@ -9813,7 +10631,7 @@
           <a:buFontTx/>
           <a:buNone/>
           <a:tabLst/>
-          <a:defRPr b="0" baseline="0" cap="none" i="0" spc="0" strike="noStrike" sz="1800" u="none" kumimoji="0" normalizeH="0">
+          <a:defRPr kumimoji="0" sz="1800" b="0" i="0" u="none" strike="noStrike" cap="none" spc="0" normalizeH="0" baseline="0">
             <a:ln>
               <a:noFill/>
             </a:ln>
@@ -9839,7 +10657,7 @@
           <a:buFontTx/>
           <a:buNone/>
           <a:tabLst/>
-          <a:defRPr b="0" baseline="0" cap="none" i="0" spc="0" strike="noStrike" sz="1800" u="none" kumimoji="0" normalizeH="0">
+          <a:defRPr kumimoji="0" sz="1800" b="0" i="0" u="none" strike="noStrike" cap="none" spc="0" normalizeH="0" baseline="0">
             <a:ln>
               <a:noFill/>
             </a:ln>
@@ -9865,7 +10683,7 @@
           <a:buFontTx/>
           <a:buNone/>
           <a:tabLst/>
-          <a:defRPr b="0" baseline="0" cap="none" i="0" spc="0" strike="noStrike" sz="1800" u="none" kumimoji="0" normalizeH="0">
+          <a:defRPr kumimoji="0" sz="1800" b="0" i="0" u="none" strike="noStrike" cap="none" spc="0" normalizeH="0" baseline="0">
             <a:ln>
               <a:noFill/>
             </a:ln>
@@ -9891,7 +10709,7 @@
           <a:buFontTx/>
           <a:buNone/>
           <a:tabLst/>
-          <a:defRPr b="0" baseline="0" cap="none" i="0" spc="0" strike="noStrike" sz="1800" u="none" kumimoji="0" normalizeH="0">
+          <a:defRPr kumimoji="0" sz="1800" b="0" i="0" u="none" strike="noStrike" cap="none" spc="0" normalizeH="0" baseline="0">
             <a:ln>
               <a:noFill/>
             </a:ln>
@@ -9917,7 +10735,7 @@
           <a:buFontTx/>
           <a:buNone/>
           <a:tabLst/>
-          <a:defRPr b="0" baseline="0" cap="none" i="0" spc="0" strike="noStrike" sz="1800" u="none" kumimoji="0" normalizeH="0">
+          <a:defRPr kumimoji="0" sz="1800" b="0" i="0" u="none" strike="noStrike" cap="none" spc="0" normalizeH="0" baseline="0">
             <a:ln>
               <a:noFill/>
             </a:ln>
@@ -9930,9 +10748,15 @@
         </a:lvl9pPr>
       </a:lstStyle>
       <a:style>
-        <a:lnRef idx="0"/>
-        <a:fillRef idx="0"/>
-        <a:effectRef idx="0"/>
+        <a:lnRef idx="0">
+          <a:scrgbClr r="0" g="0" b="0"/>
+        </a:lnRef>
+        <a:fillRef idx="0">
+          <a:scrgbClr r="0" g="0" b="0"/>
+        </a:fillRef>
+        <a:effectRef idx="0">
+          <a:scrgbClr r="0" g="0" b="0"/>
+        </a:effectRef>
         <a:fontRef idx="none"/>
       </a:style>
     </a:lnDef>
@@ -9946,7 +10770,7 @@
         <a:effectLst/>
         <a:sp3d/>
       </a:spPr>
-      <a:bodyPr rot="0" spcFirstLastPara="1" vertOverflow="overflow" horzOverflow="overflow" vert="horz" wrap="square" lIns="50800" tIns="50800" rIns="50800" bIns="50800" numCol="1" spcCol="38100" rtlCol="0" anchor="ctr" upright="0">
+      <a:bodyPr rot="0" spcFirstLastPara="1" vertOverflow="overflow" horzOverflow="overflow" vert="horz" wrap="square" lIns="50800" tIns="50800" rIns="50800" bIns="50800" numCol="1" spcCol="38100" rtlCol="0" anchor="ctr">
         <a:spAutoFit/>
       </a:bodyPr>
       <a:lstStyle>
@@ -9965,7 +10789,7 @@
           <a:buFontTx/>
           <a:buNone/>
           <a:tabLst/>
-          <a:defRPr b="0" baseline="0" cap="none" i="0" spc="0" strike="noStrike" sz="2400" u="none" kumimoji="0" normalizeH="0">
+          <a:defRPr kumimoji="0" sz="2400" b="0" i="0" u="none" strike="noStrike" cap="none" spc="0" normalizeH="0" baseline="0">
             <a:ln>
               <a:noFill/>
             </a:ln>
@@ -9995,7 +10819,7 @@
           <a:buFontTx/>
           <a:buNone/>
           <a:tabLst/>
-          <a:defRPr b="0" baseline="0" cap="none" i="0" spc="0" strike="noStrike" sz="1800" u="none" kumimoji="0" normalizeH="0">
+          <a:defRPr kumimoji="0" sz="1800" b="0" i="0" u="none" strike="noStrike" cap="none" spc="0" normalizeH="0" baseline="0">
             <a:ln>
               <a:noFill/>
             </a:ln>
@@ -10021,7 +10845,7 @@
           <a:buFontTx/>
           <a:buNone/>
           <a:tabLst/>
-          <a:defRPr b="0" baseline="0" cap="none" i="0" spc="0" strike="noStrike" sz="1800" u="none" kumimoji="0" normalizeH="0">
+          <a:defRPr kumimoji="0" sz="1800" b="0" i="0" u="none" strike="noStrike" cap="none" spc="0" normalizeH="0" baseline="0">
             <a:ln>
               <a:noFill/>
             </a:ln>
@@ -10047,7 +10871,7 @@
           <a:buFontTx/>
           <a:buNone/>
           <a:tabLst/>
-          <a:defRPr b="0" baseline="0" cap="none" i="0" spc="0" strike="noStrike" sz="1800" u="none" kumimoji="0" normalizeH="0">
+          <a:defRPr kumimoji="0" sz="1800" b="0" i="0" u="none" strike="noStrike" cap="none" spc="0" normalizeH="0" baseline="0">
             <a:ln>
               <a:noFill/>
             </a:ln>
@@ -10073,7 +10897,7 @@
           <a:buFontTx/>
           <a:buNone/>
           <a:tabLst/>
-          <a:defRPr b="0" baseline="0" cap="none" i="0" spc="0" strike="noStrike" sz="1800" u="none" kumimoji="0" normalizeH="0">
+          <a:defRPr kumimoji="0" sz="1800" b="0" i="0" u="none" strike="noStrike" cap="none" spc="0" normalizeH="0" baseline="0">
             <a:ln>
               <a:noFill/>
             </a:ln>
@@ -10099,7 +10923,7 @@
           <a:buFontTx/>
           <a:buNone/>
           <a:tabLst/>
-          <a:defRPr b="0" baseline="0" cap="none" i="0" spc="0" strike="noStrike" sz="1800" u="none" kumimoji="0" normalizeH="0">
+          <a:defRPr kumimoji="0" sz="1800" b="0" i="0" u="none" strike="noStrike" cap="none" spc="0" normalizeH="0" baseline="0">
             <a:ln>
               <a:noFill/>
             </a:ln>
@@ -10125,7 +10949,7 @@
           <a:buFontTx/>
           <a:buNone/>
           <a:tabLst/>
-          <a:defRPr b="0" baseline="0" cap="none" i="0" spc="0" strike="noStrike" sz="1800" u="none" kumimoji="0" normalizeH="0">
+          <a:defRPr kumimoji="0" sz="1800" b="0" i="0" u="none" strike="noStrike" cap="none" spc="0" normalizeH="0" baseline="0">
             <a:ln>
               <a:noFill/>
             </a:ln>
@@ -10151,7 +10975,7 @@
           <a:buFontTx/>
           <a:buNone/>
           <a:tabLst/>
-          <a:defRPr b="0" baseline="0" cap="none" i="0" spc="0" strike="noStrike" sz="1800" u="none" kumimoji="0" normalizeH="0">
+          <a:defRPr kumimoji="0" sz="1800" b="0" i="0" u="none" strike="noStrike" cap="none" spc="0" normalizeH="0" baseline="0">
             <a:ln>
               <a:noFill/>
             </a:ln>
@@ -10177,7 +11001,7 @@
           <a:buFontTx/>
           <a:buNone/>
           <a:tabLst/>
-          <a:defRPr b="0" baseline="0" cap="none" i="0" spc="0" strike="noStrike" sz="1800" u="none" kumimoji="0" normalizeH="0">
+          <a:defRPr kumimoji="0" sz="1800" b="0" i="0" u="none" strike="noStrike" cap="none" spc="0" normalizeH="0" baseline="0">
             <a:ln>
               <a:noFill/>
             </a:ln>
@@ -10203,7 +11027,7 @@
           <a:buFontTx/>
           <a:buNone/>
           <a:tabLst/>
-          <a:defRPr b="0" baseline="0" cap="none" i="0" spc="0" strike="noStrike" sz="1800" u="none" kumimoji="0" normalizeH="0">
+          <a:defRPr kumimoji="0" sz="1800" b="0" i="0" u="none" strike="noStrike" cap="none" spc="0" normalizeH="0" baseline="0">
             <a:ln>
               <a:noFill/>
             </a:ln>
@@ -10216,12 +11040,19 @@
         </a:lvl9pPr>
       </a:lstStyle>
       <a:style>
-        <a:lnRef idx="0"/>
-        <a:fillRef idx="0"/>
-        <a:effectRef idx="0"/>
+        <a:lnRef idx="0">
+          <a:scrgbClr r="0" g="0" b="0"/>
+        </a:lnRef>
+        <a:fillRef idx="0">
+          <a:scrgbClr r="0" g="0" b="0"/>
+        </a:fillRef>
+        <a:effectRef idx="0">
+          <a:scrgbClr r="0" g="0" b="0"/>
+        </a:effectRef>
         <a:fontRef idx="none"/>
       </a:style>
     </a:txDef>
   </a:objectDefaults>
+  <a:extraClrSchemeLst/>
 </a:theme>
 </file>